--- a/04-design.pptx
+++ b/04-design.pptx
@@ -5,41 +5,42 @@
     <p:sldMasterId id="2147483935" r:id="rId4"/>
   </p:sldMasterIdLst>
   <p:notesMasterIdLst>
-    <p:notesMasterId r:id="rId34"/>
+    <p:notesMasterId r:id="rId35"/>
   </p:notesMasterIdLst>
   <p:handoutMasterIdLst>
-    <p:handoutMasterId r:id="rId35"/>
+    <p:handoutMasterId r:id="rId36"/>
   </p:handoutMasterIdLst>
   <p:sldIdLst>
     <p:sldId id="318" r:id="rId5"/>
-    <p:sldId id="320" r:id="rId6"/>
-    <p:sldId id="586" r:id="rId7"/>
-    <p:sldId id="593" r:id="rId8"/>
-    <p:sldId id="610" r:id="rId9"/>
-    <p:sldId id="611" r:id="rId10"/>
-    <p:sldId id="592" r:id="rId11"/>
-    <p:sldId id="594" r:id="rId12"/>
-    <p:sldId id="612" r:id="rId13"/>
-    <p:sldId id="613" r:id="rId14"/>
-    <p:sldId id="562" r:id="rId15"/>
-    <p:sldId id="595" r:id="rId16"/>
-    <p:sldId id="596" r:id="rId17"/>
-    <p:sldId id="597" r:id="rId18"/>
-    <p:sldId id="598" r:id="rId19"/>
-    <p:sldId id="563" r:id="rId20"/>
-    <p:sldId id="605" r:id="rId21"/>
-    <p:sldId id="614" r:id="rId22"/>
-    <p:sldId id="603" r:id="rId23"/>
-    <p:sldId id="604" r:id="rId24"/>
-    <p:sldId id="607" r:id="rId25"/>
-    <p:sldId id="608" r:id="rId26"/>
-    <p:sldId id="601" r:id="rId27"/>
-    <p:sldId id="609" r:id="rId28"/>
-    <p:sldId id="569" r:id="rId29"/>
-    <p:sldId id="602" r:id="rId30"/>
-    <p:sldId id="573" r:id="rId31"/>
-    <p:sldId id="570" r:id="rId32"/>
-    <p:sldId id="571" r:id="rId33"/>
+    <p:sldId id="615" r:id="rId6"/>
+    <p:sldId id="331" r:id="rId7"/>
+    <p:sldId id="586" r:id="rId8"/>
+    <p:sldId id="593" r:id="rId9"/>
+    <p:sldId id="610" r:id="rId10"/>
+    <p:sldId id="611" r:id="rId11"/>
+    <p:sldId id="592" r:id="rId12"/>
+    <p:sldId id="594" r:id="rId13"/>
+    <p:sldId id="612" r:id="rId14"/>
+    <p:sldId id="613" r:id="rId15"/>
+    <p:sldId id="562" r:id="rId16"/>
+    <p:sldId id="595" r:id="rId17"/>
+    <p:sldId id="596" r:id="rId18"/>
+    <p:sldId id="597" r:id="rId19"/>
+    <p:sldId id="598" r:id="rId20"/>
+    <p:sldId id="563" r:id="rId21"/>
+    <p:sldId id="605" r:id="rId22"/>
+    <p:sldId id="614" r:id="rId23"/>
+    <p:sldId id="603" r:id="rId24"/>
+    <p:sldId id="604" r:id="rId25"/>
+    <p:sldId id="607" r:id="rId26"/>
+    <p:sldId id="608" r:id="rId27"/>
+    <p:sldId id="601" r:id="rId28"/>
+    <p:sldId id="609" r:id="rId29"/>
+    <p:sldId id="569" r:id="rId30"/>
+    <p:sldId id="602" r:id="rId31"/>
+    <p:sldId id="573" r:id="rId32"/>
+    <p:sldId id="570" r:id="rId33"/>
+    <p:sldId id="571" r:id="rId34"/>
   </p:sldIdLst>
   <p:sldSz cx="12188825" cy="6858000"/>
   <p:notesSz cx="7010400" cy="9296400"/>
@@ -283,7 +284,7 @@
           <a:p>
             <a:fld id="{0B842F42-2CE9-4E35-95C1-410DC08A50B1}" type="datetimeFigureOut">
               <a:rPr lang="en-US" smtClean="0"/>
-              <a:t>7/29/20</a:t>
+              <a:t>7/31/20</a:t>
             </a:fld>
             <a:endParaRPr lang="en-US"/>
           </a:p>
@@ -448,7 +449,7 @@
           <a:p>
             <a:fld id="{6F282904-F315-4730-8D91-37D99E141A6F}" type="datetimeFigureOut">
               <a:rPr lang="en-US" smtClean="0"/>
-              <a:t>7/29/20</a:t>
+              <a:t>7/31/20</a:t>
             </a:fld>
             <a:endParaRPr lang="en-US"/>
           </a:p>
@@ -783,7 +784,7 @@
           <a:p>
             <a:fld id="{54E672D7-8E2D-4611-973D-F4591A707C34}" type="slidenum">
               <a:rPr lang="en-US" smtClean="0"/>
-              <a:t>20</a:t>
+              <a:t>21</a:t>
             </a:fld>
             <a:endParaRPr lang="en-US"/>
           </a:p>
@@ -889,7 +890,7 @@
           <a:p>
             <a:fld id="{6E363A66-168C-0143-BD3D-B116B7B003A5}" type="slidenum">
               <a:rPr lang="en-US" smtClean="0"/>
-              <a:t>23</a:t>
+              <a:t>24</a:t>
             </a:fld>
             <a:endParaRPr lang="en-US"/>
           </a:p>
@@ -973,7 +974,7 @@
           <a:p>
             <a:fld id="{6E363A66-168C-0143-BD3D-B116B7B003A5}" type="slidenum">
               <a:rPr lang="en-US" smtClean="0"/>
-              <a:t>26</a:t>
+              <a:t>27</a:t>
             </a:fld>
             <a:endParaRPr lang="en-US"/>
           </a:p>
@@ -1057,7 +1058,7 @@
           <a:p>
             <a:fld id="{6E363A66-168C-0143-BD3D-B116B7B003A5}" type="slidenum">
               <a:rPr lang="en-US" smtClean="0"/>
-              <a:t>27</a:t>
+              <a:t>28</a:t>
             </a:fld>
             <a:endParaRPr lang="en-US"/>
           </a:p>
@@ -1893,7 +1894,7 @@
           <a:noFill/>
           <a:extLst>
             <a:ext uri="{909E8E84-426E-40dd-AFC4-6F175D3DCCD1}">
-              <a14:hiddenFill xmlns="" xmlns:a14="http://schemas.microsoft.com/office/drawing/2010/main">
+              <a14:hiddenFill xmlns:a14="http://schemas.microsoft.com/office/drawing/2010/main" xmlns="">
                 <a:solidFill>
                   <a:srgbClr val="FFFFFF"/>
                 </a:solidFill>
@@ -2047,7 +2048,7 @@
           <a:noFill/>
           <a:extLst>
             <a:ext uri="{909E8E84-426E-40dd-AFC4-6F175D3DCCD1}">
-              <a14:hiddenFill xmlns="" xmlns:a14="http://schemas.microsoft.com/office/drawing/2010/main">
+              <a14:hiddenFill xmlns:a14="http://schemas.microsoft.com/office/drawing/2010/main" xmlns="">
                 <a:solidFill>
                   <a:srgbClr val="FFFFFF"/>
                 </a:solidFill>
@@ -6015,10 +6016,10 @@
       </p:sp>
       <p:sp>
         <p:nvSpPr>
-          <p:cNvPr id="18" name="Rounded Rectangle 17">
+          <p:cNvPr id="8" name="Rounded Rectangle 7">
             <a:extLst>
               <a:ext uri="{FF2B5EF4-FFF2-40B4-BE49-F238E27FC236}">
-                <a16:creationId xmlns:a16="http://schemas.microsoft.com/office/drawing/2014/main" id="{FD262230-1681-AF4E-B2F0-AFBCC7A193BF}"/>
+                <a16:creationId xmlns:a16="http://schemas.microsoft.com/office/drawing/2014/main" id="{3899DF7C-0BE0-0843-BC05-770FAC03F6BE}"/>
               </a:ext>
             </a:extLst>
           </p:cNvPr>
@@ -6082,79 +6083,10 @@
           </a:p>
         </p:txBody>
       </p:sp>
-      <p:sp>
-        <p:nvSpPr>
-          <p:cNvPr id="19" name="Rounded Rectangle 18">
-            <a:extLst>
-              <a:ext uri="{FF2B5EF4-FFF2-40B4-BE49-F238E27FC236}">
-                <a16:creationId xmlns:a16="http://schemas.microsoft.com/office/drawing/2014/main" id="{2862F1BC-F846-224E-B085-B39237C0FAC1}"/>
-              </a:ext>
-            </a:extLst>
-          </p:cNvPr>
-          <p:cNvSpPr/>
-          <p:nvPr/>
-        </p:nvSpPr>
-        <p:spPr>
-          <a:xfrm>
-            <a:off x="5420147" y="4023360"/>
-            <a:ext cx="3408917" cy="1699372"/>
-          </a:xfrm>
-          <a:prstGeom prst="roundRect">
-            <a:avLst/>
-          </a:prstGeom>
-          <a:solidFill>
-            <a:schemeClr val="tx2">
-              <a:lumMod val="20000"/>
-              <a:lumOff val="80000"/>
-            </a:schemeClr>
-          </a:solidFill>
-          <a:ln>
-            <a:noFill/>
-          </a:ln>
-          <a:effectLst>
-            <a:outerShdw blurRad="44450" dist="27940" dir="5400000" algn="ctr">
-              <a:srgbClr val="000000">
-                <a:alpha val="32000"/>
-              </a:srgbClr>
-            </a:outerShdw>
-          </a:effectLst>
-        </p:spPr>
-        <p:txBody>
-          <a:bodyPr rot="0" spcFirstLastPara="0" vertOverflow="overflow" horzOverflow="overflow" vert="horz" wrap="square" lIns="121851" tIns="60925" rIns="121851" bIns="60925" numCol="1" spcCol="0" rtlCol="0" fromWordArt="0" anchor="ctr" anchorCtr="0" forceAA="0" compatLnSpc="1">
-            <a:prstTxWarp prst="textNoShape">
-              <a:avLst/>
-            </a:prstTxWarp>
-            <a:noAutofit/>
-          </a:bodyPr>
-          <a:lstStyle/>
-          <a:p>
-            <a:pPr algn="ctr"/>
-            <a:r>
-              <a:rPr lang="en-US" sz="2000" dirty="0">
-                <a:solidFill>
-                  <a:schemeClr val="accent1"/>
-                </a:solidFill>
-              </a:rPr>
-              <a:t>Wrong incentives</a:t>
-            </a:r>
-          </a:p>
-          <a:p>
-            <a:pPr algn="ctr"/>
-            <a:r>
-              <a:rPr lang="en-US" sz="2000" dirty="0">
-                <a:solidFill>
-                  <a:schemeClr val="accent1"/>
-                </a:solidFill>
-              </a:rPr>
-              <a:t>Designing good tests is hard</a:t>
-            </a:r>
-          </a:p>
-        </p:txBody>
-      </p:sp>
     </p:spTree>
     <p:extLst>
       <p:ext uri="{BB962C8B-B14F-4D97-AF65-F5344CB8AC3E}">
-        <p14:creationId xmlns:p14="http://schemas.microsoft.com/office/powerpoint/2010/main" val="93140092"/>
+        <p14:creationId xmlns:p14="http://schemas.microsoft.com/office/powerpoint/2010/main" val="197705695"/>
       </p:ext>
     </p:extLst>
   </p:cSld>
@@ -6215,25 +6147,21 @@
         </p:nvSpPr>
         <p:spPr>
           <a:xfrm>
-            <a:off x="890815" y="1128937"/>
-            <a:ext cx="7697449" cy="637638"/>
+            <a:off x="943443" y="966203"/>
+            <a:ext cx="10693385" cy="359677"/>
           </a:xfrm>
         </p:spPr>
         <p:txBody>
           <a:bodyPr/>
           <a:lstStyle/>
           <a:p>
-            <a:pPr marL="0" indent="0" algn="ctr">
+            <a:pPr marL="0" indent="0">
               <a:buNone/>
             </a:pPr>
             <a:r>
-              <a:rPr lang="en-US" sz="2400" dirty="0"/>
-              <a:t>Taming the Complexity: Separation of Concerns</a:t>
-            </a:r>
-            <a:endParaRPr lang="en-US" dirty="0"/>
-          </a:p>
-          <a:p>
-            <a:endParaRPr lang="en-US" dirty="0"/>
+              <a:rPr lang="en-US" sz="2400" b="1" dirty="0"/>
+              <a:t>Desirable Characteristics and Why They are Challenging</a:t>
+            </a:r>
           </a:p>
           <a:p>
             <a:pPr lvl="1"/>
@@ -6243,10 +6171,90 @@
       </p:sp>
       <p:sp>
         <p:nvSpPr>
-          <p:cNvPr id="5" name="Rectangle 4">
+          <p:cNvPr id="5" name="TextBox 4">
             <a:extLst>
               <a:ext uri="{FF2B5EF4-FFF2-40B4-BE49-F238E27FC236}">
-                <a16:creationId xmlns:a16="http://schemas.microsoft.com/office/drawing/2014/main" id="{3BCD3279-1B86-B14E-B1AA-00B937F463A3}"/>
+                <a16:creationId xmlns:a16="http://schemas.microsoft.com/office/drawing/2014/main" id="{D8F3DAED-9D71-7A4D-ABCE-BAD854522A99}"/>
+              </a:ext>
+            </a:extLst>
+          </p:cNvPr>
+          <p:cNvSpPr txBox="1"/>
+          <p:nvPr/>
+        </p:nvSpPr>
+        <p:spPr>
+          <a:xfrm>
+            <a:off x="2198917" y="1446638"/>
+            <a:ext cx="1253164" cy="433965"/>
+          </a:xfrm>
+          <a:prstGeom prst="rect">
+            <a:avLst/>
+          </a:prstGeom>
+          <a:noFill/>
+        </p:spPr>
+        <p:txBody>
+          <a:bodyPr wrap="none" lIns="118872" tIns="91440" rIns="118872" bIns="91440" rtlCol="0" anchor="ctr" anchorCtr="0">
+            <a:spAutoFit/>
+          </a:bodyPr>
+          <a:lstStyle/>
+          <a:p>
+            <a:pPr algn="l">
+              <a:lnSpc>
+                <a:spcPct val="90000"/>
+              </a:lnSpc>
+            </a:pPr>
+            <a:r>
+              <a:rPr lang="en-US" dirty="0"/>
+              <a:t>Portability</a:t>
+            </a:r>
+          </a:p>
+        </p:txBody>
+      </p:sp>
+      <p:sp>
+        <p:nvSpPr>
+          <p:cNvPr id="15" name="TextBox 14">
+            <a:extLst>
+              <a:ext uri="{FF2B5EF4-FFF2-40B4-BE49-F238E27FC236}">
+                <a16:creationId xmlns:a16="http://schemas.microsoft.com/office/drawing/2014/main" id="{C78BF2DB-319B-F146-B7A1-BC81DCB8504A}"/>
+              </a:ext>
+            </a:extLst>
+          </p:cNvPr>
+          <p:cNvSpPr txBox="1"/>
+          <p:nvPr/>
+        </p:nvSpPr>
+        <p:spPr>
+          <a:xfrm>
+            <a:off x="5555459" y="1524659"/>
+            <a:ext cx="3317896" cy="433965"/>
+          </a:xfrm>
+          <a:prstGeom prst="rect">
+            <a:avLst/>
+          </a:prstGeom>
+          <a:noFill/>
+        </p:spPr>
+        <p:txBody>
+          <a:bodyPr wrap="none" lIns="118872" tIns="91440" rIns="118872" bIns="91440" rtlCol="0" anchor="ctr" anchorCtr="0">
+            <a:spAutoFit/>
+          </a:bodyPr>
+          <a:lstStyle/>
+          <a:p>
+            <a:pPr algn="l">
+              <a:lnSpc>
+                <a:spcPct val="90000"/>
+              </a:lnSpc>
+            </a:pPr>
+            <a:r>
+              <a:rPr lang="en-US" dirty="0"/>
+              <a:t>Verifiability and Maintainability</a:t>
+            </a:r>
+          </a:p>
+        </p:txBody>
+      </p:sp>
+      <p:sp>
+        <p:nvSpPr>
+          <p:cNvPr id="7" name="Rounded Rectangle 6">
+            <a:extLst>
+              <a:ext uri="{FF2B5EF4-FFF2-40B4-BE49-F238E27FC236}">
+                <a16:creationId xmlns:a16="http://schemas.microsoft.com/office/drawing/2014/main" id="{AB8C5454-7C3C-364A-9FC0-FAB9903FB673}"/>
               </a:ext>
             </a:extLst>
           </p:cNvPr>
@@ -6255,83 +6263,56 @@
         </p:nvSpPr>
         <p:spPr>
           <a:xfrm>
-            <a:off x="1340520" y="1850384"/>
-            <a:ext cx="1873771" cy="1528996"/>
-          </a:xfrm>
-          <a:prstGeom prst="rect">
+            <a:off x="1304596" y="2056199"/>
+            <a:ext cx="3408917" cy="1699372"/>
+          </a:xfrm>
+          <a:prstGeom prst="roundRect">
             <a:avLst/>
           </a:prstGeom>
           <a:solidFill>
-            <a:schemeClr val="accent1">
-              <a:lumMod val="40000"/>
-              <a:lumOff val="60000"/>
-            </a:schemeClr>
+            <a:schemeClr val="accent1"/>
           </a:solidFill>
-          <a:effectLst/>
+          <a:ln>
+            <a:noFill/>
+          </a:ln>
+          <a:effectLst>
+            <a:outerShdw blurRad="44450" dist="27940" dir="5400000" algn="ctr">
+              <a:srgbClr val="000000">
+                <a:alpha val="32000"/>
+              </a:srgbClr>
+            </a:outerShdw>
+          </a:effectLst>
         </p:spPr>
-        <p:style>
-          <a:lnRef idx="1">
-            <a:schemeClr val="accent1"/>
-          </a:lnRef>
-          <a:fillRef idx="3">
-            <a:schemeClr val="accent1"/>
-          </a:fillRef>
-          <a:effectRef idx="2">
-            <a:schemeClr val="accent1"/>
-          </a:effectRef>
-          <a:fontRef idx="minor">
-            <a:schemeClr val="lt1"/>
-          </a:fontRef>
-        </p:style>
         <p:txBody>
-          <a:bodyPr rtlCol="0" anchor="ctr"/>
+          <a:bodyPr rot="0" spcFirstLastPara="0" vertOverflow="overflow" horzOverflow="overflow" vert="horz" wrap="square" lIns="121851" tIns="60925" rIns="121851" bIns="60925" numCol="1" spcCol="0" rtlCol="0" fromWordArt="0" anchor="ctr" anchorCtr="0" forceAA="0" compatLnSpc="1">
+            <a:prstTxWarp prst="textNoShape">
+              <a:avLst/>
+            </a:prstTxWarp>
+            <a:noAutofit/>
+          </a:bodyPr>
           <a:lstStyle/>
           <a:p>
             <a:pPr algn="ctr"/>
             <a:r>
-              <a:rPr lang="en-US" b="1" dirty="0">
-                <a:solidFill>
-                  <a:schemeClr val="tx1"/>
+              <a:rPr lang="en-US" sz="2000" dirty="0">
+                <a:solidFill>
+                  <a:schemeClr val="tx2">
+                    <a:lumMod val="20000"/>
+                    <a:lumOff val="80000"/>
+                  </a:schemeClr>
                 </a:solidFill>
               </a:rPr>
-              <a:t>Subject of research</a:t>
-            </a:r>
-          </a:p>
-          <a:p>
-            <a:pPr algn="ctr"/>
-            <a:r>
-              <a:rPr lang="en-US" dirty="0">
-                <a:solidFill>
-                  <a:schemeClr val="tx1"/>
-                </a:solidFill>
-              </a:rPr>
-              <a:t>Model</a:t>
-            </a:r>
-          </a:p>
-          <a:p>
-            <a:pPr algn="ctr"/>
-            <a:r>
-              <a:rPr lang="en-US" dirty="0" err="1">
-                <a:solidFill>
-                  <a:schemeClr val="tx1"/>
-                </a:solidFill>
-              </a:rPr>
-              <a:t>Numerics</a:t>
-            </a:r>
-            <a:endParaRPr lang="en-US" dirty="0">
-              <a:solidFill>
-                <a:schemeClr val="tx1"/>
-              </a:solidFill>
-            </a:endParaRPr>
+              <a:t>General solutions that work without significant manual intervention across platforms</a:t>
+            </a:r>
           </a:p>
         </p:txBody>
       </p:sp>
       <p:sp>
         <p:nvSpPr>
-          <p:cNvPr id="6" name="Rectangle 5">
+          <p:cNvPr id="17" name="Rounded Rectangle 16">
             <a:extLst>
               <a:ext uri="{FF2B5EF4-FFF2-40B4-BE49-F238E27FC236}">
-                <a16:creationId xmlns:a16="http://schemas.microsoft.com/office/drawing/2014/main" id="{9AA1C2F6-DB31-644D-AA3E-8A5C5F208AF1}"/>
+                <a16:creationId xmlns:a16="http://schemas.microsoft.com/office/drawing/2014/main" id="{E92879B7-905C-BB44-A527-1A213FF082AB}"/>
               </a:ext>
             </a:extLst>
           </p:cNvPr>
@@ -6340,60 +6321,212 @@
         </p:nvSpPr>
         <p:spPr>
           <a:xfrm>
-            <a:off x="1340520" y="4546572"/>
-            <a:ext cx="1873771" cy="1528996"/>
-          </a:xfrm>
-          <a:prstGeom prst="rect">
+            <a:off x="5420146" y="2032815"/>
+            <a:ext cx="3408917" cy="1699372"/>
+          </a:xfrm>
+          <a:prstGeom prst="roundRect">
             <a:avLst/>
           </a:prstGeom>
           <a:solidFill>
-            <a:srgbClr val="0070C0"/>
+            <a:schemeClr val="accent1"/>
           </a:solidFill>
-          <a:effectLst/>
+          <a:ln>
+            <a:noFill/>
+          </a:ln>
+          <a:effectLst>
+            <a:outerShdw blurRad="44450" dist="27940" dir="5400000" algn="ctr">
+              <a:srgbClr val="000000">
+                <a:alpha val="32000"/>
+              </a:srgbClr>
+            </a:outerShdw>
+          </a:effectLst>
         </p:spPr>
-        <p:style>
-          <a:lnRef idx="1">
-            <a:schemeClr val="accent1"/>
-          </a:lnRef>
-          <a:fillRef idx="3">
-            <a:schemeClr val="accent1"/>
-          </a:fillRef>
-          <a:effectRef idx="2">
-            <a:schemeClr val="accent1"/>
-          </a:effectRef>
-          <a:fontRef idx="minor">
-            <a:schemeClr val="lt1"/>
-          </a:fontRef>
-        </p:style>
         <p:txBody>
-          <a:bodyPr rtlCol="0" anchor="ctr"/>
+          <a:bodyPr rot="0" spcFirstLastPara="0" vertOverflow="overflow" horzOverflow="overflow" vert="horz" wrap="square" lIns="121851" tIns="60925" rIns="121851" bIns="60925" numCol="1" spcCol="0" rtlCol="0" fromWordArt="0" anchor="ctr" anchorCtr="0" forceAA="0" compatLnSpc="1">
+            <a:prstTxWarp prst="textNoShape">
+              <a:avLst/>
+            </a:prstTxWarp>
+            <a:noAutofit/>
+          </a:bodyPr>
           <a:lstStyle/>
           <a:p>
             <a:pPr algn="ctr"/>
             <a:r>
-              <a:rPr lang="en-US" b="1" dirty="0"/>
-              <a:t>More Stable</a:t>
+              <a:rPr lang="en-US" sz="2000" dirty="0">
+                <a:solidFill>
+                  <a:schemeClr val="tx2">
+                    <a:lumMod val="20000"/>
+                    <a:lumOff val="80000"/>
+                  </a:schemeClr>
+                </a:solidFill>
+              </a:rPr>
+              <a:t>Clean code</a:t>
             </a:r>
           </a:p>
           <a:p>
             <a:pPr algn="ctr"/>
             <a:r>
-              <a:rPr lang="en-US" dirty="0"/>
-              <a:t>Discretization</a:t>
+              <a:rPr lang="en-US" sz="2000" dirty="0">
+                <a:solidFill>
+                  <a:schemeClr val="tx2">
+                    <a:lumMod val="20000"/>
+                    <a:lumOff val="80000"/>
+                  </a:schemeClr>
+                </a:solidFill>
+              </a:rPr>
+              <a:t>Documentation</a:t>
             </a:r>
           </a:p>
           <a:p>
             <a:pPr algn="ctr"/>
             <a:r>
-              <a:rPr lang="en-US" dirty="0"/>
-              <a:t>I/O</a:t>
-            </a:r>
-          </a:p>
+              <a:rPr lang="en-US" sz="2000" dirty="0">
+                <a:solidFill>
+                  <a:schemeClr val="tx2">
+                    <a:lumMod val="20000"/>
+                    <a:lumOff val="80000"/>
+                  </a:schemeClr>
+                </a:solidFill>
+              </a:rPr>
+              <a:t>Comprehensive testing</a:t>
+            </a:r>
+          </a:p>
+        </p:txBody>
+      </p:sp>
+      <p:sp>
+        <p:nvSpPr>
+          <p:cNvPr id="18" name="Rounded Rectangle 17">
+            <a:extLst>
+              <a:ext uri="{FF2B5EF4-FFF2-40B4-BE49-F238E27FC236}">
+                <a16:creationId xmlns:a16="http://schemas.microsoft.com/office/drawing/2014/main" id="{FD262230-1681-AF4E-B2F0-AFBCC7A193BF}"/>
+              </a:ext>
+            </a:extLst>
+          </p:cNvPr>
+          <p:cNvSpPr/>
+          <p:nvPr/>
+        </p:nvSpPr>
+        <p:spPr>
+          <a:xfrm>
+            <a:off x="1326032" y="4023360"/>
+            <a:ext cx="3408917" cy="1699372"/>
+          </a:xfrm>
+          <a:prstGeom prst="roundRect">
+            <a:avLst/>
+          </a:prstGeom>
+          <a:solidFill>
+            <a:schemeClr val="tx2">
+              <a:lumMod val="20000"/>
+              <a:lumOff val="80000"/>
+            </a:schemeClr>
+          </a:solidFill>
+          <a:ln>
+            <a:noFill/>
+          </a:ln>
+          <a:effectLst>
+            <a:outerShdw blurRad="44450" dist="27940" dir="5400000" algn="ctr">
+              <a:srgbClr val="000000">
+                <a:alpha val="32000"/>
+              </a:srgbClr>
+            </a:outerShdw>
+          </a:effectLst>
+        </p:spPr>
+        <p:txBody>
+          <a:bodyPr rot="0" spcFirstLastPara="0" vertOverflow="overflow" horzOverflow="overflow" vert="horz" wrap="square" lIns="121851" tIns="60925" rIns="121851" bIns="60925" numCol="1" spcCol="0" rtlCol="0" fromWordArt="0" anchor="ctr" anchorCtr="0" forceAA="0" compatLnSpc="1">
+            <a:prstTxWarp prst="textNoShape">
+              <a:avLst/>
+            </a:prstTxWarp>
+            <a:noAutofit/>
+          </a:bodyPr>
+          <a:lstStyle/>
           <a:p>
             <a:pPr algn="ctr"/>
             <a:r>
-              <a:rPr lang="en-US" dirty="0"/>
-              <a:t>Parameters </a:t>
+              <a:rPr lang="en-US" sz="2000" dirty="0">
+                <a:solidFill>
+                  <a:schemeClr val="accent1"/>
+                </a:solidFill>
+              </a:rPr>
+              <a:t>Tremendous platform heterogeneity</a:t>
+            </a:r>
+          </a:p>
+          <a:p>
+            <a:pPr algn="ctr"/>
+            <a:r>
+              <a:rPr lang="en-US" sz="2000" dirty="0">
+                <a:solidFill>
+                  <a:schemeClr val="accent1"/>
+                </a:solidFill>
+              </a:rPr>
+              <a:t>A version for each class of device =&gt; combinatorial explosion</a:t>
+            </a:r>
+          </a:p>
+        </p:txBody>
+      </p:sp>
+      <p:sp>
+        <p:nvSpPr>
+          <p:cNvPr id="19" name="Rounded Rectangle 18">
+            <a:extLst>
+              <a:ext uri="{FF2B5EF4-FFF2-40B4-BE49-F238E27FC236}">
+                <a16:creationId xmlns:a16="http://schemas.microsoft.com/office/drawing/2014/main" id="{2862F1BC-F846-224E-B085-B39237C0FAC1}"/>
+              </a:ext>
+            </a:extLst>
+          </p:cNvPr>
+          <p:cNvSpPr/>
+          <p:nvPr/>
+        </p:nvSpPr>
+        <p:spPr>
+          <a:xfrm>
+            <a:off x="5420147" y="4023360"/>
+            <a:ext cx="3408917" cy="1699372"/>
+          </a:xfrm>
+          <a:prstGeom prst="roundRect">
+            <a:avLst/>
+          </a:prstGeom>
+          <a:solidFill>
+            <a:schemeClr val="tx2">
+              <a:lumMod val="20000"/>
+              <a:lumOff val="80000"/>
+            </a:schemeClr>
+          </a:solidFill>
+          <a:ln>
+            <a:noFill/>
+          </a:ln>
+          <a:effectLst>
+            <a:outerShdw blurRad="44450" dist="27940" dir="5400000" algn="ctr">
+              <a:srgbClr val="000000">
+                <a:alpha val="32000"/>
+              </a:srgbClr>
+            </a:outerShdw>
+          </a:effectLst>
+        </p:spPr>
+        <p:txBody>
+          <a:bodyPr rot="0" spcFirstLastPara="0" vertOverflow="overflow" horzOverflow="overflow" vert="horz" wrap="square" lIns="121851" tIns="60925" rIns="121851" bIns="60925" numCol="1" spcCol="0" rtlCol="0" fromWordArt="0" anchor="ctr" anchorCtr="0" forceAA="0" compatLnSpc="1">
+            <a:prstTxWarp prst="textNoShape">
+              <a:avLst/>
+            </a:prstTxWarp>
+            <a:noAutofit/>
+          </a:bodyPr>
+          <a:lstStyle/>
+          <a:p>
+            <a:pPr algn="ctr"/>
+            <a:r>
+              <a:rPr lang="en-US" sz="2000" dirty="0">
+                <a:solidFill>
+                  <a:schemeClr val="accent1"/>
+                </a:solidFill>
+              </a:rPr>
+              <a:t>Wrong incentives</a:t>
+            </a:r>
+          </a:p>
+          <a:p>
+            <a:pPr algn="ctr"/>
+            <a:r>
+              <a:rPr lang="en-US" sz="2000" dirty="0">
+                <a:solidFill>
+                  <a:schemeClr val="accent1"/>
+                </a:solidFill>
+              </a:rPr>
+              <a:t>Designing good tests is hard</a:t>
             </a:r>
           </a:p>
         </p:txBody>
@@ -6401,7 +6534,7 @@
     </p:spTree>
     <p:extLst>
       <p:ext uri="{BB962C8B-B14F-4D97-AF65-F5344CB8AC3E}">
-        <p14:creationId xmlns:p14="http://schemas.microsoft.com/office/powerpoint/2010/main" val="1289229211"/>
+        <p14:creationId xmlns:p14="http://schemas.microsoft.com/office/powerpoint/2010/main" val="93140092"/>
       </p:ext>
     </p:extLst>
   </p:cSld>
@@ -6645,68 +6778,10 @@
           </a:p>
         </p:txBody>
       </p:sp>
-      <p:sp>
-        <p:nvSpPr>
-          <p:cNvPr id="8" name="Rectangle 7">
-            <a:extLst>
-              <a:ext uri="{FF2B5EF4-FFF2-40B4-BE49-F238E27FC236}">
-                <a16:creationId xmlns:a16="http://schemas.microsoft.com/office/drawing/2014/main" id="{7E4A8742-EAFC-7945-B8E7-7C02DC69617C}"/>
-              </a:ext>
-            </a:extLst>
-          </p:cNvPr>
-          <p:cNvSpPr/>
-          <p:nvPr/>
-        </p:nvSpPr>
-        <p:spPr>
-          <a:xfrm>
-            <a:off x="1340520" y="3544272"/>
-            <a:ext cx="1873771" cy="839449"/>
-          </a:xfrm>
-          <a:prstGeom prst="rect">
-            <a:avLst/>
-          </a:prstGeom>
-          <a:solidFill>
-            <a:schemeClr val="tx2">
-              <a:lumMod val="50000"/>
-            </a:schemeClr>
-          </a:solidFill>
-          <a:ln>
-            <a:solidFill>
-              <a:schemeClr val="tx1"/>
-            </a:solidFill>
-          </a:ln>
-          <a:effectLst/>
-        </p:spPr>
-        <p:style>
-          <a:lnRef idx="1">
-            <a:schemeClr val="accent1"/>
-          </a:lnRef>
-          <a:fillRef idx="3">
-            <a:schemeClr val="accent1"/>
-          </a:fillRef>
-          <a:effectRef idx="2">
-            <a:schemeClr val="accent1"/>
-          </a:effectRef>
-          <a:fontRef idx="minor">
-            <a:schemeClr val="lt1"/>
-          </a:fontRef>
-        </p:style>
-        <p:txBody>
-          <a:bodyPr rtlCol="0" anchor="ctr"/>
-          <a:lstStyle/>
-          <a:p>
-            <a:pPr algn="ctr"/>
-            <a:r>
-              <a:rPr lang="en-US" dirty="0"/>
-              <a:t>Treat differently</a:t>
-            </a:r>
-          </a:p>
-        </p:txBody>
-      </p:sp>
     </p:spTree>
     <p:extLst>
       <p:ext uri="{BB962C8B-B14F-4D97-AF65-F5344CB8AC3E}">
-        <p14:creationId xmlns:p14="http://schemas.microsoft.com/office/powerpoint/2010/main" val="334607759"/>
+        <p14:creationId xmlns:p14="http://schemas.microsoft.com/office/powerpoint/2010/main" val="1289229211"/>
       </p:ext>
     </p:extLst>
   </p:cSld>
@@ -7008,141 +7083,10 @@
           </a:p>
         </p:txBody>
       </p:sp>
-      <p:sp>
-        <p:nvSpPr>
-          <p:cNvPr id="9" name="Rectangle 8">
-            <a:extLst>
-              <a:ext uri="{FF2B5EF4-FFF2-40B4-BE49-F238E27FC236}">
-                <a16:creationId xmlns:a16="http://schemas.microsoft.com/office/drawing/2014/main" id="{1FF90A6A-80FD-1047-A93D-117341291BC1}"/>
-              </a:ext>
-            </a:extLst>
-          </p:cNvPr>
-          <p:cNvSpPr/>
-          <p:nvPr/>
-        </p:nvSpPr>
-        <p:spPr>
-          <a:xfrm>
-            <a:off x="3576552" y="1850384"/>
-            <a:ext cx="1873771" cy="1528996"/>
-          </a:xfrm>
-          <a:prstGeom prst="rect">
-            <a:avLst/>
-          </a:prstGeom>
-          <a:solidFill>
-            <a:schemeClr val="accent1">
-              <a:lumMod val="40000"/>
-              <a:lumOff val="60000"/>
-            </a:schemeClr>
-          </a:solidFill>
-          <a:effectLst/>
-        </p:spPr>
-        <p:style>
-          <a:lnRef idx="1">
-            <a:schemeClr val="accent1"/>
-          </a:lnRef>
-          <a:fillRef idx="3">
-            <a:schemeClr val="accent1"/>
-          </a:fillRef>
-          <a:effectRef idx="2">
-            <a:schemeClr val="accent1"/>
-          </a:effectRef>
-          <a:fontRef idx="minor">
-            <a:schemeClr val="lt1"/>
-          </a:fontRef>
-        </p:style>
-        <p:txBody>
-          <a:bodyPr rtlCol="0" anchor="ctr"/>
-          <a:lstStyle/>
-          <a:p>
-            <a:pPr algn="ctr"/>
-            <a:r>
-              <a:rPr lang="en-US" b="1" dirty="0">
-                <a:solidFill>
-                  <a:schemeClr val="tx1"/>
-                </a:solidFill>
-              </a:rPr>
-              <a:t>Client Code</a:t>
-            </a:r>
-          </a:p>
-          <a:p>
-            <a:pPr algn="ctr"/>
-            <a:r>
-              <a:rPr lang="en-US" dirty="0">
-                <a:solidFill>
-                  <a:schemeClr val="tx1"/>
-                </a:solidFill>
-              </a:rPr>
-              <a:t>Mathematically complex</a:t>
-            </a:r>
-          </a:p>
-        </p:txBody>
-      </p:sp>
-      <p:sp>
-        <p:nvSpPr>
-          <p:cNvPr id="11" name="Rectangle 10">
-            <a:extLst>
-              <a:ext uri="{FF2B5EF4-FFF2-40B4-BE49-F238E27FC236}">
-                <a16:creationId xmlns:a16="http://schemas.microsoft.com/office/drawing/2014/main" id="{0C99103D-F81B-364F-962C-0F9672801BBB}"/>
-              </a:ext>
-            </a:extLst>
-          </p:cNvPr>
-          <p:cNvSpPr/>
-          <p:nvPr/>
-        </p:nvSpPr>
-        <p:spPr>
-          <a:xfrm>
-            <a:off x="3576552" y="4546572"/>
-            <a:ext cx="1873771" cy="1528996"/>
-          </a:xfrm>
-          <a:prstGeom prst="rect">
-            <a:avLst/>
-          </a:prstGeom>
-          <a:solidFill>
-            <a:srgbClr val="0070C0"/>
-          </a:solidFill>
-          <a:effectLst/>
-        </p:spPr>
-        <p:style>
-          <a:lnRef idx="1">
-            <a:schemeClr val="accent1"/>
-          </a:lnRef>
-          <a:fillRef idx="3">
-            <a:schemeClr val="accent1"/>
-          </a:fillRef>
-          <a:effectRef idx="2">
-            <a:schemeClr val="accent1"/>
-          </a:effectRef>
-          <a:fontRef idx="minor">
-            <a:schemeClr val="lt1"/>
-          </a:fontRef>
-        </p:style>
-        <p:txBody>
-          <a:bodyPr rtlCol="0" anchor="ctr"/>
-          <a:lstStyle/>
-          <a:p>
-            <a:pPr algn="ctr"/>
-            <a:r>
-              <a:rPr lang="en-US" b="1" dirty="0"/>
-              <a:t>Infrastructure</a:t>
-            </a:r>
-          </a:p>
-          <a:p>
-            <a:pPr algn="ctr"/>
-            <a:r>
-              <a:rPr lang="en-US" dirty="0"/>
-              <a:t>Data structures and movement</a:t>
-            </a:r>
-          </a:p>
-          <a:p>
-            <a:pPr algn="ctr"/>
-            <a:endParaRPr lang="en-US" dirty="0"/>
-          </a:p>
-        </p:txBody>
-      </p:sp>
     </p:spTree>
     <p:extLst>
       <p:ext uri="{BB962C8B-B14F-4D97-AF65-F5344CB8AC3E}">
-        <p14:creationId xmlns:p14="http://schemas.microsoft.com/office/powerpoint/2010/main" val="3213464366"/>
+        <p14:creationId xmlns:p14="http://schemas.microsoft.com/office/powerpoint/2010/main" val="334607759"/>
       </p:ext>
     </p:extLst>
   </p:cSld>
@@ -7575,12 +7519,102 @@
           </a:p>
         </p:txBody>
       </p:sp>
+    </p:spTree>
+    <p:extLst>
+      <p:ext uri="{BB962C8B-B14F-4D97-AF65-F5344CB8AC3E}">
+        <p14:creationId xmlns:p14="http://schemas.microsoft.com/office/powerpoint/2010/main" val="3213464366"/>
+      </p:ext>
+    </p:extLst>
+  </p:cSld>
+  <p:clrMapOvr>
+    <a:masterClrMapping/>
+  </p:clrMapOvr>
+</p:sld>
+</file>
+
+<file path=ppt/slides/slide15.xml><?xml version="1.0" encoding="utf-8"?>
+<p:sld xmlns:a="http://schemas.openxmlformats.org/drawingml/2006/main" xmlns:r="http://schemas.openxmlformats.org/officeDocument/2006/relationships" xmlns:p="http://schemas.openxmlformats.org/presentationml/2006/main">
+  <p:cSld>
+    <p:spTree>
+      <p:nvGrpSpPr>
+        <p:cNvPr id="1" name=""/>
+        <p:cNvGrpSpPr/>
+        <p:nvPr/>
+      </p:nvGrpSpPr>
+      <p:grpSpPr>
+        <a:xfrm>
+          <a:off x="0" y="0"/>
+          <a:ext cx="0" cy="0"/>
+          <a:chOff x="0" y="0"/>
+          <a:chExt cx="0" cy="0"/>
+        </a:xfrm>
+      </p:grpSpPr>
       <p:sp>
         <p:nvSpPr>
-          <p:cNvPr id="12" name="Rectangle 11">
+          <p:cNvPr id="2" name="Title 1"/>
+          <p:cNvSpPr>
+            <a:spLocks noGrp="1"/>
+          </p:cNvSpPr>
+          <p:nvPr>
+            <p:ph type="title"/>
+          </p:nvPr>
+        </p:nvSpPr>
+        <p:spPr/>
+        <p:txBody>
+          <a:bodyPr/>
+          <a:lstStyle/>
+          <a:p>
+            <a:r>
+              <a:rPr lang="en-US" dirty="0"/>
+              <a:t>Architecting scientific codes</a:t>
+            </a:r>
+          </a:p>
+        </p:txBody>
+      </p:sp>
+      <p:sp>
+        <p:nvSpPr>
+          <p:cNvPr id="3" name="Content Placeholder 2"/>
+          <p:cNvSpPr>
+            <a:spLocks noGrp="1"/>
+          </p:cNvSpPr>
+          <p:nvPr>
+            <p:ph idx="1"/>
+          </p:nvPr>
+        </p:nvSpPr>
+        <p:spPr>
+          <a:xfrm>
+            <a:off x="890815" y="1128937"/>
+            <a:ext cx="7697449" cy="637638"/>
+          </a:xfrm>
+        </p:spPr>
+        <p:txBody>
+          <a:bodyPr/>
+          <a:lstStyle/>
+          <a:p>
+            <a:pPr marL="0" indent="0" algn="ctr">
+              <a:buNone/>
+            </a:pPr>
+            <a:r>
+              <a:rPr lang="en-US" sz="2400" dirty="0"/>
+              <a:t>Taming the Complexity: Separation of Concerns</a:t>
+            </a:r>
+            <a:endParaRPr lang="en-US" dirty="0"/>
+          </a:p>
+          <a:p>
+            <a:endParaRPr lang="en-US" dirty="0"/>
+          </a:p>
+          <a:p>
+            <a:pPr lvl="1"/>
+            <a:endParaRPr lang="en-US" dirty="0"/>
+          </a:p>
+        </p:txBody>
+      </p:sp>
+      <p:sp>
+        <p:nvSpPr>
+          <p:cNvPr id="5" name="Rectangle 4">
             <a:extLst>
               <a:ext uri="{FF2B5EF4-FFF2-40B4-BE49-F238E27FC236}">
-                <a16:creationId xmlns:a16="http://schemas.microsoft.com/office/drawing/2014/main" id="{FA035120-65AA-584A-9F3D-E4B12FF9D8BC}"/>
+                <a16:creationId xmlns:a16="http://schemas.microsoft.com/office/drawing/2014/main" id="{3BCD3279-1B86-B14E-B1AA-00B937F463A3}"/>
               </a:ext>
             </a:extLst>
           </p:cNvPr>
@@ -7589,7 +7623,164 @@
         </p:nvSpPr>
         <p:spPr>
           <a:xfrm>
-            <a:off x="3576552" y="3544272"/>
+            <a:off x="1340520" y="1850384"/>
+            <a:ext cx="1873771" cy="1528996"/>
+          </a:xfrm>
+          <a:prstGeom prst="rect">
+            <a:avLst/>
+          </a:prstGeom>
+          <a:solidFill>
+            <a:schemeClr val="accent1">
+              <a:lumMod val="40000"/>
+              <a:lumOff val="60000"/>
+            </a:schemeClr>
+          </a:solidFill>
+          <a:effectLst/>
+        </p:spPr>
+        <p:style>
+          <a:lnRef idx="1">
+            <a:schemeClr val="accent1"/>
+          </a:lnRef>
+          <a:fillRef idx="3">
+            <a:schemeClr val="accent1"/>
+          </a:fillRef>
+          <a:effectRef idx="2">
+            <a:schemeClr val="accent1"/>
+          </a:effectRef>
+          <a:fontRef idx="minor">
+            <a:schemeClr val="lt1"/>
+          </a:fontRef>
+        </p:style>
+        <p:txBody>
+          <a:bodyPr rtlCol="0" anchor="ctr"/>
+          <a:lstStyle/>
+          <a:p>
+            <a:pPr algn="ctr"/>
+            <a:r>
+              <a:rPr lang="en-US" b="1" dirty="0">
+                <a:solidFill>
+                  <a:schemeClr val="tx1"/>
+                </a:solidFill>
+              </a:rPr>
+              <a:t>Subject of research</a:t>
+            </a:r>
+          </a:p>
+          <a:p>
+            <a:pPr algn="ctr"/>
+            <a:r>
+              <a:rPr lang="en-US" dirty="0">
+                <a:solidFill>
+                  <a:schemeClr val="tx1"/>
+                </a:solidFill>
+              </a:rPr>
+              <a:t>Model</a:t>
+            </a:r>
+          </a:p>
+          <a:p>
+            <a:pPr algn="ctr"/>
+            <a:r>
+              <a:rPr lang="en-US" dirty="0" err="1">
+                <a:solidFill>
+                  <a:schemeClr val="tx1"/>
+                </a:solidFill>
+              </a:rPr>
+              <a:t>Numerics</a:t>
+            </a:r>
+            <a:endParaRPr lang="en-US" dirty="0">
+              <a:solidFill>
+                <a:schemeClr val="tx1"/>
+              </a:solidFill>
+            </a:endParaRPr>
+          </a:p>
+        </p:txBody>
+      </p:sp>
+      <p:sp>
+        <p:nvSpPr>
+          <p:cNvPr id="6" name="Rectangle 5">
+            <a:extLst>
+              <a:ext uri="{FF2B5EF4-FFF2-40B4-BE49-F238E27FC236}">
+                <a16:creationId xmlns:a16="http://schemas.microsoft.com/office/drawing/2014/main" id="{9AA1C2F6-DB31-644D-AA3E-8A5C5F208AF1}"/>
+              </a:ext>
+            </a:extLst>
+          </p:cNvPr>
+          <p:cNvSpPr/>
+          <p:nvPr/>
+        </p:nvSpPr>
+        <p:spPr>
+          <a:xfrm>
+            <a:off x="1340520" y="4546572"/>
+            <a:ext cx="1873771" cy="1528996"/>
+          </a:xfrm>
+          <a:prstGeom prst="rect">
+            <a:avLst/>
+          </a:prstGeom>
+          <a:solidFill>
+            <a:srgbClr val="0070C0"/>
+          </a:solidFill>
+          <a:effectLst/>
+        </p:spPr>
+        <p:style>
+          <a:lnRef idx="1">
+            <a:schemeClr val="accent1"/>
+          </a:lnRef>
+          <a:fillRef idx="3">
+            <a:schemeClr val="accent1"/>
+          </a:fillRef>
+          <a:effectRef idx="2">
+            <a:schemeClr val="accent1"/>
+          </a:effectRef>
+          <a:fontRef idx="minor">
+            <a:schemeClr val="lt1"/>
+          </a:fontRef>
+        </p:style>
+        <p:txBody>
+          <a:bodyPr rtlCol="0" anchor="ctr"/>
+          <a:lstStyle/>
+          <a:p>
+            <a:pPr algn="ctr"/>
+            <a:r>
+              <a:rPr lang="en-US" b="1" dirty="0"/>
+              <a:t>More Stable</a:t>
+            </a:r>
+          </a:p>
+          <a:p>
+            <a:pPr algn="ctr"/>
+            <a:r>
+              <a:rPr lang="en-US" dirty="0"/>
+              <a:t>Discretization</a:t>
+            </a:r>
+          </a:p>
+          <a:p>
+            <a:pPr algn="ctr"/>
+            <a:r>
+              <a:rPr lang="en-US" dirty="0"/>
+              <a:t>I/O</a:t>
+            </a:r>
+          </a:p>
+          <a:p>
+            <a:pPr algn="ctr"/>
+            <a:r>
+              <a:rPr lang="en-US" dirty="0"/>
+              <a:t>Parameters </a:t>
+            </a:r>
+          </a:p>
+        </p:txBody>
+      </p:sp>
+      <p:sp>
+        <p:nvSpPr>
+          <p:cNvPr id="8" name="Rectangle 7">
+            <a:extLst>
+              <a:ext uri="{FF2B5EF4-FFF2-40B4-BE49-F238E27FC236}">
+                <a16:creationId xmlns:a16="http://schemas.microsoft.com/office/drawing/2014/main" id="{7E4A8742-EAFC-7945-B8E7-7C02DC69617C}"/>
+              </a:ext>
+            </a:extLst>
+          </p:cNvPr>
+          <p:cNvSpPr/>
+          <p:nvPr/>
+        </p:nvSpPr>
+        <p:spPr>
+          <a:xfrm>
+            <a:off x="1340520" y="3544272"/>
             <a:ext cx="1873771" cy="839449"/>
           </a:xfrm>
           <a:prstGeom prst="rect">
@@ -7628,6 +7819,195 @@
             <a:pPr algn="ctr"/>
             <a:r>
               <a:rPr lang="en-US" dirty="0"/>
+              <a:t>Treat differently</a:t>
+            </a:r>
+          </a:p>
+        </p:txBody>
+      </p:sp>
+      <p:sp>
+        <p:nvSpPr>
+          <p:cNvPr id="9" name="Rectangle 8">
+            <a:extLst>
+              <a:ext uri="{FF2B5EF4-FFF2-40B4-BE49-F238E27FC236}">
+                <a16:creationId xmlns:a16="http://schemas.microsoft.com/office/drawing/2014/main" id="{1FF90A6A-80FD-1047-A93D-117341291BC1}"/>
+              </a:ext>
+            </a:extLst>
+          </p:cNvPr>
+          <p:cNvSpPr/>
+          <p:nvPr/>
+        </p:nvSpPr>
+        <p:spPr>
+          <a:xfrm>
+            <a:off x="3576552" y="1850384"/>
+            <a:ext cx="1873771" cy="1528996"/>
+          </a:xfrm>
+          <a:prstGeom prst="rect">
+            <a:avLst/>
+          </a:prstGeom>
+          <a:solidFill>
+            <a:schemeClr val="accent1">
+              <a:lumMod val="40000"/>
+              <a:lumOff val="60000"/>
+            </a:schemeClr>
+          </a:solidFill>
+          <a:effectLst/>
+        </p:spPr>
+        <p:style>
+          <a:lnRef idx="1">
+            <a:schemeClr val="accent1"/>
+          </a:lnRef>
+          <a:fillRef idx="3">
+            <a:schemeClr val="accent1"/>
+          </a:fillRef>
+          <a:effectRef idx="2">
+            <a:schemeClr val="accent1"/>
+          </a:effectRef>
+          <a:fontRef idx="minor">
+            <a:schemeClr val="lt1"/>
+          </a:fontRef>
+        </p:style>
+        <p:txBody>
+          <a:bodyPr rtlCol="0" anchor="ctr"/>
+          <a:lstStyle/>
+          <a:p>
+            <a:pPr algn="ctr"/>
+            <a:r>
+              <a:rPr lang="en-US" b="1" dirty="0">
+                <a:solidFill>
+                  <a:schemeClr val="tx1"/>
+                </a:solidFill>
+              </a:rPr>
+              <a:t>Client Code</a:t>
+            </a:r>
+          </a:p>
+          <a:p>
+            <a:pPr algn="ctr"/>
+            <a:r>
+              <a:rPr lang="en-US" dirty="0">
+                <a:solidFill>
+                  <a:schemeClr val="tx1"/>
+                </a:solidFill>
+              </a:rPr>
+              <a:t>Mathematically complex</a:t>
+            </a:r>
+          </a:p>
+        </p:txBody>
+      </p:sp>
+      <p:sp>
+        <p:nvSpPr>
+          <p:cNvPr id="11" name="Rectangle 10">
+            <a:extLst>
+              <a:ext uri="{FF2B5EF4-FFF2-40B4-BE49-F238E27FC236}">
+                <a16:creationId xmlns:a16="http://schemas.microsoft.com/office/drawing/2014/main" id="{0C99103D-F81B-364F-962C-0F9672801BBB}"/>
+              </a:ext>
+            </a:extLst>
+          </p:cNvPr>
+          <p:cNvSpPr/>
+          <p:nvPr/>
+        </p:nvSpPr>
+        <p:spPr>
+          <a:xfrm>
+            <a:off x="3576552" y="4546572"/>
+            <a:ext cx="1873771" cy="1528996"/>
+          </a:xfrm>
+          <a:prstGeom prst="rect">
+            <a:avLst/>
+          </a:prstGeom>
+          <a:solidFill>
+            <a:srgbClr val="0070C0"/>
+          </a:solidFill>
+          <a:effectLst/>
+        </p:spPr>
+        <p:style>
+          <a:lnRef idx="1">
+            <a:schemeClr val="accent1"/>
+          </a:lnRef>
+          <a:fillRef idx="3">
+            <a:schemeClr val="accent1"/>
+          </a:fillRef>
+          <a:effectRef idx="2">
+            <a:schemeClr val="accent1"/>
+          </a:effectRef>
+          <a:fontRef idx="minor">
+            <a:schemeClr val="lt1"/>
+          </a:fontRef>
+        </p:style>
+        <p:txBody>
+          <a:bodyPr rtlCol="0" anchor="ctr"/>
+          <a:lstStyle/>
+          <a:p>
+            <a:pPr algn="ctr"/>
+            <a:r>
+              <a:rPr lang="en-US" b="1" dirty="0"/>
+              <a:t>Infrastructure</a:t>
+            </a:r>
+          </a:p>
+          <a:p>
+            <a:pPr algn="ctr"/>
+            <a:r>
+              <a:rPr lang="en-US" dirty="0"/>
+              <a:t>Data structures and movement</a:t>
+            </a:r>
+          </a:p>
+          <a:p>
+            <a:pPr algn="ctr"/>
+            <a:endParaRPr lang="en-US" dirty="0"/>
+          </a:p>
+        </p:txBody>
+      </p:sp>
+      <p:sp>
+        <p:nvSpPr>
+          <p:cNvPr id="12" name="Rectangle 11">
+            <a:extLst>
+              <a:ext uri="{FF2B5EF4-FFF2-40B4-BE49-F238E27FC236}">
+                <a16:creationId xmlns:a16="http://schemas.microsoft.com/office/drawing/2014/main" id="{FA035120-65AA-584A-9F3D-E4B12FF9D8BC}"/>
+              </a:ext>
+            </a:extLst>
+          </p:cNvPr>
+          <p:cNvSpPr/>
+          <p:nvPr/>
+        </p:nvSpPr>
+        <p:spPr>
+          <a:xfrm>
+            <a:off x="3576552" y="3544272"/>
+            <a:ext cx="1873771" cy="839449"/>
+          </a:xfrm>
+          <a:prstGeom prst="rect">
+            <a:avLst/>
+          </a:prstGeom>
+          <a:solidFill>
+            <a:schemeClr val="tx2">
+              <a:lumMod val="50000"/>
+            </a:schemeClr>
+          </a:solidFill>
+          <a:ln>
+            <a:solidFill>
+              <a:schemeClr val="tx1"/>
+            </a:solidFill>
+          </a:ln>
+          <a:effectLst/>
+        </p:spPr>
+        <p:style>
+          <a:lnRef idx="1">
+            <a:schemeClr val="accent1"/>
+          </a:lnRef>
+          <a:fillRef idx="3">
+            <a:schemeClr val="accent1"/>
+          </a:fillRef>
+          <a:effectRef idx="2">
+            <a:schemeClr val="accent1"/>
+          </a:effectRef>
+          <a:fontRef idx="minor">
+            <a:schemeClr val="lt1"/>
+          </a:fontRef>
+        </p:style>
+        <p:txBody>
+          <a:bodyPr rtlCol="0" anchor="ctr"/>
+          <a:lstStyle/>
+          <a:p>
+            <a:pPr algn="ctr"/>
+            <a:r>
+              <a:rPr lang="en-US" dirty="0"/>
               <a:t>Hide from one another</a:t>
             </a:r>
           </a:p>
@@ -7646,7 +8026,7 @@
 </p:sld>
 </file>
 
-<file path=ppt/slides/slide15.xml><?xml version="1.0" encoding="utf-8"?>
+<file path=ppt/slides/slide16.xml><?xml version="1.0" encoding="utf-8"?>
 <p:sld xmlns:a="http://schemas.openxmlformats.org/drawingml/2006/main" xmlns:r="http://schemas.openxmlformats.org/officeDocument/2006/relationships" xmlns:p="http://schemas.openxmlformats.org/presentationml/2006/main">
   <p:cSld>
     <p:spTree>
@@ -8699,7 +9079,7 @@
 </p:sld>
 </file>
 
-<file path=ppt/slides/slide16.xml><?xml version="1.0" encoding="utf-8"?>
+<file path=ppt/slides/slide17.xml><?xml version="1.0" encoding="utf-8"?>
 <p:sld xmlns:a="http://schemas.openxmlformats.org/drawingml/2006/main" xmlns:r="http://schemas.openxmlformats.org/officeDocument/2006/relationships" xmlns:p="http://schemas.openxmlformats.org/presentationml/2006/main">
   <p:cSld>
     <p:spTree>
@@ -9876,465 +10256,6 @@
 </p:sld>
 </file>
 
-<file path=ppt/slides/slide17.xml><?xml version="1.0" encoding="utf-8"?>
-<p:sld xmlns:a="http://schemas.openxmlformats.org/drawingml/2006/main" xmlns:r="http://schemas.openxmlformats.org/officeDocument/2006/relationships" xmlns:p="http://schemas.openxmlformats.org/presentationml/2006/main">
-  <p:cSld>
-    <p:spTree>
-      <p:nvGrpSpPr>
-        <p:cNvPr id="1" name=""/>
-        <p:cNvGrpSpPr/>
-        <p:nvPr/>
-      </p:nvGrpSpPr>
-      <p:grpSpPr>
-        <a:xfrm>
-          <a:off x="0" y="0"/>
-          <a:ext cx="0" cy="0"/>
-          <a:chOff x="0" y="0"/>
-          <a:chExt cx="0" cy="0"/>
-        </a:xfrm>
-      </p:grpSpPr>
-      <p:sp>
-        <p:nvSpPr>
-          <p:cNvPr id="10" name="Rectangle 9">
-            <a:extLst>
-              <a:ext uri="{FF2B5EF4-FFF2-40B4-BE49-F238E27FC236}">
-                <a16:creationId xmlns:a16="http://schemas.microsoft.com/office/drawing/2014/main" id="{3E7EC149-0D6E-EA43-BEFD-0D592A41CAD3}"/>
-              </a:ext>
-            </a:extLst>
-          </p:cNvPr>
-          <p:cNvSpPr/>
-          <p:nvPr/>
-        </p:nvSpPr>
-        <p:spPr>
-          <a:xfrm>
-            <a:off x="166255" y="1550177"/>
-            <a:ext cx="5403273" cy="4241023"/>
-          </a:xfrm>
-          <a:prstGeom prst="rect">
-            <a:avLst/>
-          </a:prstGeom>
-          <a:solidFill>
-            <a:schemeClr val="accent3"/>
-          </a:solidFill>
-          <a:ln>
-            <a:noFill/>
-          </a:ln>
-          <a:effectLst>
-            <a:outerShdw blurRad="44450" dist="27940" dir="5400000" algn="ctr">
-              <a:srgbClr val="000000">
-                <a:alpha val="32000"/>
-              </a:srgbClr>
-            </a:outerShdw>
-          </a:effectLst>
-        </p:spPr>
-        <p:txBody>
-          <a:bodyPr rot="0" spcFirstLastPara="0" vertOverflow="overflow" horzOverflow="overflow" vert="horz" wrap="square" lIns="121851" tIns="60925" rIns="121851" bIns="60925" numCol="1" spcCol="0" rtlCol="0" fromWordArt="0" anchor="ctr" anchorCtr="0" forceAA="0" compatLnSpc="1">
-            <a:prstTxWarp prst="textNoShape">
-              <a:avLst/>
-            </a:prstTxWarp>
-            <a:noAutofit/>
-          </a:bodyPr>
-          <a:lstStyle/>
-          <a:p>
-            <a:pPr algn="ctr">
-              <a:lnSpc>
-                <a:spcPct val="90000"/>
-              </a:lnSpc>
-            </a:pPr>
-            <a:endParaRPr lang="en-US" sz="2000" dirty="0">
-              <a:solidFill>
-                <a:schemeClr val="bg1"/>
-              </a:solidFill>
-            </a:endParaRPr>
-          </a:p>
-        </p:txBody>
-      </p:sp>
-      <p:sp>
-        <p:nvSpPr>
-          <p:cNvPr id="3" name="Content Placeholder 2">
-            <a:extLst>
-              <a:ext uri="{FF2B5EF4-FFF2-40B4-BE49-F238E27FC236}">
-                <a16:creationId xmlns:a16="http://schemas.microsoft.com/office/drawing/2014/main" id="{36D087C7-F6DB-6246-BA7E-84DE6BC80227}"/>
-              </a:ext>
-            </a:extLst>
-          </p:cNvPr>
-          <p:cNvSpPr>
-            <a:spLocks noGrp="1"/>
-          </p:cNvSpPr>
-          <p:nvPr>
-            <p:ph idx="1"/>
-          </p:nvPr>
-        </p:nvSpPr>
-        <p:spPr>
-          <a:xfrm>
-            <a:off x="282633" y="1688722"/>
-            <a:ext cx="5286895" cy="4102478"/>
-          </a:xfrm>
-        </p:spPr>
-        <p:txBody>
-          <a:bodyPr/>
-          <a:lstStyle/>
-          <a:p>
-            <a:r>
-              <a:rPr lang="en-US" dirty="0"/>
-              <a:t>Infrastructure design</a:t>
-            </a:r>
-          </a:p>
-          <a:p>
-            <a:pPr lvl="1"/>
-            <a:r>
-              <a:rPr lang="en-US" dirty="0"/>
-              <a:t>Take time to discuss, iterate over requirements and specification</a:t>
-            </a:r>
-          </a:p>
-          <a:p>
-            <a:pPr lvl="1"/>
-            <a:r>
-              <a:rPr lang="en-US" dirty="0"/>
-              <a:t>Keep end users involved </a:t>
-            </a:r>
-          </a:p>
-          <a:p>
-            <a:pPr lvl="2"/>
-            <a:r>
-              <a:rPr lang="en-US" dirty="0"/>
-              <a:t>Not doing so leaves possible options on the table</a:t>
-            </a:r>
-          </a:p>
-          <a:p>
-            <a:r>
-              <a:rPr lang="en-US" dirty="0"/>
-              <a:t>Simple is better</a:t>
-            </a:r>
-          </a:p>
-          <a:p>
-            <a:pPr lvl="1"/>
-            <a:r>
-              <a:rPr lang="en-US" dirty="0"/>
-              <a:t>Flexibility Vs transparent to the user</a:t>
-            </a:r>
-          </a:p>
-          <a:p>
-            <a:pPr lvl="2"/>
-            <a:r>
-              <a:rPr lang="en-US" dirty="0"/>
-              <a:t>Flexibility wins</a:t>
-            </a:r>
-          </a:p>
-        </p:txBody>
-      </p:sp>
-      <p:sp>
-        <p:nvSpPr>
-          <p:cNvPr id="4" name="Date Placeholder 3">
-            <a:extLst>
-              <a:ext uri="{FF2B5EF4-FFF2-40B4-BE49-F238E27FC236}">
-                <a16:creationId xmlns:a16="http://schemas.microsoft.com/office/drawing/2014/main" id="{B2C88E49-3CEB-584A-AFB2-5B51EA707452}"/>
-              </a:ext>
-            </a:extLst>
-          </p:cNvPr>
-          <p:cNvSpPr>
-            <a:spLocks noGrp="1"/>
-          </p:cNvSpPr>
-          <p:nvPr>
-            <p:ph type="dt" sz="half" idx="10"/>
-          </p:nvPr>
-        </p:nvSpPr>
-        <p:spPr>
-          <a:xfrm>
-            <a:off x="6858000" y="6356350"/>
-            <a:ext cx="1600200" cy="274320"/>
-          </a:xfrm>
-          <a:prstGeom prst="rect">
-            <a:avLst/>
-          </a:prstGeom>
-        </p:spPr>
-        <p:txBody>
-          <a:bodyPr vert="horz" lIns="91440" tIns="45720" rIns="91440" bIns="45720" rtlCol="0" anchor="ctr" anchorCtr="0"/>
-          <a:lstStyle>
-            <a:defPPr>
-              <a:defRPr lang="en-US"/>
-            </a:defPPr>
-            <a:lvl1pPr marL="0" algn="r" defTabSz="914400" rtl="0" eaLnBrk="1" latinLnBrk="0" hangingPunct="1">
-              <a:defRPr sz="1100" kern="1200">
-                <a:solidFill>
-                  <a:schemeClr val="tx1"/>
-                </a:solidFill>
-                <a:latin typeface="Arial" panose="020B0604020202020204" pitchFamily="34" charset="0"/>
-                <a:ea typeface="+mn-ea"/>
-                <a:cs typeface="Arial" panose="020B0604020202020204" pitchFamily="34" charset="0"/>
-              </a:defRPr>
-            </a:lvl1pPr>
-            <a:lvl2pPr marL="457200" algn="l" defTabSz="914400" rtl="0" eaLnBrk="1" latinLnBrk="0" hangingPunct="1">
-              <a:defRPr sz="1800" kern="1200">
-                <a:solidFill>
-                  <a:schemeClr val="tx1"/>
-                </a:solidFill>
-                <a:latin typeface="+mn-lt"/>
-                <a:ea typeface="+mn-ea"/>
-                <a:cs typeface="+mn-cs"/>
-              </a:defRPr>
-            </a:lvl2pPr>
-            <a:lvl3pPr marL="914400" algn="l" defTabSz="914400" rtl="0" eaLnBrk="1" latinLnBrk="0" hangingPunct="1">
-              <a:defRPr sz="1800" kern="1200">
-                <a:solidFill>
-                  <a:schemeClr val="tx1"/>
-                </a:solidFill>
-                <a:latin typeface="+mn-lt"/>
-                <a:ea typeface="+mn-ea"/>
-                <a:cs typeface="+mn-cs"/>
-              </a:defRPr>
-            </a:lvl3pPr>
-            <a:lvl4pPr marL="1371600" algn="l" defTabSz="914400" rtl="0" eaLnBrk="1" latinLnBrk="0" hangingPunct="1">
-              <a:defRPr sz="1800" kern="1200">
-                <a:solidFill>
-                  <a:schemeClr val="tx1"/>
-                </a:solidFill>
-                <a:latin typeface="+mn-lt"/>
-                <a:ea typeface="+mn-ea"/>
-                <a:cs typeface="+mn-cs"/>
-              </a:defRPr>
-            </a:lvl4pPr>
-            <a:lvl5pPr marL="1828800" algn="l" defTabSz="914400" rtl="0" eaLnBrk="1" latinLnBrk="0" hangingPunct="1">
-              <a:defRPr sz="1800" kern="1200">
-                <a:solidFill>
-                  <a:schemeClr val="tx1"/>
-                </a:solidFill>
-                <a:latin typeface="+mn-lt"/>
-                <a:ea typeface="+mn-ea"/>
-                <a:cs typeface="+mn-cs"/>
-              </a:defRPr>
-            </a:lvl5pPr>
-            <a:lvl6pPr marL="2286000" algn="l" defTabSz="914400" rtl="0" eaLnBrk="1" latinLnBrk="0" hangingPunct="1">
-              <a:defRPr sz="1800" kern="1200">
-                <a:solidFill>
-                  <a:schemeClr val="tx1"/>
-                </a:solidFill>
-                <a:latin typeface="+mn-lt"/>
-                <a:ea typeface="+mn-ea"/>
-                <a:cs typeface="+mn-cs"/>
-              </a:defRPr>
-            </a:lvl6pPr>
-            <a:lvl7pPr marL="2743200" algn="l" defTabSz="914400" rtl="0" eaLnBrk="1" latinLnBrk="0" hangingPunct="1">
-              <a:defRPr sz="1800" kern="1200">
-                <a:solidFill>
-                  <a:schemeClr val="tx1"/>
-                </a:solidFill>
-                <a:latin typeface="+mn-lt"/>
-                <a:ea typeface="+mn-ea"/>
-                <a:cs typeface="+mn-cs"/>
-              </a:defRPr>
-            </a:lvl7pPr>
-            <a:lvl8pPr marL="3200400" algn="l" defTabSz="914400" rtl="0" eaLnBrk="1" latinLnBrk="0" hangingPunct="1">
-              <a:defRPr sz="1800" kern="1200">
-                <a:solidFill>
-                  <a:schemeClr val="tx1"/>
-                </a:solidFill>
-                <a:latin typeface="+mn-lt"/>
-                <a:ea typeface="+mn-ea"/>
-                <a:cs typeface="+mn-cs"/>
-              </a:defRPr>
-            </a:lvl8pPr>
-            <a:lvl9pPr marL="3657600" algn="l" defTabSz="914400" rtl="0" eaLnBrk="1" latinLnBrk="0" hangingPunct="1">
-              <a:defRPr sz="1800" kern="1200">
-                <a:solidFill>
-                  <a:schemeClr val="tx1"/>
-                </a:solidFill>
-                <a:latin typeface="+mn-lt"/>
-                <a:ea typeface="+mn-ea"/>
-                <a:cs typeface="+mn-cs"/>
-              </a:defRPr>
-            </a:lvl9pPr>
-          </a:lstStyle>
-          <a:p>
-            <a:fld id="{B557289E-1B3F-4E63-935A-0E0E5EBBCF05}" type="datetime1">
-              <a:rPr lang="en-US" smtClean="0"/>
-              <a:pPr/>
-              <a:t>7/29/20</a:t>
-            </a:fld>
-            <a:endParaRPr lang="en-US"/>
-          </a:p>
-        </p:txBody>
-      </p:sp>
-      <p:sp>
-        <p:nvSpPr>
-          <p:cNvPr id="5" name="Slide Number Placeholder 4">
-            <a:extLst>
-              <a:ext uri="{FF2B5EF4-FFF2-40B4-BE49-F238E27FC236}">
-                <a16:creationId xmlns:a16="http://schemas.microsoft.com/office/drawing/2014/main" id="{B05AEFD1-E907-E749-8CE9-8AC2C9DDB011}"/>
-              </a:ext>
-            </a:extLst>
-          </p:cNvPr>
-          <p:cNvSpPr>
-            <a:spLocks noGrp="1"/>
-          </p:cNvSpPr>
-          <p:nvPr>
-            <p:ph type="sldNum" sz="quarter" idx="12"/>
-          </p:nvPr>
-        </p:nvSpPr>
-        <p:spPr>
-          <a:xfrm>
-            <a:off x="8458200" y="6356350"/>
-            <a:ext cx="457200" cy="274320"/>
-          </a:xfrm>
-          <a:prstGeom prst="rect">
-            <a:avLst/>
-          </a:prstGeom>
-        </p:spPr>
-        <p:txBody>
-          <a:bodyPr vert="horz" lIns="91440" tIns="45720" rIns="91440" bIns="45720" rtlCol="0" anchor="ctr" anchorCtr="0"/>
-          <a:lstStyle>
-            <a:defPPr>
-              <a:defRPr lang="en-US"/>
-            </a:defPPr>
-            <a:lvl1pPr marL="0" algn="r" defTabSz="914400" rtl="0" eaLnBrk="1" latinLnBrk="0" hangingPunct="1">
-              <a:defRPr sz="1100" kern="1200">
-                <a:solidFill>
-                  <a:schemeClr val="tx1"/>
-                </a:solidFill>
-                <a:latin typeface="Arial" panose="020B0604020202020204" pitchFamily="34" charset="0"/>
-                <a:ea typeface="+mn-ea"/>
-                <a:cs typeface="Arial" panose="020B0604020202020204" pitchFamily="34" charset="0"/>
-              </a:defRPr>
-            </a:lvl1pPr>
-            <a:lvl2pPr marL="457200" algn="l" defTabSz="914400" rtl="0" eaLnBrk="1" latinLnBrk="0" hangingPunct="1">
-              <a:defRPr sz="1800" kern="1200">
-                <a:solidFill>
-                  <a:schemeClr val="tx1"/>
-                </a:solidFill>
-                <a:latin typeface="+mn-lt"/>
-                <a:ea typeface="+mn-ea"/>
-                <a:cs typeface="+mn-cs"/>
-              </a:defRPr>
-            </a:lvl2pPr>
-            <a:lvl3pPr marL="914400" algn="l" defTabSz="914400" rtl="0" eaLnBrk="1" latinLnBrk="0" hangingPunct="1">
-              <a:defRPr sz="1800" kern="1200">
-                <a:solidFill>
-                  <a:schemeClr val="tx1"/>
-                </a:solidFill>
-                <a:latin typeface="+mn-lt"/>
-                <a:ea typeface="+mn-ea"/>
-                <a:cs typeface="+mn-cs"/>
-              </a:defRPr>
-            </a:lvl3pPr>
-            <a:lvl4pPr marL="1371600" algn="l" defTabSz="914400" rtl="0" eaLnBrk="1" latinLnBrk="0" hangingPunct="1">
-              <a:defRPr sz="1800" kern="1200">
-                <a:solidFill>
-                  <a:schemeClr val="tx1"/>
-                </a:solidFill>
-                <a:latin typeface="+mn-lt"/>
-                <a:ea typeface="+mn-ea"/>
-                <a:cs typeface="+mn-cs"/>
-              </a:defRPr>
-            </a:lvl4pPr>
-            <a:lvl5pPr marL="1828800" algn="l" defTabSz="914400" rtl="0" eaLnBrk="1" latinLnBrk="0" hangingPunct="1">
-              <a:defRPr sz="1800" kern="1200">
-                <a:solidFill>
-                  <a:schemeClr val="tx1"/>
-                </a:solidFill>
-                <a:latin typeface="+mn-lt"/>
-                <a:ea typeface="+mn-ea"/>
-                <a:cs typeface="+mn-cs"/>
-              </a:defRPr>
-            </a:lvl5pPr>
-            <a:lvl6pPr marL="2286000" algn="l" defTabSz="914400" rtl="0" eaLnBrk="1" latinLnBrk="0" hangingPunct="1">
-              <a:defRPr sz="1800" kern="1200">
-                <a:solidFill>
-                  <a:schemeClr val="tx1"/>
-                </a:solidFill>
-                <a:latin typeface="+mn-lt"/>
-                <a:ea typeface="+mn-ea"/>
-                <a:cs typeface="+mn-cs"/>
-              </a:defRPr>
-            </a:lvl6pPr>
-            <a:lvl7pPr marL="2743200" algn="l" defTabSz="914400" rtl="0" eaLnBrk="1" latinLnBrk="0" hangingPunct="1">
-              <a:defRPr sz="1800" kern="1200">
-                <a:solidFill>
-                  <a:schemeClr val="tx1"/>
-                </a:solidFill>
-                <a:latin typeface="+mn-lt"/>
-                <a:ea typeface="+mn-ea"/>
-                <a:cs typeface="+mn-cs"/>
-              </a:defRPr>
-            </a:lvl7pPr>
-            <a:lvl8pPr marL="3200400" algn="l" defTabSz="914400" rtl="0" eaLnBrk="1" latinLnBrk="0" hangingPunct="1">
-              <a:defRPr sz="1800" kern="1200">
-                <a:solidFill>
-                  <a:schemeClr val="tx1"/>
-                </a:solidFill>
-                <a:latin typeface="+mn-lt"/>
-                <a:ea typeface="+mn-ea"/>
-                <a:cs typeface="+mn-cs"/>
-              </a:defRPr>
-            </a:lvl8pPr>
-            <a:lvl9pPr marL="3657600" algn="l" defTabSz="914400" rtl="0" eaLnBrk="1" latinLnBrk="0" hangingPunct="1">
-              <a:defRPr sz="1800" kern="1200">
-                <a:solidFill>
-                  <a:schemeClr val="tx1"/>
-                </a:solidFill>
-                <a:latin typeface="+mn-lt"/>
-                <a:ea typeface="+mn-ea"/>
-                <a:cs typeface="+mn-cs"/>
-              </a:defRPr>
-            </a:lvl9pPr>
-          </a:lstStyle>
-          <a:p>
-            <a:fld id="{AEFAAC5A-9C4F-4278-920D-DF2BAB595749}" type="slidenum">
-              <a:rPr lang="en-US" smtClean="0"/>
-              <a:pPr/>
-              <a:t>17</a:t>
-            </a:fld>
-            <a:endParaRPr lang="en-US" dirty="0"/>
-          </a:p>
-        </p:txBody>
-      </p:sp>
-      <p:sp>
-        <p:nvSpPr>
-          <p:cNvPr id="8" name="Title 1">
-            <a:extLst>
-              <a:ext uri="{FF2B5EF4-FFF2-40B4-BE49-F238E27FC236}">
-                <a16:creationId xmlns:a16="http://schemas.microsoft.com/office/drawing/2014/main" id="{EC3C299E-CAD7-AD46-BA3F-265522DEDF57}"/>
-              </a:ext>
-            </a:extLst>
-          </p:cNvPr>
-          <p:cNvSpPr>
-            <a:spLocks noGrp="1"/>
-          </p:cNvSpPr>
-          <p:nvPr>
-            <p:ph type="title"/>
-          </p:nvPr>
-        </p:nvSpPr>
-        <p:spPr>
-          <a:xfrm>
-            <a:off x="1143000" y="392112"/>
-            <a:ext cx="7772400" cy="674688"/>
-          </a:xfrm>
-        </p:spPr>
-        <p:txBody>
-          <a:bodyPr>
-            <a:noAutofit/>
-          </a:bodyPr>
-          <a:lstStyle/>
-          <a:p>
-            <a:r>
-              <a:rPr lang="en-US" sz="4000" dirty="0"/>
-              <a:t>Design Considerations</a:t>
-            </a:r>
-          </a:p>
-        </p:txBody>
-      </p:sp>
-    </p:spTree>
-    <p:extLst>
-      <p:ext uri="{BB962C8B-B14F-4D97-AF65-F5344CB8AC3E}">
-        <p14:creationId xmlns:p14="http://schemas.microsoft.com/office/powerpoint/2010/main" val="1425732872"/>
-      </p:ext>
-    </p:extLst>
-  </p:cSld>
-  <p:clrMapOvr>
-    <a:masterClrMapping/>
-  </p:clrMapOvr>
-</p:sld>
-</file>
-
 <file path=ppt/slides/slide18.xml><?xml version="1.0" encoding="utf-8"?>
 <p:sld xmlns:a="http://schemas.openxmlformats.org/drawingml/2006/main" xmlns:r="http://schemas.openxmlformats.org/officeDocument/2006/relationships" xmlns:p="http://schemas.openxmlformats.org/presentationml/2006/main">
   <p:cSld>
@@ -10461,18 +10382,6 @@
             </a:r>
           </a:p>
           <a:p>
-            <a:pPr lvl="1"/>
-            <a:r>
-              <a:rPr lang="en-US" dirty="0"/>
-              <a:t>Keep API independent of </a:t>
-            </a:r>
-            <a:r>
-              <a:rPr lang="en-US" dirty="0" err="1"/>
-              <a:t>numerics</a:t>
-            </a:r>
-            <a:endParaRPr lang="en-US" dirty="0"/>
-          </a:p>
-          <a:p>
             <a:r>
               <a:rPr lang="en-US" dirty="0"/>
               <a:t>Simple is better</a:t>
@@ -10620,7 +10529,7 @@
             <a:fld id="{B557289E-1B3F-4E63-935A-0E0E5EBBCF05}" type="datetime1">
               <a:rPr lang="en-US" smtClean="0"/>
               <a:pPr/>
-              <a:t>7/29/20</a:t>
+              <a:t>7/31/20</a:t>
             </a:fld>
             <a:endParaRPr lang="en-US"/>
           </a:p>
@@ -10753,6 +10662,477 @@
               <a:rPr lang="en-US" smtClean="0"/>
               <a:pPr/>
               <a:t>18</a:t>
+            </a:fld>
+            <a:endParaRPr lang="en-US" dirty="0"/>
+          </a:p>
+        </p:txBody>
+      </p:sp>
+      <p:sp>
+        <p:nvSpPr>
+          <p:cNvPr id="8" name="Title 1">
+            <a:extLst>
+              <a:ext uri="{FF2B5EF4-FFF2-40B4-BE49-F238E27FC236}">
+                <a16:creationId xmlns:a16="http://schemas.microsoft.com/office/drawing/2014/main" id="{EC3C299E-CAD7-AD46-BA3F-265522DEDF57}"/>
+              </a:ext>
+            </a:extLst>
+          </p:cNvPr>
+          <p:cNvSpPr>
+            <a:spLocks noGrp="1"/>
+          </p:cNvSpPr>
+          <p:nvPr>
+            <p:ph type="title"/>
+          </p:nvPr>
+        </p:nvSpPr>
+        <p:spPr>
+          <a:xfrm>
+            <a:off x="1143000" y="392112"/>
+            <a:ext cx="7772400" cy="674688"/>
+          </a:xfrm>
+        </p:spPr>
+        <p:txBody>
+          <a:bodyPr>
+            <a:noAutofit/>
+          </a:bodyPr>
+          <a:lstStyle/>
+          <a:p>
+            <a:r>
+              <a:rPr lang="en-US" sz="4000" dirty="0"/>
+              <a:t>Design Considerations</a:t>
+            </a:r>
+          </a:p>
+        </p:txBody>
+      </p:sp>
+    </p:spTree>
+    <p:extLst>
+      <p:ext uri="{BB962C8B-B14F-4D97-AF65-F5344CB8AC3E}">
+        <p14:creationId xmlns:p14="http://schemas.microsoft.com/office/powerpoint/2010/main" val="1425732872"/>
+      </p:ext>
+    </p:extLst>
+  </p:cSld>
+  <p:clrMapOvr>
+    <a:masterClrMapping/>
+  </p:clrMapOvr>
+</p:sld>
+</file>
+
+<file path=ppt/slides/slide19.xml><?xml version="1.0" encoding="utf-8"?>
+<p:sld xmlns:a="http://schemas.openxmlformats.org/drawingml/2006/main" xmlns:r="http://schemas.openxmlformats.org/officeDocument/2006/relationships" xmlns:p="http://schemas.openxmlformats.org/presentationml/2006/main">
+  <p:cSld>
+    <p:spTree>
+      <p:nvGrpSpPr>
+        <p:cNvPr id="1" name=""/>
+        <p:cNvGrpSpPr/>
+        <p:nvPr/>
+      </p:nvGrpSpPr>
+      <p:grpSpPr>
+        <a:xfrm>
+          <a:off x="0" y="0"/>
+          <a:ext cx="0" cy="0"/>
+          <a:chOff x="0" y="0"/>
+          <a:chExt cx="0" cy="0"/>
+        </a:xfrm>
+      </p:grpSpPr>
+      <p:sp>
+        <p:nvSpPr>
+          <p:cNvPr id="10" name="Rectangle 9">
+            <a:extLst>
+              <a:ext uri="{FF2B5EF4-FFF2-40B4-BE49-F238E27FC236}">
+                <a16:creationId xmlns:a16="http://schemas.microsoft.com/office/drawing/2014/main" id="{3E7EC149-0D6E-EA43-BEFD-0D592A41CAD3}"/>
+              </a:ext>
+            </a:extLst>
+          </p:cNvPr>
+          <p:cNvSpPr/>
+          <p:nvPr/>
+        </p:nvSpPr>
+        <p:spPr>
+          <a:xfrm>
+            <a:off x="166255" y="1550177"/>
+            <a:ext cx="5403273" cy="4241023"/>
+          </a:xfrm>
+          <a:prstGeom prst="rect">
+            <a:avLst/>
+          </a:prstGeom>
+          <a:solidFill>
+            <a:schemeClr val="accent3"/>
+          </a:solidFill>
+          <a:ln>
+            <a:noFill/>
+          </a:ln>
+          <a:effectLst>
+            <a:outerShdw blurRad="44450" dist="27940" dir="5400000" algn="ctr">
+              <a:srgbClr val="000000">
+                <a:alpha val="32000"/>
+              </a:srgbClr>
+            </a:outerShdw>
+          </a:effectLst>
+        </p:spPr>
+        <p:txBody>
+          <a:bodyPr rot="0" spcFirstLastPara="0" vertOverflow="overflow" horzOverflow="overflow" vert="horz" wrap="square" lIns="121851" tIns="60925" rIns="121851" bIns="60925" numCol="1" spcCol="0" rtlCol="0" fromWordArt="0" anchor="ctr" anchorCtr="0" forceAA="0" compatLnSpc="1">
+            <a:prstTxWarp prst="textNoShape">
+              <a:avLst/>
+            </a:prstTxWarp>
+            <a:noAutofit/>
+          </a:bodyPr>
+          <a:lstStyle/>
+          <a:p>
+            <a:pPr algn="ctr">
+              <a:lnSpc>
+                <a:spcPct val="90000"/>
+              </a:lnSpc>
+            </a:pPr>
+            <a:endParaRPr lang="en-US" sz="2000" dirty="0">
+              <a:solidFill>
+                <a:schemeClr val="bg1"/>
+              </a:solidFill>
+            </a:endParaRPr>
+          </a:p>
+        </p:txBody>
+      </p:sp>
+      <p:sp>
+        <p:nvSpPr>
+          <p:cNvPr id="3" name="Content Placeholder 2">
+            <a:extLst>
+              <a:ext uri="{FF2B5EF4-FFF2-40B4-BE49-F238E27FC236}">
+                <a16:creationId xmlns:a16="http://schemas.microsoft.com/office/drawing/2014/main" id="{36D087C7-F6DB-6246-BA7E-84DE6BC80227}"/>
+              </a:ext>
+            </a:extLst>
+          </p:cNvPr>
+          <p:cNvSpPr>
+            <a:spLocks noGrp="1"/>
+          </p:cNvSpPr>
+          <p:nvPr>
+            <p:ph idx="1"/>
+          </p:nvPr>
+        </p:nvSpPr>
+        <p:spPr>
+          <a:xfrm>
+            <a:off x="282633" y="1688722"/>
+            <a:ext cx="5286895" cy="4102478"/>
+          </a:xfrm>
+        </p:spPr>
+        <p:txBody>
+          <a:bodyPr/>
+          <a:lstStyle/>
+          <a:p>
+            <a:r>
+              <a:rPr lang="en-US" dirty="0"/>
+              <a:t>Infrastructure design</a:t>
+            </a:r>
+          </a:p>
+          <a:p>
+            <a:pPr lvl="1"/>
+            <a:r>
+              <a:rPr lang="en-US" dirty="0"/>
+              <a:t>Take time to discuss, iterate over requirements and specification</a:t>
+            </a:r>
+          </a:p>
+          <a:p>
+            <a:pPr lvl="1"/>
+            <a:r>
+              <a:rPr lang="en-US" dirty="0"/>
+              <a:t>Keep end users involved </a:t>
+            </a:r>
+          </a:p>
+          <a:p>
+            <a:pPr lvl="2"/>
+            <a:r>
+              <a:rPr lang="en-US" dirty="0"/>
+              <a:t>Not doing so leaves possible options on the table</a:t>
+            </a:r>
+          </a:p>
+          <a:p>
+            <a:pPr lvl="1"/>
+            <a:r>
+              <a:rPr lang="en-US" dirty="0"/>
+              <a:t>Keep API independent of </a:t>
+            </a:r>
+            <a:r>
+              <a:rPr lang="en-US" dirty="0" err="1"/>
+              <a:t>numerics</a:t>
+            </a:r>
+            <a:endParaRPr lang="en-US" dirty="0"/>
+          </a:p>
+          <a:p>
+            <a:r>
+              <a:rPr lang="en-US" dirty="0"/>
+              <a:t>Simple is better</a:t>
+            </a:r>
+          </a:p>
+          <a:p>
+            <a:pPr lvl="1"/>
+            <a:r>
+              <a:rPr lang="en-US" dirty="0"/>
+              <a:t>Flexibility Vs transparent to the user</a:t>
+            </a:r>
+          </a:p>
+          <a:p>
+            <a:pPr lvl="2"/>
+            <a:r>
+              <a:rPr lang="en-US" dirty="0"/>
+              <a:t>Flexibility wins</a:t>
+            </a:r>
+          </a:p>
+        </p:txBody>
+      </p:sp>
+      <p:sp>
+        <p:nvSpPr>
+          <p:cNvPr id="4" name="Date Placeholder 3">
+            <a:extLst>
+              <a:ext uri="{FF2B5EF4-FFF2-40B4-BE49-F238E27FC236}">
+                <a16:creationId xmlns:a16="http://schemas.microsoft.com/office/drawing/2014/main" id="{B2C88E49-3CEB-584A-AFB2-5B51EA707452}"/>
+              </a:ext>
+            </a:extLst>
+          </p:cNvPr>
+          <p:cNvSpPr>
+            <a:spLocks noGrp="1"/>
+          </p:cNvSpPr>
+          <p:nvPr>
+            <p:ph type="dt" sz="half" idx="10"/>
+          </p:nvPr>
+        </p:nvSpPr>
+        <p:spPr>
+          <a:xfrm>
+            <a:off x="6858000" y="6356350"/>
+            <a:ext cx="1600200" cy="274320"/>
+          </a:xfrm>
+          <a:prstGeom prst="rect">
+            <a:avLst/>
+          </a:prstGeom>
+        </p:spPr>
+        <p:txBody>
+          <a:bodyPr vert="horz" lIns="91440" tIns="45720" rIns="91440" bIns="45720" rtlCol="0" anchor="ctr" anchorCtr="0"/>
+          <a:lstStyle>
+            <a:defPPr>
+              <a:defRPr lang="en-US"/>
+            </a:defPPr>
+            <a:lvl1pPr marL="0" algn="r" defTabSz="914400" rtl="0" eaLnBrk="1" latinLnBrk="0" hangingPunct="1">
+              <a:defRPr sz="1100" kern="1200">
+                <a:solidFill>
+                  <a:schemeClr val="tx1"/>
+                </a:solidFill>
+                <a:latin typeface="Arial" panose="020B0604020202020204" pitchFamily="34" charset="0"/>
+                <a:ea typeface="+mn-ea"/>
+                <a:cs typeface="Arial" panose="020B0604020202020204" pitchFamily="34" charset="0"/>
+              </a:defRPr>
+            </a:lvl1pPr>
+            <a:lvl2pPr marL="457200" algn="l" defTabSz="914400" rtl="0" eaLnBrk="1" latinLnBrk="0" hangingPunct="1">
+              <a:defRPr sz="1800" kern="1200">
+                <a:solidFill>
+                  <a:schemeClr val="tx1"/>
+                </a:solidFill>
+                <a:latin typeface="+mn-lt"/>
+                <a:ea typeface="+mn-ea"/>
+                <a:cs typeface="+mn-cs"/>
+              </a:defRPr>
+            </a:lvl2pPr>
+            <a:lvl3pPr marL="914400" algn="l" defTabSz="914400" rtl="0" eaLnBrk="1" latinLnBrk="0" hangingPunct="1">
+              <a:defRPr sz="1800" kern="1200">
+                <a:solidFill>
+                  <a:schemeClr val="tx1"/>
+                </a:solidFill>
+                <a:latin typeface="+mn-lt"/>
+                <a:ea typeface="+mn-ea"/>
+                <a:cs typeface="+mn-cs"/>
+              </a:defRPr>
+            </a:lvl3pPr>
+            <a:lvl4pPr marL="1371600" algn="l" defTabSz="914400" rtl="0" eaLnBrk="1" latinLnBrk="0" hangingPunct="1">
+              <a:defRPr sz="1800" kern="1200">
+                <a:solidFill>
+                  <a:schemeClr val="tx1"/>
+                </a:solidFill>
+                <a:latin typeface="+mn-lt"/>
+                <a:ea typeface="+mn-ea"/>
+                <a:cs typeface="+mn-cs"/>
+              </a:defRPr>
+            </a:lvl4pPr>
+            <a:lvl5pPr marL="1828800" algn="l" defTabSz="914400" rtl="0" eaLnBrk="1" latinLnBrk="0" hangingPunct="1">
+              <a:defRPr sz="1800" kern="1200">
+                <a:solidFill>
+                  <a:schemeClr val="tx1"/>
+                </a:solidFill>
+                <a:latin typeface="+mn-lt"/>
+                <a:ea typeface="+mn-ea"/>
+                <a:cs typeface="+mn-cs"/>
+              </a:defRPr>
+            </a:lvl5pPr>
+            <a:lvl6pPr marL="2286000" algn="l" defTabSz="914400" rtl="0" eaLnBrk="1" latinLnBrk="0" hangingPunct="1">
+              <a:defRPr sz="1800" kern="1200">
+                <a:solidFill>
+                  <a:schemeClr val="tx1"/>
+                </a:solidFill>
+                <a:latin typeface="+mn-lt"/>
+                <a:ea typeface="+mn-ea"/>
+                <a:cs typeface="+mn-cs"/>
+              </a:defRPr>
+            </a:lvl6pPr>
+            <a:lvl7pPr marL="2743200" algn="l" defTabSz="914400" rtl="0" eaLnBrk="1" latinLnBrk="0" hangingPunct="1">
+              <a:defRPr sz="1800" kern="1200">
+                <a:solidFill>
+                  <a:schemeClr val="tx1"/>
+                </a:solidFill>
+                <a:latin typeface="+mn-lt"/>
+                <a:ea typeface="+mn-ea"/>
+                <a:cs typeface="+mn-cs"/>
+              </a:defRPr>
+            </a:lvl7pPr>
+            <a:lvl8pPr marL="3200400" algn="l" defTabSz="914400" rtl="0" eaLnBrk="1" latinLnBrk="0" hangingPunct="1">
+              <a:defRPr sz="1800" kern="1200">
+                <a:solidFill>
+                  <a:schemeClr val="tx1"/>
+                </a:solidFill>
+                <a:latin typeface="+mn-lt"/>
+                <a:ea typeface="+mn-ea"/>
+                <a:cs typeface="+mn-cs"/>
+              </a:defRPr>
+            </a:lvl8pPr>
+            <a:lvl9pPr marL="3657600" algn="l" defTabSz="914400" rtl="0" eaLnBrk="1" latinLnBrk="0" hangingPunct="1">
+              <a:defRPr sz="1800" kern="1200">
+                <a:solidFill>
+                  <a:schemeClr val="tx1"/>
+                </a:solidFill>
+                <a:latin typeface="+mn-lt"/>
+                <a:ea typeface="+mn-ea"/>
+                <a:cs typeface="+mn-cs"/>
+              </a:defRPr>
+            </a:lvl9pPr>
+          </a:lstStyle>
+          <a:p>
+            <a:fld id="{B557289E-1B3F-4E63-935A-0E0E5EBBCF05}" type="datetime1">
+              <a:rPr lang="en-US" smtClean="0"/>
+              <a:pPr/>
+              <a:t>7/31/20</a:t>
+            </a:fld>
+            <a:endParaRPr lang="en-US"/>
+          </a:p>
+        </p:txBody>
+      </p:sp>
+      <p:sp>
+        <p:nvSpPr>
+          <p:cNvPr id="5" name="Slide Number Placeholder 4">
+            <a:extLst>
+              <a:ext uri="{FF2B5EF4-FFF2-40B4-BE49-F238E27FC236}">
+                <a16:creationId xmlns:a16="http://schemas.microsoft.com/office/drawing/2014/main" id="{B05AEFD1-E907-E749-8CE9-8AC2C9DDB011}"/>
+              </a:ext>
+            </a:extLst>
+          </p:cNvPr>
+          <p:cNvSpPr>
+            <a:spLocks noGrp="1"/>
+          </p:cNvSpPr>
+          <p:nvPr>
+            <p:ph type="sldNum" sz="quarter" idx="12"/>
+          </p:nvPr>
+        </p:nvSpPr>
+        <p:spPr>
+          <a:xfrm>
+            <a:off x="8458200" y="6356350"/>
+            <a:ext cx="457200" cy="274320"/>
+          </a:xfrm>
+          <a:prstGeom prst="rect">
+            <a:avLst/>
+          </a:prstGeom>
+        </p:spPr>
+        <p:txBody>
+          <a:bodyPr vert="horz" lIns="91440" tIns="45720" rIns="91440" bIns="45720" rtlCol="0" anchor="ctr" anchorCtr="0"/>
+          <a:lstStyle>
+            <a:defPPr>
+              <a:defRPr lang="en-US"/>
+            </a:defPPr>
+            <a:lvl1pPr marL="0" algn="r" defTabSz="914400" rtl="0" eaLnBrk="1" latinLnBrk="0" hangingPunct="1">
+              <a:defRPr sz="1100" kern="1200">
+                <a:solidFill>
+                  <a:schemeClr val="tx1"/>
+                </a:solidFill>
+                <a:latin typeface="Arial" panose="020B0604020202020204" pitchFamily="34" charset="0"/>
+                <a:ea typeface="+mn-ea"/>
+                <a:cs typeface="Arial" panose="020B0604020202020204" pitchFamily="34" charset="0"/>
+              </a:defRPr>
+            </a:lvl1pPr>
+            <a:lvl2pPr marL="457200" algn="l" defTabSz="914400" rtl="0" eaLnBrk="1" latinLnBrk="0" hangingPunct="1">
+              <a:defRPr sz="1800" kern="1200">
+                <a:solidFill>
+                  <a:schemeClr val="tx1"/>
+                </a:solidFill>
+                <a:latin typeface="+mn-lt"/>
+                <a:ea typeface="+mn-ea"/>
+                <a:cs typeface="+mn-cs"/>
+              </a:defRPr>
+            </a:lvl2pPr>
+            <a:lvl3pPr marL="914400" algn="l" defTabSz="914400" rtl="0" eaLnBrk="1" latinLnBrk="0" hangingPunct="1">
+              <a:defRPr sz="1800" kern="1200">
+                <a:solidFill>
+                  <a:schemeClr val="tx1"/>
+                </a:solidFill>
+                <a:latin typeface="+mn-lt"/>
+                <a:ea typeface="+mn-ea"/>
+                <a:cs typeface="+mn-cs"/>
+              </a:defRPr>
+            </a:lvl3pPr>
+            <a:lvl4pPr marL="1371600" algn="l" defTabSz="914400" rtl="0" eaLnBrk="1" latinLnBrk="0" hangingPunct="1">
+              <a:defRPr sz="1800" kern="1200">
+                <a:solidFill>
+                  <a:schemeClr val="tx1"/>
+                </a:solidFill>
+                <a:latin typeface="+mn-lt"/>
+                <a:ea typeface="+mn-ea"/>
+                <a:cs typeface="+mn-cs"/>
+              </a:defRPr>
+            </a:lvl4pPr>
+            <a:lvl5pPr marL="1828800" algn="l" defTabSz="914400" rtl="0" eaLnBrk="1" latinLnBrk="0" hangingPunct="1">
+              <a:defRPr sz="1800" kern="1200">
+                <a:solidFill>
+                  <a:schemeClr val="tx1"/>
+                </a:solidFill>
+                <a:latin typeface="+mn-lt"/>
+                <a:ea typeface="+mn-ea"/>
+                <a:cs typeface="+mn-cs"/>
+              </a:defRPr>
+            </a:lvl5pPr>
+            <a:lvl6pPr marL="2286000" algn="l" defTabSz="914400" rtl="0" eaLnBrk="1" latinLnBrk="0" hangingPunct="1">
+              <a:defRPr sz="1800" kern="1200">
+                <a:solidFill>
+                  <a:schemeClr val="tx1"/>
+                </a:solidFill>
+                <a:latin typeface="+mn-lt"/>
+                <a:ea typeface="+mn-ea"/>
+                <a:cs typeface="+mn-cs"/>
+              </a:defRPr>
+            </a:lvl6pPr>
+            <a:lvl7pPr marL="2743200" algn="l" defTabSz="914400" rtl="0" eaLnBrk="1" latinLnBrk="0" hangingPunct="1">
+              <a:defRPr sz="1800" kern="1200">
+                <a:solidFill>
+                  <a:schemeClr val="tx1"/>
+                </a:solidFill>
+                <a:latin typeface="+mn-lt"/>
+                <a:ea typeface="+mn-ea"/>
+                <a:cs typeface="+mn-cs"/>
+              </a:defRPr>
+            </a:lvl7pPr>
+            <a:lvl8pPr marL="3200400" algn="l" defTabSz="914400" rtl="0" eaLnBrk="1" latinLnBrk="0" hangingPunct="1">
+              <a:defRPr sz="1800" kern="1200">
+                <a:solidFill>
+                  <a:schemeClr val="tx1"/>
+                </a:solidFill>
+                <a:latin typeface="+mn-lt"/>
+                <a:ea typeface="+mn-ea"/>
+                <a:cs typeface="+mn-cs"/>
+              </a:defRPr>
+            </a:lvl8pPr>
+            <a:lvl9pPr marL="3657600" algn="l" defTabSz="914400" rtl="0" eaLnBrk="1" latinLnBrk="0" hangingPunct="1">
+              <a:defRPr sz="1800" kern="1200">
+                <a:solidFill>
+                  <a:schemeClr val="tx1"/>
+                </a:solidFill>
+                <a:latin typeface="+mn-lt"/>
+                <a:ea typeface="+mn-ea"/>
+                <a:cs typeface="+mn-cs"/>
+              </a:defRPr>
+            </a:lvl9pPr>
+          </a:lstStyle>
+          <a:p>
+            <a:fld id="{AEFAAC5A-9C4F-4278-920D-DF2BAB595749}" type="slidenum">
+              <a:rPr lang="en-US" smtClean="0"/>
+              <a:pPr/>
+              <a:t>19</a:t>
             </a:fld>
             <a:endParaRPr lang="en-US" dirty="0"/>
           </a:p>
@@ -11136,102 +11516,6 @@
     <p:extLst>
       <p:ext uri="{BB962C8B-B14F-4D97-AF65-F5344CB8AC3E}">
         <p14:creationId xmlns:p14="http://schemas.microsoft.com/office/powerpoint/2010/main" val="3142201076"/>
-      </p:ext>
-    </p:extLst>
-  </p:cSld>
-  <p:clrMapOvr>
-    <a:masterClrMapping/>
-  </p:clrMapOvr>
-</p:sld>
-</file>
-
-<file path=ppt/slides/slide19.xml><?xml version="1.0" encoding="utf-8"?>
-<p:sld xmlns:a="http://schemas.openxmlformats.org/drawingml/2006/main" xmlns:r="http://schemas.openxmlformats.org/officeDocument/2006/relationships" xmlns:p="http://schemas.openxmlformats.org/presentationml/2006/main">
-  <p:cSld>
-    <p:spTree>
-      <p:nvGrpSpPr>
-        <p:cNvPr id="1" name=""/>
-        <p:cNvGrpSpPr/>
-        <p:nvPr/>
-      </p:nvGrpSpPr>
-      <p:grpSpPr>
-        <a:xfrm>
-          <a:off x="0" y="0"/>
-          <a:ext cx="0" cy="0"/>
-          <a:chOff x="0" y="0"/>
-          <a:chExt cx="0" cy="0"/>
-        </a:xfrm>
-      </p:grpSpPr>
-      <p:pic>
-        <p:nvPicPr>
-          <p:cNvPr id="4" name="Picture 3">
-            <a:extLst>
-              <a:ext uri="{FF2B5EF4-FFF2-40B4-BE49-F238E27FC236}">
-                <a16:creationId xmlns:a16="http://schemas.microsoft.com/office/drawing/2014/main" id="{FB38DDAD-3F9C-AC4F-A5FD-450E33F06672}"/>
-              </a:ext>
-            </a:extLst>
-          </p:cNvPr>
-          <p:cNvPicPr>
-            <a:picLocks noChangeAspect="1"/>
-          </p:cNvPicPr>
-          <p:nvPr/>
-        </p:nvPicPr>
-        <p:blipFill>
-          <a:blip r:embed="rId2"/>
-          <a:stretch>
-            <a:fillRect/>
-          </a:stretch>
-        </p:blipFill>
-        <p:spPr>
-          <a:xfrm>
-            <a:off x="413657" y="1024714"/>
-            <a:ext cx="8493644" cy="4808571"/>
-          </a:xfrm>
-          <a:prstGeom prst="rect">
-            <a:avLst/>
-          </a:prstGeom>
-        </p:spPr>
-      </p:pic>
-      <p:sp>
-        <p:nvSpPr>
-          <p:cNvPr id="3" name="Title 1">
-            <a:extLst>
-              <a:ext uri="{FF2B5EF4-FFF2-40B4-BE49-F238E27FC236}">
-                <a16:creationId xmlns:a16="http://schemas.microsoft.com/office/drawing/2014/main" id="{1C7A2BF5-DB7A-E642-B501-8F10E157011B}"/>
-              </a:ext>
-            </a:extLst>
-          </p:cNvPr>
-          <p:cNvSpPr>
-            <a:spLocks noGrp="1"/>
-          </p:cNvSpPr>
-          <p:nvPr>
-            <p:ph type="title"/>
-          </p:nvPr>
-        </p:nvSpPr>
-        <p:spPr>
-          <a:xfrm>
-            <a:off x="413657" y="0"/>
-            <a:ext cx="11372473" cy="914400"/>
-          </a:xfrm>
-        </p:spPr>
-        <p:txBody>
-          <a:bodyPr/>
-          <a:lstStyle/>
-          <a:p>
-            <a:br>
-              <a:rPr lang="en-US" dirty="0"/>
-            </a:br>
-            <a:r>
-              <a:rPr lang="en-US" dirty="0"/>
-              <a:t>The Running Example</a:t>
-            </a:r>
-          </a:p>
-        </p:txBody>
-      </p:sp>
-    </p:spTree>
-    <p:extLst>
-      <p:ext uri="{BB962C8B-B14F-4D97-AF65-F5344CB8AC3E}">
-        <p14:creationId xmlns:p14="http://schemas.microsoft.com/office/powerpoint/2010/main" val="3842836062"/>
       </p:ext>
     </p:extLst>
   </p:cSld>
@@ -11355,15 +11639,24 @@
             </a:pPr>
             <a:r>
               <a:rPr lang="en-US" sz="1800" b="1" dirty="0"/>
-              <a:t>The requested citation the overall tutorial</a:t>
-            </a:r>
-          </a:p>
-          <a:p>
-            <a:pPr>
-              <a:spcBef>
-                <a:spcPts val="400"/>
-              </a:spcBef>
-            </a:pPr>
+              <a:t>The requested citation the overall tutorial is: David </a:t>
+            </a:r>
+            <a:r>
+              <a:rPr lang="en-US" sz="1800" b="1" dirty="0" err="1"/>
+              <a:t>Bernholdt</a:t>
+            </a:r>
+            <a:r>
+              <a:rPr lang="en-US" sz="1800" b="1" dirty="0"/>
+              <a:t>, Software Productivity Track, in Argonne Training Program for Extreme </a:t>
+            </a:r>
+            <a:r>
+              <a:rPr lang="en-US" sz="1800" b="1"/>
+              <a:t>Scale Computing 2020. </a:t>
+            </a:r>
+            <a:r>
+              <a:rPr lang="en-US" sz="1800" b="1" dirty="0"/>
+              <a:t>DOI: </a:t>
+            </a:r>
             <a:r>
               <a:rPr lang="en-US" sz="1800" dirty="0"/>
               <a:t>Individual modules may be cited as </a:t>
@@ -11374,7 +11667,7 @@
             </a:r>
             <a:r>
               <a:rPr lang="en-US" sz="1800" dirty="0"/>
-              <a:t>, in ATPESC…</a:t>
+              <a:t>, in Software Productivity Track, ATPESC 2020</a:t>
             </a:r>
           </a:p>
           <a:p>
@@ -11394,15 +11687,15 @@
             </a:pPr>
             <a:r>
               <a:rPr lang="en-US" sz="1600" dirty="0"/>
-              <a:t>Additional contributors to this this track include: Anshu Dubey, David </a:t>
+              <a:t>Additional contributors to this this tutorial include: Anshu Dubey, Katherine Riley, James M. </a:t>
             </a:r>
             <a:r>
               <a:rPr lang="en-US" sz="1600" dirty="0" err="1"/>
-              <a:t>Bernholdt</a:t>
+              <a:t>Willenbring</a:t>
             </a:r>
             <a:r>
               <a:rPr lang="en-US" sz="1600" dirty="0"/>
-              <a:t>, Mike </a:t>
+              <a:t>, Mark Miller, Mike </a:t>
             </a:r>
             <a:r>
               <a:rPr lang="en-US" sz="1600" dirty="0" err="1"/>
@@ -11410,13 +11703,16 @@
             </a:r>
             <a:r>
               <a:rPr lang="en-US" sz="1600" dirty="0"/>
-              <a:t>, Jared O’Neal, and Katherine Riley, James M. </a:t>
+              <a:t>, Alicia </a:t>
             </a:r>
             <a:r>
               <a:rPr lang="en-US" sz="1600" dirty="0" err="1"/>
-              <a:t>Willenbring</a:t>
-            </a:r>
-            <a:endParaRPr lang="en-US" sz="1600" dirty="0"/>
+              <a:t>Klinvex</a:t>
+            </a:r>
+            <a:r>
+              <a:rPr lang="en-US" sz="1600" dirty="0"/>
+              <a:t>, and Jared O’Neal,</a:t>
+            </a:r>
           </a:p>
           <a:p>
             <a:pPr>
@@ -11450,15 +11746,7 @@
             </a:pPr>
             <a:r>
               <a:rPr lang="en-US" sz="1600" dirty="0"/>
-              <a:t>This work was performed in part at the Argonne National Laboratory, which is managed </a:t>
-            </a:r>
-            <a:r>
-              <a:rPr lang="en-US" sz="1600" dirty="0" err="1"/>
-              <a:t>managed</a:t>
-            </a:r>
-            <a:r>
-              <a:rPr lang="en-US" sz="1600" dirty="0"/>
-              <a:t> by </a:t>
+              <a:t>This work was performed in part at the Argonne National Laboratory, which is managed by </a:t>
             </a:r>
             <a:r>
               <a:rPr lang="en-US" sz="1600" dirty="0" err="1"/>
@@ -11543,7 +11831,7 @@
     </p:spTree>
     <p:extLst>
       <p:ext uri="{BB962C8B-B14F-4D97-AF65-F5344CB8AC3E}">
-        <p14:creationId xmlns:p14="http://schemas.microsoft.com/office/powerpoint/2010/main" val="978726433"/>
+        <p14:creationId xmlns:p14="http://schemas.microsoft.com/office/powerpoint/2010/main" val="4192528843"/>
       </p:ext>
     </p:extLst>
   </p:cSld>
@@ -11554,6 +11842,102 @@
 </file>
 
 <file path=ppt/slides/slide20.xml><?xml version="1.0" encoding="utf-8"?>
+<p:sld xmlns:a="http://schemas.openxmlformats.org/drawingml/2006/main" xmlns:r="http://schemas.openxmlformats.org/officeDocument/2006/relationships" xmlns:p="http://schemas.openxmlformats.org/presentationml/2006/main">
+  <p:cSld>
+    <p:spTree>
+      <p:nvGrpSpPr>
+        <p:cNvPr id="1" name=""/>
+        <p:cNvGrpSpPr/>
+        <p:nvPr/>
+      </p:nvGrpSpPr>
+      <p:grpSpPr>
+        <a:xfrm>
+          <a:off x="0" y="0"/>
+          <a:ext cx="0" cy="0"/>
+          <a:chOff x="0" y="0"/>
+          <a:chExt cx="0" cy="0"/>
+        </a:xfrm>
+      </p:grpSpPr>
+      <p:pic>
+        <p:nvPicPr>
+          <p:cNvPr id="4" name="Picture 3">
+            <a:extLst>
+              <a:ext uri="{FF2B5EF4-FFF2-40B4-BE49-F238E27FC236}">
+                <a16:creationId xmlns:a16="http://schemas.microsoft.com/office/drawing/2014/main" id="{FB38DDAD-3F9C-AC4F-A5FD-450E33F06672}"/>
+              </a:ext>
+            </a:extLst>
+          </p:cNvPr>
+          <p:cNvPicPr>
+            <a:picLocks noChangeAspect="1"/>
+          </p:cNvPicPr>
+          <p:nvPr/>
+        </p:nvPicPr>
+        <p:blipFill>
+          <a:blip r:embed="rId2"/>
+          <a:stretch>
+            <a:fillRect/>
+          </a:stretch>
+        </p:blipFill>
+        <p:spPr>
+          <a:xfrm>
+            <a:off x="413657" y="1024714"/>
+            <a:ext cx="8493644" cy="4808571"/>
+          </a:xfrm>
+          <a:prstGeom prst="rect">
+            <a:avLst/>
+          </a:prstGeom>
+        </p:spPr>
+      </p:pic>
+      <p:sp>
+        <p:nvSpPr>
+          <p:cNvPr id="3" name="Title 1">
+            <a:extLst>
+              <a:ext uri="{FF2B5EF4-FFF2-40B4-BE49-F238E27FC236}">
+                <a16:creationId xmlns:a16="http://schemas.microsoft.com/office/drawing/2014/main" id="{1C7A2BF5-DB7A-E642-B501-8F10E157011B}"/>
+              </a:ext>
+            </a:extLst>
+          </p:cNvPr>
+          <p:cNvSpPr>
+            <a:spLocks noGrp="1"/>
+          </p:cNvSpPr>
+          <p:nvPr>
+            <p:ph type="title"/>
+          </p:nvPr>
+        </p:nvSpPr>
+        <p:spPr>
+          <a:xfrm>
+            <a:off x="413657" y="0"/>
+            <a:ext cx="11372473" cy="914400"/>
+          </a:xfrm>
+        </p:spPr>
+        <p:txBody>
+          <a:bodyPr/>
+          <a:lstStyle/>
+          <a:p>
+            <a:br>
+              <a:rPr lang="en-US" dirty="0"/>
+            </a:br>
+            <a:r>
+              <a:rPr lang="en-US" dirty="0"/>
+              <a:t>The Running Example</a:t>
+            </a:r>
+          </a:p>
+        </p:txBody>
+      </p:sp>
+    </p:spTree>
+    <p:extLst>
+      <p:ext uri="{BB962C8B-B14F-4D97-AF65-F5344CB8AC3E}">
+        <p14:creationId xmlns:p14="http://schemas.microsoft.com/office/powerpoint/2010/main" val="3842836062"/>
+      </p:ext>
+    </p:extLst>
+  </p:cSld>
+  <p:clrMapOvr>
+    <a:masterClrMapping/>
+  </p:clrMapOvr>
+</p:sld>
+</file>
+
+<file path=ppt/slides/slide21.xml><?xml version="1.0" encoding="utf-8"?>
 <p:sld xmlns:a="http://schemas.openxmlformats.org/drawingml/2006/main" xmlns:r="http://schemas.openxmlformats.org/officeDocument/2006/relationships" xmlns:p="http://schemas.openxmlformats.org/presentationml/2006/main">
   <p:cSld>
     <p:spTree>
@@ -12399,7 +12783,7 @@
 </p:sld>
 </file>
 
-<file path=ppt/slides/slide21.xml><?xml version="1.0" encoding="utf-8"?>
+<file path=ppt/slides/slide22.xml><?xml version="1.0" encoding="utf-8"?>
 <p:sld xmlns:a="http://schemas.openxmlformats.org/drawingml/2006/main" xmlns:r="http://schemas.openxmlformats.org/officeDocument/2006/relationships" xmlns:p="http://schemas.openxmlformats.org/presentationml/2006/main">
   <p:cSld>
     <p:spTree>
@@ -12542,7 +12926,7 @@
             <a:fld id="{B557289E-1B3F-4E63-935A-0E0E5EBBCF05}" type="datetime1">
               <a:rPr lang="en-US" smtClean="0"/>
               <a:pPr/>
-              <a:t>7/29/20</a:t>
+              <a:t>7/31/20</a:t>
             </a:fld>
             <a:endParaRPr lang="en-US"/>
           </a:p>
@@ -12674,7 +13058,7 @@
             <a:fld id="{AEFAAC5A-9C4F-4278-920D-DF2BAB595749}" type="slidenum">
               <a:rPr lang="en-US" smtClean="0"/>
               <a:pPr/>
-              <a:t>21</a:t>
+              <a:t>22</a:t>
             </a:fld>
             <a:endParaRPr lang="en-US" dirty="0"/>
           </a:p>
@@ -13041,7 +13425,7 @@
 </p:sld>
 </file>
 
-<file path=ppt/slides/slide22.xml><?xml version="1.0" encoding="utf-8"?>
+<file path=ppt/slides/slide23.xml><?xml version="1.0" encoding="utf-8"?>
 <p:sld xmlns:a="http://schemas.openxmlformats.org/drawingml/2006/main" xmlns:r="http://schemas.openxmlformats.org/officeDocument/2006/relationships" xmlns:p="http://schemas.openxmlformats.org/presentationml/2006/main">
   <p:cSld>
     <p:spTree>
@@ -13248,7 +13632,7 @@
 </p:sld>
 </file>
 
-<file path=ppt/slides/slide23.xml><?xml version="1.0" encoding="utf-8"?>
+<file path=ppt/slides/slide24.xml><?xml version="1.0" encoding="utf-8"?>
 <p:sld xmlns:a="http://schemas.openxmlformats.org/drawingml/2006/main" xmlns:r="http://schemas.openxmlformats.org/officeDocument/2006/relationships" xmlns:p="http://schemas.openxmlformats.org/presentationml/2006/main">
   <p:cSld>
     <p:spTree>
@@ -15546,7 +15930,7 @@
 </p:sld>
 </file>
 
-<file path=ppt/slides/slide24.xml><?xml version="1.0" encoding="utf-8"?>
+<file path=ppt/slides/slide25.xml><?xml version="1.0" encoding="utf-8"?>
 <p:sld xmlns:a="http://schemas.openxmlformats.org/drawingml/2006/main" xmlns:r="http://schemas.openxmlformats.org/officeDocument/2006/relationships" xmlns:p="http://schemas.openxmlformats.org/presentationml/2006/main">
   <p:cSld>
     <p:spTree>
@@ -16824,7 +17208,7 @@
 </p:sld>
 </file>
 
-<file path=ppt/slides/slide25.xml><?xml version="1.0" encoding="utf-8"?>
+<file path=ppt/slides/slide26.xml><?xml version="1.0" encoding="utf-8"?>
 <p:sld xmlns:a="http://schemas.openxmlformats.org/drawingml/2006/main" xmlns:r="http://schemas.openxmlformats.org/officeDocument/2006/relationships" xmlns:p="http://schemas.openxmlformats.org/presentationml/2006/main">
   <p:cSld>
     <p:spTree>
@@ -17023,7 +17407,7 @@
             <a:fld id="{B557289E-1B3F-4E63-935A-0E0E5EBBCF05}" type="datetime1">
               <a:rPr lang="en-US" smtClean="0"/>
               <a:pPr/>
-              <a:t>7/29/20</a:t>
+              <a:t>7/31/20</a:t>
             </a:fld>
             <a:endParaRPr lang="en-US"/>
           </a:p>
@@ -17155,7 +17539,7 @@
             <a:fld id="{AEFAAC5A-9C4F-4278-920D-DF2BAB595749}" type="slidenum">
               <a:rPr lang="en-US" smtClean="0"/>
               <a:pPr/>
-              <a:t>25</a:t>
+              <a:t>26</a:t>
             </a:fld>
             <a:endParaRPr lang="en-US" dirty="0"/>
           </a:p>
@@ -18365,7 +18749,7 @@
 </p:sld>
 </file>
 
-<file path=ppt/slides/slide26.xml><?xml version="1.0" encoding="utf-8"?>
+<file path=ppt/slides/slide27.xml><?xml version="1.0" encoding="utf-8"?>
 <p:sld xmlns:a="http://schemas.openxmlformats.org/drawingml/2006/main" xmlns:r="http://schemas.openxmlformats.org/officeDocument/2006/relationships" xmlns:p="http://schemas.openxmlformats.org/presentationml/2006/main">
   <p:cSld>
     <p:spTree>
@@ -20302,7 +20686,7 @@
 </p:sld>
 </file>
 
-<file path=ppt/slides/slide27.xml><?xml version="1.0" encoding="utf-8"?>
+<file path=ppt/slides/slide28.xml><?xml version="1.0" encoding="utf-8"?>
 <p:sld xmlns:a="http://schemas.openxmlformats.org/drawingml/2006/main" xmlns:r="http://schemas.openxmlformats.org/officeDocument/2006/relationships" xmlns:p="http://schemas.openxmlformats.org/presentationml/2006/main">
   <p:cSld>
     <p:spTree>
@@ -22524,7 +22908,7 @@
 </p:sld>
 </file>
 
-<file path=ppt/slides/slide28.xml><?xml version="1.0" encoding="utf-8"?>
+<file path=ppt/slides/slide29.xml><?xml version="1.0" encoding="utf-8"?>
 <p:sld xmlns:a="http://schemas.openxmlformats.org/drawingml/2006/main" xmlns:r="http://schemas.openxmlformats.org/officeDocument/2006/relationships" xmlns:p="http://schemas.openxmlformats.org/presentationml/2006/main">
   <p:cSld>
     <p:spTree>
@@ -22789,7 +23173,172 @@
 </p:sld>
 </file>
 
-<file path=ppt/slides/slide29.xml><?xml version="1.0" encoding="utf-8"?>
+<file path=ppt/slides/slide3.xml><?xml version="1.0" encoding="utf-8"?>
+<p:sld xmlns:a="http://schemas.openxmlformats.org/drawingml/2006/main" xmlns:r="http://schemas.openxmlformats.org/officeDocument/2006/relationships" xmlns:p="http://schemas.openxmlformats.org/presentationml/2006/main">
+  <p:cSld>
+    <p:spTree>
+      <p:nvGrpSpPr>
+        <p:cNvPr id="1" name=""/>
+        <p:cNvGrpSpPr/>
+        <p:nvPr/>
+      </p:nvGrpSpPr>
+      <p:grpSpPr>
+        <a:xfrm>
+          <a:off x="0" y="0"/>
+          <a:ext cx="0" cy="0"/>
+          <a:chOff x="0" y="0"/>
+          <a:chExt cx="0" cy="0"/>
+        </a:xfrm>
+      </p:grpSpPr>
+      <p:sp>
+        <p:nvSpPr>
+          <p:cNvPr id="3" name="Content Placeholder 2">
+            <a:extLst>
+              <a:ext uri="{FF2B5EF4-FFF2-40B4-BE49-F238E27FC236}">
+                <a16:creationId xmlns:a16="http://schemas.microsoft.com/office/drawing/2014/main" id="{0385A3AB-B258-4D59-B407-F7D57545A163}"/>
+              </a:ext>
+            </a:extLst>
+          </p:cNvPr>
+          <p:cNvSpPr>
+            <a:spLocks noGrp="1"/>
+          </p:cNvSpPr>
+          <p:nvPr>
+            <p:ph idx="1"/>
+          </p:nvPr>
+        </p:nvSpPr>
+        <p:spPr>
+          <a:xfrm>
+            <a:off x="365760" y="862719"/>
+            <a:ext cx="11369809" cy="4047778"/>
+          </a:xfrm>
+        </p:spPr>
+        <p:txBody>
+          <a:bodyPr/>
+          <a:lstStyle/>
+          <a:p>
+            <a:pPr marL="0" indent="0">
+              <a:buNone/>
+            </a:pPr>
+            <a:endParaRPr lang="en-US" sz="2000" b="1" dirty="0"/>
+          </a:p>
+          <a:p>
+            <a:pPr marL="0" indent="0">
+              <a:buNone/>
+            </a:pPr>
+            <a:r>
+              <a:rPr lang="en-US" sz="2000" b="1" dirty="0"/>
+              <a:t>License and Citation</a:t>
+            </a:r>
+          </a:p>
+          <a:p>
+            <a:pPr>
+              <a:spcBef>
+                <a:spcPts val="400"/>
+              </a:spcBef>
+            </a:pPr>
+            <a:r>
+              <a:rPr lang="en-US" sz="1800" b="1" dirty="0"/>
+              <a:t>The requested citation for this module is: Anshu Dubey, Scientific Software Design, Scientific Software Track, in Argonne Training Program for Extreme Scale Computing. DOI:</a:t>
+            </a:r>
+            <a:endParaRPr lang="en-US" sz="1800" dirty="0"/>
+          </a:p>
+          <a:p>
+            <a:pPr marL="0" indent="0">
+              <a:buNone/>
+            </a:pPr>
+            <a:endParaRPr lang="en-US" sz="2000" b="1" dirty="0"/>
+          </a:p>
+          <a:p>
+            <a:pPr marL="0" indent="0">
+              <a:buNone/>
+            </a:pPr>
+            <a:r>
+              <a:rPr lang="en-US" sz="2000" b="1" dirty="0"/>
+              <a:t>Acknowledgements</a:t>
+            </a:r>
+          </a:p>
+          <a:p>
+            <a:pPr>
+              <a:spcBef>
+                <a:spcPts val="600"/>
+              </a:spcBef>
+            </a:pPr>
+            <a:r>
+              <a:rPr lang="en-US" sz="1600" dirty="0"/>
+              <a:t>This work was performed in part at the Argonne National Laboratory, which is managed by </a:t>
+            </a:r>
+            <a:r>
+              <a:rPr lang="en-US" sz="1600" dirty="0" err="1"/>
+              <a:t>UChicago</a:t>
+            </a:r>
+            <a:r>
+              <a:rPr lang="en-US" sz="1600" dirty="0"/>
+              <a:t> Argonne, LLC for the U.S. Department of Energy under Contract No. DE-AC02-06CH11357.</a:t>
+            </a:r>
+          </a:p>
+        </p:txBody>
+      </p:sp>
+      <p:pic>
+        <p:nvPicPr>
+          <p:cNvPr id="4" name="Picture 2" descr="https://licensebuttons.net/l/by/4.0/88x31.png">
+            <a:extLst>
+              <a:ext uri="{FF2B5EF4-FFF2-40B4-BE49-F238E27FC236}">
+                <a16:creationId xmlns:a16="http://schemas.microsoft.com/office/drawing/2014/main" id="{61840015-22A0-4634-A2DE-AA05F998FD3A}"/>
+              </a:ext>
+            </a:extLst>
+          </p:cNvPr>
+          <p:cNvPicPr>
+            <a:picLocks noChangeAspect="1" noChangeArrowheads="1"/>
+          </p:cNvPicPr>
+          <p:nvPr/>
+        </p:nvPicPr>
+        <p:blipFill>
+          <a:blip r:embed="rId2">
+            <a:extLst>
+              <a:ext uri="{28A0092B-C50C-407E-A947-70E740481C1C}">
+                <a14:useLocalDpi xmlns:a14="http://schemas.microsoft.com/office/drawing/2010/main" val="0"/>
+              </a:ext>
+            </a:extLst>
+          </a:blip>
+          <a:srcRect/>
+          <a:stretch>
+            <a:fillRect/>
+          </a:stretch>
+        </p:blipFill>
+        <p:spPr bwMode="auto">
+          <a:xfrm>
+            <a:off x="10249254" y="570111"/>
+            <a:ext cx="1661258" cy="585216"/>
+          </a:xfrm>
+          <a:prstGeom prst="rect">
+            <a:avLst/>
+          </a:prstGeom>
+          <a:noFill/>
+          <a:extLst>
+            <a:ext uri="{909E8E84-426E-40DD-AFC4-6F175D3DCCD1}">
+              <a14:hiddenFill xmlns:a14="http://schemas.microsoft.com/office/drawing/2010/main">
+                <a:solidFill>
+                  <a:srgbClr val="FFFFFF"/>
+                </a:solidFill>
+              </a14:hiddenFill>
+            </a:ext>
+          </a:extLst>
+        </p:spPr>
+      </p:pic>
+    </p:spTree>
+    <p:extLst>
+      <p:ext uri="{BB962C8B-B14F-4D97-AF65-F5344CB8AC3E}">
+        <p14:creationId xmlns:p14="http://schemas.microsoft.com/office/powerpoint/2010/main" val="580800856"/>
+      </p:ext>
+    </p:extLst>
+  </p:cSld>
+  <p:clrMapOvr>
+    <a:masterClrMapping/>
+  </p:clrMapOvr>
+</p:sld>
+</file>
+
+<file path=ppt/slides/slide30.xml><?xml version="1.0" encoding="utf-8"?>
 <p:sld xmlns:a="http://schemas.openxmlformats.org/drawingml/2006/main" xmlns:r="http://schemas.openxmlformats.org/officeDocument/2006/relationships" xmlns:p="http://schemas.openxmlformats.org/presentationml/2006/main">
   <p:cSld>
     <p:spTree>
@@ -22922,204 +23471,6 @@
 </p:sld>
 </file>
 
-<file path=ppt/slides/slide3.xml><?xml version="1.0" encoding="utf-8"?>
-<p:sld xmlns:a="http://schemas.openxmlformats.org/drawingml/2006/main" xmlns:r="http://schemas.openxmlformats.org/officeDocument/2006/relationships" xmlns:p="http://schemas.openxmlformats.org/presentationml/2006/main">
-  <p:cSld>
-    <p:spTree>
-      <p:nvGrpSpPr>
-        <p:cNvPr id="1" name=""/>
-        <p:cNvGrpSpPr/>
-        <p:nvPr/>
-      </p:nvGrpSpPr>
-      <p:grpSpPr>
-        <a:xfrm>
-          <a:off x="0" y="0"/>
-          <a:ext cx="0" cy="0"/>
-          <a:chOff x="0" y="0"/>
-          <a:chExt cx="0" cy="0"/>
-        </a:xfrm>
-      </p:grpSpPr>
-      <p:sp>
-        <p:nvSpPr>
-          <p:cNvPr id="2" name="Title 1"/>
-          <p:cNvSpPr>
-            <a:spLocks noGrp="1"/>
-          </p:cNvSpPr>
-          <p:nvPr>
-            <p:ph type="title"/>
-          </p:nvPr>
-        </p:nvSpPr>
-        <p:spPr/>
-        <p:txBody>
-          <a:bodyPr/>
-          <a:lstStyle/>
-          <a:p>
-            <a:r>
-              <a:rPr lang="en-US" dirty="0"/>
-              <a:t>Architecting scientific codes</a:t>
-            </a:r>
-          </a:p>
-        </p:txBody>
-      </p:sp>
-      <p:sp>
-        <p:nvSpPr>
-          <p:cNvPr id="3" name="Content Placeholder 2"/>
-          <p:cNvSpPr>
-            <a:spLocks noGrp="1"/>
-          </p:cNvSpPr>
-          <p:nvPr>
-            <p:ph idx="1"/>
-          </p:nvPr>
-        </p:nvSpPr>
-        <p:spPr>
-          <a:xfrm>
-            <a:off x="943443" y="966203"/>
-            <a:ext cx="10693385" cy="359677"/>
-          </a:xfrm>
-        </p:spPr>
-        <p:txBody>
-          <a:bodyPr/>
-          <a:lstStyle/>
-          <a:p>
-            <a:pPr marL="0" indent="0">
-              <a:buNone/>
-            </a:pPr>
-            <a:r>
-              <a:rPr lang="en-US" sz="2400" b="1" dirty="0"/>
-              <a:t>Desirable Characteristics and Why They are Challenging</a:t>
-            </a:r>
-          </a:p>
-          <a:p>
-            <a:pPr lvl="1"/>
-            <a:endParaRPr lang="en-US" dirty="0"/>
-          </a:p>
-        </p:txBody>
-      </p:sp>
-      <p:sp>
-        <p:nvSpPr>
-          <p:cNvPr id="5" name="TextBox 4">
-            <a:extLst>
-              <a:ext uri="{FF2B5EF4-FFF2-40B4-BE49-F238E27FC236}">
-                <a16:creationId xmlns:a16="http://schemas.microsoft.com/office/drawing/2014/main" id="{D8F3DAED-9D71-7A4D-ABCE-BAD854522A99}"/>
-              </a:ext>
-            </a:extLst>
-          </p:cNvPr>
-          <p:cNvSpPr txBox="1"/>
-          <p:nvPr/>
-        </p:nvSpPr>
-        <p:spPr>
-          <a:xfrm>
-            <a:off x="2198917" y="1446638"/>
-            <a:ext cx="1458348" cy="433965"/>
-          </a:xfrm>
-          <a:prstGeom prst="rect">
-            <a:avLst/>
-          </a:prstGeom>
-          <a:noFill/>
-        </p:spPr>
-        <p:txBody>
-          <a:bodyPr wrap="none" lIns="118872" tIns="91440" rIns="118872" bIns="91440" rtlCol="0" anchor="ctr" anchorCtr="0">
-            <a:spAutoFit/>
-          </a:bodyPr>
-          <a:lstStyle/>
-          <a:p>
-            <a:pPr algn="l">
-              <a:lnSpc>
-                <a:spcPct val="90000"/>
-              </a:lnSpc>
-            </a:pPr>
-            <a:r>
-              <a:rPr lang="en-US" dirty="0"/>
-              <a:t>Extensibility</a:t>
-            </a:r>
-          </a:p>
-        </p:txBody>
-      </p:sp>
-      <p:sp>
-        <p:nvSpPr>
-          <p:cNvPr id="7" name="Rounded Rectangle 6">
-            <a:extLst>
-              <a:ext uri="{FF2B5EF4-FFF2-40B4-BE49-F238E27FC236}">
-                <a16:creationId xmlns:a16="http://schemas.microsoft.com/office/drawing/2014/main" id="{AB8C5454-7C3C-364A-9FC0-FAB9903FB673}"/>
-              </a:ext>
-            </a:extLst>
-          </p:cNvPr>
-          <p:cNvSpPr/>
-          <p:nvPr/>
-        </p:nvSpPr>
-        <p:spPr>
-          <a:xfrm>
-            <a:off x="1304596" y="2056199"/>
-            <a:ext cx="3408917" cy="1699372"/>
-          </a:xfrm>
-          <a:prstGeom prst="roundRect">
-            <a:avLst/>
-          </a:prstGeom>
-          <a:solidFill>
-            <a:schemeClr val="accent1"/>
-          </a:solidFill>
-          <a:ln>
-            <a:noFill/>
-          </a:ln>
-          <a:effectLst>
-            <a:outerShdw blurRad="44450" dist="27940" dir="5400000" algn="ctr">
-              <a:srgbClr val="000000">
-                <a:alpha val="32000"/>
-              </a:srgbClr>
-            </a:outerShdw>
-          </a:effectLst>
-        </p:spPr>
-        <p:txBody>
-          <a:bodyPr rot="0" spcFirstLastPara="0" vertOverflow="overflow" horzOverflow="overflow" vert="horz" wrap="square" lIns="121851" tIns="60925" rIns="121851" bIns="60925" numCol="1" spcCol="0" rtlCol="0" fromWordArt="0" anchor="ctr" anchorCtr="0" forceAA="0" compatLnSpc="1">
-            <a:prstTxWarp prst="textNoShape">
-              <a:avLst/>
-            </a:prstTxWarp>
-            <a:noAutofit/>
-          </a:bodyPr>
-          <a:lstStyle/>
-          <a:p>
-            <a:pPr algn="ctr"/>
-            <a:r>
-              <a:rPr lang="en-US" sz="2000" dirty="0">
-                <a:solidFill>
-                  <a:schemeClr val="tx2">
-                    <a:lumMod val="20000"/>
-                    <a:lumOff val="80000"/>
-                  </a:schemeClr>
-                </a:solidFill>
-              </a:rPr>
-              <a:t>Well defined structure and modules </a:t>
-            </a:r>
-          </a:p>
-          <a:p>
-            <a:pPr algn="ctr"/>
-            <a:r>
-              <a:rPr lang="en-US" sz="2000" dirty="0">
-                <a:solidFill>
-                  <a:schemeClr val="tx2">
-                    <a:lumMod val="20000"/>
-                    <a:lumOff val="80000"/>
-                  </a:schemeClr>
-                </a:solidFill>
-              </a:rPr>
-              <a:t>Encapsulation of functionalities</a:t>
-            </a:r>
-          </a:p>
-        </p:txBody>
-      </p:sp>
-    </p:spTree>
-    <p:extLst>
-      <p:ext uri="{BB962C8B-B14F-4D97-AF65-F5344CB8AC3E}">
-        <p14:creationId xmlns:p14="http://schemas.microsoft.com/office/powerpoint/2010/main" val="718866651"/>
-      </p:ext>
-    </p:extLst>
-  </p:cSld>
-  <p:clrMapOvr>
-    <a:masterClrMapping/>
-  </p:clrMapOvr>
-</p:sld>
-</file>
-
 <file path=ppt/slides/slide4.xml><?xml version="1.0" encoding="utf-8"?>
 <p:sld xmlns:a="http://schemas.openxmlformats.org/drawingml/2006/main" xmlns:r="http://schemas.openxmlformats.org/officeDocument/2006/relationships" xmlns:p="http://schemas.openxmlformats.org/presentationml/2006/main">
   <p:cSld>
@@ -23305,68 +23656,10 @@
           </a:p>
         </p:txBody>
       </p:sp>
-      <p:sp>
-        <p:nvSpPr>
-          <p:cNvPr id="18" name="Rounded Rectangle 17">
-            <a:extLst>
-              <a:ext uri="{FF2B5EF4-FFF2-40B4-BE49-F238E27FC236}">
-                <a16:creationId xmlns:a16="http://schemas.microsoft.com/office/drawing/2014/main" id="{FD262230-1681-AF4E-B2F0-AFBCC7A193BF}"/>
-              </a:ext>
-            </a:extLst>
-          </p:cNvPr>
-          <p:cNvSpPr/>
-          <p:nvPr/>
-        </p:nvSpPr>
-        <p:spPr>
-          <a:xfrm>
-            <a:off x="1326032" y="4023360"/>
-            <a:ext cx="3408917" cy="1699372"/>
-          </a:xfrm>
-          <a:prstGeom prst="roundRect">
-            <a:avLst/>
-          </a:prstGeom>
-          <a:solidFill>
-            <a:schemeClr val="tx2">
-              <a:lumMod val="20000"/>
-              <a:lumOff val="80000"/>
-            </a:schemeClr>
-          </a:solidFill>
-          <a:ln>
-            <a:noFill/>
-          </a:ln>
-          <a:effectLst>
-            <a:outerShdw blurRad="44450" dist="27940" dir="5400000" algn="ctr">
-              <a:srgbClr val="000000">
-                <a:alpha val="32000"/>
-              </a:srgbClr>
-            </a:outerShdw>
-          </a:effectLst>
-        </p:spPr>
-        <p:txBody>
-          <a:bodyPr rot="0" spcFirstLastPara="0" vertOverflow="overflow" horzOverflow="overflow" vert="horz" wrap="square" lIns="121851" tIns="60925" rIns="121851" bIns="60925" numCol="1" spcCol="0" rtlCol="0" fromWordArt="0" anchor="ctr" anchorCtr="0" forceAA="0" compatLnSpc="1">
-            <a:prstTxWarp prst="textNoShape">
-              <a:avLst/>
-            </a:prstTxWarp>
-            <a:noAutofit/>
-          </a:bodyPr>
-          <a:lstStyle/>
-          <a:p>
-            <a:pPr algn="ctr"/>
-            <a:r>
-              <a:rPr lang="en-US" sz="2000" dirty="0">
-                <a:solidFill>
-                  <a:schemeClr val="accent1"/>
-                </a:solidFill>
-              </a:rPr>
-              <a:t>Same data layout not good for all solvers. Many corner cases. Necessary lateral interactions</a:t>
-            </a:r>
-          </a:p>
-        </p:txBody>
-      </p:sp>
     </p:spTree>
     <p:extLst>
       <p:ext uri="{BB962C8B-B14F-4D97-AF65-F5344CB8AC3E}">
-        <p14:creationId xmlns:p14="http://schemas.microsoft.com/office/powerpoint/2010/main" val="3811306476"/>
+        <p14:creationId xmlns:p14="http://schemas.microsoft.com/office/powerpoint/2010/main" val="718866651"/>
       </p:ext>
     </p:extLst>
   </p:cSld>
@@ -23491,46 +23784,6 @@
       </p:sp>
       <p:sp>
         <p:nvSpPr>
-          <p:cNvPr id="15" name="TextBox 14">
-            <a:extLst>
-              <a:ext uri="{FF2B5EF4-FFF2-40B4-BE49-F238E27FC236}">
-                <a16:creationId xmlns:a16="http://schemas.microsoft.com/office/drawing/2014/main" id="{C78BF2DB-319B-F146-B7A1-BC81DCB8504A}"/>
-              </a:ext>
-            </a:extLst>
-          </p:cNvPr>
-          <p:cNvSpPr txBox="1"/>
-          <p:nvPr/>
-        </p:nvSpPr>
-        <p:spPr>
-          <a:xfrm>
-            <a:off x="6493235" y="1446637"/>
-            <a:ext cx="1560940" cy="433965"/>
-          </a:xfrm>
-          <a:prstGeom prst="rect">
-            <a:avLst/>
-          </a:prstGeom>
-          <a:noFill/>
-        </p:spPr>
-        <p:txBody>
-          <a:bodyPr wrap="none" lIns="118872" tIns="91440" rIns="118872" bIns="91440" rtlCol="0" anchor="ctr" anchorCtr="0">
-            <a:spAutoFit/>
-          </a:bodyPr>
-          <a:lstStyle/>
-          <a:p>
-            <a:pPr algn="l">
-              <a:lnSpc>
-                <a:spcPct val="90000"/>
-              </a:lnSpc>
-            </a:pPr>
-            <a:r>
-              <a:rPr lang="en-US" dirty="0"/>
-              <a:t>Performance</a:t>
-            </a:r>
-          </a:p>
-        </p:txBody>
-      </p:sp>
-      <p:sp>
-        <p:nvSpPr>
           <p:cNvPr id="7" name="Rounded Rectangle 6">
             <a:extLst>
               <a:ext uri="{FF2B5EF4-FFF2-40B4-BE49-F238E27FC236}">
@@ -23603,96 +23856,10 @@
       </p:sp>
       <p:sp>
         <p:nvSpPr>
-          <p:cNvPr id="17" name="Rounded Rectangle 16">
+          <p:cNvPr id="18" name="Rounded Rectangle 17">
             <a:extLst>
               <a:ext uri="{FF2B5EF4-FFF2-40B4-BE49-F238E27FC236}">
-                <a16:creationId xmlns:a16="http://schemas.microsoft.com/office/drawing/2014/main" id="{E92879B7-905C-BB44-A527-1A213FF082AB}"/>
-              </a:ext>
-            </a:extLst>
-          </p:cNvPr>
-          <p:cNvSpPr/>
-          <p:nvPr/>
-        </p:nvSpPr>
-        <p:spPr>
-          <a:xfrm>
-            <a:off x="5420146" y="2032815"/>
-            <a:ext cx="3408917" cy="1699372"/>
-          </a:xfrm>
-          <a:prstGeom prst="roundRect">
-            <a:avLst/>
-          </a:prstGeom>
-          <a:solidFill>
-            <a:schemeClr val="accent1"/>
-          </a:solidFill>
-          <a:ln>
-            <a:noFill/>
-          </a:ln>
-          <a:effectLst>
-            <a:outerShdw blurRad="44450" dist="27940" dir="5400000" algn="ctr">
-              <a:srgbClr val="000000">
-                <a:alpha val="32000"/>
-              </a:srgbClr>
-            </a:outerShdw>
-          </a:effectLst>
-        </p:spPr>
-        <p:txBody>
-          <a:bodyPr rot="0" spcFirstLastPara="0" vertOverflow="overflow" horzOverflow="overflow" vert="horz" wrap="square" lIns="121851" tIns="60925" rIns="121851" bIns="60925" numCol="1" spcCol="0" rtlCol="0" fromWordArt="0" anchor="ctr" anchorCtr="0" forceAA="0" compatLnSpc="1">
-            <a:prstTxWarp prst="textNoShape">
-              <a:avLst/>
-            </a:prstTxWarp>
-            <a:noAutofit/>
-          </a:bodyPr>
-          <a:lstStyle/>
-          <a:p>
-            <a:pPr algn="ctr"/>
-            <a:r>
-              <a:rPr lang="en-US" sz="2000" dirty="0">
-                <a:solidFill>
-                  <a:schemeClr val="tx2">
-                    <a:lumMod val="20000"/>
-                    <a:lumOff val="80000"/>
-                  </a:schemeClr>
-                </a:solidFill>
-              </a:rPr>
-              <a:t>Spatial and temporal locality of data</a:t>
-            </a:r>
-          </a:p>
-          <a:p>
-            <a:pPr algn="ctr"/>
-            <a:r>
-              <a:rPr lang="en-US" sz="2000" dirty="0">
-                <a:solidFill>
-                  <a:schemeClr val="tx2">
-                    <a:lumMod val="20000"/>
-                    <a:lumOff val="80000"/>
-                  </a:schemeClr>
-                </a:solidFill>
-              </a:rPr>
-              <a:t>Minimizing data movement</a:t>
-            </a:r>
-          </a:p>
-          <a:p>
-            <a:pPr algn="ctr"/>
-            <a:r>
-              <a:rPr lang="en-US" sz="2000" dirty="0">
-                <a:solidFill>
-                  <a:schemeClr val="tx2">
-                    <a:lumMod val="20000"/>
-                    <a:lumOff val="80000"/>
-                  </a:schemeClr>
-                </a:solidFill>
-              </a:rPr>
-              <a:t>Maximizing scalability</a:t>
-            </a:r>
-          </a:p>
-        </p:txBody>
-      </p:sp>
-      <p:sp>
-        <p:nvSpPr>
-          <p:cNvPr id="8" name="Rounded Rectangle 7">
-            <a:extLst>
-              <a:ext uri="{FF2B5EF4-FFF2-40B4-BE49-F238E27FC236}">
-                <a16:creationId xmlns:a16="http://schemas.microsoft.com/office/drawing/2014/main" id="{1FE254B2-1CC5-D64F-B786-05C76F3D55AE}"/>
+                <a16:creationId xmlns:a16="http://schemas.microsoft.com/office/drawing/2014/main" id="{FD262230-1681-AF4E-B2F0-AFBCC7A193BF}"/>
               </a:ext>
             </a:extLst>
           </p:cNvPr>
@@ -23748,7 +23915,7 @@
     </p:spTree>
     <p:extLst>
       <p:ext uri="{BB962C8B-B14F-4D97-AF65-F5344CB8AC3E}">
-        <p14:creationId xmlns:p14="http://schemas.microsoft.com/office/powerpoint/2010/main" val="927348338"/>
+        <p14:creationId xmlns:p14="http://schemas.microsoft.com/office/powerpoint/2010/main" val="3811306476"/>
       </p:ext>
     </p:extLst>
   </p:cSld>
@@ -24071,10 +24238,10 @@
       </p:sp>
       <p:sp>
         <p:nvSpPr>
-          <p:cNvPr id="18" name="Rounded Rectangle 17">
+          <p:cNvPr id="8" name="Rounded Rectangle 7">
             <a:extLst>
               <a:ext uri="{FF2B5EF4-FFF2-40B4-BE49-F238E27FC236}">
-                <a16:creationId xmlns:a16="http://schemas.microsoft.com/office/drawing/2014/main" id="{FD262230-1681-AF4E-B2F0-AFBCC7A193BF}"/>
+                <a16:creationId xmlns:a16="http://schemas.microsoft.com/office/drawing/2014/main" id="{1FE254B2-1CC5-D64F-B786-05C76F3D55AE}"/>
               </a:ext>
             </a:extLst>
           </p:cNvPr>
@@ -24127,68 +24294,10 @@
           </a:p>
         </p:txBody>
       </p:sp>
-      <p:sp>
-        <p:nvSpPr>
-          <p:cNvPr id="19" name="Rounded Rectangle 18">
-            <a:extLst>
-              <a:ext uri="{FF2B5EF4-FFF2-40B4-BE49-F238E27FC236}">
-                <a16:creationId xmlns:a16="http://schemas.microsoft.com/office/drawing/2014/main" id="{2862F1BC-F846-224E-B085-B39237C0FAC1}"/>
-              </a:ext>
-            </a:extLst>
-          </p:cNvPr>
-          <p:cNvSpPr/>
-          <p:nvPr/>
-        </p:nvSpPr>
-        <p:spPr>
-          <a:xfrm>
-            <a:off x="5420147" y="4023360"/>
-            <a:ext cx="3408917" cy="1699372"/>
-          </a:xfrm>
-          <a:prstGeom prst="roundRect">
-            <a:avLst/>
-          </a:prstGeom>
-          <a:solidFill>
-            <a:schemeClr val="tx2">
-              <a:lumMod val="20000"/>
-              <a:lumOff val="80000"/>
-            </a:schemeClr>
-          </a:solidFill>
-          <a:ln>
-            <a:noFill/>
-          </a:ln>
-          <a:effectLst>
-            <a:outerShdw blurRad="44450" dist="27940" dir="5400000" algn="ctr">
-              <a:srgbClr val="000000">
-                <a:alpha val="32000"/>
-              </a:srgbClr>
-            </a:outerShdw>
-          </a:effectLst>
-        </p:spPr>
-        <p:txBody>
-          <a:bodyPr rot="0" spcFirstLastPara="0" vertOverflow="overflow" horzOverflow="overflow" vert="horz" wrap="square" lIns="121851" tIns="60925" rIns="121851" bIns="60925" numCol="1" spcCol="0" rtlCol="0" fromWordArt="0" anchor="ctr" anchorCtr="0" forceAA="0" compatLnSpc="1">
-            <a:prstTxWarp prst="textNoShape">
-              <a:avLst/>
-            </a:prstTxWarp>
-            <a:noAutofit/>
-          </a:bodyPr>
-          <a:lstStyle/>
-          <a:p>
-            <a:pPr algn="ctr"/>
-            <a:r>
-              <a:rPr lang="en-US" sz="2000" dirty="0">
-                <a:solidFill>
-                  <a:schemeClr val="accent1"/>
-                </a:solidFill>
-              </a:rPr>
-              <a:t>Low arithmetic intensity solvers with hard dependencies. Proximity and work distribution at cross purposes</a:t>
-            </a:r>
-          </a:p>
-        </p:txBody>
-      </p:sp>
     </p:spTree>
     <p:extLst>
       <p:ext uri="{BB962C8B-B14F-4D97-AF65-F5344CB8AC3E}">
-        <p14:creationId xmlns:p14="http://schemas.microsoft.com/office/powerpoint/2010/main" val="4258597434"/>
+        <p14:creationId xmlns:p14="http://schemas.microsoft.com/office/powerpoint/2010/main" val="927348338"/>
       </p:ext>
     </p:extLst>
   </p:cSld>
@@ -24286,7 +24395,7 @@
         <p:spPr>
           <a:xfrm>
             <a:off x="2198917" y="1446638"/>
-            <a:ext cx="1253164" cy="433965"/>
+            <a:ext cx="1458348" cy="433965"/>
           </a:xfrm>
           <a:prstGeom prst="rect">
             <a:avLst/>
@@ -24306,7 +24415,47 @@
             </a:pPr>
             <a:r>
               <a:rPr lang="en-US" dirty="0"/>
-              <a:t>Portability</a:t>
+              <a:t>Extensibility</a:t>
+            </a:r>
+          </a:p>
+        </p:txBody>
+      </p:sp>
+      <p:sp>
+        <p:nvSpPr>
+          <p:cNvPr id="15" name="TextBox 14">
+            <a:extLst>
+              <a:ext uri="{FF2B5EF4-FFF2-40B4-BE49-F238E27FC236}">
+                <a16:creationId xmlns:a16="http://schemas.microsoft.com/office/drawing/2014/main" id="{C78BF2DB-319B-F146-B7A1-BC81DCB8504A}"/>
+              </a:ext>
+            </a:extLst>
+          </p:cNvPr>
+          <p:cNvSpPr txBox="1"/>
+          <p:nvPr/>
+        </p:nvSpPr>
+        <p:spPr>
+          <a:xfrm>
+            <a:off x="6493235" y="1446637"/>
+            <a:ext cx="1560940" cy="433965"/>
+          </a:xfrm>
+          <a:prstGeom prst="rect">
+            <a:avLst/>
+          </a:prstGeom>
+          <a:noFill/>
+        </p:spPr>
+        <p:txBody>
+          <a:bodyPr wrap="none" lIns="118872" tIns="91440" rIns="118872" bIns="91440" rtlCol="0" anchor="ctr" anchorCtr="0">
+            <a:spAutoFit/>
+          </a:bodyPr>
+          <a:lstStyle/>
+          <a:p>
+            <a:pPr algn="l">
+              <a:lnSpc>
+                <a:spcPct val="90000"/>
+              </a:lnSpc>
+            </a:pPr>
+            <a:r>
+              <a:rPr lang="en-US" dirty="0"/>
+              <a:t>Performance</a:t>
             </a:r>
           </a:p>
         </p:txBody>
@@ -24364,7 +24513,223 @@
                   </a:schemeClr>
                 </a:solidFill>
               </a:rPr>
-              <a:t>General solutions that work without significant manual intervention across platforms</a:t>
+              <a:t>Well defined structure and modules </a:t>
+            </a:r>
+          </a:p>
+          <a:p>
+            <a:pPr algn="ctr"/>
+            <a:r>
+              <a:rPr lang="en-US" sz="2000" dirty="0">
+                <a:solidFill>
+                  <a:schemeClr val="tx2">
+                    <a:lumMod val="20000"/>
+                    <a:lumOff val="80000"/>
+                  </a:schemeClr>
+                </a:solidFill>
+              </a:rPr>
+              <a:t>Encapsulation of functionalities</a:t>
+            </a:r>
+          </a:p>
+        </p:txBody>
+      </p:sp>
+      <p:sp>
+        <p:nvSpPr>
+          <p:cNvPr id="17" name="Rounded Rectangle 16">
+            <a:extLst>
+              <a:ext uri="{FF2B5EF4-FFF2-40B4-BE49-F238E27FC236}">
+                <a16:creationId xmlns:a16="http://schemas.microsoft.com/office/drawing/2014/main" id="{E92879B7-905C-BB44-A527-1A213FF082AB}"/>
+              </a:ext>
+            </a:extLst>
+          </p:cNvPr>
+          <p:cNvSpPr/>
+          <p:nvPr/>
+        </p:nvSpPr>
+        <p:spPr>
+          <a:xfrm>
+            <a:off x="5420146" y="2032815"/>
+            <a:ext cx="3408917" cy="1699372"/>
+          </a:xfrm>
+          <a:prstGeom prst="roundRect">
+            <a:avLst/>
+          </a:prstGeom>
+          <a:solidFill>
+            <a:schemeClr val="accent1"/>
+          </a:solidFill>
+          <a:ln>
+            <a:noFill/>
+          </a:ln>
+          <a:effectLst>
+            <a:outerShdw blurRad="44450" dist="27940" dir="5400000" algn="ctr">
+              <a:srgbClr val="000000">
+                <a:alpha val="32000"/>
+              </a:srgbClr>
+            </a:outerShdw>
+          </a:effectLst>
+        </p:spPr>
+        <p:txBody>
+          <a:bodyPr rot="0" spcFirstLastPara="0" vertOverflow="overflow" horzOverflow="overflow" vert="horz" wrap="square" lIns="121851" tIns="60925" rIns="121851" bIns="60925" numCol="1" spcCol="0" rtlCol="0" fromWordArt="0" anchor="ctr" anchorCtr="0" forceAA="0" compatLnSpc="1">
+            <a:prstTxWarp prst="textNoShape">
+              <a:avLst/>
+            </a:prstTxWarp>
+            <a:noAutofit/>
+          </a:bodyPr>
+          <a:lstStyle/>
+          <a:p>
+            <a:pPr algn="ctr"/>
+            <a:r>
+              <a:rPr lang="en-US" sz="2000" dirty="0">
+                <a:solidFill>
+                  <a:schemeClr val="tx2">
+                    <a:lumMod val="20000"/>
+                    <a:lumOff val="80000"/>
+                  </a:schemeClr>
+                </a:solidFill>
+              </a:rPr>
+              <a:t>Spatial and temporal locality of data</a:t>
+            </a:r>
+          </a:p>
+          <a:p>
+            <a:pPr algn="ctr"/>
+            <a:r>
+              <a:rPr lang="en-US" sz="2000" dirty="0">
+                <a:solidFill>
+                  <a:schemeClr val="tx2">
+                    <a:lumMod val="20000"/>
+                    <a:lumOff val="80000"/>
+                  </a:schemeClr>
+                </a:solidFill>
+              </a:rPr>
+              <a:t>Minimizing data movement</a:t>
+            </a:r>
+          </a:p>
+          <a:p>
+            <a:pPr algn="ctr"/>
+            <a:r>
+              <a:rPr lang="en-US" sz="2000" dirty="0">
+                <a:solidFill>
+                  <a:schemeClr val="tx2">
+                    <a:lumMod val="20000"/>
+                    <a:lumOff val="80000"/>
+                  </a:schemeClr>
+                </a:solidFill>
+              </a:rPr>
+              <a:t>Maximizing scalability</a:t>
+            </a:r>
+          </a:p>
+        </p:txBody>
+      </p:sp>
+      <p:sp>
+        <p:nvSpPr>
+          <p:cNvPr id="18" name="Rounded Rectangle 17">
+            <a:extLst>
+              <a:ext uri="{FF2B5EF4-FFF2-40B4-BE49-F238E27FC236}">
+                <a16:creationId xmlns:a16="http://schemas.microsoft.com/office/drawing/2014/main" id="{FD262230-1681-AF4E-B2F0-AFBCC7A193BF}"/>
+              </a:ext>
+            </a:extLst>
+          </p:cNvPr>
+          <p:cNvSpPr/>
+          <p:nvPr/>
+        </p:nvSpPr>
+        <p:spPr>
+          <a:xfrm>
+            <a:off x="1326032" y="4023360"/>
+            <a:ext cx="3408917" cy="1699372"/>
+          </a:xfrm>
+          <a:prstGeom prst="roundRect">
+            <a:avLst/>
+          </a:prstGeom>
+          <a:solidFill>
+            <a:schemeClr val="tx2">
+              <a:lumMod val="20000"/>
+              <a:lumOff val="80000"/>
+            </a:schemeClr>
+          </a:solidFill>
+          <a:ln>
+            <a:noFill/>
+          </a:ln>
+          <a:effectLst>
+            <a:outerShdw blurRad="44450" dist="27940" dir="5400000" algn="ctr">
+              <a:srgbClr val="000000">
+                <a:alpha val="32000"/>
+              </a:srgbClr>
+            </a:outerShdw>
+          </a:effectLst>
+        </p:spPr>
+        <p:txBody>
+          <a:bodyPr rot="0" spcFirstLastPara="0" vertOverflow="overflow" horzOverflow="overflow" vert="horz" wrap="square" lIns="121851" tIns="60925" rIns="121851" bIns="60925" numCol="1" spcCol="0" rtlCol="0" fromWordArt="0" anchor="ctr" anchorCtr="0" forceAA="0" compatLnSpc="1">
+            <a:prstTxWarp prst="textNoShape">
+              <a:avLst/>
+            </a:prstTxWarp>
+            <a:noAutofit/>
+          </a:bodyPr>
+          <a:lstStyle/>
+          <a:p>
+            <a:pPr algn="ctr"/>
+            <a:r>
+              <a:rPr lang="en-US" sz="2000" dirty="0">
+                <a:solidFill>
+                  <a:schemeClr val="accent1"/>
+                </a:solidFill>
+              </a:rPr>
+              <a:t>Same data layout not good for all solvers. Many corner cases. Necessary lateral interactions</a:t>
+            </a:r>
+          </a:p>
+        </p:txBody>
+      </p:sp>
+      <p:sp>
+        <p:nvSpPr>
+          <p:cNvPr id="19" name="Rounded Rectangle 18">
+            <a:extLst>
+              <a:ext uri="{FF2B5EF4-FFF2-40B4-BE49-F238E27FC236}">
+                <a16:creationId xmlns:a16="http://schemas.microsoft.com/office/drawing/2014/main" id="{2862F1BC-F846-224E-B085-B39237C0FAC1}"/>
+              </a:ext>
+            </a:extLst>
+          </p:cNvPr>
+          <p:cNvSpPr/>
+          <p:nvPr/>
+        </p:nvSpPr>
+        <p:spPr>
+          <a:xfrm>
+            <a:off x="5420147" y="4023360"/>
+            <a:ext cx="3408917" cy="1699372"/>
+          </a:xfrm>
+          <a:prstGeom prst="roundRect">
+            <a:avLst/>
+          </a:prstGeom>
+          <a:solidFill>
+            <a:schemeClr val="tx2">
+              <a:lumMod val="20000"/>
+              <a:lumOff val="80000"/>
+            </a:schemeClr>
+          </a:solidFill>
+          <a:ln>
+            <a:noFill/>
+          </a:ln>
+          <a:effectLst>
+            <a:outerShdw blurRad="44450" dist="27940" dir="5400000" algn="ctr">
+              <a:srgbClr val="000000">
+                <a:alpha val="32000"/>
+              </a:srgbClr>
+            </a:outerShdw>
+          </a:effectLst>
+        </p:spPr>
+        <p:txBody>
+          <a:bodyPr rot="0" spcFirstLastPara="0" vertOverflow="overflow" horzOverflow="overflow" vert="horz" wrap="square" lIns="121851" tIns="60925" rIns="121851" bIns="60925" numCol="1" spcCol="0" rtlCol="0" fromWordArt="0" anchor="ctr" anchorCtr="0" forceAA="0" compatLnSpc="1">
+            <a:prstTxWarp prst="textNoShape">
+              <a:avLst/>
+            </a:prstTxWarp>
+            <a:noAutofit/>
+          </a:bodyPr>
+          <a:lstStyle/>
+          <a:p>
+            <a:pPr algn="ctr"/>
+            <a:r>
+              <a:rPr lang="en-US" sz="2000" dirty="0">
+                <a:solidFill>
+                  <a:schemeClr val="accent1"/>
+                </a:solidFill>
+              </a:rPr>
+              <a:t>Low arithmetic intensity solvers with hard dependencies. Proximity and work distribution at cross purposes</a:t>
             </a:r>
           </a:p>
         </p:txBody>
@@ -24372,7 +24737,7 @@
     </p:spTree>
     <p:extLst>
       <p:ext uri="{BB962C8B-B14F-4D97-AF65-F5344CB8AC3E}">
-        <p14:creationId xmlns:p14="http://schemas.microsoft.com/office/powerpoint/2010/main" val="428699451"/>
+        <p14:creationId xmlns:p14="http://schemas.microsoft.com/office/powerpoint/2010/main" val="4258597434"/>
       </p:ext>
     </p:extLst>
   </p:cSld>
@@ -24553,79 +24918,10 @@
           </a:p>
         </p:txBody>
       </p:sp>
-      <p:sp>
-        <p:nvSpPr>
-          <p:cNvPr id="18" name="Rounded Rectangle 17">
-            <a:extLst>
-              <a:ext uri="{FF2B5EF4-FFF2-40B4-BE49-F238E27FC236}">
-                <a16:creationId xmlns:a16="http://schemas.microsoft.com/office/drawing/2014/main" id="{FD262230-1681-AF4E-B2F0-AFBCC7A193BF}"/>
-              </a:ext>
-            </a:extLst>
-          </p:cNvPr>
-          <p:cNvSpPr/>
-          <p:nvPr/>
-        </p:nvSpPr>
-        <p:spPr>
-          <a:xfrm>
-            <a:off x="1326032" y="4023360"/>
-            <a:ext cx="3408917" cy="1699372"/>
-          </a:xfrm>
-          <a:prstGeom prst="roundRect">
-            <a:avLst/>
-          </a:prstGeom>
-          <a:solidFill>
-            <a:schemeClr val="tx2">
-              <a:lumMod val="20000"/>
-              <a:lumOff val="80000"/>
-            </a:schemeClr>
-          </a:solidFill>
-          <a:ln>
-            <a:noFill/>
-          </a:ln>
-          <a:effectLst>
-            <a:outerShdw blurRad="44450" dist="27940" dir="5400000" algn="ctr">
-              <a:srgbClr val="000000">
-                <a:alpha val="32000"/>
-              </a:srgbClr>
-            </a:outerShdw>
-          </a:effectLst>
-        </p:spPr>
-        <p:txBody>
-          <a:bodyPr rot="0" spcFirstLastPara="0" vertOverflow="overflow" horzOverflow="overflow" vert="horz" wrap="square" lIns="121851" tIns="60925" rIns="121851" bIns="60925" numCol="1" spcCol="0" rtlCol="0" fromWordArt="0" anchor="ctr" anchorCtr="0" forceAA="0" compatLnSpc="1">
-            <a:prstTxWarp prst="textNoShape">
-              <a:avLst/>
-            </a:prstTxWarp>
-            <a:noAutofit/>
-          </a:bodyPr>
-          <a:lstStyle/>
-          <a:p>
-            <a:pPr algn="ctr"/>
-            <a:r>
-              <a:rPr lang="en-US" sz="2000" dirty="0">
-                <a:solidFill>
-                  <a:schemeClr val="accent1"/>
-                </a:solidFill>
-              </a:rPr>
-              <a:t>Tremendous platform heterogeneity</a:t>
-            </a:r>
-          </a:p>
-          <a:p>
-            <a:pPr algn="ctr"/>
-            <a:r>
-              <a:rPr lang="en-US" sz="2000" dirty="0">
-                <a:solidFill>
-                  <a:schemeClr val="accent1"/>
-                </a:solidFill>
-              </a:rPr>
-              <a:t>A version for each class of device =&gt; combinatorial explosion</a:t>
-            </a:r>
-          </a:p>
-        </p:txBody>
-      </p:sp>
     </p:spTree>
     <p:extLst>
       <p:ext uri="{BB962C8B-B14F-4D97-AF65-F5344CB8AC3E}">
-        <p14:creationId xmlns:p14="http://schemas.microsoft.com/office/powerpoint/2010/main" val="10116526"/>
+        <p14:creationId xmlns:p14="http://schemas.microsoft.com/office/powerpoint/2010/main" val="428699451"/>
       </p:ext>
     </p:extLst>
   </p:cSld>
@@ -24750,46 +25046,6 @@
       </p:sp>
       <p:sp>
         <p:nvSpPr>
-          <p:cNvPr id="15" name="TextBox 14">
-            <a:extLst>
-              <a:ext uri="{FF2B5EF4-FFF2-40B4-BE49-F238E27FC236}">
-                <a16:creationId xmlns:a16="http://schemas.microsoft.com/office/drawing/2014/main" id="{C78BF2DB-319B-F146-B7A1-BC81DCB8504A}"/>
-              </a:ext>
-            </a:extLst>
-          </p:cNvPr>
-          <p:cNvSpPr txBox="1"/>
-          <p:nvPr/>
-        </p:nvSpPr>
-        <p:spPr>
-          <a:xfrm>
-            <a:off x="5555459" y="1524659"/>
-            <a:ext cx="3317896" cy="433965"/>
-          </a:xfrm>
-          <a:prstGeom prst="rect">
-            <a:avLst/>
-          </a:prstGeom>
-          <a:noFill/>
-        </p:spPr>
-        <p:txBody>
-          <a:bodyPr wrap="none" lIns="118872" tIns="91440" rIns="118872" bIns="91440" rtlCol="0" anchor="ctr" anchorCtr="0">
-            <a:spAutoFit/>
-          </a:bodyPr>
-          <a:lstStyle/>
-          <a:p>
-            <a:pPr algn="l">
-              <a:lnSpc>
-                <a:spcPct val="90000"/>
-              </a:lnSpc>
-            </a:pPr>
-            <a:r>
-              <a:rPr lang="en-US" dirty="0"/>
-              <a:t>Verifiability and Maintainability</a:t>
-            </a:r>
-          </a:p>
-        </p:txBody>
-      </p:sp>
-      <p:sp>
-        <p:nvSpPr>
           <p:cNvPr id="7" name="Rounded Rectangle 6">
             <a:extLst>
               <a:ext uri="{FF2B5EF4-FFF2-40B4-BE49-F238E27FC236}">
@@ -24848,96 +25104,10 @@
       </p:sp>
       <p:sp>
         <p:nvSpPr>
-          <p:cNvPr id="17" name="Rounded Rectangle 16">
+          <p:cNvPr id="18" name="Rounded Rectangle 17">
             <a:extLst>
               <a:ext uri="{FF2B5EF4-FFF2-40B4-BE49-F238E27FC236}">
-                <a16:creationId xmlns:a16="http://schemas.microsoft.com/office/drawing/2014/main" id="{E92879B7-905C-BB44-A527-1A213FF082AB}"/>
-              </a:ext>
-            </a:extLst>
-          </p:cNvPr>
-          <p:cNvSpPr/>
-          <p:nvPr/>
-        </p:nvSpPr>
-        <p:spPr>
-          <a:xfrm>
-            <a:off x="5420146" y="2032815"/>
-            <a:ext cx="3408917" cy="1699372"/>
-          </a:xfrm>
-          <a:prstGeom prst="roundRect">
-            <a:avLst/>
-          </a:prstGeom>
-          <a:solidFill>
-            <a:schemeClr val="accent1"/>
-          </a:solidFill>
-          <a:ln>
-            <a:noFill/>
-          </a:ln>
-          <a:effectLst>
-            <a:outerShdw blurRad="44450" dist="27940" dir="5400000" algn="ctr">
-              <a:srgbClr val="000000">
-                <a:alpha val="32000"/>
-              </a:srgbClr>
-            </a:outerShdw>
-          </a:effectLst>
-        </p:spPr>
-        <p:txBody>
-          <a:bodyPr rot="0" spcFirstLastPara="0" vertOverflow="overflow" horzOverflow="overflow" vert="horz" wrap="square" lIns="121851" tIns="60925" rIns="121851" bIns="60925" numCol="1" spcCol="0" rtlCol="0" fromWordArt="0" anchor="ctr" anchorCtr="0" forceAA="0" compatLnSpc="1">
-            <a:prstTxWarp prst="textNoShape">
-              <a:avLst/>
-            </a:prstTxWarp>
-            <a:noAutofit/>
-          </a:bodyPr>
-          <a:lstStyle/>
-          <a:p>
-            <a:pPr algn="ctr"/>
-            <a:r>
-              <a:rPr lang="en-US" sz="2000" dirty="0">
-                <a:solidFill>
-                  <a:schemeClr val="tx2">
-                    <a:lumMod val="20000"/>
-                    <a:lumOff val="80000"/>
-                  </a:schemeClr>
-                </a:solidFill>
-              </a:rPr>
-              <a:t>Clean code</a:t>
-            </a:r>
-          </a:p>
-          <a:p>
-            <a:pPr algn="ctr"/>
-            <a:r>
-              <a:rPr lang="en-US" sz="2000" dirty="0">
-                <a:solidFill>
-                  <a:schemeClr val="tx2">
-                    <a:lumMod val="20000"/>
-                    <a:lumOff val="80000"/>
-                  </a:schemeClr>
-                </a:solidFill>
-              </a:rPr>
-              <a:t>Documentation</a:t>
-            </a:r>
-          </a:p>
-          <a:p>
-            <a:pPr algn="ctr"/>
-            <a:r>
-              <a:rPr lang="en-US" sz="2000" dirty="0">
-                <a:solidFill>
-                  <a:schemeClr val="tx2">
-                    <a:lumMod val="20000"/>
-                    <a:lumOff val="80000"/>
-                  </a:schemeClr>
-                </a:solidFill>
-              </a:rPr>
-              <a:t>Comprehensive testing</a:t>
-            </a:r>
-          </a:p>
-        </p:txBody>
-      </p:sp>
-      <p:sp>
-        <p:nvSpPr>
-          <p:cNvPr id="8" name="Rounded Rectangle 7">
-            <a:extLst>
-              <a:ext uri="{FF2B5EF4-FFF2-40B4-BE49-F238E27FC236}">
-                <a16:creationId xmlns:a16="http://schemas.microsoft.com/office/drawing/2014/main" id="{3899DF7C-0BE0-0843-BC05-770FAC03F6BE}"/>
+                <a16:creationId xmlns:a16="http://schemas.microsoft.com/office/drawing/2014/main" id="{FD262230-1681-AF4E-B2F0-AFBCC7A193BF}"/>
               </a:ext>
             </a:extLst>
           </p:cNvPr>
@@ -25004,7 +25174,7 @@
     </p:spTree>
     <p:extLst>
       <p:ext uri="{BB962C8B-B14F-4D97-AF65-F5344CB8AC3E}">
-        <p14:creationId xmlns:p14="http://schemas.microsoft.com/office/powerpoint/2010/main" val="197705695"/>
+        <p14:creationId xmlns:p14="http://schemas.microsoft.com/office/powerpoint/2010/main" val="10116526"/>
       </p:ext>
     </p:extLst>
   </p:cSld>
@@ -25927,15 +26097,6 @@
 </file>
 
 <file path=customXml/item1.xml><?xml version="1.0" encoding="utf-8"?>
-<?mso-contentType ?>
-<FormTemplates xmlns="http://schemas.microsoft.com/sharepoint/v3/contenttype/forms">
-  <Display>DocumentLibraryForm</Display>
-  <Edit>DocumentLibraryForm</Edit>
-  <New>DocumentLibraryForm</New>
-</FormTemplates>
-</file>
-
-<file path=customXml/item2.xml><?xml version="1.0" encoding="utf-8"?>
 <ct:contentTypeSchema xmlns:ct="http://schemas.microsoft.com/office/2006/metadata/contentType" xmlns:ma="http://schemas.microsoft.com/office/2006/metadata/properties/metaAttributes" ct:_="" ma:_="" ma:contentTypeName="Document" ma:contentTypeID="0x010100565464437F680748A68B85EB6594EA7D" ma:contentTypeVersion="0" ma:contentTypeDescription="Create a new document." ma:contentTypeScope="" ma:versionID="fe3f4dd58d5914c51cfc6deaa8ad845c">
   <xsd:schema xmlns:xsd="http://www.w3.org/2001/XMLSchema" xmlns:p="http://schemas.microsoft.com/office/2006/metadata/properties" targetNamespace="http://schemas.microsoft.com/office/2006/metadata/properties" ma:root="true" ma:fieldsID="4aeb20c0e3442673af7ee10786458764">
     <xsd:element name="properties">
@@ -25984,6 +26145,15 @@
 </ct:contentTypeSchema>
 </file>
 
+<file path=customXml/item2.xml><?xml version="1.0" encoding="utf-8"?>
+<?mso-contentType ?>
+<FormTemplates xmlns="http://schemas.microsoft.com/sharepoint/v3/contenttype/forms">
+  <Display>DocumentLibraryForm</Display>
+  <Edit>DocumentLibraryForm</Edit>
+  <New>DocumentLibraryForm</New>
+</FormTemplates>
+</file>
+
 <file path=customXml/item3.xml><?xml version="1.0" encoding="utf-8"?>
 <p:properties xmlns:p="http://schemas.microsoft.com/office/2006/metadata/properties" xmlns:xsi="http://www.w3.org/2001/XMLSchema-instance" xmlns:pc="http://schemas.microsoft.com/office/infopath/2007/PartnerControls">
   <documentManagement/>
@@ -25991,14 +26161,6 @@
 </file>
 
 <file path=customXml/itemProps1.xml><?xml version="1.0" encoding="utf-8"?>
-<ds:datastoreItem xmlns:ds="http://schemas.openxmlformats.org/officeDocument/2006/customXml" ds:itemID="{19E20559-B232-4371-8690-E3D8007EDB82}">
-  <ds:schemaRefs>
-    <ds:schemaRef ds:uri="http://schemas.microsoft.com/sharepoint/v3/contenttype/forms"/>
-  </ds:schemaRefs>
-</ds:datastoreItem>
-</file>
-
-<file path=customXml/itemProps2.xml><?xml version="1.0" encoding="utf-8"?>
 <ds:datastoreItem xmlns:ds="http://schemas.openxmlformats.org/officeDocument/2006/customXml" ds:itemID="{E8DB7DEB-074E-4EE8-9B6E-FD277323109C}">
   <ds:schemaRefs>
     <ds:schemaRef ds:uri="http://schemas.microsoft.com/office/2006/metadata/contentType"/>
@@ -26009,6 +26171,14 @@
     <ds:schemaRef ds:uri="http://purl.org/dc/elements/1.1/"/>
     <ds:schemaRef ds:uri="http://purl.org/dc/terms/"/>
     <ds:schemaRef ds:uri="http://schemas.microsoft.com/office/internal/2005/internalDocumentation"/>
+  </ds:schemaRefs>
+</ds:datastoreItem>
+</file>
+
+<file path=customXml/itemProps2.xml><?xml version="1.0" encoding="utf-8"?>
+<ds:datastoreItem xmlns:ds="http://schemas.openxmlformats.org/officeDocument/2006/customXml" ds:itemID="{19E20559-B232-4371-8690-E3D8007EDB82}">
+  <ds:schemaRefs>
+    <ds:schemaRef ds:uri="http://schemas.microsoft.com/sharepoint/v3/contenttype/forms"/>
   </ds:schemaRefs>
 </ds:datastoreItem>
 </file>

--- a/04-design.pptx
+++ b/04-design.pptx
@@ -5,42 +5,41 @@
     <p:sldMasterId id="2147483935" r:id="rId4"/>
   </p:sldMasterIdLst>
   <p:notesMasterIdLst>
-    <p:notesMasterId r:id="rId35"/>
+    <p:notesMasterId r:id="rId34"/>
   </p:notesMasterIdLst>
   <p:handoutMasterIdLst>
-    <p:handoutMasterId r:id="rId36"/>
+    <p:handoutMasterId r:id="rId35"/>
   </p:handoutMasterIdLst>
   <p:sldIdLst>
     <p:sldId id="318" r:id="rId5"/>
-    <p:sldId id="615" r:id="rId6"/>
-    <p:sldId id="331" r:id="rId7"/>
-    <p:sldId id="586" r:id="rId8"/>
-    <p:sldId id="593" r:id="rId9"/>
-    <p:sldId id="610" r:id="rId10"/>
-    <p:sldId id="611" r:id="rId11"/>
-    <p:sldId id="592" r:id="rId12"/>
-    <p:sldId id="594" r:id="rId13"/>
-    <p:sldId id="612" r:id="rId14"/>
-    <p:sldId id="613" r:id="rId15"/>
-    <p:sldId id="562" r:id="rId16"/>
-    <p:sldId id="595" r:id="rId17"/>
-    <p:sldId id="596" r:id="rId18"/>
-    <p:sldId id="597" r:id="rId19"/>
-    <p:sldId id="598" r:id="rId20"/>
-    <p:sldId id="563" r:id="rId21"/>
-    <p:sldId id="605" r:id="rId22"/>
-    <p:sldId id="614" r:id="rId23"/>
-    <p:sldId id="603" r:id="rId24"/>
-    <p:sldId id="604" r:id="rId25"/>
-    <p:sldId id="607" r:id="rId26"/>
-    <p:sldId id="608" r:id="rId27"/>
-    <p:sldId id="601" r:id="rId28"/>
-    <p:sldId id="609" r:id="rId29"/>
-    <p:sldId id="569" r:id="rId30"/>
-    <p:sldId id="602" r:id="rId31"/>
-    <p:sldId id="573" r:id="rId32"/>
-    <p:sldId id="570" r:id="rId33"/>
-    <p:sldId id="571" r:id="rId34"/>
+    <p:sldId id="320" r:id="rId6"/>
+    <p:sldId id="586" r:id="rId7"/>
+    <p:sldId id="593" r:id="rId8"/>
+    <p:sldId id="610" r:id="rId9"/>
+    <p:sldId id="611" r:id="rId10"/>
+    <p:sldId id="592" r:id="rId11"/>
+    <p:sldId id="594" r:id="rId12"/>
+    <p:sldId id="612" r:id="rId13"/>
+    <p:sldId id="613" r:id="rId14"/>
+    <p:sldId id="562" r:id="rId15"/>
+    <p:sldId id="595" r:id="rId16"/>
+    <p:sldId id="596" r:id="rId17"/>
+    <p:sldId id="597" r:id="rId18"/>
+    <p:sldId id="598" r:id="rId19"/>
+    <p:sldId id="563" r:id="rId20"/>
+    <p:sldId id="605" r:id="rId21"/>
+    <p:sldId id="614" r:id="rId22"/>
+    <p:sldId id="603" r:id="rId23"/>
+    <p:sldId id="604" r:id="rId24"/>
+    <p:sldId id="607" r:id="rId25"/>
+    <p:sldId id="608" r:id="rId26"/>
+    <p:sldId id="601" r:id="rId27"/>
+    <p:sldId id="609" r:id="rId28"/>
+    <p:sldId id="569" r:id="rId29"/>
+    <p:sldId id="602" r:id="rId30"/>
+    <p:sldId id="573" r:id="rId31"/>
+    <p:sldId id="570" r:id="rId32"/>
+    <p:sldId id="571" r:id="rId33"/>
   </p:sldIdLst>
   <p:sldSz cx="12188825" cy="6858000"/>
   <p:notesSz cx="7010400" cy="9296400"/>
@@ -284,7 +283,7 @@
           <a:p>
             <a:fld id="{0B842F42-2CE9-4E35-95C1-410DC08A50B1}" type="datetimeFigureOut">
               <a:rPr lang="en-US" smtClean="0"/>
-              <a:t>7/31/20</a:t>
+              <a:t>8/2/2020</a:t>
             </a:fld>
             <a:endParaRPr lang="en-US"/>
           </a:p>
@@ -449,7 +448,7 @@
           <a:p>
             <a:fld id="{6F282904-F315-4730-8D91-37D99E141A6F}" type="datetimeFigureOut">
               <a:rPr lang="en-US" smtClean="0"/>
-              <a:t>7/31/20</a:t>
+              <a:t>8/2/2020</a:t>
             </a:fld>
             <a:endParaRPr lang="en-US"/>
           </a:p>
@@ -784,7 +783,7 @@
           <a:p>
             <a:fld id="{54E672D7-8E2D-4611-973D-F4591A707C34}" type="slidenum">
               <a:rPr lang="en-US" smtClean="0"/>
-              <a:t>21</a:t>
+              <a:t>20</a:t>
             </a:fld>
             <a:endParaRPr lang="en-US"/>
           </a:p>
@@ -890,7 +889,7 @@
           <a:p>
             <a:fld id="{6E363A66-168C-0143-BD3D-B116B7B003A5}" type="slidenum">
               <a:rPr lang="en-US" smtClean="0"/>
-              <a:t>24</a:t>
+              <a:t>23</a:t>
             </a:fld>
             <a:endParaRPr lang="en-US"/>
           </a:p>
@@ -974,7 +973,7 @@
           <a:p>
             <a:fld id="{6E363A66-168C-0143-BD3D-B116B7B003A5}" type="slidenum">
               <a:rPr lang="en-US" smtClean="0"/>
-              <a:t>27</a:t>
+              <a:t>26</a:t>
             </a:fld>
             <a:endParaRPr lang="en-US"/>
           </a:p>
@@ -1058,7 +1057,7 @@
           <a:p>
             <a:fld id="{6E363A66-168C-0143-BD3D-B116B7B003A5}" type="slidenum">
               <a:rPr lang="en-US" smtClean="0"/>
-              <a:t>28</a:t>
+              <a:t>27</a:t>
             </a:fld>
             <a:endParaRPr lang="en-US"/>
           </a:p>
@@ -1894,7 +1893,7 @@
           <a:noFill/>
           <a:extLst>
             <a:ext uri="{909E8E84-426E-40dd-AFC4-6F175D3DCCD1}">
-              <a14:hiddenFill xmlns:a14="http://schemas.microsoft.com/office/drawing/2010/main" xmlns="">
+              <a14:hiddenFill xmlns="" xmlns:a14="http://schemas.microsoft.com/office/drawing/2010/main">
                 <a:solidFill>
                   <a:srgbClr val="FFFFFF"/>
                 </a:solidFill>
@@ -2048,7 +2047,7 @@
           <a:noFill/>
           <a:extLst>
             <a:ext uri="{909E8E84-426E-40dd-AFC4-6F175D3DCCD1}">
-              <a14:hiddenFill xmlns:a14="http://schemas.microsoft.com/office/drawing/2010/main" xmlns="">
+              <a14:hiddenFill xmlns="" xmlns:a14="http://schemas.microsoft.com/office/drawing/2010/main">
                 <a:solidFill>
                   <a:srgbClr val="FFFFFF"/>
                 </a:solidFill>
@@ -5552,7 +5551,7 @@
           <a:lstStyle/>
           <a:p>
             <a:r>
-              <a:rPr lang="en-US" dirty="0"/>
+              <a:rPr lang="en-US" u="sng" dirty="0"/>
               <a:t>Anshu Dubey</a:t>
             </a:r>
             <a:br>
@@ -5572,7 +5571,7 @@
             </a:pPr>
             <a:r>
               <a:rPr lang="en-US" sz="2000" dirty="0"/>
-              <a:t>ATPESC 2020</a:t>
+              <a:t>Software Productivity Track, ATPESC 2020</a:t>
             </a:r>
             <a:br>
               <a:rPr lang="en-US" sz="2000" dirty="0"/>
@@ -6016,10 +6015,10 @@
       </p:sp>
       <p:sp>
         <p:nvSpPr>
-          <p:cNvPr id="8" name="Rounded Rectangle 7">
+          <p:cNvPr id="18" name="Rounded Rectangle 17">
             <a:extLst>
               <a:ext uri="{FF2B5EF4-FFF2-40B4-BE49-F238E27FC236}">
-                <a16:creationId xmlns:a16="http://schemas.microsoft.com/office/drawing/2014/main" id="{3899DF7C-0BE0-0843-BC05-770FAC03F6BE}"/>
+                <a16:creationId xmlns:a16="http://schemas.microsoft.com/office/drawing/2014/main" id="{FD262230-1681-AF4E-B2F0-AFBCC7A193BF}"/>
               </a:ext>
             </a:extLst>
           </p:cNvPr>
@@ -6083,10 +6082,79 @@
           </a:p>
         </p:txBody>
       </p:sp>
+      <p:sp>
+        <p:nvSpPr>
+          <p:cNvPr id="19" name="Rounded Rectangle 18">
+            <a:extLst>
+              <a:ext uri="{FF2B5EF4-FFF2-40B4-BE49-F238E27FC236}">
+                <a16:creationId xmlns:a16="http://schemas.microsoft.com/office/drawing/2014/main" id="{2862F1BC-F846-224E-B085-B39237C0FAC1}"/>
+              </a:ext>
+            </a:extLst>
+          </p:cNvPr>
+          <p:cNvSpPr/>
+          <p:nvPr/>
+        </p:nvSpPr>
+        <p:spPr>
+          <a:xfrm>
+            <a:off x="5420147" y="4023360"/>
+            <a:ext cx="3408917" cy="1699372"/>
+          </a:xfrm>
+          <a:prstGeom prst="roundRect">
+            <a:avLst/>
+          </a:prstGeom>
+          <a:solidFill>
+            <a:schemeClr val="tx2">
+              <a:lumMod val="20000"/>
+              <a:lumOff val="80000"/>
+            </a:schemeClr>
+          </a:solidFill>
+          <a:ln>
+            <a:noFill/>
+          </a:ln>
+          <a:effectLst>
+            <a:outerShdw blurRad="44450" dist="27940" dir="5400000" algn="ctr">
+              <a:srgbClr val="000000">
+                <a:alpha val="32000"/>
+              </a:srgbClr>
+            </a:outerShdw>
+          </a:effectLst>
+        </p:spPr>
+        <p:txBody>
+          <a:bodyPr rot="0" spcFirstLastPara="0" vertOverflow="overflow" horzOverflow="overflow" vert="horz" wrap="square" lIns="121851" tIns="60925" rIns="121851" bIns="60925" numCol="1" spcCol="0" rtlCol="0" fromWordArt="0" anchor="ctr" anchorCtr="0" forceAA="0" compatLnSpc="1">
+            <a:prstTxWarp prst="textNoShape">
+              <a:avLst/>
+            </a:prstTxWarp>
+            <a:noAutofit/>
+          </a:bodyPr>
+          <a:lstStyle/>
+          <a:p>
+            <a:pPr algn="ctr"/>
+            <a:r>
+              <a:rPr lang="en-US" sz="2000" dirty="0">
+                <a:solidFill>
+                  <a:schemeClr val="accent1"/>
+                </a:solidFill>
+              </a:rPr>
+              <a:t>Wrong incentives</a:t>
+            </a:r>
+          </a:p>
+          <a:p>
+            <a:pPr algn="ctr"/>
+            <a:r>
+              <a:rPr lang="en-US" sz="2000" dirty="0">
+                <a:solidFill>
+                  <a:schemeClr val="accent1"/>
+                </a:solidFill>
+              </a:rPr>
+              <a:t>Designing good tests is hard</a:t>
+            </a:r>
+          </a:p>
+        </p:txBody>
+      </p:sp>
     </p:spTree>
     <p:extLst>
       <p:ext uri="{BB962C8B-B14F-4D97-AF65-F5344CB8AC3E}">
-        <p14:creationId xmlns:p14="http://schemas.microsoft.com/office/powerpoint/2010/main" val="197705695"/>
+        <p14:creationId xmlns:p14="http://schemas.microsoft.com/office/powerpoint/2010/main" val="93140092"/>
       </p:ext>
     </p:extLst>
   </p:cSld>
@@ -6147,21 +6215,25 @@
         </p:nvSpPr>
         <p:spPr>
           <a:xfrm>
-            <a:off x="943443" y="966203"/>
-            <a:ext cx="10693385" cy="359677"/>
+            <a:off x="890815" y="1128937"/>
+            <a:ext cx="7697449" cy="637638"/>
           </a:xfrm>
         </p:spPr>
         <p:txBody>
           <a:bodyPr/>
           <a:lstStyle/>
           <a:p>
-            <a:pPr marL="0" indent="0">
+            <a:pPr marL="0" indent="0" algn="ctr">
               <a:buNone/>
             </a:pPr>
             <a:r>
-              <a:rPr lang="en-US" sz="2400" b="1" dirty="0"/>
-              <a:t>Desirable Characteristics and Why They are Challenging</a:t>
-            </a:r>
+              <a:rPr lang="en-US" sz="2400" dirty="0"/>
+              <a:t>Taming the Complexity: Separation of Concerns</a:t>
+            </a:r>
+            <a:endParaRPr lang="en-US" dirty="0"/>
+          </a:p>
+          <a:p>
+            <a:endParaRPr lang="en-US" dirty="0"/>
           </a:p>
           <a:p>
             <a:pPr lvl="1"/>
@@ -6171,90 +6243,10 @@
       </p:sp>
       <p:sp>
         <p:nvSpPr>
-          <p:cNvPr id="5" name="TextBox 4">
+          <p:cNvPr id="5" name="Rectangle 4">
             <a:extLst>
               <a:ext uri="{FF2B5EF4-FFF2-40B4-BE49-F238E27FC236}">
-                <a16:creationId xmlns:a16="http://schemas.microsoft.com/office/drawing/2014/main" id="{D8F3DAED-9D71-7A4D-ABCE-BAD854522A99}"/>
-              </a:ext>
-            </a:extLst>
-          </p:cNvPr>
-          <p:cNvSpPr txBox="1"/>
-          <p:nvPr/>
-        </p:nvSpPr>
-        <p:spPr>
-          <a:xfrm>
-            <a:off x="2198917" y="1446638"/>
-            <a:ext cx="1253164" cy="433965"/>
-          </a:xfrm>
-          <a:prstGeom prst="rect">
-            <a:avLst/>
-          </a:prstGeom>
-          <a:noFill/>
-        </p:spPr>
-        <p:txBody>
-          <a:bodyPr wrap="none" lIns="118872" tIns="91440" rIns="118872" bIns="91440" rtlCol="0" anchor="ctr" anchorCtr="0">
-            <a:spAutoFit/>
-          </a:bodyPr>
-          <a:lstStyle/>
-          <a:p>
-            <a:pPr algn="l">
-              <a:lnSpc>
-                <a:spcPct val="90000"/>
-              </a:lnSpc>
-            </a:pPr>
-            <a:r>
-              <a:rPr lang="en-US" dirty="0"/>
-              <a:t>Portability</a:t>
-            </a:r>
-          </a:p>
-        </p:txBody>
-      </p:sp>
-      <p:sp>
-        <p:nvSpPr>
-          <p:cNvPr id="15" name="TextBox 14">
-            <a:extLst>
-              <a:ext uri="{FF2B5EF4-FFF2-40B4-BE49-F238E27FC236}">
-                <a16:creationId xmlns:a16="http://schemas.microsoft.com/office/drawing/2014/main" id="{C78BF2DB-319B-F146-B7A1-BC81DCB8504A}"/>
-              </a:ext>
-            </a:extLst>
-          </p:cNvPr>
-          <p:cNvSpPr txBox="1"/>
-          <p:nvPr/>
-        </p:nvSpPr>
-        <p:spPr>
-          <a:xfrm>
-            <a:off x="5555459" y="1524659"/>
-            <a:ext cx="3317896" cy="433965"/>
-          </a:xfrm>
-          <a:prstGeom prst="rect">
-            <a:avLst/>
-          </a:prstGeom>
-          <a:noFill/>
-        </p:spPr>
-        <p:txBody>
-          <a:bodyPr wrap="none" lIns="118872" tIns="91440" rIns="118872" bIns="91440" rtlCol="0" anchor="ctr" anchorCtr="0">
-            <a:spAutoFit/>
-          </a:bodyPr>
-          <a:lstStyle/>
-          <a:p>
-            <a:pPr algn="l">
-              <a:lnSpc>
-                <a:spcPct val="90000"/>
-              </a:lnSpc>
-            </a:pPr>
-            <a:r>
-              <a:rPr lang="en-US" dirty="0"/>
-              <a:t>Verifiability and Maintainability</a:t>
-            </a:r>
-          </a:p>
-        </p:txBody>
-      </p:sp>
-      <p:sp>
-        <p:nvSpPr>
-          <p:cNvPr id="7" name="Rounded Rectangle 6">
-            <a:extLst>
-              <a:ext uri="{FF2B5EF4-FFF2-40B4-BE49-F238E27FC236}">
-                <a16:creationId xmlns:a16="http://schemas.microsoft.com/office/drawing/2014/main" id="{AB8C5454-7C3C-364A-9FC0-FAB9903FB673}"/>
+                <a16:creationId xmlns:a16="http://schemas.microsoft.com/office/drawing/2014/main" id="{3BCD3279-1B86-B14E-B1AA-00B937F463A3}"/>
               </a:ext>
             </a:extLst>
           </p:cNvPr>
@@ -6263,56 +6255,83 @@
         </p:nvSpPr>
         <p:spPr>
           <a:xfrm>
-            <a:off x="1304596" y="2056199"/>
-            <a:ext cx="3408917" cy="1699372"/>
-          </a:xfrm>
-          <a:prstGeom prst="roundRect">
+            <a:off x="1340520" y="1850384"/>
+            <a:ext cx="1873771" cy="1528996"/>
+          </a:xfrm>
+          <a:prstGeom prst="rect">
             <a:avLst/>
           </a:prstGeom>
           <a:solidFill>
+            <a:schemeClr val="accent1">
+              <a:lumMod val="40000"/>
+              <a:lumOff val="60000"/>
+            </a:schemeClr>
+          </a:solidFill>
+          <a:effectLst/>
+        </p:spPr>
+        <p:style>
+          <a:lnRef idx="1">
             <a:schemeClr val="accent1"/>
-          </a:solidFill>
-          <a:ln>
-            <a:noFill/>
-          </a:ln>
-          <a:effectLst>
-            <a:outerShdw blurRad="44450" dist="27940" dir="5400000" algn="ctr">
-              <a:srgbClr val="000000">
-                <a:alpha val="32000"/>
-              </a:srgbClr>
-            </a:outerShdw>
-          </a:effectLst>
-        </p:spPr>
+          </a:lnRef>
+          <a:fillRef idx="3">
+            <a:schemeClr val="accent1"/>
+          </a:fillRef>
+          <a:effectRef idx="2">
+            <a:schemeClr val="accent1"/>
+          </a:effectRef>
+          <a:fontRef idx="minor">
+            <a:schemeClr val="lt1"/>
+          </a:fontRef>
+        </p:style>
         <p:txBody>
-          <a:bodyPr rot="0" spcFirstLastPara="0" vertOverflow="overflow" horzOverflow="overflow" vert="horz" wrap="square" lIns="121851" tIns="60925" rIns="121851" bIns="60925" numCol="1" spcCol="0" rtlCol="0" fromWordArt="0" anchor="ctr" anchorCtr="0" forceAA="0" compatLnSpc="1">
-            <a:prstTxWarp prst="textNoShape">
-              <a:avLst/>
-            </a:prstTxWarp>
-            <a:noAutofit/>
-          </a:bodyPr>
+          <a:bodyPr rtlCol="0" anchor="ctr"/>
           <a:lstStyle/>
           <a:p>
             <a:pPr algn="ctr"/>
             <a:r>
-              <a:rPr lang="en-US" sz="2000" dirty="0">
-                <a:solidFill>
-                  <a:schemeClr val="tx2">
-                    <a:lumMod val="20000"/>
-                    <a:lumOff val="80000"/>
-                  </a:schemeClr>
+              <a:rPr lang="en-US" b="1" dirty="0">
+                <a:solidFill>
+                  <a:schemeClr val="tx1"/>
                 </a:solidFill>
               </a:rPr>
-              <a:t>General solutions that work without significant manual intervention across platforms</a:t>
-            </a:r>
+              <a:t>Subject of research</a:t>
+            </a:r>
+          </a:p>
+          <a:p>
+            <a:pPr algn="ctr"/>
+            <a:r>
+              <a:rPr lang="en-US" dirty="0">
+                <a:solidFill>
+                  <a:schemeClr val="tx1"/>
+                </a:solidFill>
+              </a:rPr>
+              <a:t>Model</a:t>
+            </a:r>
+          </a:p>
+          <a:p>
+            <a:pPr algn="ctr"/>
+            <a:r>
+              <a:rPr lang="en-US" dirty="0" err="1">
+                <a:solidFill>
+                  <a:schemeClr val="tx1"/>
+                </a:solidFill>
+              </a:rPr>
+              <a:t>Numerics</a:t>
+            </a:r>
+            <a:endParaRPr lang="en-US" dirty="0">
+              <a:solidFill>
+                <a:schemeClr val="tx1"/>
+              </a:solidFill>
+            </a:endParaRPr>
           </a:p>
         </p:txBody>
       </p:sp>
       <p:sp>
         <p:nvSpPr>
-          <p:cNvPr id="17" name="Rounded Rectangle 16">
+          <p:cNvPr id="6" name="Rectangle 5">
             <a:extLst>
               <a:ext uri="{FF2B5EF4-FFF2-40B4-BE49-F238E27FC236}">
-                <a16:creationId xmlns:a16="http://schemas.microsoft.com/office/drawing/2014/main" id="{E92879B7-905C-BB44-A527-1A213FF082AB}"/>
+                <a16:creationId xmlns:a16="http://schemas.microsoft.com/office/drawing/2014/main" id="{9AA1C2F6-DB31-644D-AA3E-8A5C5F208AF1}"/>
               </a:ext>
             </a:extLst>
           </p:cNvPr>
@@ -6321,212 +6340,60 @@
         </p:nvSpPr>
         <p:spPr>
           <a:xfrm>
-            <a:off x="5420146" y="2032815"/>
-            <a:ext cx="3408917" cy="1699372"/>
-          </a:xfrm>
-          <a:prstGeom prst="roundRect">
+            <a:off x="1340520" y="4546572"/>
+            <a:ext cx="1873771" cy="1528996"/>
+          </a:xfrm>
+          <a:prstGeom prst="rect">
             <a:avLst/>
           </a:prstGeom>
           <a:solidFill>
+            <a:srgbClr val="0070C0"/>
+          </a:solidFill>
+          <a:effectLst/>
+        </p:spPr>
+        <p:style>
+          <a:lnRef idx="1">
             <a:schemeClr val="accent1"/>
-          </a:solidFill>
-          <a:ln>
-            <a:noFill/>
-          </a:ln>
-          <a:effectLst>
-            <a:outerShdw blurRad="44450" dist="27940" dir="5400000" algn="ctr">
-              <a:srgbClr val="000000">
-                <a:alpha val="32000"/>
-              </a:srgbClr>
-            </a:outerShdw>
-          </a:effectLst>
-        </p:spPr>
+          </a:lnRef>
+          <a:fillRef idx="3">
+            <a:schemeClr val="accent1"/>
+          </a:fillRef>
+          <a:effectRef idx="2">
+            <a:schemeClr val="accent1"/>
+          </a:effectRef>
+          <a:fontRef idx="minor">
+            <a:schemeClr val="lt1"/>
+          </a:fontRef>
+        </p:style>
         <p:txBody>
-          <a:bodyPr rot="0" spcFirstLastPara="0" vertOverflow="overflow" horzOverflow="overflow" vert="horz" wrap="square" lIns="121851" tIns="60925" rIns="121851" bIns="60925" numCol="1" spcCol="0" rtlCol="0" fromWordArt="0" anchor="ctr" anchorCtr="0" forceAA="0" compatLnSpc="1">
-            <a:prstTxWarp prst="textNoShape">
-              <a:avLst/>
-            </a:prstTxWarp>
-            <a:noAutofit/>
-          </a:bodyPr>
+          <a:bodyPr rtlCol="0" anchor="ctr"/>
           <a:lstStyle/>
           <a:p>
             <a:pPr algn="ctr"/>
             <a:r>
-              <a:rPr lang="en-US" sz="2000" dirty="0">
-                <a:solidFill>
-                  <a:schemeClr val="tx2">
-                    <a:lumMod val="20000"/>
-                    <a:lumOff val="80000"/>
-                  </a:schemeClr>
-                </a:solidFill>
-              </a:rPr>
-              <a:t>Clean code</a:t>
+              <a:rPr lang="en-US" b="1" dirty="0"/>
+              <a:t>More Stable</a:t>
             </a:r>
           </a:p>
           <a:p>
             <a:pPr algn="ctr"/>
             <a:r>
-              <a:rPr lang="en-US" sz="2000" dirty="0">
-                <a:solidFill>
-                  <a:schemeClr val="tx2">
-                    <a:lumMod val="20000"/>
-                    <a:lumOff val="80000"/>
-                  </a:schemeClr>
-                </a:solidFill>
-              </a:rPr>
-              <a:t>Documentation</a:t>
+              <a:rPr lang="en-US" dirty="0"/>
+              <a:t>Discretization</a:t>
             </a:r>
           </a:p>
           <a:p>
             <a:pPr algn="ctr"/>
             <a:r>
-              <a:rPr lang="en-US" sz="2000" dirty="0">
-                <a:solidFill>
-                  <a:schemeClr val="tx2">
-                    <a:lumMod val="20000"/>
-                    <a:lumOff val="80000"/>
-                  </a:schemeClr>
-                </a:solidFill>
-              </a:rPr>
-              <a:t>Comprehensive testing</a:t>
-            </a:r>
-          </a:p>
-        </p:txBody>
-      </p:sp>
-      <p:sp>
-        <p:nvSpPr>
-          <p:cNvPr id="18" name="Rounded Rectangle 17">
-            <a:extLst>
-              <a:ext uri="{FF2B5EF4-FFF2-40B4-BE49-F238E27FC236}">
-                <a16:creationId xmlns:a16="http://schemas.microsoft.com/office/drawing/2014/main" id="{FD262230-1681-AF4E-B2F0-AFBCC7A193BF}"/>
-              </a:ext>
-            </a:extLst>
-          </p:cNvPr>
-          <p:cNvSpPr/>
-          <p:nvPr/>
-        </p:nvSpPr>
-        <p:spPr>
-          <a:xfrm>
-            <a:off x="1326032" y="4023360"/>
-            <a:ext cx="3408917" cy="1699372"/>
-          </a:xfrm>
-          <a:prstGeom prst="roundRect">
-            <a:avLst/>
-          </a:prstGeom>
-          <a:solidFill>
-            <a:schemeClr val="tx2">
-              <a:lumMod val="20000"/>
-              <a:lumOff val="80000"/>
-            </a:schemeClr>
-          </a:solidFill>
-          <a:ln>
-            <a:noFill/>
-          </a:ln>
-          <a:effectLst>
-            <a:outerShdw blurRad="44450" dist="27940" dir="5400000" algn="ctr">
-              <a:srgbClr val="000000">
-                <a:alpha val="32000"/>
-              </a:srgbClr>
-            </a:outerShdw>
-          </a:effectLst>
-        </p:spPr>
-        <p:txBody>
-          <a:bodyPr rot="0" spcFirstLastPara="0" vertOverflow="overflow" horzOverflow="overflow" vert="horz" wrap="square" lIns="121851" tIns="60925" rIns="121851" bIns="60925" numCol="1" spcCol="0" rtlCol="0" fromWordArt="0" anchor="ctr" anchorCtr="0" forceAA="0" compatLnSpc="1">
-            <a:prstTxWarp prst="textNoShape">
-              <a:avLst/>
-            </a:prstTxWarp>
-            <a:noAutofit/>
-          </a:bodyPr>
-          <a:lstStyle/>
+              <a:rPr lang="en-US" dirty="0"/>
+              <a:t>I/O</a:t>
+            </a:r>
+          </a:p>
           <a:p>
             <a:pPr algn="ctr"/>
             <a:r>
-              <a:rPr lang="en-US" sz="2000" dirty="0">
-                <a:solidFill>
-                  <a:schemeClr val="accent1"/>
-                </a:solidFill>
-              </a:rPr>
-              <a:t>Tremendous platform heterogeneity</a:t>
-            </a:r>
-          </a:p>
-          <a:p>
-            <a:pPr algn="ctr"/>
-            <a:r>
-              <a:rPr lang="en-US" sz="2000" dirty="0">
-                <a:solidFill>
-                  <a:schemeClr val="accent1"/>
-                </a:solidFill>
-              </a:rPr>
-              <a:t>A version for each class of device =&gt; combinatorial explosion</a:t>
-            </a:r>
-          </a:p>
-        </p:txBody>
-      </p:sp>
-      <p:sp>
-        <p:nvSpPr>
-          <p:cNvPr id="19" name="Rounded Rectangle 18">
-            <a:extLst>
-              <a:ext uri="{FF2B5EF4-FFF2-40B4-BE49-F238E27FC236}">
-                <a16:creationId xmlns:a16="http://schemas.microsoft.com/office/drawing/2014/main" id="{2862F1BC-F846-224E-B085-B39237C0FAC1}"/>
-              </a:ext>
-            </a:extLst>
-          </p:cNvPr>
-          <p:cNvSpPr/>
-          <p:nvPr/>
-        </p:nvSpPr>
-        <p:spPr>
-          <a:xfrm>
-            <a:off x="5420147" y="4023360"/>
-            <a:ext cx="3408917" cy="1699372"/>
-          </a:xfrm>
-          <a:prstGeom prst="roundRect">
-            <a:avLst/>
-          </a:prstGeom>
-          <a:solidFill>
-            <a:schemeClr val="tx2">
-              <a:lumMod val="20000"/>
-              <a:lumOff val="80000"/>
-            </a:schemeClr>
-          </a:solidFill>
-          <a:ln>
-            <a:noFill/>
-          </a:ln>
-          <a:effectLst>
-            <a:outerShdw blurRad="44450" dist="27940" dir="5400000" algn="ctr">
-              <a:srgbClr val="000000">
-                <a:alpha val="32000"/>
-              </a:srgbClr>
-            </a:outerShdw>
-          </a:effectLst>
-        </p:spPr>
-        <p:txBody>
-          <a:bodyPr rot="0" spcFirstLastPara="0" vertOverflow="overflow" horzOverflow="overflow" vert="horz" wrap="square" lIns="121851" tIns="60925" rIns="121851" bIns="60925" numCol="1" spcCol="0" rtlCol="0" fromWordArt="0" anchor="ctr" anchorCtr="0" forceAA="0" compatLnSpc="1">
-            <a:prstTxWarp prst="textNoShape">
-              <a:avLst/>
-            </a:prstTxWarp>
-            <a:noAutofit/>
-          </a:bodyPr>
-          <a:lstStyle/>
-          <a:p>
-            <a:pPr algn="ctr"/>
-            <a:r>
-              <a:rPr lang="en-US" sz="2000" dirty="0">
-                <a:solidFill>
-                  <a:schemeClr val="accent1"/>
-                </a:solidFill>
-              </a:rPr>
-              <a:t>Wrong incentives</a:t>
-            </a:r>
-          </a:p>
-          <a:p>
-            <a:pPr algn="ctr"/>
-            <a:r>
-              <a:rPr lang="en-US" sz="2000" dirty="0">
-                <a:solidFill>
-                  <a:schemeClr val="accent1"/>
-                </a:solidFill>
-              </a:rPr>
-              <a:t>Designing good tests is hard</a:t>
+              <a:rPr lang="en-US" dirty="0"/>
+              <a:t>Parameters </a:t>
             </a:r>
           </a:p>
         </p:txBody>
@@ -6534,7 +6401,7 @@
     </p:spTree>
     <p:extLst>
       <p:ext uri="{BB962C8B-B14F-4D97-AF65-F5344CB8AC3E}">
-        <p14:creationId xmlns:p14="http://schemas.microsoft.com/office/powerpoint/2010/main" val="93140092"/>
+        <p14:creationId xmlns:p14="http://schemas.microsoft.com/office/powerpoint/2010/main" val="1289229211"/>
       </p:ext>
     </p:extLst>
   </p:cSld>
@@ -6778,10 +6645,68 @@
           </a:p>
         </p:txBody>
       </p:sp>
+      <p:sp>
+        <p:nvSpPr>
+          <p:cNvPr id="8" name="Rectangle 7">
+            <a:extLst>
+              <a:ext uri="{FF2B5EF4-FFF2-40B4-BE49-F238E27FC236}">
+                <a16:creationId xmlns:a16="http://schemas.microsoft.com/office/drawing/2014/main" id="{7E4A8742-EAFC-7945-B8E7-7C02DC69617C}"/>
+              </a:ext>
+            </a:extLst>
+          </p:cNvPr>
+          <p:cNvSpPr/>
+          <p:nvPr/>
+        </p:nvSpPr>
+        <p:spPr>
+          <a:xfrm>
+            <a:off x="1340520" y="3544272"/>
+            <a:ext cx="1873771" cy="839449"/>
+          </a:xfrm>
+          <a:prstGeom prst="rect">
+            <a:avLst/>
+          </a:prstGeom>
+          <a:solidFill>
+            <a:schemeClr val="tx2">
+              <a:lumMod val="50000"/>
+            </a:schemeClr>
+          </a:solidFill>
+          <a:ln>
+            <a:solidFill>
+              <a:schemeClr val="tx1"/>
+            </a:solidFill>
+          </a:ln>
+          <a:effectLst/>
+        </p:spPr>
+        <p:style>
+          <a:lnRef idx="1">
+            <a:schemeClr val="accent1"/>
+          </a:lnRef>
+          <a:fillRef idx="3">
+            <a:schemeClr val="accent1"/>
+          </a:fillRef>
+          <a:effectRef idx="2">
+            <a:schemeClr val="accent1"/>
+          </a:effectRef>
+          <a:fontRef idx="minor">
+            <a:schemeClr val="lt1"/>
+          </a:fontRef>
+        </p:style>
+        <p:txBody>
+          <a:bodyPr rtlCol="0" anchor="ctr"/>
+          <a:lstStyle/>
+          <a:p>
+            <a:pPr algn="ctr"/>
+            <a:r>
+              <a:rPr lang="en-US" dirty="0"/>
+              <a:t>Treat differently</a:t>
+            </a:r>
+          </a:p>
+        </p:txBody>
+      </p:sp>
     </p:spTree>
     <p:extLst>
       <p:ext uri="{BB962C8B-B14F-4D97-AF65-F5344CB8AC3E}">
-        <p14:creationId xmlns:p14="http://schemas.microsoft.com/office/powerpoint/2010/main" val="1289229211"/>
+        <p14:creationId xmlns:p14="http://schemas.microsoft.com/office/powerpoint/2010/main" val="334607759"/>
       </p:ext>
     </p:extLst>
   </p:cSld>
@@ -7083,10 +7008,141 @@
           </a:p>
         </p:txBody>
       </p:sp>
+      <p:sp>
+        <p:nvSpPr>
+          <p:cNvPr id="9" name="Rectangle 8">
+            <a:extLst>
+              <a:ext uri="{FF2B5EF4-FFF2-40B4-BE49-F238E27FC236}">
+                <a16:creationId xmlns:a16="http://schemas.microsoft.com/office/drawing/2014/main" id="{1FF90A6A-80FD-1047-A93D-117341291BC1}"/>
+              </a:ext>
+            </a:extLst>
+          </p:cNvPr>
+          <p:cNvSpPr/>
+          <p:nvPr/>
+        </p:nvSpPr>
+        <p:spPr>
+          <a:xfrm>
+            <a:off x="3576552" y="1850384"/>
+            <a:ext cx="1873771" cy="1528996"/>
+          </a:xfrm>
+          <a:prstGeom prst="rect">
+            <a:avLst/>
+          </a:prstGeom>
+          <a:solidFill>
+            <a:schemeClr val="accent1">
+              <a:lumMod val="40000"/>
+              <a:lumOff val="60000"/>
+            </a:schemeClr>
+          </a:solidFill>
+          <a:effectLst/>
+        </p:spPr>
+        <p:style>
+          <a:lnRef idx="1">
+            <a:schemeClr val="accent1"/>
+          </a:lnRef>
+          <a:fillRef idx="3">
+            <a:schemeClr val="accent1"/>
+          </a:fillRef>
+          <a:effectRef idx="2">
+            <a:schemeClr val="accent1"/>
+          </a:effectRef>
+          <a:fontRef idx="minor">
+            <a:schemeClr val="lt1"/>
+          </a:fontRef>
+        </p:style>
+        <p:txBody>
+          <a:bodyPr rtlCol="0" anchor="ctr"/>
+          <a:lstStyle/>
+          <a:p>
+            <a:pPr algn="ctr"/>
+            <a:r>
+              <a:rPr lang="en-US" b="1" dirty="0">
+                <a:solidFill>
+                  <a:schemeClr val="tx1"/>
+                </a:solidFill>
+              </a:rPr>
+              <a:t>Client Code</a:t>
+            </a:r>
+          </a:p>
+          <a:p>
+            <a:pPr algn="ctr"/>
+            <a:r>
+              <a:rPr lang="en-US" dirty="0">
+                <a:solidFill>
+                  <a:schemeClr val="tx1"/>
+                </a:solidFill>
+              </a:rPr>
+              <a:t>Mathematically complex</a:t>
+            </a:r>
+          </a:p>
+        </p:txBody>
+      </p:sp>
+      <p:sp>
+        <p:nvSpPr>
+          <p:cNvPr id="11" name="Rectangle 10">
+            <a:extLst>
+              <a:ext uri="{FF2B5EF4-FFF2-40B4-BE49-F238E27FC236}">
+                <a16:creationId xmlns:a16="http://schemas.microsoft.com/office/drawing/2014/main" id="{0C99103D-F81B-364F-962C-0F9672801BBB}"/>
+              </a:ext>
+            </a:extLst>
+          </p:cNvPr>
+          <p:cNvSpPr/>
+          <p:nvPr/>
+        </p:nvSpPr>
+        <p:spPr>
+          <a:xfrm>
+            <a:off x="3576552" y="4546572"/>
+            <a:ext cx="1873771" cy="1528996"/>
+          </a:xfrm>
+          <a:prstGeom prst="rect">
+            <a:avLst/>
+          </a:prstGeom>
+          <a:solidFill>
+            <a:srgbClr val="0070C0"/>
+          </a:solidFill>
+          <a:effectLst/>
+        </p:spPr>
+        <p:style>
+          <a:lnRef idx="1">
+            <a:schemeClr val="accent1"/>
+          </a:lnRef>
+          <a:fillRef idx="3">
+            <a:schemeClr val="accent1"/>
+          </a:fillRef>
+          <a:effectRef idx="2">
+            <a:schemeClr val="accent1"/>
+          </a:effectRef>
+          <a:fontRef idx="minor">
+            <a:schemeClr val="lt1"/>
+          </a:fontRef>
+        </p:style>
+        <p:txBody>
+          <a:bodyPr rtlCol="0" anchor="ctr"/>
+          <a:lstStyle/>
+          <a:p>
+            <a:pPr algn="ctr"/>
+            <a:r>
+              <a:rPr lang="en-US" b="1" dirty="0"/>
+              <a:t>Infrastructure</a:t>
+            </a:r>
+          </a:p>
+          <a:p>
+            <a:pPr algn="ctr"/>
+            <a:r>
+              <a:rPr lang="en-US" dirty="0"/>
+              <a:t>Data structures and movement</a:t>
+            </a:r>
+          </a:p>
+          <a:p>
+            <a:pPr algn="ctr"/>
+            <a:endParaRPr lang="en-US" dirty="0"/>
+          </a:p>
+        </p:txBody>
+      </p:sp>
     </p:spTree>
     <p:extLst>
       <p:ext uri="{BB962C8B-B14F-4D97-AF65-F5344CB8AC3E}">
-        <p14:creationId xmlns:p14="http://schemas.microsoft.com/office/powerpoint/2010/main" val="334607759"/>
+        <p14:creationId xmlns:p14="http://schemas.microsoft.com/office/powerpoint/2010/main" val="3213464366"/>
       </p:ext>
     </p:extLst>
   </p:cSld>
@@ -7519,102 +7575,12 @@
           </a:p>
         </p:txBody>
       </p:sp>
-    </p:spTree>
-    <p:extLst>
-      <p:ext uri="{BB962C8B-B14F-4D97-AF65-F5344CB8AC3E}">
-        <p14:creationId xmlns:p14="http://schemas.microsoft.com/office/powerpoint/2010/main" val="3213464366"/>
-      </p:ext>
-    </p:extLst>
-  </p:cSld>
-  <p:clrMapOvr>
-    <a:masterClrMapping/>
-  </p:clrMapOvr>
-</p:sld>
-</file>
-
-<file path=ppt/slides/slide15.xml><?xml version="1.0" encoding="utf-8"?>
-<p:sld xmlns:a="http://schemas.openxmlformats.org/drawingml/2006/main" xmlns:r="http://schemas.openxmlformats.org/officeDocument/2006/relationships" xmlns:p="http://schemas.openxmlformats.org/presentationml/2006/main">
-  <p:cSld>
-    <p:spTree>
-      <p:nvGrpSpPr>
-        <p:cNvPr id="1" name=""/>
-        <p:cNvGrpSpPr/>
-        <p:nvPr/>
-      </p:nvGrpSpPr>
-      <p:grpSpPr>
-        <a:xfrm>
-          <a:off x="0" y="0"/>
-          <a:ext cx="0" cy="0"/>
-          <a:chOff x="0" y="0"/>
-          <a:chExt cx="0" cy="0"/>
-        </a:xfrm>
-      </p:grpSpPr>
       <p:sp>
         <p:nvSpPr>
-          <p:cNvPr id="2" name="Title 1"/>
-          <p:cNvSpPr>
-            <a:spLocks noGrp="1"/>
-          </p:cNvSpPr>
-          <p:nvPr>
-            <p:ph type="title"/>
-          </p:nvPr>
-        </p:nvSpPr>
-        <p:spPr/>
-        <p:txBody>
-          <a:bodyPr/>
-          <a:lstStyle/>
-          <a:p>
-            <a:r>
-              <a:rPr lang="en-US" dirty="0"/>
-              <a:t>Architecting scientific codes</a:t>
-            </a:r>
-          </a:p>
-        </p:txBody>
-      </p:sp>
-      <p:sp>
-        <p:nvSpPr>
-          <p:cNvPr id="3" name="Content Placeholder 2"/>
-          <p:cNvSpPr>
-            <a:spLocks noGrp="1"/>
-          </p:cNvSpPr>
-          <p:nvPr>
-            <p:ph idx="1"/>
-          </p:nvPr>
-        </p:nvSpPr>
-        <p:spPr>
-          <a:xfrm>
-            <a:off x="890815" y="1128937"/>
-            <a:ext cx="7697449" cy="637638"/>
-          </a:xfrm>
-        </p:spPr>
-        <p:txBody>
-          <a:bodyPr/>
-          <a:lstStyle/>
-          <a:p>
-            <a:pPr marL="0" indent="0" algn="ctr">
-              <a:buNone/>
-            </a:pPr>
-            <a:r>
-              <a:rPr lang="en-US" sz="2400" dirty="0"/>
-              <a:t>Taming the Complexity: Separation of Concerns</a:t>
-            </a:r>
-            <a:endParaRPr lang="en-US" dirty="0"/>
-          </a:p>
-          <a:p>
-            <a:endParaRPr lang="en-US" dirty="0"/>
-          </a:p>
-          <a:p>
-            <a:pPr lvl="1"/>
-            <a:endParaRPr lang="en-US" dirty="0"/>
-          </a:p>
-        </p:txBody>
-      </p:sp>
-      <p:sp>
-        <p:nvSpPr>
-          <p:cNvPr id="5" name="Rectangle 4">
+          <p:cNvPr id="12" name="Rectangle 11">
             <a:extLst>
               <a:ext uri="{FF2B5EF4-FFF2-40B4-BE49-F238E27FC236}">
-                <a16:creationId xmlns:a16="http://schemas.microsoft.com/office/drawing/2014/main" id="{3BCD3279-1B86-B14E-B1AA-00B937F463A3}"/>
+                <a16:creationId xmlns:a16="http://schemas.microsoft.com/office/drawing/2014/main" id="{FA035120-65AA-584A-9F3D-E4B12FF9D8BC}"/>
               </a:ext>
             </a:extLst>
           </p:cNvPr>
@@ -7623,164 +7589,7 @@
         </p:nvSpPr>
         <p:spPr>
           <a:xfrm>
-            <a:off x="1340520" y="1850384"/>
-            <a:ext cx="1873771" cy="1528996"/>
-          </a:xfrm>
-          <a:prstGeom prst="rect">
-            <a:avLst/>
-          </a:prstGeom>
-          <a:solidFill>
-            <a:schemeClr val="accent1">
-              <a:lumMod val="40000"/>
-              <a:lumOff val="60000"/>
-            </a:schemeClr>
-          </a:solidFill>
-          <a:effectLst/>
-        </p:spPr>
-        <p:style>
-          <a:lnRef idx="1">
-            <a:schemeClr val="accent1"/>
-          </a:lnRef>
-          <a:fillRef idx="3">
-            <a:schemeClr val="accent1"/>
-          </a:fillRef>
-          <a:effectRef idx="2">
-            <a:schemeClr val="accent1"/>
-          </a:effectRef>
-          <a:fontRef idx="minor">
-            <a:schemeClr val="lt1"/>
-          </a:fontRef>
-        </p:style>
-        <p:txBody>
-          <a:bodyPr rtlCol="0" anchor="ctr"/>
-          <a:lstStyle/>
-          <a:p>
-            <a:pPr algn="ctr"/>
-            <a:r>
-              <a:rPr lang="en-US" b="1" dirty="0">
-                <a:solidFill>
-                  <a:schemeClr val="tx1"/>
-                </a:solidFill>
-              </a:rPr>
-              <a:t>Subject of research</a:t>
-            </a:r>
-          </a:p>
-          <a:p>
-            <a:pPr algn="ctr"/>
-            <a:r>
-              <a:rPr lang="en-US" dirty="0">
-                <a:solidFill>
-                  <a:schemeClr val="tx1"/>
-                </a:solidFill>
-              </a:rPr>
-              <a:t>Model</a:t>
-            </a:r>
-          </a:p>
-          <a:p>
-            <a:pPr algn="ctr"/>
-            <a:r>
-              <a:rPr lang="en-US" dirty="0" err="1">
-                <a:solidFill>
-                  <a:schemeClr val="tx1"/>
-                </a:solidFill>
-              </a:rPr>
-              <a:t>Numerics</a:t>
-            </a:r>
-            <a:endParaRPr lang="en-US" dirty="0">
-              <a:solidFill>
-                <a:schemeClr val="tx1"/>
-              </a:solidFill>
-            </a:endParaRPr>
-          </a:p>
-        </p:txBody>
-      </p:sp>
-      <p:sp>
-        <p:nvSpPr>
-          <p:cNvPr id="6" name="Rectangle 5">
-            <a:extLst>
-              <a:ext uri="{FF2B5EF4-FFF2-40B4-BE49-F238E27FC236}">
-                <a16:creationId xmlns:a16="http://schemas.microsoft.com/office/drawing/2014/main" id="{9AA1C2F6-DB31-644D-AA3E-8A5C5F208AF1}"/>
-              </a:ext>
-            </a:extLst>
-          </p:cNvPr>
-          <p:cNvSpPr/>
-          <p:nvPr/>
-        </p:nvSpPr>
-        <p:spPr>
-          <a:xfrm>
-            <a:off x="1340520" y="4546572"/>
-            <a:ext cx="1873771" cy="1528996"/>
-          </a:xfrm>
-          <a:prstGeom prst="rect">
-            <a:avLst/>
-          </a:prstGeom>
-          <a:solidFill>
-            <a:srgbClr val="0070C0"/>
-          </a:solidFill>
-          <a:effectLst/>
-        </p:spPr>
-        <p:style>
-          <a:lnRef idx="1">
-            <a:schemeClr val="accent1"/>
-          </a:lnRef>
-          <a:fillRef idx="3">
-            <a:schemeClr val="accent1"/>
-          </a:fillRef>
-          <a:effectRef idx="2">
-            <a:schemeClr val="accent1"/>
-          </a:effectRef>
-          <a:fontRef idx="minor">
-            <a:schemeClr val="lt1"/>
-          </a:fontRef>
-        </p:style>
-        <p:txBody>
-          <a:bodyPr rtlCol="0" anchor="ctr"/>
-          <a:lstStyle/>
-          <a:p>
-            <a:pPr algn="ctr"/>
-            <a:r>
-              <a:rPr lang="en-US" b="1" dirty="0"/>
-              <a:t>More Stable</a:t>
-            </a:r>
-          </a:p>
-          <a:p>
-            <a:pPr algn="ctr"/>
-            <a:r>
-              <a:rPr lang="en-US" dirty="0"/>
-              <a:t>Discretization</a:t>
-            </a:r>
-          </a:p>
-          <a:p>
-            <a:pPr algn="ctr"/>
-            <a:r>
-              <a:rPr lang="en-US" dirty="0"/>
-              <a:t>I/O</a:t>
-            </a:r>
-          </a:p>
-          <a:p>
-            <a:pPr algn="ctr"/>
-            <a:r>
-              <a:rPr lang="en-US" dirty="0"/>
-              <a:t>Parameters </a:t>
-            </a:r>
-          </a:p>
-        </p:txBody>
-      </p:sp>
-      <p:sp>
-        <p:nvSpPr>
-          <p:cNvPr id="8" name="Rectangle 7">
-            <a:extLst>
-              <a:ext uri="{FF2B5EF4-FFF2-40B4-BE49-F238E27FC236}">
-                <a16:creationId xmlns:a16="http://schemas.microsoft.com/office/drawing/2014/main" id="{7E4A8742-EAFC-7945-B8E7-7C02DC69617C}"/>
-              </a:ext>
-            </a:extLst>
-          </p:cNvPr>
-          <p:cNvSpPr/>
-          <p:nvPr/>
-        </p:nvSpPr>
-        <p:spPr>
-          <a:xfrm>
-            <a:off x="1340520" y="3544272"/>
+            <a:off x="3576552" y="3544272"/>
             <a:ext cx="1873771" cy="839449"/>
           </a:xfrm>
           <a:prstGeom prst="rect">
@@ -7819,195 +7628,6 @@
             <a:pPr algn="ctr"/>
             <a:r>
               <a:rPr lang="en-US" dirty="0"/>
-              <a:t>Treat differently</a:t>
-            </a:r>
-          </a:p>
-        </p:txBody>
-      </p:sp>
-      <p:sp>
-        <p:nvSpPr>
-          <p:cNvPr id="9" name="Rectangle 8">
-            <a:extLst>
-              <a:ext uri="{FF2B5EF4-FFF2-40B4-BE49-F238E27FC236}">
-                <a16:creationId xmlns:a16="http://schemas.microsoft.com/office/drawing/2014/main" id="{1FF90A6A-80FD-1047-A93D-117341291BC1}"/>
-              </a:ext>
-            </a:extLst>
-          </p:cNvPr>
-          <p:cNvSpPr/>
-          <p:nvPr/>
-        </p:nvSpPr>
-        <p:spPr>
-          <a:xfrm>
-            <a:off x="3576552" y="1850384"/>
-            <a:ext cx="1873771" cy="1528996"/>
-          </a:xfrm>
-          <a:prstGeom prst="rect">
-            <a:avLst/>
-          </a:prstGeom>
-          <a:solidFill>
-            <a:schemeClr val="accent1">
-              <a:lumMod val="40000"/>
-              <a:lumOff val="60000"/>
-            </a:schemeClr>
-          </a:solidFill>
-          <a:effectLst/>
-        </p:spPr>
-        <p:style>
-          <a:lnRef idx="1">
-            <a:schemeClr val="accent1"/>
-          </a:lnRef>
-          <a:fillRef idx="3">
-            <a:schemeClr val="accent1"/>
-          </a:fillRef>
-          <a:effectRef idx="2">
-            <a:schemeClr val="accent1"/>
-          </a:effectRef>
-          <a:fontRef idx="minor">
-            <a:schemeClr val="lt1"/>
-          </a:fontRef>
-        </p:style>
-        <p:txBody>
-          <a:bodyPr rtlCol="0" anchor="ctr"/>
-          <a:lstStyle/>
-          <a:p>
-            <a:pPr algn="ctr"/>
-            <a:r>
-              <a:rPr lang="en-US" b="1" dirty="0">
-                <a:solidFill>
-                  <a:schemeClr val="tx1"/>
-                </a:solidFill>
-              </a:rPr>
-              <a:t>Client Code</a:t>
-            </a:r>
-          </a:p>
-          <a:p>
-            <a:pPr algn="ctr"/>
-            <a:r>
-              <a:rPr lang="en-US" dirty="0">
-                <a:solidFill>
-                  <a:schemeClr val="tx1"/>
-                </a:solidFill>
-              </a:rPr>
-              <a:t>Mathematically complex</a:t>
-            </a:r>
-          </a:p>
-        </p:txBody>
-      </p:sp>
-      <p:sp>
-        <p:nvSpPr>
-          <p:cNvPr id="11" name="Rectangle 10">
-            <a:extLst>
-              <a:ext uri="{FF2B5EF4-FFF2-40B4-BE49-F238E27FC236}">
-                <a16:creationId xmlns:a16="http://schemas.microsoft.com/office/drawing/2014/main" id="{0C99103D-F81B-364F-962C-0F9672801BBB}"/>
-              </a:ext>
-            </a:extLst>
-          </p:cNvPr>
-          <p:cNvSpPr/>
-          <p:nvPr/>
-        </p:nvSpPr>
-        <p:spPr>
-          <a:xfrm>
-            <a:off x="3576552" y="4546572"/>
-            <a:ext cx="1873771" cy="1528996"/>
-          </a:xfrm>
-          <a:prstGeom prst="rect">
-            <a:avLst/>
-          </a:prstGeom>
-          <a:solidFill>
-            <a:srgbClr val="0070C0"/>
-          </a:solidFill>
-          <a:effectLst/>
-        </p:spPr>
-        <p:style>
-          <a:lnRef idx="1">
-            <a:schemeClr val="accent1"/>
-          </a:lnRef>
-          <a:fillRef idx="3">
-            <a:schemeClr val="accent1"/>
-          </a:fillRef>
-          <a:effectRef idx="2">
-            <a:schemeClr val="accent1"/>
-          </a:effectRef>
-          <a:fontRef idx="minor">
-            <a:schemeClr val="lt1"/>
-          </a:fontRef>
-        </p:style>
-        <p:txBody>
-          <a:bodyPr rtlCol="0" anchor="ctr"/>
-          <a:lstStyle/>
-          <a:p>
-            <a:pPr algn="ctr"/>
-            <a:r>
-              <a:rPr lang="en-US" b="1" dirty="0"/>
-              <a:t>Infrastructure</a:t>
-            </a:r>
-          </a:p>
-          <a:p>
-            <a:pPr algn="ctr"/>
-            <a:r>
-              <a:rPr lang="en-US" dirty="0"/>
-              <a:t>Data structures and movement</a:t>
-            </a:r>
-          </a:p>
-          <a:p>
-            <a:pPr algn="ctr"/>
-            <a:endParaRPr lang="en-US" dirty="0"/>
-          </a:p>
-        </p:txBody>
-      </p:sp>
-      <p:sp>
-        <p:nvSpPr>
-          <p:cNvPr id="12" name="Rectangle 11">
-            <a:extLst>
-              <a:ext uri="{FF2B5EF4-FFF2-40B4-BE49-F238E27FC236}">
-                <a16:creationId xmlns:a16="http://schemas.microsoft.com/office/drawing/2014/main" id="{FA035120-65AA-584A-9F3D-E4B12FF9D8BC}"/>
-              </a:ext>
-            </a:extLst>
-          </p:cNvPr>
-          <p:cNvSpPr/>
-          <p:nvPr/>
-        </p:nvSpPr>
-        <p:spPr>
-          <a:xfrm>
-            <a:off x="3576552" y="3544272"/>
-            <a:ext cx="1873771" cy="839449"/>
-          </a:xfrm>
-          <a:prstGeom prst="rect">
-            <a:avLst/>
-          </a:prstGeom>
-          <a:solidFill>
-            <a:schemeClr val="tx2">
-              <a:lumMod val="50000"/>
-            </a:schemeClr>
-          </a:solidFill>
-          <a:ln>
-            <a:solidFill>
-              <a:schemeClr val="tx1"/>
-            </a:solidFill>
-          </a:ln>
-          <a:effectLst/>
-        </p:spPr>
-        <p:style>
-          <a:lnRef idx="1">
-            <a:schemeClr val="accent1"/>
-          </a:lnRef>
-          <a:fillRef idx="3">
-            <a:schemeClr val="accent1"/>
-          </a:fillRef>
-          <a:effectRef idx="2">
-            <a:schemeClr val="accent1"/>
-          </a:effectRef>
-          <a:fontRef idx="minor">
-            <a:schemeClr val="lt1"/>
-          </a:fontRef>
-        </p:style>
-        <p:txBody>
-          <a:bodyPr rtlCol="0" anchor="ctr"/>
-          <a:lstStyle/>
-          <a:p>
-            <a:pPr algn="ctr"/>
-            <a:r>
-              <a:rPr lang="en-US" dirty="0"/>
               <a:t>Hide from one another</a:t>
             </a:r>
           </a:p>
@@ -8026,7 +7646,7 @@
 </p:sld>
 </file>
 
-<file path=ppt/slides/slide16.xml><?xml version="1.0" encoding="utf-8"?>
+<file path=ppt/slides/slide15.xml><?xml version="1.0" encoding="utf-8"?>
 <p:sld xmlns:a="http://schemas.openxmlformats.org/drawingml/2006/main" xmlns:r="http://schemas.openxmlformats.org/officeDocument/2006/relationships" xmlns:p="http://schemas.openxmlformats.org/presentationml/2006/main">
   <p:cSld>
     <p:spTree>
@@ -9079,7 +8699,7 @@
 </p:sld>
 </file>
 
-<file path=ppt/slides/slide17.xml><?xml version="1.0" encoding="utf-8"?>
+<file path=ppt/slides/slide16.xml><?xml version="1.0" encoding="utf-8"?>
 <p:sld xmlns:a="http://schemas.openxmlformats.org/drawingml/2006/main" xmlns:r="http://schemas.openxmlformats.org/officeDocument/2006/relationships" xmlns:p="http://schemas.openxmlformats.org/presentationml/2006/main">
   <p:cSld>
     <p:spTree>
@@ -10256,6 +9876,465 @@
 </p:sld>
 </file>
 
+<file path=ppt/slides/slide17.xml><?xml version="1.0" encoding="utf-8"?>
+<p:sld xmlns:a="http://schemas.openxmlformats.org/drawingml/2006/main" xmlns:r="http://schemas.openxmlformats.org/officeDocument/2006/relationships" xmlns:p="http://schemas.openxmlformats.org/presentationml/2006/main">
+  <p:cSld>
+    <p:spTree>
+      <p:nvGrpSpPr>
+        <p:cNvPr id="1" name=""/>
+        <p:cNvGrpSpPr/>
+        <p:nvPr/>
+      </p:nvGrpSpPr>
+      <p:grpSpPr>
+        <a:xfrm>
+          <a:off x="0" y="0"/>
+          <a:ext cx="0" cy="0"/>
+          <a:chOff x="0" y="0"/>
+          <a:chExt cx="0" cy="0"/>
+        </a:xfrm>
+      </p:grpSpPr>
+      <p:sp>
+        <p:nvSpPr>
+          <p:cNvPr id="10" name="Rectangle 9">
+            <a:extLst>
+              <a:ext uri="{FF2B5EF4-FFF2-40B4-BE49-F238E27FC236}">
+                <a16:creationId xmlns:a16="http://schemas.microsoft.com/office/drawing/2014/main" id="{3E7EC149-0D6E-EA43-BEFD-0D592A41CAD3}"/>
+              </a:ext>
+            </a:extLst>
+          </p:cNvPr>
+          <p:cNvSpPr/>
+          <p:nvPr/>
+        </p:nvSpPr>
+        <p:spPr>
+          <a:xfrm>
+            <a:off x="166255" y="1550177"/>
+            <a:ext cx="5403273" cy="4241023"/>
+          </a:xfrm>
+          <a:prstGeom prst="rect">
+            <a:avLst/>
+          </a:prstGeom>
+          <a:solidFill>
+            <a:schemeClr val="accent3"/>
+          </a:solidFill>
+          <a:ln>
+            <a:noFill/>
+          </a:ln>
+          <a:effectLst>
+            <a:outerShdw blurRad="44450" dist="27940" dir="5400000" algn="ctr">
+              <a:srgbClr val="000000">
+                <a:alpha val="32000"/>
+              </a:srgbClr>
+            </a:outerShdw>
+          </a:effectLst>
+        </p:spPr>
+        <p:txBody>
+          <a:bodyPr rot="0" spcFirstLastPara="0" vertOverflow="overflow" horzOverflow="overflow" vert="horz" wrap="square" lIns="121851" tIns="60925" rIns="121851" bIns="60925" numCol="1" spcCol="0" rtlCol="0" fromWordArt="0" anchor="ctr" anchorCtr="0" forceAA="0" compatLnSpc="1">
+            <a:prstTxWarp prst="textNoShape">
+              <a:avLst/>
+            </a:prstTxWarp>
+            <a:noAutofit/>
+          </a:bodyPr>
+          <a:lstStyle/>
+          <a:p>
+            <a:pPr algn="ctr">
+              <a:lnSpc>
+                <a:spcPct val="90000"/>
+              </a:lnSpc>
+            </a:pPr>
+            <a:endParaRPr lang="en-US" sz="2000" dirty="0">
+              <a:solidFill>
+                <a:schemeClr val="bg1"/>
+              </a:solidFill>
+            </a:endParaRPr>
+          </a:p>
+        </p:txBody>
+      </p:sp>
+      <p:sp>
+        <p:nvSpPr>
+          <p:cNvPr id="3" name="Content Placeholder 2">
+            <a:extLst>
+              <a:ext uri="{FF2B5EF4-FFF2-40B4-BE49-F238E27FC236}">
+                <a16:creationId xmlns:a16="http://schemas.microsoft.com/office/drawing/2014/main" id="{36D087C7-F6DB-6246-BA7E-84DE6BC80227}"/>
+              </a:ext>
+            </a:extLst>
+          </p:cNvPr>
+          <p:cNvSpPr>
+            <a:spLocks noGrp="1"/>
+          </p:cNvSpPr>
+          <p:nvPr>
+            <p:ph idx="1"/>
+          </p:nvPr>
+        </p:nvSpPr>
+        <p:spPr>
+          <a:xfrm>
+            <a:off x="282633" y="1688722"/>
+            <a:ext cx="5286895" cy="4102478"/>
+          </a:xfrm>
+        </p:spPr>
+        <p:txBody>
+          <a:bodyPr/>
+          <a:lstStyle/>
+          <a:p>
+            <a:r>
+              <a:rPr lang="en-US" dirty="0"/>
+              <a:t>Infrastructure design</a:t>
+            </a:r>
+          </a:p>
+          <a:p>
+            <a:pPr lvl="1"/>
+            <a:r>
+              <a:rPr lang="en-US" dirty="0"/>
+              <a:t>Take time to discuss, iterate over requirements and specification</a:t>
+            </a:r>
+          </a:p>
+          <a:p>
+            <a:pPr lvl="1"/>
+            <a:r>
+              <a:rPr lang="en-US" dirty="0"/>
+              <a:t>Keep end users involved </a:t>
+            </a:r>
+          </a:p>
+          <a:p>
+            <a:pPr lvl="2"/>
+            <a:r>
+              <a:rPr lang="en-US" dirty="0"/>
+              <a:t>Not doing so leaves possible options on the table</a:t>
+            </a:r>
+          </a:p>
+          <a:p>
+            <a:r>
+              <a:rPr lang="en-US" dirty="0"/>
+              <a:t>Simple is better</a:t>
+            </a:r>
+          </a:p>
+          <a:p>
+            <a:pPr lvl="1"/>
+            <a:r>
+              <a:rPr lang="en-US" dirty="0"/>
+              <a:t>Flexibility Vs transparent to the user</a:t>
+            </a:r>
+          </a:p>
+          <a:p>
+            <a:pPr lvl="2"/>
+            <a:r>
+              <a:rPr lang="en-US" dirty="0"/>
+              <a:t>Flexibility wins</a:t>
+            </a:r>
+          </a:p>
+        </p:txBody>
+      </p:sp>
+      <p:sp>
+        <p:nvSpPr>
+          <p:cNvPr id="4" name="Date Placeholder 3">
+            <a:extLst>
+              <a:ext uri="{FF2B5EF4-FFF2-40B4-BE49-F238E27FC236}">
+                <a16:creationId xmlns:a16="http://schemas.microsoft.com/office/drawing/2014/main" id="{B2C88E49-3CEB-584A-AFB2-5B51EA707452}"/>
+              </a:ext>
+            </a:extLst>
+          </p:cNvPr>
+          <p:cNvSpPr>
+            <a:spLocks noGrp="1"/>
+          </p:cNvSpPr>
+          <p:nvPr>
+            <p:ph type="dt" sz="half" idx="10"/>
+          </p:nvPr>
+        </p:nvSpPr>
+        <p:spPr>
+          <a:xfrm>
+            <a:off x="6858000" y="6356350"/>
+            <a:ext cx="1600200" cy="274320"/>
+          </a:xfrm>
+          <a:prstGeom prst="rect">
+            <a:avLst/>
+          </a:prstGeom>
+        </p:spPr>
+        <p:txBody>
+          <a:bodyPr vert="horz" lIns="91440" tIns="45720" rIns="91440" bIns="45720" rtlCol="0" anchor="ctr" anchorCtr="0"/>
+          <a:lstStyle>
+            <a:defPPr>
+              <a:defRPr lang="en-US"/>
+            </a:defPPr>
+            <a:lvl1pPr marL="0" algn="r" defTabSz="914400" rtl="0" eaLnBrk="1" latinLnBrk="0" hangingPunct="1">
+              <a:defRPr sz="1100" kern="1200">
+                <a:solidFill>
+                  <a:schemeClr val="tx1"/>
+                </a:solidFill>
+                <a:latin typeface="Arial" panose="020B0604020202020204" pitchFamily="34" charset="0"/>
+                <a:ea typeface="+mn-ea"/>
+                <a:cs typeface="Arial" panose="020B0604020202020204" pitchFamily="34" charset="0"/>
+              </a:defRPr>
+            </a:lvl1pPr>
+            <a:lvl2pPr marL="457200" algn="l" defTabSz="914400" rtl="0" eaLnBrk="1" latinLnBrk="0" hangingPunct="1">
+              <a:defRPr sz="1800" kern="1200">
+                <a:solidFill>
+                  <a:schemeClr val="tx1"/>
+                </a:solidFill>
+                <a:latin typeface="+mn-lt"/>
+                <a:ea typeface="+mn-ea"/>
+                <a:cs typeface="+mn-cs"/>
+              </a:defRPr>
+            </a:lvl2pPr>
+            <a:lvl3pPr marL="914400" algn="l" defTabSz="914400" rtl="0" eaLnBrk="1" latinLnBrk="0" hangingPunct="1">
+              <a:defRPr sz="1800" kern="1200">
+                <a:solidFill>
+                  <a:schemeClr val="tx1"/>
+                </a:solidFill>
+                <a:latin typeface="+mn-lt"/>
+                <a:ea typeface="+mn-ea"/>
+                <a:cs typeface="+mn-cs"/>
+              </a:defRPr>
+            </a:lvl3pPr>
+            <a:lvl4pPr marL="1371600" algn="l" defTabSz="914400" rtl="0" eaLnBrk="1" latinLnBrk="0" hangingPunct="1">
+              <a:defRPr sz="1800" kern="1200">
+                <a:solidFill>
+                  <a:schemeClr val="tx1"/>
+                </a:solidFill>
+                <a:latin typeface="+mn-lt"/>
+                <a:ea typeface="+mn-ea"/>
+                <a:cs typeface="+mn-cs"/>
+              </a:defRPr>
+            </a:lvl4pPr>
+            <a:lvl5pPr marL="1828800" algn="l" defTabSz="914400" rtl="0" eaLnBrk="1" latinLnBrk="0" hangingPunct="1">
+              <a:defRPr sz="1800" kern="1200">
+                <a:solidFill>
+                  <a:schemeClr val="tx1"/>
+                </a:solidFill>
+                <a:latin typeface="+mn-lt"/>
+                <a:ea typeface="+mn-ea"/>
+                <a:cs typeface="+mn-cs"/>
+              </a:defRPr>
+            </a:lvl5pPr>
+            <a:lvl6pPr marL="2286000" algn="l" defTabSz="914400" rtl="0" eaLnBrk="1" latinLnBrk="0" hangingPunct="1">
+              <a:defRPr sz="1800" kern="1200">
+                <a:solidFill>
+                  <a:schemeClr val="tx1"/>
+                </a:solidFill>
+                <a:latin typeface="+mn-lt"/>
+                <a:ea typeface="+mn-ea"/>
+                <a:cs typeface="+mn-cs"/>
+              </a:defRPr>
+            </a:lvl6pPr>
+            <a:lvl7pPr marL="2743200" algn="l" defTabSz="914400" rtl="0" eaLnBrk="1" latinLnBrk="0" hangingPunct="1">
+              <a:defRPr sz="1800" kern="1200">
+                <a:solidFill>
+                  <a:schemeClr val="tx1"/>
+                </a:solidFill>
+                <a:latin typeface="+mn-lt"/>
+                <a:ea typeface="+mn-ea"/>
+                <a:cs typeface="+mn-cs"/>
+              </a:defRPr>
+            </a:lvl7pPr>
+            <a:lvl8pPr marL="3200400" algn="l" defTabSz="914400" rtl="0" eaLnBrk="1" latinLnBrk="0" hangingPunct="1">
+              <a:defRPr sz="1800" kern="1200">
+                <a:solidFill>
+                  <a:schemeClr val="tx1"/>
+                </a:solidFill>
+                <a:latin typeface="+mn-lt"/>
+                <a:ea typeface="+mn-ea"/>
+                <a:cs typeface="+mn-cs"/>
+              </a:defRPr>
+            </a:lvl8pPr>
+            <a:lvl9pPr marL="3657600" algn="l" defTabSz="914400" rtl="0" eaLnBrk="1" latinLnBrk="0" hangingPunct="1">
+              <a:defRPr sz="1800" kern="1200">
+                <a:solidFill>
+                  <a:schemeClr val="tx1"/>
+                </a:solidFill>
+                <a:latin typeface="+mn-lt"/>
+                <a:ea typeface="+mn-ea"/>
+                <a:cs typeface="+mn-cs"/>
+              </a:defRPr>
+            </a:lvl9pPr>
+          </a:lstStyle>
+          <a:p>
+            <a:fld id="{B557289E-1B3F-4E63-935A-0E0E5EBBCF05}" type="datetime1">
+              <a:rPr lang="en-US" smtClean="0"/>
+              <a:pPr/>
+              <a:t>8/2/2020</a:t>
+            </a:fld>
+            <a:endParaRPr lang="en-US"/>
+          </a:p>
+        </p:txBody>
+      </p:sp>
+      <p:sp>
+        <p:nvSpPr>
+          <p:cNvPr id="5" name="Slide Number Placeholder 4">
+            <a:extLst>
+              <a:ext uri="{FF2B5EF4-FFF2-40B4-BE49-F238E27FC236}">
+                <a16:creationId xmlns:a16="http://schemas.microsoft.com/office/drawing/2014/main" id="{B05AEFD1-E907-E749-8CE9-8AC2C9DDB011}"/>
+              </a:ext>
+            </a:extLst>
+          </p:cNvPr>
+          <p:cNvSpPr>
+            <a:spLocks noGrp="1"/>
+          </p:cNvSpPr>
+          <p:nvPr>
+            <p:ph type="sldNum" sz="quarter" idx="12"/>
+          </p:nvPr>
+        </p:nvSpPr>
+        <p:spPr>
+          <a:xfrm>
+            <a:off x="8458200" y="6356350"/>
+            <a:ext cx="457200" cy="274320"/>
+          </a:xfrm>
+          <a:prstGeom prst="rect">
+            <a:avLst/>
+          </a:prstGeom>
+        </p:spPr>
+        <p:txBody>
+          <a:bodyPr vert="horz" lIns="91440" tIns="45720" rIns="91440" bIns="45720" rtlCol="0" anchor="ctr" anchorCtr="0"/>
+          <a:lstStyle>
+            <a:defPPr>
+              <a:defRPr lang="en-US"/>
+            </a:defPPr>
+            <a:lvl1pPr marL="0" algn="r" defTabSz="914400" rtl="0" eaLnBrk="1" latinLnBrk="0" hangingPunct="1">
+              <a:defRPr sz="1100" kern="1200">
+                <a:solidFill>
+                  <a:schemeClr val="tx1"/>
+                </a:solidFill>
+                <a:latin typeface="Arial" panose="020B0604020202020204" pitchFamily="34" charset="0"/>
+                <a:ea typeface="+mn-ea"/>
+                <a:cs typeface="Arial" panose="020B0604020202020204" pitchFamily="34" charset="0"/>
+              </a:defRPr>
+            </a:lvl1pPr>
+            <a:lvl2pPr marL="457200" algn="l" defTabSz="914400" rtl="0" eaLnBrk="1" latinLnBrk="0" hangingPunct="1">
+              <a:defRPr sz="1800" kern="1200">
+                <a:solidFill>
+                  <a:schemeClr val="tx1"/>
+                </a:solidFill>
+                <a:latin typeface="+mn-lt"/>
+                <a:ea typeface="+mn-ea"/>
+                <a:cs typeface="+mn-cs"/>
+              </a:defRPr>
+            </a:lvl2pPr>
+            <a:lvl3pPr marL="914400" algn="l" defTabSz="914400" rtl="0" eaLnBrk="1" latinLnBrk="0" hangingPunct="1">
+              <a:defRPr sz="1800" kern="1200">
+                <a:solidFill>
+                  <a:schemeClr val="tx1"/>
+                </a:solidFill>
+                <a:latin typeface="+mn-lt"/>
+                <a:ea typeface="+mn-ea"/>
+                <a:cs typeface="+mn-cs"/>
+              </a:defRPr>
+            </a:lvl3pPr>
+            <a:lvl4pPr marL="1371600" algn="l" defTabSz="914400" rtl="0" eaLnBrk="1" latinLnBrk="0" hangingPunct="1">
+              <a:defRPr sz="1800" kern="1200">
+                <a:solidFill>
+                  <a:schemeClr val="tx1"/>
+                </a:solidFill>
+                <a:latin typeface="+mn-lt"/>
+                <a:ea typeface="+mn-ea"/>
+                <a:cs typeface="+mn-cs"/>
+              </a:defRPr>
+            </a:lvl4pPr>
+            <a:lvl5pPr marL="1828800" algn="l" defTabSz="914400" rtl="0" eaLnBrk="1" latinLnBrk="0" hangingPunct="1">
+              <a:defRPr sz="1800" kern="1200">
+                <a:solidFill>
+                  <a:schemeClr val="tx1"/>
+                </a:solidFill>
+                <a:latin typeface="+mn-lt"/>
+                <a:ea typeface="+mn-ea"/>
+                <a:cs typeface="+mn-cs"/>
+              </a:defRPr>
+            </a:lvl5pPr>
+            <a:lvl6pPr marL="2286000" algn="l" defTabSz="914400" rtl="0" eaLnBrk="1" latinLnBrk="0" hangingPunct="1">
+              <a:defRPr sz="1800" kern="1200">
+                <a:solidFill>
+                  <a:schemeClr val="tx1"/>
+                </a:solidFill>
+                <a:latin typeface="+mn-lt"/>
+                <a:ea typeface="+mn-ea"/>
+                <a:cs typeface="+mn-cs"/>
+              </a:defRPr>
+            </a:lvl6pPr>
+            <a:lvl7pPr marL="2743200" algn="l" defTabSz="914400" rtl="0" eaLnBrk="1" latinLnBrk="0" hangingPunct="1">
+              <a:defRPr sz="1800" kern="1200">
+                <a:solidFill>
+                  <a:schemeClr val="tx1"/>
+                </a:solidFill>
+                <a:latin typeface="+mn-lt"/>
+                <a:ea typeface="+mn-ea"/>
+                <a:cs typeface="+mn-cs"/>
+              </a:defRPr>
+            </a:lvl7pPr>
+            <a:lvl8pPr marL="3200400" algn="l" defTabSz="914400" rtl="0" eaLnBrk="1" latinLnBrk="0" hangingPunct="1">
+              <a:defRPr sz="1800" kern="1200">
+                <a:solidFill>
+                  <a:schemeClr val="tx1"/>
+                </a:solidFill>
+                <a:latin typeface="+mn-lt"/>
+                <a:ea typeface="+mn-ea"/>
+                <a:cs typeface="+mn-cs"/>
+              </a:defRPr>
+            </a:lvl8pPr>
+            <a:lvl9pPr marL="3657600" algn="l" defTabSz="914400" rtl="0" eaLnBrk="1" latinLnBrk="0" hangingPunct="1">
+              <a:defRPr sz="1800" kern="1200">
+                <a:solidFill>
+                  <a:schemeClr val="tx1"/>
+                </a:solidFill>
+                <a:latin typeface="+mn-lt"/>
+                <a:ea typeface="+mn-ea"/>
+                <a:cs typeface="+mn-cs"/>
+              </a:defRPr>
+            </a:lvl9pPr>
+          </a:lstStyle>
+          <a:p>
+            <a:fld id="{AEFAAC5A-9C4F-4278-920D-DF2BAB595749}" type="slidenum">
+              <a:rPr lang="en-US" smtClean="0"/>
+              <a:pPr/>
+              <a:t>17</a:t>
+            </a:fld>
+            <a:endParaRPr lang="en-US" dirty="0"/>
+          </a:p>
+        </p:txBody>
+      </p:sp>
+      <p:sp>
+        <p:nvSpPr>
+          <p:cNvPr id="8" name="Title 1">
+            <a:extLst>
+              <a:ext uri="{FF2B5EF4-FFF2-40B4-BE49-F238E27FC236}">
+                <a16:creationId xmlns:a16="http://schemas.microsoft.com/office/drawing/2014/main" id="{EC3C299E-CAD7-AD46-BA3F-265522DEDF57}"/>
+              </a:ext>
+            </a:extLst>
+          </p:cNvPr>
+          <p:cNvSpPr>
+            <a:spLocks noGrp="1"/>
+          </p:cNvSpPr>
+          <p:nvPr>
+            <p:ph type="title"/>
+          </p:nvPr>
+        </p:nvSpPr>
+        <p:spPr>
+          <a:xfrm>
+            <a:off x="1143000" y="392112"/>
+            <a:ext cx="7772400" cy="674688"/>
+          </a:xfrm>
+        </p:spPr>
+        <p:txBody>
+          <a:bodyPr>
+            <a:noAutofit/>
+          </a:bodyPr>
+          <a:lstStyle/>
+          <a:p>
+            <a:r>
+              <a:rPr lang="en-US" sz="4000" dirty="0"/>
+              <a:t>Design Considerations</a:t>
+            </a:r>
+          </a:p>
+        </p:txBody>
+      </p:sp>
+    </p:spTree>
+    <p:extLst>
+      <p:ext uri="{BB962C8B-B14F-4D97-AF65-F5344CB8AC3E}">
+        <p14:creationId xmlns:p14="http://schemas.microsoft.com/office/powerpoint/2010/main" val="1425732872"/>
+      </p:ext>
+    </p:extLst>
+  </p:cSld>
+  <p:clrMapOvr>
+    <a:masterClrMapping/>
+  </p:clrMapOvr>
+</p:sld>
+</file>
+
 <file path=ppt/slides/slide18.xml><?xml version="1.0" encoding="utf-8"?>
 <p:sld xmlns:a="http://schemas.openxmlformats.org/drawingml/2006/main" xmlns:r="http://schemas.openxmlformats.org/officeDocument/2006/relationships" xmlns:p="http://schemas.openxmlformats.org/presentationml/2006/main">
   <p:cSld>
@@ -10382,6 +10461,18 @@
             </a:r>
           </a:p>
           <a:p>
+            <a:pPr lvl="1"/>
+            <a:r>
+              <a:rPr lang="en-US" dirty="0"/>
+              <a:t>Keep API independent of </a:t>
+            </a:r>
+            <a:r>
+              <a:rPr lang="en-US" dirty="0" err="1"/>
+              <a:t>numerics</a:t>
+            </a:r>
+            <a:endParaRPr lang="en-US" dirty="0"/>
+          </a:p>
+          <a:p>
             <a:r>
               <a:rPr lang="en-US" dirty="0"/>
               <a:t>Simple is better</a:t>
@@ -10529,7 +10620,7 @@
             <a:fld id="{B557289E-1B3F-4E63-935A-0E0E5EBBCF05}" type="datetime1">
               <a:rPr lang="en-US" smtClean="0"/>
               <a:pPr/>
-              <a:t>7/31/20</a:t>
+              <a:t>8/2/2020</a:t>
             </a:fld>
             <a:endParaRPr lang="en-US"/>
           </a:p>
@@ -10662,477 +10753,6 @@
               <a:rPr lang="en-US" smtClean="0"/>
               <a:pPr/>
               <a:t>18</a:t>
-            </a:fld>
-            <a:endParaRPr lang="en-US" dirty="0"/>
-          </a:p>
-        </p:txBody>
-      </p:sp>
-      <p:sp>
-        <p:nvSpPr>
-          <p:cNvPr id="8" name="Title 1">
-            <a:extLst>
-              <a:ext uri="{FF2B5EF4-FFF2-40B4-BE49-F238E27FC236}">
-                <a16:creationId xmlns:a16="http://schemas.microsoft.com/office/drawing/2014/main" id="{EC3C299E-CAD7-AD46-BA3F-265522DEDF57}"/>
-              </a:ext>
-            </a:extLst>
-          </p:cNvPr>
-          <p:cNvSpPr>
-            <a:spLocks noGrp="1"/>
-          </p:cNvSpPr>
-          <p:nvPr>
-            <p:ph type="title"/>
-          </p:nvPr>
-        </p:nvSpPr>
-        <p:spPr>
-          <a:xfrm>
-            <a:off x="1143000" y="392112"/>
-            <a:ext cx="7772400" cy="674688"/>
-          </a:xfrm>
-        </p:spPr>
-        <p:txBody>
-          <a:bodyPr>
-            <a:noAutofit/>
-          </a:bodyPr>
-          <a:lstStyle/>
-          <a:p>
-            <a:r>
-              <a:rPr lang="en-US" sz="4000" dirty="0"/>
-              <a:t>Design Considerations</a:t>
-            </a:r>
-          </a:p>
-        </p:txBody>
-      </p:sp>
-    </p:spTree>
-    <p:extLst>
-      <p:ext uri="{BB962C8B-B14F-4D97-AF65-F5344CB8AC3E}">
-        <p14:creationId xmlns:p14="http://schemas.microsoft.com/office/powerpoint/2010/main" val="1425732872"/>
-      </p:ext>
-    </p:extLst>
-  </p:cSld>
-  <p:clrMapOvr>
-    <a:masterClrMapping/>
-  </p:clrMapOvr>
-</p:sld>
-</file>
-
-<file path=ppt/slides/slide19.xml><?xml version="1.0" encoding="utf-8"?>
-<p:sld xmlns:a="http://schemas.openxmlformats.org/drawingml/2006/main" xmlns:r="http://schemas.openxmlformats.org/officeDocument/2006/relationships" xmlns:p="http://schemas.openxmlformats.org/presentationml/2006/main">
-  <p:cSld>
-    <p:spTree>
-      <p:nvGrpSpPr>
-        <p:cNvPr id="1" name=""/>
-        <p:cNvGrpSpPr/>
-        <p:nvPr/>
-      </p:nvGrpSpPr>
-      <p:grpSpPr>
-        <a:xfrm>
-          <a:off x="0" y="0"/>
-          <a:ext cx="0" cy="0"/>
-          <a:chOff x="0" y="0"/>
-          <a:chExt cx="0" cy="0"/>
-        </a:xfrm>
-      </p:grpSpPr>
-      <p:sp>
-        <p:nvSpPr>
-          <p:cNvPr id="10" name="Rectangle 9">
-            <a:extLst>
-              <a:ext uri="{FF2B5EF4-FFF2-40B4-BE49-F238E27FC236}">
-                <a16:creationId xmlns:a16="http://schemas.microsoft.com/office/drawing/2014/main" id="{3E7EC149-0D6E-EA43-BEFD-0D592A41CAD3}"/>
-              </a:ext>
-            </a:extLst>
-          </p:cNvPr>
-          <p:cNvSpPr/>
-          <p:nvPr/>
-        </p:nvSpPr>
-        <p:spPr>
-          <a:xfrm>
-            <a:off x="166255" y="1550177"/>
-            <a:ext cx="5403273" cy="4241023"/>
-          </a:xfrm>
-          <a:prstGeom prst="rect">
-            <a:avLst/>
-          </a:prstGeom>
-          <a:solidFill>
-            <a:schemeClr val="accent3"/>
-          </a:solidFill>
-          <a:ln>
-            <a:noFill/>
-          </a:ln>
-          <a:effectLst>
-            <a:outerShdw blurRad="44450" dist="27940" dir="5400000" algn="ctr">
-              <a:srgbClr val="000000">
-                <a:alpha val="32000"/>
-              </a:srgbClr>
-            </a:outerShdw>
-          </a:effectLst>
-        </p:spPr>
-        <p:txBody>
-          <a:bodyPr rot="0" spcFirstLastPara="0" vertOverflow="overflow" horzOverflow="overflow" vert="horz" wrap="square" lIns="121851" tIns="60925" rIns="121851" bIns="60925" numCol="1" spcCol="0" rtlCol="0" fromWordArt="0" anchor="ctr" anchorCtr="0" forceAA="0" compatLnSpc="1">
-            <a:prstTxWarp prst="textNoShape">
-              <a:avLst/>
-            </a:prstTxWarp>
-            <a:noAutofit/>
-          </a:bodyPr>
-          <a:lstStyle/>
-          <a:p>
-            <a:pPr algn="ctr">
-              <a:lnSpc>
-                <a:spcPct val="90000"/>
-              </a:lnSpc>
-            </a:pPr>
-            <a:endParaRPr lang="en-US" sz="2000" dirty="0">
-              <a:solidFill>
-                <a:schemeClr val="bg1"/>
-              </a:solidFill>
-            </a:endParaRPr>
-          </a:p>
-        </p:txBody>
-      </p:sp>
-      <p:sp>
-        <p:nvSpPr>
-          <p:cNvPr id="3" name="Content Placeholder 2">
-            <a:extLst>
-              <a:ext uri="{FF2B5EF4-FFF2-40B4-BE49-F238E27FC236}">
-                <a16:creationId xmlns:a16="http://schemas.microsoft.com/office/drawing/2014/main" id="{36D087C7-F6DB-6246-BA7E-84DE6BC80227}"/>
-              </a:ext>
-            </a:extLst>
-          </p:cNvPr>
-          <p:cNvSpPr>
-            <a:spLocks noGrp="1"/>
-          </p:cNvSpPr>
-          <p:nvPr>
-            <p:ph idx="1"/>
-          </p:nvPr>
-        </p:nvSpPr>
-        <p:spPr>
-          <a:xfrm>
-            <a:off x="282633" y="1688722"/>
-            <a:ext cx="5286895" cy="4102478"/>
-          </a:xfrm>
-        </p:spPr>
-        <p:txBody>
-          <a:bodyPr/>
-          <a:lstStyle/>
-          <a:p>
-            <a:r>
-              <a:rPr lang="en-US" dirty="0"/>
-              <a:t>Infrastructure design</a:t>
-            </a:r>
-          </a:p>
-          <a:p>
-            <a:pPr lvl="1"/>
-            <a:r>
-              <a:rPr lang="en-US" dirty="0"/>
-              <a:t>Take time to discuss, iterate over requirements and specification</a:t>
-            </a:r>
-          </a:p>
-          <a:p>
-            <a:pPr lvl="1"/>
-            <a:r>
-              <a:rPr lang="en-US" dirty="0"/>
-              <a:t>Keep end users involved </a:t>
-            </a:r>
-          </a:p>
-          <a:p>
-            <a:pPr lvl="2"/>
-            <a:r>
-              <a:rPr lang="en-US" dirty="0"/>
-              <a:t>Not doing so leaves possible options on the table</a:t>
-            </a:r>
-          </a:p>
-          <a:p>
-            <a:pPr lvl="1"/>
-            <a:r>
-              <a:rPr lang="en-US" dirty="0"/>
-              <a:t>Keep API independent of </a:t>
-            </a:r>
-            <a:r>
-              <a:rPr lang="en-US" dirty="0" err="1"/>
-              <a:t>numerics</a:t>
-            </a:r>
-            <a:endParaRPr lang="en-US" dirty="0"/>
-          </a:p>
-          <a:p>
-            <a:r>
-              <a:rPr lang="en-US" dirty="0"/>
-              <a:t>Simple is better</a:t>
-            </a:r>
-          </a:p>
-          <a:p>
-            <a:pPr lvl="1"/>
-            <a:r>
-              <a:rPr lang="en-US" dirty="0"/>
-              <a:t>Flexibility Vs transparent to the user</a:t>
-            </a:r>
-          </a:p>
-          <a:p>
-            <a:pPr lvl="2"/>
-            <a:r>
-              <a:rPr lang="en-US" dirty="0"/>
-              <a:t>Flexibility wins</a:t>
-            </a:r>
-          </a:p>
-        </p:txBody>
-      </p:sp>
-      <p:sp>
-        <p:nvSpPr>
-          <p:cNvPr id="4" name="Date Placeholder 3">
-            <a:extLst>
-              <a:ext uri="{FF2B5EF4-FFF2-40B4-BE49-F238E27FC236}">
-                <a16:creationId xmlns:a16="http://schemas.microsoft.com/office/drawing/2014/main" id="{B2C88E49-3CEB-584A-AFB2-5B51EA707452}"/>
-              </a:ext>
-            </a:extLst>
-          </p:cNvPr>
-          <p:cNvSpPr>
-            <a:spLocks noGrp="1"/>
-          </p:cNvSpPr>
-          <p:nvPr>
-            <p:ph type="dt" sz="half" idx="10"/>
-          </p:nvPr>
-        </p:nvSpPr>
-        <p:spPr>
-          <a:xfrm>
-            <a:off x="6858000" y="6356350"/>
-            <a:ext cx="1600200" cy="274320"/>
-          </a:xfrm>
-          <a:prstGeom prst="rect">
-            <a:avLst/>
-          </a:prstGeom>
-        </p:spPr>
-        <p:txBody>
-          <a:bodyPr vert="horz" lIns="91440" tIns="45720" rIns="91440" bIns="45720" rtlCol="0" anchor="ctr" anchorCtr="0"/>
-          <a:lstStyle>
-            <a:defPPr>
-              <a:defRPr lang="en-US"/>
-            </a:defPPr>
-            <a:lvl1pPr marL="0" algn="r" defTabSz="914400" rtl="0" eaLnBrk="1" latinLnBrk="0" hangingPunct="1">
-              <a:defRPr sz="1100" kern="1200">
-                <a:solidFill>
-                  <a:schemeClr val="tx1"/>
-                </a:solidFill>
-                <a:latin typeface="Arial" panose="020B0604020202020204" pitchFamily="34" charset="0"/>
-                <a:ea typeface="+mn-ea"/>
-                <a:cs typeface="Arial" panose="020B0604020202020204" pitchFamily="34" charset="0"/>
-              </a:defRPr>
-            </a:lvl1pPr>
-            <a:lvl2pPr marL="457200" algn="l" defTabSz="914400" rtl="0" eaLnBrk="1" latinLnBrk="0" hangingPunct="1">
-              <a:defRPr sz="1800" kern="1200">
-                <a:solidFill>
-                  <a:schemeClr val="tx1"/>
-                </a:solidFill>
-                <a:latin typeface="+mn-lt"/>
-                <a:ea typeface="+mn-ea"/>
-                <a:cs typeface="+mn-cs"/>
-              </a:defRPr>
-            </a:lvl2pPr>
-            <a:lvl3pPr marL="914400" algn="l" defTabSz="914400" rtl="0" eaLnBrk="1" latinLnBrk="0" hangingPunct="1">
-              <a:defRPr sz="1800" kern="1200">
-                <a:solidFill>
-                  <a:schemeClr val="tx1"/>
-                </a:solidFill>
-                <a:latin typeface="+mn-lt"/>
-                <a:ea typeface="+mn-ea"/>
-                <a:cs typeface="+mn-cs"/>
-              </a:defRPr>
-            </a:lvl3pPr>
-            <a:lvl4pPr marL="1371600" algn="l" defTabSz="914400" rtl="0" eaLnBrk="1" latinLnBrk="0" hangingPunct="1">
-              <a:defRPr sz="1800" kern="1200">
-                <a:solidFill>
-                  <a:schemeClr val="tx1"/>
-                </a:solidFill>
-                <a:latin typeface="+mn-lt"/>
-                <a:ea typeface="+mn-ea"/>
-                <a:cs typeface="+mn-cs"/>
-              </a:defRPr>
-            </a:lvl4pPr>
-            <a:lvl5pPr marL="1828800" algn="l" defTabSz="914400" rtl="0" eaLnBrk="1" latinLnBrk="0" hangingPunct="1">
-              <a:defRPr sz="1800" kern="1200">
-                <a:solidFill>
-                  <a:schemeClr val="tx1"/>
-                </a:solidFill>
-                <a:latin typeface="+mn-lt"/>
-                <a:ea typeface="+mn-ea"/>
-                <a:cs typeface="+mn-cs"/>
-              </a:defRPr>
-            </a:lvl5pPr>
-            <a:lvl6pPr marL="2286000" algn="l" defTabSz="914400" rtl="0" eaLnBrk="1" latinLnBrk="0" hangingPunct="1">
-              <a:defRPr sz="1800" kern="1200">
-                <a:solidFill>
-                  <a:schemeClr val="tx1"/>
-                </a:solidFill>
-                <a:latin typeface="+mn-lt"/>
-                <a:ea typeface="+mn-ea"/>
-                <a:cs typeface="+mn-cs"/>
-              </a:defRPr>
-            </a:lvl6pPr>
-            <a:lvl7pPr marL="2743200" algn="l" defTabSz="914400" rtl="0" eaLnBrk="1" latinLnBrk="0" hangingPunct="1">
-              <a:defRPr sz="1800" kern="1200">
-                <a:solidFill>
-                  <a:schemeClr val="tx1"/>
-                </a:solidFill>
-                <a:latin typeface="+mn-lt"/>
-                <a:ea typeface="+mn-ea"/>
-                <a:cs typeface="+mn-cs"/>
-              </a:defRPr>
-            </a:lvl7pPr>
-            <a:lvl8pPr marL="3200400" algn="l" defTabSz="914400" rtl="0" eaLnBrk="1" latinLnBrk="0" hangingPunct="1">
-              <a:defRPr sz="1800" kern="1200">
-                <a:solidFill>
-                  <a:schemeClr val="tx1"/>
-                </a:solidFill>
-                <a:latin typeface="+mn-lt"/>
-                <a:ea typeface="+mn-ea"/>
-                <a:cs typeface="+mn-cs"/>
-              </a:defRPr>
-            </a:lvl8pPr>
-            <a:lvl9pPr marL="3657600" algn="l" defTabSz="914400" rtl="0" eaLnBrk="1" latinLnBrk="0" hangingPunct="1">
-              <a:defRPr sz="1800" kern="1200">
-                <a:solidFill>
-                  <a:schemeClr val="tx1"/>
-                </a:solidFill>
-                <a:latin typeface="+mn-lt"/>
-                <a:ea typeface="+mn-ea"/>
-                <a:cs typeface="+mn-cs"/>
-              </a:defRPr>
-            </a:lvl9pPr>
-          </a:lstStyle>
-          <a:p>
-            <a:fld id="{B557289E-1B3F-4E63-935A-0E0E5EBBCF05}" type="datetime1">
-              <a:rPr lang="en-US" smtClean="0"/>
-              <a:pPr/>
-              <a:t>7/31/20</a:t>
-            </a:fld>
-            <a:endParaRPr lang="en-US"/>
-          </a:p>
-        </p:txBody>
-      </p:sp>
-      <p:sp>
-        <p:nvSpPr>
-          <p:cNvPr id="5" name="Slide Number Placeholder 4">
-            <a:extLst>
-              <a:ext uri="{FF2B5EF4-FFF2-40B4-BE49-F238E27FC236}">
-                <a16:creationId xmlns:a16="http://schemas.microsoft.com/office/drawing/2014/main" id="{B05AEFD1-E907-E749-8CE9-8AC2C9DDB011}"/>
-              </a:ext>
-            </a:extLst>
-          </p:cNvPr>
-          <p:cNvSpPr>
-            <a:spLocks noGrp="1"/>
-          </p:cNvSpPr>
-          <p:nvPr>
-            <p:ph type="sldNum" sz="quarter" idx="12"/>
-          </p:nvPr>
-        </p:nvSpPr>
-        <p:spPr>
-          <a:xfrm>
-            <a:off x="8458200" y="6356350"/>
-            <a:ext cx="457200" cy="274320"/>
-          </a:xfrm>
-          <a:prstGeom prst="rect">
-            <a:avLst/>
-          </a:prstGeom>
-        </p:spPr>
-        <p:txBody>
-          <a:bodyPr vert="horz" lIns="91440" tIns="45720" rIns="91440" bIns="45720" rtlCol="0" anchor="ctr" anchorCtr="0"/>
-          <a:lstStyle>
-            <a:defPPr>
-              <a:defRPr lang="en-US"/>
-            </a:defPPr>
-            <a:lvl1pPr marL="0" algn="r" defTabSz="914400" rtl="0" eaLnBrk="1" latinLnBrk="0" hangingPunct="1">
-              <a:defRPr sz="1100" kern="1200">
-                <a:solidFill>
-                  <a:schemeClr val="tx1"/>
-                </a:solidFill>
-                <a:latin typeface="Arial" panose="020B0604020202020204" pitchFamily="34" charset="0"/>
-                <a:ea typeface="+mn-ea"/>
-                <a:cs typeface="Arial" panose="020B0604020202020204" pitchFamily="34" charset="0"/>
-              </a:defRPr>
-            </a:lvl1pPr>
-            <a:lvl2pPr marL="457200" algn="l" defTabSz="914400" rtl="0" eaLnBrk="1" latinLnBrk="0" hangingPunct="1">
-              <a:defRPr sz="1800" kern="1200">
-                <a:solidFill>
-                  <a:schemeClr val="tx1"/>
-                </a:solidFill>
-                <a:latin typeface="+mn-lt"/>
-                <a:ea typeface="+mn-ea"/>
-                <a:cs typeface="+mn-cs"/>
-              </a:defRPr>
-            </a:lvl2pPr>
-            <a:lvl3pPr marL="914400" algn="l" defTabSz="914400" rtl="0" eaLnBrk="1" latinLnBrk="0" hangingPunct="1">
-              <a:defRPr sz="1800" kern="1200">
-                <a:solidFill>
-                  <a:schemeClr val="tx1"/>
-                </a:solidFill>
-                <a:latin typeface="+mn-lt"/>
-                <a:ea typeface="+mn-ea"/>
-                <a:cs typeface="+mn-cs"/>
-              </a:defRPr>
-            </a:lvl3pPr>
-            <a:lvl4pPr marL="1371600" algn="l" defTabSz="914400" rtl="0" eaLnBrk="1" latinLnBrk="0" hangingPunct="1">
-              <a:defRPr sz="1800" kern="1200">
-                <a:solidFill>
-                  <a:schemeClr val="tx1"/>
-                </a:solidFill>
-                <a:latin typeface="+mn-lt"/>
-                <a:ea typeface="+mn-ea"/>
-                <a:cs typeface="+mn-cs"/>
-              </a:defRPr>
-            </a:lvl4pPr>
-            <a:lvl5pPr marL="1828800" algn="l" defTabSz="914400" rtl="0" eaLnBrk="1" latinLnBrk="0" hangingPunct="1">
-              <a:defRPr sz="1800" kern="1200">
-                <a:solidFill>
-                  <a:schemeClr val="tx1"/>
-                </a:solidFill>
-                <a:latin typeface="+mn-lt"/>
-                <a:ea typeface="+mn-ea"/>
-                <a:cs typeface="+mn-cs"/>
-              </a:defRPr>
-            </a:lvl5pPr>
-            <a:lvl6pPr marL="2286000" algn="l" defTabSz="914400" rtl="0" eaLnBrk="1" latinLnBrk="0" hangingPunct="1">
-              <a:defRPr sz="1800" kern="1200">
-                <a:solidFill>
-                  <a:schemeClr val="tx1"/>
-                </a:solidFill>
-                <a:latin typeface="+mn-lt"/>
-                <a:ea typeface="+mn-ea"/>
-                <a:cs typeface="+mn-cs"/>
-              </a:defRPr>
-            </a:lvl6pPr>
-            <a:lvl7pPr marL="2743200" algn="l" defTabSz="914400" rtl="0" eaLnBrk="1" latinLnBrk="0" hangingPunct="1">
-              <a:defRPr sz="1800" kern="1200">
-                <a:solidFill>
-                  <a:schemeClr val="tx1"/>
-                </a:solidFill>
-                <a:latin typeface="+mn-lt"/>
-                <a:ea typeface="+mn-ea"/>
-                <a:cs typeface="+mn-cs"/>
-              </a:defRPr>
-            </a:lvl7pPr>
-            <a:lvl8pPr marL="3200400" algn="l" defTabSz="914400" rtl="0" eaLnBrk="1" latinLnBrk="0" hangingPunct="1">
-              <a:defRPr sz="1800" kern="1200">
-                <a:solidFill>
-                  <a:schemeClr val="tx1"/>
-                </a:solidFill>
-                <a:latin typeface="+mn-lt"/>
-                <a:ea typeface="+mn-ea"/>
-                <a:cs typeface="+mn-cs"/>
-              </a:defRPr>
-            </a:lvl8pPr>
-            <a:lvl9pPr marL="3657600" algn="l" defTabSz="914400" rtl="0" eaLnBrk="1" latinLnBrk="0" hangingPunct="1">
-              <a:defRPr sz="1800" kern="1200">
-                <a:solidFill>
-                  <a:schemeClr val="tx1"/>
-                </a:solidFill>
-                <a:latin typeface="+mn-lt"/>
-                <a:ea typeface="+mn-ea"/>
-                <a:cs typeface="+mn-cs"/>
-              </a:defRPr>
-            </a:lvl9pPr>
-          </a:lstStyle>
-          <a:p>
-            <a:fld id="{AEFAAC5A-9C4F-4278-920D-DF2BAB595749}" type="slidenum">
-              <a:rPr lang="en-US" smtClean="0"/>
-              <a:pPr/>
-              <a:t>19</a:t>
             </a:fld>
             <a:endParaRPr lang="en-US" dirty="0"/>
           </a:p>
@@ -11516,6 +11136,102 @@
     <p:extLst>
       <p:ext uri="{BB962C8B-B14F-4D97-AF65-F5344CB8AC3E}">
         <p14:creationId xmlns:p14="http://schemas.microsoft.com/office/powerpoint/2010/main" val="3142201076"/>
+      </p:ext>
+    </p:extLst>
+  </p:cSld>
+  <p:clrMapOvr>
+    <a:masterClrMapping/>
+  </p:clrMapOvr>
+</p:sld>
+</file>
+
+<file path=ppt/slides/slide19.xml><?xml version="1.0" encoding="utf-8"?>
+<p:sld xmlns:a="http://schemas.openxmlformats.org/drawingml/2006/main" xmlns:r="http://schemas.openxmlformats.org/officeDocument/2006/relationships" xmlns:p="http://schemas.openxmlformats.org/presentationml/2006/main">
+  <p:cSld>
+    <p:spTree>
+      <p:nvGrpSpPr>
+        <p:cNvPr id="1" name=""/>
+        <p:cNvGrpSpPr/>
+        <p:nvPr/>
+      </p:nvGrpSpPr>
+      <p:grpSpPr>
+        <a:xfrm>
+          <a:off x="0" y="0"/>
+          <a:ext cx="0" cy="0"/>
+          <a:chOff x="0" y="0"/>
+          <a:chExt cx="0" cy="0"/>
+        </a:xfrm>
+      </p:grpSpPr>
+      <p:pic>
+        <p:nvPicPr>
+          <p:cNvPr id="4" name="Picture 3">
+            <a:extLst>
+              <a:ext uri="{FF2B5EF4-FFF2-40B4-BE49-F238E27FC236}">
+                <a16:creationId xmlns:a16="http://schemas.microsoft.com/office/drawing/2014/main" id="{FB38DDAD-3F9C-AC4F-A5FD-450E33F06672}"/>
+              </a:ext>
+            </a:extLst>
+          </p:cNvPr>
+          <p:cNvPicPr>
+            <a:picLocks noChangeAspect="1"/>
+          </p:cNvPicPr>
+          <p:nvPr/>
+        </p:nvPicPr>
+        <p:blipFill>
+          <a:blip r:embed="rId2"/>
+          <a:stretch>
+            <a:fillRect/>
+          </a:stretch>
+        </p:blipFill>
+        <p:spPr>
+          <a:xfrm>
+            <a:off x="413657" y="1024714"/>
+            <a:ext cx="8493644" cy="4808571"/>
+          </a:xfrm>
+          <a:prstGeom prst="rect">
+            <a:avLst/>
+          </a:prstGeom>
+        </p:spPr>
+      </p:pic>
+      <p:sp>
+        <p:nvSpPr>
+          <p:cNvPr id="3" name="Title 1">
+            <a:extLst>
+              <a:ext uri="{FF2B5EF4-FFF2-40B4-BE49-F238E27FC236}">
+                <a16:creationId xmlns:a16="http://schemas.microsoft.com/office/drawing/2014/main" id="{1C7A2BF5-DB7A-E642-B501-8F10E157011B}"/>
+              </a:ext>
+            </a:extLst>
+          </p:cNvPr>
+          <p:cNvSpPr>
+            <a:spLocks noGrp="1"/>
+          </p:cNvSpPr>
+          <p:nvPr>
+            <p:ph type="title"/>
+          </p:nvPr>
+        </p:nvSpPr>
+        <p:spPr>
+          <a:xfrm>
+            <a:off x="413657" y="0"/>
+            <a:ext cx="11372473" cy="914400"/>
+          </a:xfrm>
+        </p:spPr>
+        <p:txBody>
+          <a:bodyPr/>
+          <a:lstStyle/>
+          <a:p>
+            <a:br>
+              <a:rPr lang="en-US" dirty="0"/>
+            </a:br>
+            <a:r>
+              <a:rPr lang="en-US" dirty="0"/>
+              <a:t>The Running Example</a:t>
+            </a:r>
+          </a:p>
+        </p:txBody>
+      </p:sp>
+    </p:spTree>
+    <p:extLst>
+      <p:ext uri="{BB962C8B-B14F-4D97-AF65-F5344CB8AC3E}">
+        <p14:creationId xmlns:p14="http://schemas.microsoft.com/office/powerpoint/2010/main" val="3842836062"/>
       </p:ext>
     </p:extLst>
   </p:cSld>
@@ -11611,23 +11327,23 @@
               </a:spcBef>
             </a:pPr>
             <a:r>
-              <a:rPr lang="en-US" sz="1800" dirty="0"/>
+              <a:rPr lang="en-US" sz="1600" dirty="0"/>
               <a:t>This work is licensed under a </a:t>
             </a:r>
             <a:r>
-              <a:rPr lang="en-US" sz="1800" dirty="0">
+              <a:rPr lang="en-US" sz="1600" dirty="0">
                 <a:hlinkClick r:id="rId2"/>
               </a:rPr>
               <a:t>Creative</a:t>
             </a:r>
             <a:r>
-              <a:rPr lang="en-US" sz="1800" dirty="0">
+              <a:rPr lang="en-US" sz="1600" dirty="0">
                 <a:hlinkClick r:id="rId3"/>
               </a:rPr>
               <a:t> Commons Attribution 4.0 International License</a:t>
             </a:r>
             <a:r>
-              <a:rPr lang="en-US" sz="1800" dirty="0"/>
+              <a:rPr lang="en-US" sz="1600" dirty="0"/>
               <a:t> (CC BY 4.0).</a:t>
             </a:r>
           </a:p>
@@ -11638,36 +11354,42 @@
               </a:spcBef>
             </a:pPr>
             <a:r>
-              <a:rPr lang="en-US" sz="1800" b="1" dirty="0"/>
-              <a:t>The requested citation the overall tutorial is: David </a:t>
-            </a:r>
-            <a:r>
-              <a:rPr lang="en-US" sz="1800" b="1" dirty="0" err="1"/>
-              <a:t>Bernholdt</a:t>
-            </a:r>
-            <a:r>
-              <a:rPr lang="en-US" sz="1800" b="1" dirty="0"/>
-              <a:t>, Software Productivity Track, in Argonne Training Program for Extreme </a:t>
-            </a:r>
-            <a:r>
-              <a:rPr lang="en-US" sz="1800" b="1"/>
-              <a:t>Scale Computing 2020. </a:t>
-            </a:r>
-            <a:r>
-              <a:rPr lang="en-US" sz="1800" b="1" dirty="0"/>
-              <a:t>DOI: </a:t>
-            </a:r>
-            <a:r>
-              <a:rPr lang="en-US" sz="1800" dirty="0"/>
+              <a:rPr lang="en-US" sz="1600" b="1" dirty="0"/>
+              <a:t>The requested citation the overall tutorial is: David E. Bernholdt, Anshu Dubey, Mark C. Miller, Katherine M. Riley, and James M. </a:t>
+            </a:r>
+            <a:r>
+              <a:rPr lang="en-US" sz="1600" b="1" dirty="0" err="1"/>
+              <a:t>Willenbring</a:t>
+            </a:r>
+            <a:r>
+              <a:rPr lang="en-US" sz="1600" b="1" dirty="0"/>
+              <a:t>, Software Productivity Track, in Argonne Training Program for Extreme Scale Computing (ATPESC), online. DOI: </a:t>
+            </a:r>
+            <a:r>
+              <a:rPr lang="en-US" sz="1600" b="1" dirty="0">
+                <a:hlinkClick r:id="rId4"/>
+              </a:rPr>
+              <a:t>10.6084/m9.figshare.12719834</a:t>
+            </a:r>
+            <a:endParaRPr lang="en-US" sz="1600" b="1" dirty="0"/>
+          </a:p>
+          <a:p>
+            <a:pPr>
+              <a:spcBef>
+                <a:spcPts val="400"/>
+              </a:spcBef>
+            </a:pPr>
+            <a:r>
+              <a:rPr lang="en-US" sz="1600" dirty="0"/>
               <a:t>Individual modules may be cited as </a:t>
             </a:r>
             <a:r>
-              <a:rPr lang="en-US" sz="1800" i="1" dirty="0"/>
+              <a:rPr lang="en-US" sz="1600" i="1" dirty="0"/>
               <a:t>Speaker, Module Title</a:t>
             </a:r>
             <a:r>
-              <a:rPr lang="en-US" sz="1800" dirty="0"/>
-              <a:t>, in Software Productivity Track, ATPESC 2020</a:t>
+              <a:rPr lang="en-US" sz="1600" dirty="0"/>
+              <a:t>, in Software Productivity Track…</a:t>
             </a:r>
           </a:p>
           <a:p>
@@ -11682,20 +11404,12 @@
           <a:p>
             <a:pPr>
               <a:spcBef>
-                <a:spcPts val="0"/>
+                <a:spcPts val="400"/>
               </a:spcBef>
             </a:pPr>
             <a:r>
               <a:rPr lang="en-US" sz="1600" dirty="0"/>
-              <a:t>Additional contributors to this this tutorial include: Anshu Dubey, Katherine Riley, James M. </a:t>
-            </a:r>
-            <a:r>
-              <a:rPr lang="en-US" sz="1600" dirty="0" err="1"/>
-              <a:t>Willenbring</a:t>
-            </a:r>
-            <a:r>
-              <a:rPr lang="en-US" sz="1600" dirty="0"/>
-              <a:t>, Mark Miller, Mike </a:t>
+              <a:t>Additional contributors include: Patricia Grubel, Rinku Gupta, Mike </a:t>
             </a:r>
             <a:r>
               <a:rPr lang="en-US" sz="1600" dirty="0" err="1"/>
@@ -11711,13 +11425,13 @@
             </a:r>
             <a:r>
               <a:rPr lang="en-US" sz="1600" dirty="0"/>
-              <a:t>, and Jared O’Neal,</a:t>
+              <a:t>, Jared O’Neal, David Rogers</a:t>
             </a:r>
           </a:p>
           <a:p>
             <a:pPr>
               <a:spcBef>
-                <a:spcPts val="600"/>
+                <a:spcPts val="400"/>
               </a:spcBef>
             </a:pPr>
             <a:r>
@@ -11741,7 +11455,7 @@
           <a:p>
             <a:pPr>
               <a:spcBef>
-                <a:spcPts val="600"/>
+                <a:spcPts val="400"/>
               </a:spcBef>
             </a:pPr>
             <a:r>
@@ -11760,7 +11474,7 @@
           <a:p>
             <a:pPr>
               <a:spcBef>
-                <a:spcPts val="600"/>
+                <a:spcPts val="400"/>
               </a:spcBef>
             </a:pPr>
             <a:r>
@@ -11771,12 +11485,23 @@
           <a:p>
             <a:pPr>
               <a:spcBef>
-                <a:spcPts val="600"/>
+                <a:spcPts val="400"/>
               </a:spcBef>
             </a:pPr>
             <a:r>
               <a:rPr lang="en-US" sz="1600" dirty="0"/>
-              <a:t>This work was performed in part at Sandia National Laboratories. Sandia National Laboratories is a multi-mission laboratory managed and operated by National Technology and Engineering Solutions of Sandia, LLC., a wholly owned subsidiary of Honeywell International, Inc., for the U.S. Department of Energy’s National Nuclear Security Administration under contract DE-NA0003525. SAND NO SAND2017-5474 PE</a:t>
+              <a:t>This work was performed in part at the Lawrence Livermore National Laboratory, which is managed by Lawrence Livermore National Security, LLC for the U.S. Department of Energy under Contract No. DE-AC52-07NA27344.</a:t>
+            </a:r>
+          </a:p>
+          <a:p>
+            <a:pPr>
+              <a:spcBef>
+                <a:spcPts val="400"/>
+              </a:spcBef>
+            </a:pPr>
+            <a:r>
+              <a:rPr lang="en-US" sz="1600" dirty="0"/>
+              <a:t>This work was performed in part at Sandia National Laboratories. Sandia National Laboratories is a multi-mission laboratory managed and operated by National Technology and Engineering Solutions of Sandia, LLC., a wholly owned subsidiary of Honeywell International, Inc., for the U.S. Department of Energy’s National Nuclear Security Administration under contract DE-NA0003525.</a:t>
             </a:r>
           </a:p>
         </p:txBody>
@@ -11796,7 +11521,7 @@
           <p:nvPr/>
         </p:nvPicPr>
         <p:blipFill>
-          <a:blip r:embed="rId4">
+          <a:blip r:embed="rId5">
             <a:extLst>
               <a:ext uri="{28A0092B-C50C-407E-A947-70E740481C1C}">
                 <a14:useLocalDpi xmlns:a14="http://schemas.microsoft.com/office/drawing/2010/main" val="0"/>
@@ -11831,7 +11556,7 @@
     </p:spTree>
     <p:extLst>
       <p:ext uri="{BB962C8B-B14F-4D97-AF65-F5344CB8AC3E}">
-        <p14:creationId xmlns:p14="http://schemas.microsoft.com/office/powerpoint/2010/main" val="4192528843"/>
+        <p14:creationId xmlns:p14="http://schemas.microsoft.com/office/powerpoint/2010/main" val="978726433"/>
       </p:ext>
     </p:extLst>
   </p:cSld>
@@ -11842,102 +11567,6 @@
 </file>
 
 <file path=ppt/slides/slide20.xml><?xml version="1.0" encoding="utf-8"?>
-<p:sld xmlns:a="http://schemas.openxmlformats.org/drawingml/2006/main" xmlns:r="http://schemas.openxmlformats.org/officeDocument/2006/relationships" xmlns:p="http://schemas.openxmlformats.org/presentationml/2006/main">
-  <p:cSld>
-    <p:spTree>
-      <p:nvGrpSpPr>
-        <p:cNvPr id="1" name=""/>
-        <p:cNvGrpSpPr/>
-        <p:nvPr/>
-      </p:nvGrpSpPr>
-      <p:grpSpPr>
-        <a:xfrm>
-          <a:off x="0" y="0"/>
-          <a:ext cx="0" cy="0"/>
-          <a:chOff x="0" y="0"/>
-          <a:chExt cx="0" cy="0"/>
-        </a:xfrm>
-      </p:grpSpPr>
-      <p:pic>
-        <p:nvPicPr>
-          <p:cNvPr id="4" name="Picture 3">
-            <a:extLst>
-              <a:ext uri="{FF2B5EF4-FFF2-40B4-BE49-F238E27FC236}">
-                <a16:creationId xmlns:a16="http://schemas.microsoft.com/office/drawing/2014/main" id="{FB38DDAD-3F9C-AC4F-A5FD-450E33F06672}"/>
-              </a:ext>
-            </a:extLst>
-          </p:cNvPr>
-          <p:cNvPicPr>
-            <a:picLocks noChangeAspect="1"/>
-          </p:cNvPicPr>
-          <p:nvPr/>
-        </p:nvPicPr>
-        <p:blipFill>
-          <a:blip r:embed="rId2"/>
-          <a:stretch>
-            <a:fillRect/>
-          </a:stretch>
-        </p:blipFill>
-        <p:spPr>
-          <a:xfrm>
-            <a:off x="413657" y="1024714"/>
-            <a:ext cx="8493644" cy="4808571"/>
-          </a:xfrm>
-          <a:prstGeom prst="rect">
-            <a:avLst/>
-          </a:prstGeom>
-        </p:spPr>
-      </p:pic>
-      <p:sp>
-        <p:nvSpPr>
-          <p:cNvPr id="3" name="Title 1">
-            <a:extLst>
-              <a:ext uri="{FF2B5EF4-FFF2-40B4-BE49-F238E27FC236}">
-                <a16:creationId xmlns:a16="http://schemas.microsoft.com/office/drawing/2014/main" id="{1C7A2BF5-DB7A-E642-B501-8F10E157011B}"/>
-              </a:ext>
-            </a:extLst>
-          </p:cNvPr>
-          <p:cNvSpPr>
-            <a:spLocks noGrp="1"/>
-          </p:cNvSpPr>
-          <p:nvPr>
-            <p:ph type="title"/>
-          </p:nvPr>
-        </p:nvSpPr>
-        <p:spPr>
-          <a:xfrm>
-            <a:off x="413657" y="0"/>
-            <a:ext cx="11372473" cy="914400"/>
-          </a:xfrm>
-        </p:spPr>
-        <p:txBody>
-          <a:bodyPr/>
-          <a:lstStyle/>
-          <a:p>
-            <a:br>
-              <a:rPr lang="en-US" dirty="0"/>
-            </a:br>
-            <a:r>
-              <a:rPr lang="en-US" dirty="0"/>
-              <a:t>The Running Example</a:t>
-            </a:r>
-          </a:p>
-        </p:txBody>
-      </p:sp>
-    </p:spTree>
-    <p:extLst>
-      <p:ext uri="{BB962C8B-B14F-4D97-AF65-F5344CB8AC3E}">
-        <p14:creationId xmlns:p14="http://schemas.microsoft.com/office/powerpoint/2010/main" val="3842836062"/>
-      </p:ext>
-    </p:extLst>
-  </p:cSld>
-  <p:clrMapOvr>
-    <a:masterClrMapping/>
-  </p:clrMapOvr>
-</p:sld>
-</file>
-
-<file path=ppt/slides/slide21.xml><?xml version="1.0" encoding="utf-8"?>
 <p:sld xmlns:a="http://schemas.openxmlformats.org/drawingml/2006/main" xmlns:r="http://schemas.openxmlformats.org/officeDocument/2006/relationships" xmlns:p="http://schemas.openxmlformats.org/presentationml/2006/main">
   <p:cSld>
     <p:spTree>
@@ -12783,7 +12412,7 @@
 </p:sld>
 </file>
 
-<file path=ppt/slides/slide22.xml><?xml version="1.0" encoding="utf-8"?>
+<file path=ppt/slides/slide21.xml><?xml version="1.0" encoding="utf-8"?>
 <p:sld xmlns:a="http://schemas.openxmlformats.org/drawingml/2006/main" xmlns:r="http://schemas.openxmlformats.org/officeDocument/2006/relationships" xmlns:p="http://schemas.openxmlformats.org/presentationml/2006/main">
   <p:cSld>
     <p:spTree>
@@ -12926,7 +12555,7 @@
             <a:fld id="{B557289E-1B3F-4E63-935A-0E0E5EBBCF05}" type="datetime1">
               <a:rPr lang="en-US" smtClean="0"/>
               <a:pPr/>
-              <a:t>7/31/20</a:t>
+              <a:t>8/2/2020</a:t>
             </a:fld>
             <a:endParaRPr lang="en-US"/>
           </a:p>
@@ -13058,7 +12687,7 @@
             <a:fld id="{AEFAAC5A-9C4F-4278-920D-DF2BAB595749}" type="slidenum">
               <a:rPr lang="en-US" smtClean="0"/>
               <a:pPr/>
-              <a:t>22</a:t>
+              <a:t>21</a:t>
             </a:fld>
             <a:endParaRPr lang="en-US" dirty="0"/>
           </a:p>
@@ -13425,7 +13054,7 @@
 </p:sld>
 </file>
 
-<file path=ppt/slides/slide23.xml><?xml version="1.0" encoding="utf-8"?>
+<file path=ppt/slides/slide22.xml><?xml version="1.0" encoding="utf-8"?>
 <p:sld xmlns:a="http://schemas.openxmlformats.org/drawingml/2006/main" xmlns:r="http://schemas.openxmlformats.org/officeDocument/2006/relationships" xmlns:p="http://schemas.openxmlformats.org/presentationml/2006/main">
   <p:cSld>
     <p:spTree>
@@ -13632,7 +13261,7 @@
 </p:sld>
 </file>
 
-<file path=ppt/slides/slide24.xml><?xml version="1.0" encoding="utf-8"?>
+<file path=ppt/slides/slide23.xml><?xml version="1.0" encoding="utf-8"?>
 <p:sld xmlns:a="http://schemas.openxmlformats.org/drawingml/2006/main" xmlns:r="http://schemas.openxmlformats.org/officeDocument/2006/relationships" xmlns:p="http://schemas.openxmlformats.org/presentationml/2006/main">
   <p:cSld>
     <p:spTree>
@@ -15930,7 +15559,7 @@
 </p:sld>
 </file>
 
-<file path=ppt/slides/slide25.xml><?xml version="1.0" encoding="utf-8"?>
+<file path=ppt/slides/slide24.xml><?xml version="1.0" encoding="utf-8"?>
 <p:sld xmlns:a="http://schemas.openxmlformats.org/drawingml/2006/main" xmlns:r="http://schemas.openxmlformats.org/officeDocument/2006/relationships" xmlns:p="http://schemas.openxmlformats.org/presentationml/2006/main">
   <p:cSld>
     <p:spTree>
@@ -17208,7 +16837,7 @@
 </p:sld>
 </file>
 
-<file path=ppt/slides/slide26.xml><?xml version="1.0" encoding="utf-8"?>
+<file path=ppt/slides/slide25.xml><?xml version="1.0" encoding="utf-8"?>
 <p:sld xmlns:a="http://schemas.openxmlformats.org/drawingml/2006/main" xmlns:r="http://schemas.openxmlformats.org/officeDocument/2006/relationships" xmlns:p="http://schemas.openxmlformats.org/presentationml/2006/main">
   <p:cSld>
     <p:spTree>
@@ -17407,7 +17036,7 @@
             <a:fld id="{B557289E-1B3F-4E63-935A-0E0E5EBBCF05}" type="datetime1">
               <a:rPr lang="en-US" smtClean="0"/>
               <a:pPr/>
-              <a:t>7/31/20</a:t>
+              <a:t>8/2/2020</a:t>
             </a:fld>
             <a:endParaRPr lang="en-US"/>
           </a:p>
@@ -17539,7 +17168,7 @@
             <a:fld id="{AEFAAC5A-9C4F-4278-920D-DF2BAB595749}" type="slidenum">
               <a:rPr lang="en-US" smtClean="0"/>
               <a:pPr/>
-              <a:t>26</a:t>
+              <a:t>25</a:t>
             </a:fld>
             <a:endParaRPr lang="en-US" dirty="0"/>
           </a:p>
@@ -18749,7 +18378,7 @@
 </p:sld>
 </file>
 
-<file path=ppt/slides/slide27.xml><?xml version="1.0" encoding="utf-8"?>
+<file path=ppt/slides/slide26.xml><?xml version="1.0" encoding="utf-8"?>
 <p:sld xmlns:a="http://schemas.openxmlformats.org/drawingml/2006/main" xmlns:r="http://schemas.openxmlformats.org/officeDocument/2006/relationships" xmlns:p="http://schemas.openxmlformats.org/presentationml/2006/main">
   <p:cSld>
     <p:spTree>
@@ -20686,7 +20315,7 @@
 </p:sld>
 </file>
 
-<file path=ppt/slides/slide28.xml><?xml version="1.0" encoding="utf-8"?>
+<file path=ppt/slides/slide27.xml><?xml version="1.0" encoding="utf-8"?>
 <p:sld xmlns:a="http://schemas.openxmlformats.org/drawingml/2006/main" xmlns:r="http://schemas.openxmlformats.org/officeDocument/2006/relationships" xmlns:p="http://schemas.openxmlformats.org/presentationml/2006/main">
   <p:cSld>
     <p:spTree>
@@ -22908,7 +22537,7 @@
 </p:sld>
 </file>
 
-<file path=ppt/slides/slide29.xml><?xml version="1.0" encoding="utf-8"?>
+<file path=ppt/slides/slide28.xml><?xml version="1.0" encoding="utf-8"?>
 <p:sld xmlns:a="http://schemas.openxmlformats.org/drawingml/2006/main" xmlns:r="http://schemas.openxmlformats.org/officeDocument/2006/relationships" xmlns:p="http://schemas.openxmlformats.org/presentationml/2006/main">
   <p:cSld>
     <p:spTree>
@@ -23173,172 +22802,7 @@
 </p:sld>
 </file>
 
-<file path=ppt/slides/slide3.xml><?xml version="1.0" encoding="utf-8"?>
-<p:sld xmlns:a="http://schemas.openxmlformats.org/drawingml/2006/main" xmlns:r="http://schemas.openxmlformats.org/officeDocument/2006/relationships" xmlns:p="http://schemas.openxmlformats.org/presentationml/2006/main">
-  <p:cSld>
-    <p:spTree>
-      <p:nvGrpSpPr>
-        <p:cNvPr id="1" name=""/>
-        <p:cNvGrpSpPr/>
-        <p:nvPr/>
-      </p:nvGrpSpPr>
-      <p:grpSpPr>
-        <a:xfrm>
-          <a:off x="0" y="0"/>
-          <a:ext cx="0" cy="0"/>
-          <a:chOff x="0" y="0"/>
-          <a:chExt cx="0" cy="0"/>
-        </a:xfrm>
-      </p:grpSpPr>
-      <p:sp>
-        <p:nvSpPr>
-          <p:cNvPr id="3" name="Content Placeholder 2">
-            <a:extLst>
-              <a:ext uri="{FF2B5EF4-FFF2-40B4-BE49-F238E27FC236}">
-                <a16:creationId xmlns:a16="http://schemas.microsoft.com/office/drawing/2014/main" id="{0385A3AB-B258-4D59-B407-F7D57545A163}"/>
-              </a:ext>
-            </a:extLst>
-          </p:cNvPr>
-          <p:cNvSpPr>
-            <a:spLocks noGrp="1"/>
-          </p:cNvSpPr>
-          <p:nvPr>
-            <p:ph idx="1"/>
-          </p:nvPr>
-        </p:nvSpPr>
-        <p:spPr>
-          <a:xfrm>
-            <a:off x="365760" y="862719"/>
-            <a:ext cx="11369809" cy="4047778"/>
-          </a:xfrm>
-        </p:spPr>
-        <p:txBody>
-          <a:bodyPr/>
-          <a:lstStyle/>
-          <a:p>
-            <a:pPr marL="0" indent="0">
-              <a:buNone/>
-            </a:pPr>
-            <a:endParaRPr lang="en-US" sz="2000" b="1" dirty="0"/>
-          </a:p>
-          <a:p>
-            <a:pPr marL="0" indent="0">
-              <a:buNone/>
-            </a:pPr>
-            <a:r>
-              <a:rPr lang="en-US" sz="2000" b="1" dirty="0"/>
-              <a:t>License and Citation</a:t>
-            </a:r>
-          </a:p>
-          <a:p>
-            <a:pPr>
-              <a:spcBef>
-                <a:spcPts val="400"/>
-              </a:spcBef>
-            </a:pPr>
-            <a:r>
-              <a:rPr lang="en-US" sz="1800" b="1" dirty="0"/>
-              <a:t>The requested citation for this module is: Anshu Dubey, Scientific Software Design, Scientific Software Track, in Argonne Training Program for Extreme Scale Computing. DOI:</a:t>
-            </a:r>
-            <a:endParaRPr lang="en-US" sz="1800" dirty="0"/>
-          </a:p>
-          <a:p>
-            <a:pPr marL="0" indent="0">
-              <a:buNone/>
-            </a:pPr>
-            <a:endParaRPr lang="en-US" sz="2000" b="1" dirty="0"/>
-          </a:p>
-          <a:p>
-            <a:pPr marL="0" indent="0">
-              <a:buNone/>
-            </a:pPr>
-            <a:r>
-              <a:rPr lang="en-US" sz="2000" b="1" dirty="0"/>
-              <a:t>Acknowledgements</a:t>
-            </a:r>
-          </a:p>
-          <a:p>
-            <a:pPr>
-              <a:spcBef>
-                <a:spcPts val="600"/>
-              </a:spcBef>
-            </a:pPr>
-            <a:r>
-              <a:rPr lang="en-US" sz="1600" dirty="0"/>
-              <a:t>This work was performed in part at the Argonne National Laboratory, which is managed by </a:t>
-            </a:r>
-            <a:r>
-              <a:rPr lang="en-US" sz="1600" dirty="0" err="1"/>
-              <a:t>UChicago</a:t>
-            </a:r>
-            <a:r>
-              <a:rPr lang="en-US" sz="1600" dirty="0"/>
-              <a:t> Argonne, LLC for the U.S. Department of Energy under Contract No. DE-AC02-06CH11357.</a:t>
-            </a:r>
-          </a:p>
-        </p:txBody>
-      </p:sp>
-      <p:pic>
-        <p:nvPicPr>
-          <p:cNvPr id="4" name="Picture 2" descr="https://licensebuttons.net/l/by/4.0/88x31.png">
-            <a:extLst>
-              <a:ext uri="{FF2B5EF4-FFF2-40B4-BE49-F238E27FC236}">
-                <a16:creationId xmlns:a16="http://schemas.microsoft.com/office/drawing/2014/main" id="{61840015-22A0-4634-A2DE-AA05F998FD3A}"/>
-              </a:ext>
-            </a:extLst>
-          </p:cNvPr>
-          <p:cNvPicPr>
-            <a:picLocks noChangeAspect="1" noChangeArrowheads="1"/>
-          </p:cNvPicPr>
-          <p:nvPr/>
-        </p:nvPicPr>
-        <p:blipFill>
-          <a:blip r:embed="rId2">
-            <a:extLst>
-              <a:ext uri="{28A0092B-C50C-407E-A947-70E740481C1C}">
-                <a14:useLocalDpi xmlns:a14="http://schemas.microsoft.com/office/drawing/2010/main" val="0"/>
-              </a:ext>
-            </a:extLst>
-          </a:blip>
-          <a:srcRect/>
-          <a:stretch>
-            <a:fillRect/>
-          </a:stretch>
-        </p:blipFill>
-        <p:spPr bwMode="auto">
-          <a:xfrm>
-            <a:off x="10249254" y="570111"/>
-            <a:ext cx="1661258" cy="585216"/>
-          </a:xfrm>
-          <a:prstGeom prst="rect">
-            <a:avLst/>
-          </a:prstGeom>
-          <a:noFill/>
-          <a:extLst>
-            <a:ext uri="{909E8E84-426E-40DD-AFC4-6F175D3DCCD1}">
-              <a14:hiddenFill xmlns:a14="http://schemas.microsoft.com/office/drawing/2010/main">
-                <a:solidFill>
-                  <a:srgbClr val="FFFFFF"/>
-                </a:solidFill>
-              </a14:hiddenFill>
-            </a:ext>
-          </a:extLst>
-        </p:spPr>
-      </p:pic>
-    </p:spTree>
-    <p:extLst>
-      <p:ext uri="{BB962C8B-B14F-4D97-AF65-F5344CB8AC3E}">
-        <p14:creationId xmlns:p14="http://schemas.microsoft.com/office/powerpoint/2010/main" val="580800856"/>
-      </p:ext>
-    </p:extLst>
-  </p:cSld>
-  <p:clrMapOvr>
-    <a:masterClrMapping/>
-  </p:clrMapOvr>
-</p:sld>
-</file>
-
-<file path=ppt/slides/slide30.xml><?xml version="1.0" encoding="utf-8"?>
+<file path=ppt/slides/slide29.xml><?xml version="1.0" encoding="utf-8"?>
 <p:sld xmlns:a="http://schemas.openxmlformats.org/drawingml/2006/main" xmlns:r="http://schemas.openxmlformats.org/officeDocument/2006/relationships" xmlns:p="http://schemas.openxmlformats.org/presentationml/2006/main">
   <p:cSld>
     <p:spTree>
@@ -23471,6 +22935,204 @@
 </p:sld>
 </file>
 
+<file path=ppt/slides/slide3.xml><?xml version="1.0" encoding="utf-8"?>
+<p:sld xmlns:a="http://schemas.openxmlformats.org/drawingml/2006/main" xmlns:r="http://schemas.openxmlformats.org/officeDocument/2006/relationships" xmlns:p="http://schemas.openxmlformats.org/presentationml/2006/main">
+  <p:cSld>
+    <p:spTree>
+      <p:nvGrpSpPr>
+        <p:cNvPr id="1" name=""/>
+        <p:cNvGrpSpPr/>
+        <p:nvPr/>
+      </p:nvGrpSpPr>
+      <p:grpSpPr>
+        <a:xfrm>
+          <a:off x="0" y="0"/>
+          <a:ext cx="0" cy="0"/>
+          <a:chOff x="0" y="0"/>
+          <a:chExt cx="0" cy="0"/>
+        </a:xfrm>
+      </p:grpSpPr>
+      <p:sp>
+        <p:nvSpPr>
+          <p:cNvPr id="2" name="Title 1"/>
+          <p:cNvSpPr>
+            <a:spLocks noGrp="1"/>
+          </p:cNvSpPr>
+          <p:nvPr>
+            <p:ph type="title"/>
+          </p:nvPr>
+        </p:nvSpPr>
+        <p:spPr/>
+        <p:txBody>
+          <a:bodyPr/>
+          <a:lstStyle/>
+          <a:p>
+            <a:r>
+              <a:rPr lang="en-US" dirty="0"/>
+              <a:t>Architecting scientific codes</a:t>
+            </a:r>
+          </a:p>
+        </p:txBody>
+      </p:sp>
+      <p:sp>
+        <p:nvSpPr>
+          <p:cNvPr id="3" name="Content Placeholder 2"/>
+          <p:cNvSpPr>
+            <a:spLocks noGrp="1"/>
+          </p:cNvSpPr>
+          <p:nvPr>
+            <p:ph idx="1"/>
+          </p:nvPr>
+        </p:nvSpPr>
+        <p:spPr>
+          <a:xfrm>
+            <a:off x="943443" y="966203"/>
+            <a:ext cx="10693385" cy="359677"/>
+          </a:xfrm>
+        </p:spPr>
+        <p:txBody>
+          <a:bodyPr/>
+          <a:lstStyle/>
+          <a:p>
+            <a:pPr marL="0" indent="0">
+              <a:buNone/>
+            </a:pPr>
+            <a:r>
+              <a:rPr lang="en-US" sz="2400" b="1" dirty="0"/>
+              <a:t>Desirable Characteristics and Why They are Challenging</a:t>
+            </a:r>
+          </a:p>
+          <a:p>
+            <a:pPr lvl="1"/>
+            <a:endParaRPr lang="en-US" dirty="0"/>
+          </a:p>
+        </p:txBody>
+      </p:sp>
+      <p:sp>
+        <p:nvSpPr>
+          <p:cNvPr id="5" name="TextBox 4">
+            <a:extLst>
+              <a:ext uri="{FF2B5EF4-FFF2-40B4-BE49-F238E27FC236}">
+                <a16:creationId xmlns:a16="http://schemas.microsoft.com/office/drawing/2014/main" id="{D8F3DAED-9D71-7A4D-ABCE-BAD854522A99}"/>
+              </a:ext>
+            </a:extLst>
+          </p:cNvPr>
+          <p:cNvSpPr txBox="1"/>
+          <p:nvPr/>
+        </p:nvSpPr>
+        <p:spPr>
+          <a:xfrm>
+            <a:off x="2198917" y="1446638"/>
+            <a:ext cx="1458348" cy="433965"/>
+          </a:xfrm>
+          <a:prstGeom prst="rect">
+            <a:avLst/>
+          </a:prstGeom>
+          <a:noFill/>
+        </p:spPr>
+        <p:txBody>
+          <a:bodyPr wrap="none" lIns="118872" tIns="91440" rIns="118872" bIns="91440" rtlCol="0" anchor="ctr" anchorCtr="0">
+            <a:spAutoFit/>
+          </a:bodyPr>
+          <a:lstStyle/>
+          <a:p>
+            <a:pPr algn="l">
+              <a:lnSpc>
+                <a:spcPct val="90000"/>
+              </a:lnSpc>
+            </a:pPr>
+            <a:r>
+              <a:rPr lang="en-US" dirty="0"/>
+              <a:t>Extensibility</a:t>
+            </a:r>
+          </a:p>
+        </p:txBody>
+      </p:sp>
+      <p:sp>
+        <p:nvSpPr>
+          <p:cNvPr id="7" name="Rounded Rectangle 6">
+            <a:extLst>
+              <a:ext uri="{FF2B5EF4-FFF2-40B4-BE49-F238E27FC236}">
+                <a16:creationId xmlns:a16="http://schemas.microsoft.com/office/drawing/2014/main" id="{AB8C5454-7C3C-364A-9FC0-FAB9903FB673}"/>
+              </a:ext>
+            </a:extLst>
+          </p:cNvPr>
+          <p:cNvSpPr/>
+          <p:nvPr/>
+        </p:nvSpPr>
+        <p:spPr>
+          <a:xfrm>
+            <a:off x="1304596" y="2056199"/>
+            <a:ext cx="3408917" cy="1699372"/>
+          </a:xfrm>
+          <a:prstGeom prst="roundRect">
+            <a:avLst/>
+          </a:prstGeom>
+          <a:solidFill>
+            <a:schemeClr val="accent1"/>
+          </a:solidFill>
+          <a:ln>
+            <a:noFill/>
+          </a:ln>
+          <a:effectLst>
+            <a:outerShdw blurRad="44450" dist="27940" dir="5400000" algn="ctr">
+              <a:srgbClr val="000000">
+                <a:alpha val="32000"/>
+              </a:srgbClr>
+            </a:outerShdw>
+          </a:effectLst>
+        </p:spPr>
+        <p:txBody>
+          <a:bodyPr rot="0" spcFirstLastPara="0" vertOverflow="overflow" horzOverflow="overflow" vert="horz" wrap="square" lIns="121851" tIns="60925" rIns="121851" bIns="60925" numCol="1" spcCol="0" rtlCol="0" fromWordArt="0" anchor="ctr" anchorCtr="0" forceAA="0" compatLnSpc="1">
+            <a:prstTxWarp prst="textNoShape">
+              <a:avLst/>
+            </a:prstTxWarp>
+            <a:noAutofit/>
+          </a:bodyPr>
+          <a:lstStyle/>
+          <a:p>
+            <a:pPr algn="ctr"/>
+            <a:r>
+              <a:rPr lang="en-US" sz="2000" dirty="0">
+                <a:solidFill>
+                  <a:schemeClr val="tx2">
+                    <a:lumMod val="20000"/>
+                    <a:lumOff val="80000"/>
+                  </a:schemeClr>
+                </a:solidFill>
+              </a:rPr>
+              <a:t>Well defined structure and modules </a:t>
+            </a:r>
+          </a:p>
+          <a:p>
+            <a:pPr algn="ctr"/>
+            <a:r>
+              <a:rPr lang="en-US" sz="2000" dirty="0">
+                <a:solidFill>
+                  <a:schemeClr val="tx2">
+                    <a:lumMod val="20000"/>
+                    <a:lumOff val="80000"/>
+                  </a:schemeClr>
+                </a:solidFill>
+              </a:rPr>
+              <a:t>Encapsulation of functionalities</a:t>
+            </a:r>
+          </a:p>
+        </p:txBody>
+      </p:sp>
+    </p:spTree>
+    <p:extLst>
+      <p:ext uri="{BB962C8B-B14F-4D97-AF65-F5344CB8AC3E}">
+        <p14:creationId xmlns:p14="http://schemas.microsoft.com/office/powerpoint/2010/main" val="718866651"/>
+      </p:ext>
+    </p:extLst>
+  </p:cSld>
+  <p:clrMapOvr>
+    <a:masterClrMapping/>
+  </p:clrMapOvr>
+</p:sld>
+</file>
+
 <file path=ppt/slides/slide4.xml><?xml version="1.0" encoding="utf-8"?>
 <p:sld xmlns:a="http://schemas.openxmlformats.org/drawingml/2006/main" xmlns:r="http://schemas.openxmlformats.org/officeDocument/2006/relationships" xmlns:p="http://schemas.openxmlformats.org/presentationml/2006/main">
   <p:cSld>
@@ -23656,10 +23318,68 @@
           </a:p>
         </p:txBody>
       </p:sp>
+      <p:sp>
+        <p:nvSpPr>
+          <p:cNvPr id="18" name="Rounded Rectangle 17">
+            <a:extLst>
+              <a:ext uri="{FF2B5EF4-FFF2-40B4-BE49-F238E27FC236}">
+                <a16:creationId xmlns:a16="http://schemas.microsoft.com/office/drawing/2014/main" id="{FD262230-1681-AF4E-B2F0-AFBCC7A193BF}"/>
+              </a:ext>
+            </a:extLst>
+          </p:cNvPr>
+          <p:cNvSpPr/>
+          <p:nvPr/>
+        </p:nvSpPr>
+        <p:spPr>
+          <a:xfrm>
+            <a:off x="1326032" y="4023360"/>
+            <a:ext cx="3408917" cy="1699372"/>
+          </a:xfrm>
+          <a:prstGeom prst="roundRect">
+            <a:avLst/>
+          </a:prstGeom>
+          <a:solidFill>
+            <a:schemeClr val="tx2">
+              <a:lumMod val="20000"/>
+              <a:lumOff val="80000"/>
+            </a:schemeClr>
+          </a:solidFill>
+          <a:ln>
+            <a:noFill/>
+          </a:ln>
+          <a:effectLst>
+            <a:outerShdw blurRad="44450" dist="27940" dir="5400000" algn="ctr">
+              <a:srgbClr val="000000">
+                <a:alpha val="32000"/>
+              </a:srgbClr>
+            </a:outerShdw>
+          </a:effectLst>
+        </p:spPr>
+        <p:txBody>
+          <a:bodyPr rot="0" spcFirstLastPara="0" vertOverflow="overflow" horzOverflow="overflow" vert="horz" wrap="square" lIns="121851" tIns="60925" rIns="121851" bIns="60925" numCol="1" spcCol="0" rtlCol="0" fromWordArt="0" anchor="ctr" anchorCtr="0" forceAA="0" compatLnSpc="1">
+            <a:prstTxWarp prst="textNoShape">
+              <a:avLst/>
+            </a:prstTxWarp>
+            <a:noAutofit/>
+          </a:bodyPr>
+          <a:lstStyle/>
+          <a:p>
+            <a:pPr algn="ctr"/>
+            <a:r>
+              <a:rPr lang="en-US" sz="2000" dirty="0">
+                <a:solidFill>
+                  <a:schemeClr val="accent1"/>
+                </a:solidFill>
+              </a:rPr>
+              <a:t>Same data layout not good for all solvers. Many corner cases. Necessary lateral interactions</a:t>
+            </a:r>
+          </a:p>
+        </p:txBody>
+      </p:sp>
     </p:spTree>
     <p:extLst>
       <p:ext uri="{BB962C8B-B14F-4D97-AF65-F5344CB8AC3E}">
-        <p14:creationId xmlns:p14="http://schemas.microsoft.com/office/powerpoint/2010/main" val="718866651"/>
+        <p14:creationId xmlns:p14="http://schemas.microsoft.com/office/powerpoint/2010/main" val="3811306476"/>
       </p:ext>
     </p:extLst>
   </p:cSld>
@@ -23784,6 +23504,46 @@
       </p:sp>
       <p:sp>
         <p:nvSpPr>
+          <p:cNvPr id="15" name="TextBox 14">
+            <a:extLst>
+              <a:ext uri="{FF2B5EF4-FFF2-40B4-BE49-F238E27FC236}">
+                <a16:creationId xmlns:a16="http://schemas.microsoft.com/office/drawing/2014/main" id="{C78BF2DB-319B-F146-B7A1-BC81DCB8504A}"/>
+              </a:ext>
+            </a:extLst>
+          </p:cNvPr>
+          <p:cNvSpPr txBox="1"/>
+          <p:nvPr/>
+        </p:nvSpPr>
+        <p:spPr>
+          <a:xfrm>
+            <a:off x="6493235" y="1446637"/>
+            <a:ext cx="1560940" cy="433965"/>
+          </a:xfrm>
+          <a:prstGeom prst="rect">
+            <a:avLst/>
+          </a:prstGeom>
+          <a:noFill/>
+        </p:spPr>
+        <p:txBody>
+          <a:bodyPr wrap="none" lIns="118872" tIns="91440" rIns="118872" bIns="91440" rtlCol="0" anchor="ctr" anchorCtr="0">
+            <a:spAutoFit/>
+          </a:bodyPr>
+          <a:lstStyle/>
+          <a:p>
+            <a:pPr algn="l">
+              <a:lnSpc>
+                <a:spcPct val="90000"/>
+              </a:lnSpc>
+            </a:pPr>
+            <a:r>
+              <a:rPr lang="en-US" dirty="0"/>
+              <a:t>Performance</a:t>
+            </a:r>
+          </a:p>
+        </p:txBody>
+      </p:sp>
+      <p:sp>
+        <p:nvSpPr>
           <p:cNvPr id="7" name="Rounded Rectangle 6">
             <a:extLst>
               <a:ext uri="{FF2B5EF4-FFF2-40B4-BE49-F238E27FC236}">
@@ -23856,10 +23616,96 @@
       </p:sp>
       <p:sp>
         <p:nvSpPr>
-          <p:cNvPr id="18" name="Rounded Rectangle 17">
+          <p:cNvPr id="17" name="Rounded Rectangle 16">
             <a:extLst>
               <a:ext uri="{FF2B5EF4-FFF2-40B4-BE49-F238E27FC236}">
-                <a16:creationId xmlns:a16="http://schemas.microsoft.com/office/drawing/2014/main" id="{FD262230-1681-AF4E-B2F0-AFBCC7A193BF}"/>
+                <a16:creationId xmlns:a16="http://schemas.microsoft.com/office/drawing/2014/main" id="{E92879B7-905C-BB44-A527-1A213FF082AB}"/>
+              </a:ext>
+            </a:extLst>
+          </p:cNvPr>
+          <p:cNvSpPr/>
+          <p:nvPr/>
+        </p:nvSpPr>
+        <p:spPr>
+          <a:xfrm>
+            <a:off x="5420146" y="2032815"/>
+            <a:ext cx="3408917" cy="1699372"/>
+          </a:xfrm>
+          <a:prstGeom prst="roundRect">
+            <a:avLst/>
+          </a:prstGeom>
+          <a:solidFill>
+            <a:schemeClr val="accent1"/>
+          </a:solidFill>
+          <a:ln>
+            <a:noFill/>
+          </a:ln>
+          <a:effectLst>
+            <a:outerShdw blurRad="44450" dist="27940" dir="5400000" algn="ctr">
+              <a:srgbClr val="000000">
+                <a:alpha val="32000"/>
+              </a:srgbClr>
+            </a:outerShdw>
+          </a:effectLst>
+        </p:spPr>
+        <p:txBody>
+          <a:bodyPr rot="0" spcFirstLastPara="0" vertOverflow="overflow" horzOverflow="overflow" vert="horz" wrap="square" lIns="121851" tIns="60925" rIns="121851" bIns="60925" numCol="1" spcCol="0" rtlCol="0" fromWordArt="0" anchor="ctr" anchorCtr="0" forceAA="0" compatLnSpc="1">
+            <a:prstTxWarp prst="textNoShape">
+              <a:avLst/>
+            </a:prstTxWarp>
+            <a:noAutofit/>
+          </a:bodyPr>
+          <a:lstStyle/>
+          <a:p>
+            <a:pPr algn="ctr"/>
+            <a:r>
+              <a:rPr lang="en-US" sz="2000" dirty="0">
+                <a:solidFill>
+                  <a:schemeClr val="tx2">
+                    <a:lumMod val="20000"/>
+                    <a:lumOff val="80000"/>
+                  </a:schemeClr>
+                </a:solidFill>
+              </a:rPr>
+              <a:t>Spatial and temporal locality of data</a:t>
+            </a:r>
+          </a:p>
+          <a:p>
+            <a:pPr algn="ctr"/>
+            <a:r>
+              <a:rPr lang="en-US" sz="2000" dirty="0">
+                <a:solidFill>
+                  <a:schemeClr val="tx2">
+                    <a:lumMod val="20000"/>
+                    <a:lumOff val="80000"/>
+                  </a:schemeClr>
+                </a:solidFill>
+              </a:rPr>
+              <a:t>Minimizing data movement</a:t>
+            </a:r>
+          </a:p>
+          <a:p>
+            <a:pPr algn="ctr"/>
+            <a:r>
+              <a:rPr lang="en-US" sz="2000" dirty="0">
+                <a:solidFill>
+                  <a:schemeClr val="tx2">
+                    <a:lumMod val="20000"/>
+                    <a:lumOff val="80000"/>
+                  </a:schemeClr>
+                </a:solidFill>
+              </a:rPr>
+              <a:t>Maximizing scalability</a:t>
+            </a:r>
+          </a:p>
+        </p:txBody>
+      </p:sp>
+      <p:sp>
+        <p:nvSpPr>
+          <p:cNvPr id="8" name="Rounded Rectangle 7">
+            <a:extLst>
+              <a:ext uri="{FF2B5EF4-FFF2-40B4-BE49-F238E27FC236}">
+                <a16:creationId xmlns:a16="http://schemas.microsoft.com/office/drawing/2014/main" id="{1FE254B2-1CC5-D64F-B786-05C76F3D55AE}"/>
               </a:ext>
             </a:extLst>
           </p:cNvPr>
@@ -23915,7 +23761,7 @@
     </p:spTree>
     <p:extLst>
       <p:ext uri="{BB962C8B-B14F-4D97-AF65-F5344CB8AC3E}">
-        <p14:creationId xmlns:p14="http://schemas.microsoft.com/office/powerpoint/2010/main" val="3811306476"/>
+        <p14:creationId xmlns:p14="http://schemas.microsoft.com/office/powerpoint/2010/main" val="927348338"/>
       </p:ext>
     </p:extLst>
   </p:cSld>
@@ -24238,10 +24084,10 @@
       </p:sp>
       <p:sp>
         <p:nvSpPr>
-          <p:cNvPr id="8" name="Rounded Rectangle 7">
+          <p:cNvPr id="18" name="Rounded Rectangle 17">
             <a:extLst>
               <a:ext uri="{FF2B5EF4-FFF2-40B4-BE49-F238E27FC236}">
-                <a16:creationId xmlns:a16="http://schemas.microsoft.com/office/drawing/2014/main" id="{1FE254B2-1CC5-D64F-B786-05C76F3D55AE}"/>
+                <a16:creationId xmlns:a16="http://schemas.microsoft.com/office/drawing/2014/main" id="{FD262230-1681-AF4E-B2F0-AFBCC7A193BF}"/>
               </a:ext>
             </a:extLst>
           </p:cNvPr>
@@ -24294,10 +24140,68 @@
           </a:p>
         </p:txBody>
       </p:sp>
+      <p:sp>
+        <p:nvSpPr>
+          <p:cNvPr id="19" name="Rounded Rectangle 18">
+            <a:extLst>
+              <a:ext uri="{FF2B5EF4-FFF2-40B4-BE49-F238E27FC236}">
+                <a16:creationId xmlns:a16="http://schemas.microsoft.com/office/drawing/2014/main" id="{2862F1BC-F846-224E-B085-B39237C0FAC1}"/>
+              </a:ext>
+            </a:extLst>
+          </p:cNvPr>
+          <p:cNvSpPr/>
+          <p:nvPr/>
+        </p:nvSpPr>
+        <p:spPr>
+          <a:xfrm>
+            <a:off x="5420147" y="4023360"/>
+            <a:ext cx="3408917" cy="1699372"/>
+          </a:xfrm>
+          <a:prstGeom prst="roundRect">
+            <a:avLst/>
+          </a:prstGeom>
+          <a:solidFill>
+            <a:schemeClr val="tx2">
+              <a:lumMod val="20000"/>
+              <a:lumOff val="80000"/>
+            </a:schemeClr>
+          </a:solidFill>
+          <a:ln>
+            <a:noFill/>
+          </a:ln>
+          <a:effectLst>
+            <a:outerShdw blurRad="44450" dist="27940" dir="5400000" algn="ctr">
+              <a:srgbClr val="000000">
+                <a:alpha val="32000"/>
+              </a:srgbClr>
+            </a:outerShdw>
+          </a:effectLst>
+        </p:spPr>
+        <p:txBody>
+          <a:bodyPr rot="0" spcFirstLastPara="0" vertOverflow="overflow" horzOverflow="overflow" vert="horz" wrap="square" lIns="121851" tIns="60925" rIns="121851" bIns="60925" numCol="1" spcCol="0" rtlCol="0" fromWordArt="0" anchor="ctr" anchorCtr="0" forceAA="0" compatLnSpc="1">
+            <a:prstTxWarp prst="textNoShape">
+              <a:avLst/>
+            </a:prstTxWarp>
+            <a:noAutofit/>
+          </a:bodyPr>
+          <a:lstStyle/>
+          <a:p>
+            <a:pPr algn="ctr"/>
+            <a:r>
+              <a:rPr lang="en-US" sz="2000" dirty="0">
+                <a:solidFill>
+                  <a:schemeClr val="accent1"/>
+                </a:solidFill>
+              </a:rPr>
+              <a:t>Low arithmetic intensity solvers with hard dependencies. Proximity and work distribution at cross purposes</a:t>
+            </a:r>
+          </a:p>
+        </p:txBody>
+      </p:sp>
     </p:spTree>
     <p:extLst>
       <p:ext uri="{BB962C8B-B14F-4D97-AF65-F5344CB8AC3E}">
-        <p14:creationId xmlns:p14="http://schemas.microsoft.com/office/powerpoint/2010/main" val="927348338"/>
+        <p14:creationId xmlns:p14="http://schemas.microsoft.com/office/powerpoint/2010/main" val="4258597434"/>
       </p:ext>
     </p:extLst>
   </p:cSld>
@@ -24395,7 +24299,7 @@
         <p:spPr>
           <a:xfrm>
             <a:off x="2198917" y="1446638"/>
-            <a:ext cx="1458348" cy="433965"/>
+            <a:ext cx="1253164" cy="433965"/>
           </a:xfrm>
           <a:prstGeom prst="rect">
             <a:avLst/>
@@ -24415,47 +24319,7 @@
             </a:pPr>
             <a:r>
               <a:rPr lang="en-US" dirty="0"/>
-              <a:t>Extensibility</a:t>
-            </a:r>
-          </a:p>
-        </p:txBody>
-      </p:sp>
-      <p:sp>
-        <p:nvSpPr>
-          <p:cNvPr id="15" name="TextBox 14">
-            <a:extLst>
-              <a:ext uri="{FF2B5EF4-FFF2-40B4-BE49-F238E27FC236}">
-                <a16:creationId xmlns:a16="http://schemas.microsoft.com/office/drawing/2014/main" id="{C78BF2DB-319B-F146-B7A1-BC81DCB8504A}"/>
-              </a:ext>
-            </a:extLst>
-          </p:cNvPr>
-          <p:cNvSpPr txBox="1"/>
-          <p:nvPr/>
-        </p:nvSpPr>
-        <p:spPr>
-          <a:xfrm>
-            <a:off x="6493235" y="1446637"/>
-            <a:ext cx="1560940" cy="433965"/>
-          </a:xfrm>
-          <a:prstGeom prst="rect">
-            <a:avLst/>
-          </a:prstGeom>
-          <a:noFill/>
-        </p:spPr>
-        <p:txBody>
-          <a:bodyPr wrap="none" lIns="118872" tIns="91440" rIns="118872" bIns="91440" rtlCol="0" anchor="ctr" anchorCtr="0">
-            <a:spAutoFit/>
-          </a:bodyPr>
-          <a:lstStyle/>
-          <a:p>
-            <a:pPr algn="l">
-              <a:lnSpc>
-                <a:spcPct val="90000"/>
-              </a:lnSpc>
-            </a:pPr>
-            <a:r>
-              <a:rPr lang="en-US" dirty="0"/>
-              <a:t>Performance</a:t>
+              <a:t>Portability</a:t>
             </a:r>
           </a:p>
         </p:txBody>
@@ -24513,223 +24377,7 @@
                   </a:schemeClr>
                 </a:solidFill>
               </a:rPr>
-              <a:t>Well defined structure and modules </a:t>
-            </a:r>
-          </a:p>
-          <a:p>
-            <a:pPr algn="ctr"/>
-            <a:r>
-              <a:rPr lang="en-US" sz="2000" dirty="0">
-                <a:solidFill>
-                  <a:schemeClr val="tx2">
-                    <a:lumMod val="20000"/>
-                    <a:lumOff val="80000"/>
-                  </a:schemeClr>
-                </a:solidFill>
-              </a:rPr>
-              <a:t>Encapsulation of functionalities</a:t>
-            </a:r>
-          </a:p>
-        </p:txBody>
-      </p:sp>
-      <p:sp>
-        <p:nvSpPr>
-          <p:cNvPr id="17" name="Rounded Rectangle 16">
-            <a:extLst>
-              <a:ext uri="{FF2B5EF4-FFF2-40B4-BE49-F238E27FC236}">
-                <a16:creationId xmlns:a16="http://schemas.microsoft.com/office/drawing/2014/main" id="{E92879B7-905C-BB44-A527-1A213FF082AB}"/>
-              </a:ext>
-            </a:extLst>
-          </p:cNvPr>
-          <p:cNvSpPr/>
-          <p:nvPr/>
-        </p:nvSpPr>
-        <p:spPr>
-          <a:xfrm>
-            <a:off x="5420146" y="2032815"/>
-            <a:ext cx="3408917" cy="1699372"/>
-          </a:xfrm>
-          <a:prstGeom prst="roundRect">
-            <a:avLst/>
-          </a:prstGeom>
-          <a:solidFill>
-            <a:schemeClr val="accent1"/>
-          </a:solidFill>
-          <a:ln>
-            <a:noFill/>
-          </a:ln>
-          <a:effectLst>
-            <a:outerShdw blurRad="44450" dist="27940" dir="5400000" algn="ctr">
-              <a:srgbClr val="000000">
-                <a:alpha val="32000"/>
-              </a:srgbClr>
-            </a:outerShdw>
-          </a:effectLst>
-        </p:spPr>
-        <p:txBody>
-          <a:bodyPr rot="0" spcFirstLastPara="0" vertOverflow="overflow" horzOverflow="overflow" vert="horz" wrap="square" lIns="121851" tIns="60925" rIns="121851" bIns="60925" numCol="1" spcCol="0" rtlCol="0" fromWordArt="0" anchor="ctr" anchorCtr="0" forceAA="0" compatLnSpc="1">
-            <a:prstTxWarp prst="textNoShape">
-              <a:avLst/>
-            </a:prstTxWarp>
-            <a:noAutofit/>
-          </a:bodyPr>
-          <a:lstStyle/>
-          <a:p>
-            <a:pPr algn="ctr"/>
-            <a:r>
-              <a:rPr lang="en-US" sz="2000" dirty="0">
-                <a:solidFill>
-                  <a:schemeClr val="tx2">
-                    <a:lumMod val="20000"/>
-                    <a:lumOff val="80000"/>
-                  </a:schemeClr>
-                </a:solidFill>
-              </a:rPr>
-              <a:t>Spatial and temporal locality of data</a:t>
-            </a:r>
-          </a:p>
-          <a:p>
-            <a:pPr algn="ctr"/>
-            <a:r>
-              <a:rPr lang="en-US" sz="2000" dirty="0">
-                <a:solidFill>
-                  <a:schemeClr val="tx2">
-                    <a:lumMod val="20000"/>
-                    <a:lumOff val="80000"/>
-                  </a:schemeClr>
-                </a:solidFill>
-              </a:rPr>
-              <a:t>Minimizing data movement</a:t>
-            </a:r>
-          </a:p>
-          <a:p>
-            <a:pPr algn="ctr"/>
-            <a:r>
-              <a:rPr lang="en-US" sz="2000" dirty="0">
-                <a:solidFill>
-                  <a:schemeClr val="tx2">
-                    <a:lumMod val="20000"/>
-                    <a:lumOff val="80000"/>
-                  </a:schemeClr>
-                </a:solidFill>
-              </a:rPr>
-              <a:t>Maximizing scalability</a:t>
-            </a:r>
-          </a:p>
-        </p:txBody>
-      </p:sp>
-      <p:sp>
-        <p:nvSpPr>
-          <p:cNvPr id="18" name="Rounded Rectangle 17">
-            <a:extLst>
-              <a:ext uri="{FF2B5EF4-FFF2-40B4-BE49-F238E27FC236}">
-                <a16:creationId xmlns:a16="http://schemas.microsoft.com/office/drawing/2014/main" id="{FD262230-1681-AF4E-B2F0-AFBCC7A193BF}"/>
-              </a:ext>
-            </a:extLst>
-          </p:cNvPr>
-          <p:cNvSpPr/>
-          <p:nvPr/>
-        </p:nvSpPr>
-        <p:spPr>
-          <a:xfrm>
-            <a:off x="1326032" y="4023360"/>
-            <a:ext cx="3408917" cy="1699372"/>
-          </a:xfrm>
-          <a:prstGeom prst="roundRect">
-            <a:avLst/>
-          </a:prstGeom>
-          <a:solidFill>
-            <a:schemeClr val="tx2">
-              <a:lumMod val="20000"/>
-              <a:lumOff val="80000"/>
-            </a:schemeClr>
-          </a:solidFill>
-          <a:ln>
-            <a:noFill/>
-          </a:ln>
-          <a:effectLst>
-            <a:outerShdw blurRad="44450" dist="27940" dir="5400000" algn="ctr">
-              <a:srgbClr val="000000">
-                <a:alpha val="32000"/>
-              </a:srgbClr>
-            </a:outerShdw>
-          </a:effectLst>
-        </p:spPr>
-        <p:txBody>
-          <a:bodyPr rot="0" spcFirstLastPara="0" vertOverflow="overflow" horzOverflow="overflow" vert="horz" wrap="square" lIns="121851" tIns="60925" rIns="121851" bIns="60925" numCol="1" spcCol="0" rtlCol="0" fromWordArt="0" anchor="ctr" anchorCtr="0" forceAA="0" compatLnSpc="1">
-            <a:prstTxWarp prst="textNoShape">
-              <a:avLst/>
-            </a:prstTxWarp>
-            <a:noAutofit/>
-          </a:bodyPr>
-          <a:lstStyle/>
-          <a:p>
-            <a:pPr algn="ctr"/>
-            <a:r>
-              <a:rPr lang="en-US" sz="2000" dirty="0">
-                <a:solidFill>
-                  <a:schemeClr val="accent1"/>
-                </a:solidFill>
-              </a:rPr>
-              <a:t>Same data layout not good for all solvers. Many corner cases. Necessary lateral interactions</a:t>
-            </a:r>
-          </a:p>
-        </p:txBody>
-      </p:sp>
-      <p:sp>
-        <p:nvSpPr>
-          <p:cNvPr id="19" name="Rounded Rectangle 18">
-            <a:extLst>
-              <a:ext uri="{FF2B5EF4-FFF2-40B4-BE49-F238E27FC236}">
-                <a16:creationId xmlns:a16="http://schemas.microsoft.com/office/drawing/2014/main" id="{2862F1BC-F846-224E-B085-B39237C0FAC1}"/>
-              </a:ext>
-            </a:extLst>
-          </p:cNvPr>
-          <p:cNvSpPr/>
-          <p:nvPr/>
-        </p:nvSpPr>
-        <p:spPr>
-          <a:xfrm>
-            <a:off x="5420147" y="4023360"/>
-            <a:ext cx="3408917" cy="1699372"/>
-          </a:xfrm>
-          <a:prstGeom prst="roundRect">
-            <a:avLst/>
-          </a:prstGeom>
-          <a:solidFill>
-            <a:schemeClr val="tx2">
-              <a:lumMod val="20000"/>
-              <a:lumOff val="80000"/>
-            </a:schemeClr>
-          </a:solidFill>
-          <a:ln>
-            <a:noFill/>
-          </a:ln>
-          <a:effectLst>
-            <a:outerShdw blurRad="44450" dist="27940" dir="5400000" algn="ctr">
-              <a:srgbClr val="000000">
-                <a:alpha val="32000"/>
-              </a:srgbClr>
-            </a:outerShdw>
-          </a:effectLst>
-        </p:spPr>
-        <p:txBody>
-          <a:bodyPr rot="0" spcFirstLastPara="0" vertOverflow="overflow" horzOverflow="overflow" vert="horz" wrap="square" lIns="121851" tIns="60925" rIns="121851" bIns="60925" numCol="1" spcCol="0" rtlCol="0" fromWordArt="0" anchor="ctr" anchorCtr="0" forceAA="0" compatLnSpc="1">
-            <a:prstTxWarp prst="textNoShape">
-              <a:avLst/>
-            </a:prstTxWarp>
-            <a:noAutofit/>
-          </a:bodyPr>
-          <a:lstStyle/>
-          <a:p>
-            <a:pPr algn="ctr"/>
-            <a:r>
-              <a:rPr lang="en-US" sz="2000" dirty="0">
-                <a:solidFill>
-                  <a:schemeClr val="accent1"/>
-                </a:solidFill>
-              </a:rPr>
-              <a:t>Low arithmetic intensity solvers with hard dependencies. Proximity and work distribution at cross purposes</a:t>
+              <a:t>General solutions that work without significant manual intervention across platforms</a:t>
             </a:r>
           </a:p>
         </p:txBody>
@@ -24737,7 +24385,7 @@
     </p:spTree>
     <p:extLst>
       <p:ext uri="{BB962C8B-B14F-4D97-AF65-F5344CB8AC3E}">
-        <p14:creationId xmlns:p14="http://schemas.microsoft.com/office/powerpoint/2010/main" val="4258597434"/>
+        <p14:creationId xmlns:p14="http://schemas.microsoft.com/office/powerpoint/2010/main" val="428699451"/>
       </p:ext>
     </p:extLst>
   </p:cSld>
@@ -24918,10 +24566,79 @@
           </a:p>
         </p:txBody>
       </p:sp>
+      <p:sp>
+        <p:nvSpPr>
+          <p:cNvPr id="18" name="Rounded Rectangle 17">
+            <a:extLst>
+              <a:ext uri="{FF2B5EF4-FFF2-40B4-BE49-F238E27FC236}">
+                <a16:creationId xmlns:a16="http://schemas.microsoft.com/office/drawing/2014/main" id="{FD262230-1681-AF4E-B2F0-AFBCC7A193BF}"/>
+              </a:ext>
+            </a:extLst>
+          </p:cNvPr>
+          <p:cNvSpPr/>
+          <p:nvPr/>
+        </p:nvSpPr>
+        <p:spPr>
+          <a:xfrm>
+            <a:off x="1326032" y="4023360"/>
+            <a:ext cx="3408917" cy="1699372"/>
+          </a:xfrm>
+          <a:prstGeom prst="roundRect">
+            <a:avLst/>
+          </a:prstGeom>
+          <a:solidFill>
+            <a:schemeClr val="tx2">
+              <a:lumMod val="20000"/>
+              <a:lumOff val="80000"/>
+            </a:schemeClr>
+          </a:solidFill>
+          <a:ln>
+            <a:noFill/>
+          </a:ln>
+          <a:effectLst>
+            <a:outerShdw blurRad="44450" dist="27940" dir="5400000" algn="ctr">
+              <a:srgbClr val="000000">
+                <a:alpha val="32000"/>
+              </a:srgbClr>
+            </a:outerShdw>
+          </a:effectLst>
+        </p:spPr>
+        <p:txBody>
+          <a:bodyPr rot="0" spcFirstLastPara="0" vertOverflow="overflow" horzOverflow="overflow" vert="horz" wrap="square" lIns="121851" tIns="60925" rIns="121851" bIns="60925" numCol="1" spcCol="0" rtlCol="0" fromWordArt="0" anchor="ctr" anchorCtr="0" forceAA="0" compatLnSpc="1">
+            <a:prstTxWarp prst="textNoShape">
+              <a:avLst/>
+            </a:prstTxWarp>
+            <a:noAutofit/>
+          </a:bodyPr>
+          <a:lstStyle/>
+          <a:p>
+            <a:pPr algn="ctr"/>
+            <a:r>
+              <a:rPr lang="en-US" sz="2000" dirty="0">
+                <a:solidFill>
+                  <a:schemeClr val="accent1"/>
+                </a:solidFill>
+              </a:rPr>
+              <a:t>Tremendous platform heterogeneity</a:t>
+            </a:r>
+          </a:p>
+          <a:p>
+            <a:pPr algn="ctr"/>
+            <a:r>
+              <a:rPr lang="en-US" sz="2000" dirty="0">
+                <a:solidFill>
+                  <a:schemeClr val="accent1"/>
+                </a:solidFill>
+              </a:rPr>
+              <a:t>A version for each class of device =&gt; combinatorial explosion</a:t>
+            </a:r>
+          </a:p>
+        </p:txBody>
+      </p:sp>
     </p:spTree>
     <p:extLst>
       <p:ext uri="{BB962C8B-B14F-4D97-AF65-F5344CB8AC3E}">
-        <p14:creationId xmlns:p14="http://schemas.microsoft.com/office/powerpoint/2010/main" val="428699451"/>
+        <p14:creationId xmlns:p14="http://schemas.microsoft.com/office/powerpoint/2010/main" val="10116526"/>
       </p:ext>
     </p:extLst>
   </p:cSld>
@@ -25046,6 +24763,46 @@
       </p:sp>
       <p:sp>
         <p:nvSpPr>
+          <p:cNvPr id="15" name="TextBox 14">
+            <a:extLst>
+              <a:ext uri="{FF2B5EF4-FFF2-40B4-BE49-F238E27FC236}">
+                <a16:creationId xmlns:a16="http://schemas.microsoft.com/office/drawing/2014/main" id="{C78BF2DB-319B-F146-B7A1-BC81DCB8504A}"/>
+              </a:ext>
+            </a:extLst>
+          </p:cNvPr>
+          <p:cNvSpPr txBox="1"/>
+          <p:nvPr/>
+        </p:nvSpPr>
+        <p:spPr>
+          <a:xfrm>
+            <a:off x="5555459" y="1524659"/>
+            <a:ext cx="3317896" cy="433965"/>
+          </a:xfrm>
+          <a:prstGeom prst="rect">
+            <a:avLst/>
+          </a:prstGeom>
+          <a:noFill/>
+        </p:spPr>
+        <p:txBody>
+          <a:bodyPr wrap="none" lIns="118872" tIns="91440" rIns="118872" bIns="91440" rtlCol="0" anchor="ctr" anchorCtr="0">
+            <a:spAutoFit/>
+          </a:bodyPr>
+          <a:lstStyle/>
+          <a:p>
+            <a:pPr algn="l">
+              <a:lnSpc>
+                <a:spcPct val="90000"/>
+              </a:lnSpc>
+            </a:pPr>
+            <a:r>
+              <a:rPr lang="en-US" dirty="0"/>
+              <a:t>Verifiability and Maintainability</a:t>
+            </a:r>
+          </a:p>
+        </p:txBody>
+      </p:sp>
+      <p:sp>
+        <p:nvSpPr>
           <p:cNvPr id="7" name="Rounded Rectangle 6">
             <a:extLst>
               <a:ext uri="{FF2B5EF4-FFF2-40B4-BE49-F238E27FC236}">
@@ -25104,10 +24861,96 @@
       </p:sp>
       <p:sp>
         <p:nvSpPr>
-          <p:cNvPr id="18" name="Rounded Rectangle 17">
+          <p:cNvPr id="17" name="Rounded Rectangle 16">
             <a:extLst>
               <a:ext uri="{FF2B5EF4-FFF2-40B4-BE49-F238E27FC236}">
-                <a16:creationId xmlns:a16="http://schemas.microsoft.com/office/drawing/2014/main" id="{FD262230-1681-AF4E-B2F0-AFBCC7A193BF}"/>
+                <a16:creationId xmlns:a16="http://schemas.microsoft.com/office/drawing/2014/main" id="{E92879B7-905C-BB44-A527-1A213FF082AB}"/>
+              </a:ext>
+            </a:extLst>
+          </p:cNvPr>
+          <p:cNvSpPr/>
+          <p:nvPr/>
+        </p:nvSpPr>
+        <p:spPr>
+          <a:xfrm>
+            <a:off x="5420146" y="2032815"/>
+            <a:ext cx="3408917" cy="1699372"/>
+          </a:xfrm>
+          <a:prstGeom prst="roundRect">
+            <a:avLst/>
+          </a:prstGeom>
+          <a:solidFill>
+            <a:schemeClr val="accent1"/>
+          </a:solidFill>
+          <a:ln>
+            <a:noFill/>
+          </a:ln>
+          <a:effectLst>
+            <a:outerShdw blurRad="44450" dist="27940" dir="5400000" algn="ctr">
+              <a:srgbClr val="000000">
+                <a:alpha val="32000"/>
+              </a:srgbClr>
+            </a:outerShdw>
+          </a:effectLst>
+        </p:spPr>
+        <p:txBody>
+          <a:bodyPr rot="0" spcFirstLastPara="0" vertOverflow="overflow" horzOverflow="overflow" vert="horz" wrap="square" lIns="121851" tIns="60925" rIns="121851" bIns="60925" numCol="1" spcCol="0" rtlCol="0" fromWordArt="0" anchor="ctr" anchorCtr="0" forceAA="0" compatLnSpc="1">
+            <a:prstTxWarp prst="textNoShape">
+              <a:avLst/>
+            </a:prstTxWarp>
+            <a:noAutofit/>
+          </a:bodyPr>
+          <a:lstStyle/>
+          <a:p>
+            <a:pPr algn="ctr"/>
+            <a:r>
+              <a:rPr lang="en-US" sz="2000" dirty="0">
+                <a:solidFill>
+                  <a:schemeClr val="tx2">
+                    <a:lumMod val="20000"/>
+                    <a:lumOff val="80000"/>
+                  </a:schemeClr>
+                </a:solidFill>
+              </a:rPr>
+              <a:t>Clean code</a:t>
+            </a:r>
+          </a:p>
+          <a:p>
+            <a:pPr algn="ctr"/>
+            <a:r>
+              <a:rPr lang="en-US" sz="2000" dirty="0">
+                <a:solidFill>
+                  <a:schemeClr val="tx2">
+                    <a:lumMod val="20000"/>
+                    <a:lumOff val="80000"/>
+                  </a:schemeClr>
+                </a:solidFill>
+              </a:rPr>
+              <a:t>Documentation</a:t>
+            </a:r>
+          </a:p>
+          <a:p>
+            <a:pPr algn="ctr"/>
+            <a:r>
+              <a:rPr lang="en-US" sz="2000" dirty="0">
+                <a:solidFill>
+                  <a:schemeClr val="tx2">
+                    <a:lumMod val="20000"/>
+                    <a:lumOff val="80000"/>
+                  </a:schemeClr>
+                </a:solidFill>
+              </a:rPr>
+              <a:t>Comprehensive testing</a:t>
+            </a:r>
+          </a:p>
+        </p:txBody>
+      </p:sp>
+      <p:sp>
+        <p:nvSpPr>
+          <p:cNvPr id="8" name="Rounded Rectangle 7">
+            <a:extLst>
+              <a:ext uri="{FF2B5EF4-FFF2-40B4-BE49-F238E27FC236}">
+                <a16:creationId xmlns:a16="http://schemas.microsoft.com/office/drawing/2014/main" id="{3899DF7C-0BE0-0843-BC05-770FAC03F6BE}"/>
               </a:ext>
             </a:extLst>
           </p:cNvPr>
@@ -25174,7 +25017,7 @@
     </p:spTree>
     <p:extLst>
       <p:ext uri="{BB962C8B-B14F-4D97-AF65-F5344CB8AC3E}">
-        <p14:creationId xmlns:p14="http://schemas.microsoft.com/office/powerpoint/2010/main" val="10116526"/>
+        <p14:creationId xmlns:p14="http://schemas.microsoft.com/office/powerpoint/2010/main" val="197705695"/>
       </p:ext>
     </p:extLst>
   </p:cSld>
@@ -26097,6 +25940,21 @@
 </file>
 
 <file path=customXml/item1.xml><?xml version="1.0" encoding="utf-8"?>
+<p:properties xmlns:p="http://schemas.microsoft.com/office/2006/metadata/properties" xmlns:xsi="http://www.w3.org/2001/XMLSchema-instance" xmlns:pc="http://schemas.microsoft.com/office/infopath/2007/PartnerControls">
+  <documentManagement/>
+</p:properties>
+</file>
+
+<file path=customXml/item2.xml><?xml version="1.0" encoding="utf-8"?>
+<?mso-contentType ?>
+<FormTemplates xmlns="http://schemas.microsoft.com/sharepoint/v3/contenttype/forms">
+  <Display>DocumentLibraryForm</Display>
+  <Edit>DocumentLibraryForm</Edit>
+  <New>DocumentLibraryForm</New>
+</FormTemplates>
+</file>
+
+<file path=customXml/item3.xml><?xml version="1.0" encoding="utf-8"?>
 <ct:contentTypeSchema xmlns:ct="http://schemas.microsoft.com/office/2006/metadata/contentType" xmlns:ma="http://schemas.microsoft.com/office/2006/metadata/properties/metaAttributes" ct:_="" ma:_="" ma:contentTypeName="Document" ma:contentTypeID="0x010100565464437F680748A68B85EB6594EA7D" ma:contentTypeVersion="0" ma:contentTypeDescription="Create a new document." ma:contentTypeScope="" ma:versionID="fe3f4dd58d5914c51cfc6deaa8ad845c">
   <xsd:schema xmlns:xsd="http://www.w3.org/2001/XMLSchema" xmlns:p="http://schemas.microsoft.com/office/2006/metadata/properties" targetNamespace="http://schemas.microsoft.com/office/2006/metadata/properties" ma:root="true" ma:fieldsID="4aeb20c0e3442673af7ee10786458764">
     <xsd:element name="properties">
@@ -26145,32 +26003,17 @@
 </ct:contentTypeSchema>
 </file>
 
-<file path=customXml/item2.xml><?xml version="1.0" encoding="utf-8"?>
-<?mso-contentType ?>
-<FormTemplates xmlns="http://schemas.microsoft.com/sharepoint/v3/contenttype/forms">
-  <Display>DocumentLibraryForm</Display>
-  <Edit>DocumentLibraryForm</Edit>
-  <New>DocumentLibraryForm</New>
-</FormTemplates>
-</file>
-
-<file path=customXml/item3.xml><?xml version="1.0" encoding="utf-8"?>
-<p:properties xmlns:p="http://schemas.microsoft.com/office/2006/metadata/properties" xmlns:xsi="http://www.w3.org/2001/XMLSchema-instance" xmlns:pc="http://schemas.microsoft.com/office/infopath/2007/PartnerControls">
-  <documentManagement/>
-</p:properties>
-</file>
-
 <file path=customXml/itemProps1.xml><?xml version="1.0" encoding="utf-8"?>
-<ds:datastoreItem xmlns:ds="http://schemas.openxmlformats.org/officeDocument/2006/customXml" ds:itemID="{E8DB7DEB-074E-4EE8-9B6E-FD277323109C}">
+<ds:datastoreItem xmlns:ds="http://schemas.openxmlformats.org/officeDocument/2006/customXml" ds:itemID="{A50EC660-24D0-43A0-AE5E-E274115E726B}">
   <ds:schemaRefs>
-    <ds:schemaRef ds:uri="http://schemas.microsoft.com/office/2006/metadata/contentType"/>
-    <ds:schemaRef ds:uri="http://schemas.microsoft.com/office/2006/metadata/properties/metaAttributes"/>
-    <ds:schemaRef ds:uri="http://www.w3.org/2001/XMLSchema"/>
+    <ds:schemaRef ds:uri="http://purl.org/dc/terms/"/>
+    <ds:schemaRef ds:uri="http://schemas.openxmlformats.org/package/2006/metadata/core-properties"/>
+    <ds:schemaRef ds:uri="http://schemas.microsoft.com/office/2006/documentManagement/types"/>
+    <ds:schemaRef ds:uri="http://purl.org/dc/elements/1.1/"/>
     <ds:schemaRef ds:uri="http://schemas.microsoft.com/office/2006/metadata/properties"/>
-    <ds:schemaRef ds:uri="http://schemas.openxmlformats.org/package/2006/metadata/core-properties"/>
-    <ds:schemaRef ds:uri="http://purl.org/dc/elements/1.1/"/>
-    <ds:schemaRef ds:uri="http://purl.org/dc/terms/"/>
-    <ds:schemaRef ds:uri="http://schemas.microsoft.com/office/internal/2005/internalDocumentation"/>
+    <ds:schemaRef ds:uri="http://www.w3.org/XML/1998/namespace"/>
+    <ds:schemaRef ds:uri="http://purl.org/dc/dcmitype/"/>
+    <ds:schemaRef ds:uri="http://schemas.microsoft.com/office/infopath/2007/PartnerControls"/>
   </ds:schemaRefs>
 </ds:datastoreItem>
 </file>
@@ -26184,16 +26027,16 @@
 </file>
 
 <file path=customXml/itemProps3.xml><?xml version="1.0" encoding="utf-8"?>
-<ds:datastoreItem xmlns:ds="http://schemas.openxmlformats.org/officeDocument/2006/customXml" ds:itemID="{A50EC660-24D0-43A0-AE5E-E274115E726B}">
+<ds:datastoreItem xmlns:ds="http://schemas.openxmlformats.org/officeDocument/2006/customXml" ds:itemID="{E8DB7DEB-074E-4EE8-9B6E-FD277323109C}">
   <ds:schemaRefs>
+    <ds:schemaRef ds:uri="http://schemas.microsoft.com/office/2006/metadata/contentType"/>
+    <ds:schemaRef ds:uri="http://schemas.microsoft.com/office/2006/metadata/properties/metaAttributes"/>
+    <ds:schemaRef ds:uri="http://www.w3.org/2001/XMLSchema"/>
+    <ds:schemaRef ds:uri="http://schemas.microsoft.com/office/2006/metadata/properties"/>
+    <ds:schemaRef ds:uri="http://schemas.openxmlformats.org/package/2006/metadata/core-properties"/>
+    <ds:schemaRef ds:uri="http://purl.org/dc/elements/1.1/"/>
     <ds:schemaRef ds:uri="http://purl.org/dc/terms/"/>
-    <ds:schemaRef ds:uri="http://schemas.openxmlformats.org/package/2006/metadata/core-properties"/>
-    <ds:schemaRef ds:uri="http://schemas.microsoft.com/office/2006/documentManagement/types"/>
-    <ds:schemaRef ds:uri="http://purl.org/dc/elements/1.1/"/>
-    <ds:schemaRef ds:uri="http://schemas.microsoft.com/office/2006/metadata/properties"/>
-    <ds:schemaRef ds:uri="http://www.w3.org/XML/1998/namespace"/>
-    <ds:schemaRef ds:uri="http://purl.org/dc/dcmitype/"/>
-    <ds:schemaRef ds:uri="http://schemas.microsoft.com/office/infopath/2007/PartnerControls"/>
+    <ds:schemaRef ds:uri="http://schemas.microsoft.com/office/internal/2005/internalDocumentation"/>
   </ds:schemaRefs>
 </ds:datastoreItem>
 </file>
--- a/04-design.pptx
+++ b/04-design.pptx
@@ -5,10 +5,10 @@
     <p:sldMasterId id="2147483935" r:id="rId4"/>
   </p:sldMasterIdLst>
   <p:notesMasterIdLst>
-    <p:notesMasterId r:id="rId34"/>
+    <p:notesMasterId r:id="rId30"/>
   </p:notesMasterIdLst>
   <p:handoutMasterIdLst>
-    <p:handoutMasterId r:id="rId35"/>
+    <p:handoutMasterId r:id="rId31"/>
   </p:handoutMasterIdLst>
   <p:sldIdLst>
     <p:sldId id="318" r:id="rId5"/>
@@ -26,20 +26,16 @@
     <p:sldId id="596" r:id="rId17"/>
     <p:sldId id="597" r:id="rId18"/>
     <p:sldId id="598" r:id="rId19"/>
-    <p:sldId id="563" r:id="rId20"/>
-    <p:sldId id="605" r:id="rId21"/>
-    <p:sldId id="614" r:id="rId22"/>
-    <p:sldId id="603" r:id="rId23"/>
-    <p:sldId id="604" r:id="rId24"/>
-    <p:sldId id="607" r:id="rId25"/>
-    <p:sldId id="608" r:id="rId26"/>
-    <p:sldId id="601" r:id="rId27"/>
-    <p:sldId id="609" r:id="rId28"/>
-    <p:sldId id="569" r:id="rId29"/>
-    <p:sldId id="602" r:id="rId30"/>
-    <p:sldId id="573" r:id="rId31"/>
-    <p:sldId id="570" r:id="rId32"/>
-    <p:sldId id="571" r:id="rId33"/>
+    <p:sldId id="570" r:id="rId20"/>
+    <p:sldId id="563" r:id="rId21"/>
+    <p:sldId id="605" r:id="rId22"/>
+    <p:sldId id="614" r:id="rId23"/>
+    <p:sldId id="603" r:id="rId24"/>
+    <p:sldId id="604" r:id="rId25"/>
+    <p:sldId id="607" r:id="rId26"/>
+    <p:sldId id="608" r:id="rId27"/>
+    <p:sldId id="601" r:id="rId28"/>
+    <p:sldId id="571" r:id="rId29"/>
   </p:sldIdLst>
   <p:sldSz cx="12188825" cy="6858000"/>
   <p:notesSz cx="7010400" cy="9296400"/>
@@ -283,7 +279,7 @@
           <a:p>
             <a:fld id="{0B842F42-2CE9-4E35-95C1-410DC08A50B1}" type="datetimeFigureOut">
               <a:rPr lang="en-US" smtClean="0"/>
-              <a:t>8/2/2020</a:t>
+              <a:t>10/23/20</a:t>
             </a:fld>
             <a:endParaRPr lang="en-US"/>
           </a:p>
@@ -448,7 +444,7 @@
           <a:p>
             <a:fld id="{6F282904-F315-4730-8D91-37D99E141A6F}" type="datetimeFigureOut">
               <a:rPr lang="en-US" smtClean="0"/>
-              <a:t>8/2/2020</a:t>
+              <a:t>10/23/20</a:t>
             </a:fld>
             <a:endParaRPr lang="en-US"/>
           </a:p>
@@ -783,7 +779,7 @@
           <a:p>
             <a:fld id="{54E672D7-8E2D-4611-973D-F4591A707C34}" type="slidenum">
               <a:rPr lang="en-US" smtClean="0"/>
-              <a:t>20</a:t>
+              <a:t>21</a:t>
             </a:fld>
             <a:endParaRPr lang="en-US"/>
           </a:p>
@@ -889,7 +885,7 @@
           <a:p>
             <a:fld id="{6E363A66-168C-0143-BD3D-B116B7B003A5}" type="slidenum">
               <a:rPr lang="en-US" smtClean="0"/>
-              <a:t>23</a:t>
+              <a:t>24</a:t>
             </a:fld>
             <a:endParaRPr lang="en-US"/>
           </a:p>
@@ -899,174 +895,6 @@
     <p:extLst>
       <p:ext uri="{BB962C8B-B14F-4D97-AF65-F5344CB8AC3E}">
         <p14:creationId xmlns:p14="http://schemas.microsoft.com/office/powerpoint/2010/main" val="2685824231"/>
-      </p:ext>
-    </p:extLst>
-  </p:cSld>
-  <p:clrMapOvr>
-    <a:masterClrMapping/>
-  </p:clrMapOvr>
-</p:notes>
-</file>
-
-<file path=ppt/notesSlides/notesSlide3.xml><?xml version="1.0" encoding="utf-8"?>
-<p:notes xmlns:a="http://schemas.openxmlformats.org/drawingml/2006/main" xmlns:r="http://schemas.openxmlformats.org/officeDocument/2006/relationships" xmlns:p="http://schemas.openxmlformats.org/presentationml/2006/main">
-  <p:cSld>
-    <p:spTree>
-      <p:nvGrpSpPr>
-        <p:cNvPr id="1" name=""/>
-        <p:cNvGrpSpPr/>
-        <p:nvPr/>
-      </p:nvGrpSpPr>
-      <p:grpSpPr>
-        <a:xfrm>
-          <a:off x="0" y="0"/>
-          <a:ext cx="0" cy="0"/>
-          <a:chOff x="0" y="0"/>
-          <a:chExt cx="0" cy="0"/>
-        </a:xfrm>
-      </p:grpSpPr>
-      <p:sp>
-        <p:nvSpPr>
-          <p:cNvPr id="2" name="Slide Image Placeholder 1"/>
-          <p:cNvSpPr>
-            <a:spLocks noGrp="1" noRot="1" noChangeAspect="1"/>
-          </p:cNvSpPr>
-          <p:nvPr>
-            <p:ph type="sldImg"/>
-          </p:nvPr>
-        </p:nvSpPr>
-        <p:spPr/>
-      </p:sp>
-      <p:sp>
-        <p:nvSpPr>
-          <p:cNvPr id="3" name="Notes Placeholder 2"/>
-          <p:cNvSpPr>
-            <a:spLocks noGrp="1"/>
-          </p:cNvSpPr>
-          <p:nvPr>
-            <p:ph type="body" idx="1"/>
-          </p:nvPr>
-        </p:nvSpPr>
-        <p:spPr/>
-        <p:txBody>
-          <a:bodyPr/>
-          <a:lstStyle/>
-          <a:p>
-            <a:endParaRPr lang="en-US" dirty="0"/>
-          </a:p>
-        </p:txBody>
-      </p:sp>
-      <p:sp>
-        <p:nvSpPr>
-          <p:cNvPr id="4" name="Slide Number Placeholder 3"/>
-          <p:cNvSpPr>
-            <a:spLocks noGrp="1"/>
-          </p:cNvSpPr>
-          <p:nvPr>
-            <p:ph type="sldNum" sz="quarter" idx="10"/>
-          </p:nvPr>
-        </p:nvSpPr>
-        <p:spPr/>
-        <p:txBody>
-          <a:bodyPr/>
-          <a:lstStyle/>
-          <a:p>
-            <a:fld id="{6E363A66-168C-0143-BD3D-B116B7B003A5}" type="slidenum">
-              <a:rPr lang="en-US" smtClean="0"/>
-              <a:t>26</a:t>
-            </a:fld>
-            <a:endParaRPr lang="en-US"/>
-          </a:p>
-        </p:txBody>
-      </p:sp>
-    </p:spTree>
-    <p:extLst>
-      <p:ext uri="{BB962C8B-B14F-4D97-AF65-F5344CB8AC3E}">
-        <p14:creationId xmlns:p14="http://schemas.microsoft.com/office/powerpoint/2010/main" val="2076020360"/>
-      </p:ext>
-    </p:extLst>
-  </p:cSld>
-  <p:clrMapOvr>
-    <a:masterClrMapping/>
-  </p:clrMapOvr>
-</p:notes>
-</file>
-
-<file path=ppt/notesSlides/notesSlide4.xml><?xml version="1.0" encoding="utf-8"?>
-<p:notes xmlns:a="http://schemas.openxmlformats.org/drawingml/2006/main" xmlns:r="http://schemas.openxmlformats.org/officeDocument/2006/relationships" xmlns:p="http://schemas.openxmlformats.org/presentationml/2006/main">
-  <p:cSld>
-    <p:spTree>
-      <p:nvGrpSpPr>
-        <p:cNvPr id="1" name=""/>
-        <p:cNvGrpSpPr/>
-        <p:nvPr/>
-      </p:nvGrpSpPr>
-      <p:grpSpPr>
-        <a:xfrm>
-          <a:off x="0" y="0"/>
-          <a:ext cx="0" cy="0"/>
-          <a:chOff x="0" y="0"/>
-          <a:chExt cx="0" cy="0"/>
-        </a:xfrm>
-      </p:grpSpPr>
-      <p:sp>
-        <p:nvSpPr>
-          <p:cNvPr id="2" name="Slide Image Placeholder 1"/>
-          <p:cNvSpPr>
-            <a:spLocks noGrp="1" noRot="1" noChangeAspect="1"/>
-          </p:cNvSpPr>
-          <p:nvPr>
-            <p:ph type="sldImg"/>
-          </p:nvPr>
-        </p:nvSpPr>
-        <p:spPr/>
-      </p:sp>
-      <p:sp>
-        <p:nvSpPr>
-          <p:cNvPr id="3" name="Notes Placeholder 2"/>
-          <p:cNvSpPr>
-            <a:spLocks noGrp="1"/>
-          </p:cNvSpPr>
-          <p:nvPr>
-            <p:ph type="body" idx="1"/>
-          </p:nvPr>
-        </p:nvSpPr>
-        <p:spPr/>
-        <p:txBody>
-          <a:bodyPr/>
-          <a:lstStyle/>
-          <a:p>
-            <a:endParaRPr lang="en-US" dirty="0"/>
-          </a:p>
-        </p:txBody>
-      </p:sp>
-      <p:sp>
-        <p:nvSpPr>
-          <p:cNvPr id="4" name="Slide Number Placeholder 3"/>
-          <p:cNvSpPr>
-            <a:spLocks noGrp="1"/>
-          </p:cNvSpPr>
-          <p:nvPr>
-            <p:ph type="sldNum" sz="quarter" idx="10"/>
-          </p:nvPr>
-        </p:nvSpPr>
-        <p:spPr/>
-        <p:txBody>
-          <a:bodyPr/>
-          <a:lstStyle/>
-          <a:p>
-            <a:fld id="{6E363A66-168C-0143-BD3D-B116B7B003A5}" type="slidenum">
-              <a:rPr lang="en-US" smtClean="0"/>
-              <a:t>27</a:t>
-            </a:fld>
-            <a:endParaRPr lang="en-US"/>
-          </a:p>
-        </p:txBody>
-      </p:sp>
-    </p:spTree>
-    <p:extLst>
-      <p:ext uri="{BB962C8B-B14F-4D97-AF65-F5344CB8AC3E}">
-        <p14:creationId xmlns:p14="http://schemas.microsoft.com/office/powerpoint/2010/main" val="1364749127"/>
       </p:ext>
     </p:extLst>
   </p:cSld>
@@ -1893,7 +1721,7 @@
           <a:noFill/>
           <a:extLst>
             <a:ext uri="{909E8E84-426E-40dd-AFC4-6F175D3DCCD1}">
-              <a14:hiddenFill xmlns="" xmlns:a14="http://schemas.microsoft.com/office/drawing/2010/main">
+              <a14:hiddenFill xmlns:a14="http://schemas.microsoft.com/office/drawing/2010/main" xmlns="">
                 <a:solidFill>
                   <a:srgbClr val="FFFFFF"/>
                 </a:solidFill>
@@ -2047,7 +1875,7 @@
           <a:noFill/>
           <a:extLst>
             <a:ext uri="{909E8E84-426E-40dd-AFC4-6F175D3DCCD1}">
-              <a14:hiddenFill xmlns="" xmlns:a14="http://schemas.microsoft.com/office/drawing/2010/main">
+              <a14:hiddenFill xmlns:a14="http://schemas.microsoft.com/office/drawing/2010/main" xmlns="">
                 <a:solidFill>
                   <a:srgbClr val="FFFFFF"/>
                 </a:solidFill>
@@ -5570,9 +5398,20 @@
               </a:spcBef>
             </a:pPr>
             <a:r>
+              <a:rPr lang="en-US" sz="2000" b="1" dirty="0"/>
+              <a:t>Better Scientific Software Tutorial, SC20, November 2020</a:t>
+            </a:r>
+            <a:br>
               <a:rPr lang="en-US" sz="2000" dirty="0"/>
-              <a:t>Software Productivity Track, ATPESC 2020</a:t>
-            </a:r>
+            </a:br>
+            <a:endParaRPr lang="en-US" sz="2000" dirty="0"/>
+          </a:p>
+          <a:p>
+            <a:pPr>
+              <a:spcBef>
+                <a:spcPts val="2400"/>
+              </a:spcBef>
+            </a:pPr>
             <a:br>
               <a:rPr lang="en-US" sz="2000" dirty="0"/>
             </a:br>
@@ -5713,6 +5552,14 @@
   <p:clrMapOvr>
     <a:masterClrMapping/>
   </p:clrMapOvr>
+  <mc:AlternateContent xmlns:mc="http://schemas.openxmlformats.org/markup-compatibility/2006" xmlns:p14="http://schemas.microsoft.com/office/powerpoint/2010/main">
+    <mc:Choice Requires="p14">
+      <p:transition spd="slow" p14:dur="2000" advTm="20927"/>
+    </mc:Choice>
+    <mc:Fallback xmlns="">
+      <p:transition spd="slow" advTm="20927"/>
+    </mc:Fallback>
+  </mc:AlternateContent>
 </p:sld>
 </file>
 
@@ -6161,6 +6008,14 @@
   <p:clrMapOvr>
     <a:masterClrMapping/>
   </p:clrMapOvr>
+  <mc:AlternateContent xmlns:mc="http://schemas.openxmlformats.org/markup-compatibility/2006" xmlns:p14="http://schemas.microsoft.com/office/powerpoint/2010/main">
+    <mc:Choice Requires="p14">
+      <p:transition spd="slow" p14:dur="2000" advTm="39311"/>
+    </mc:Choice>
+    <mc:Fallback xmlns="">
+      <p:transition spd="slow" advTm="39311"/>
+    </mc:Fallback>
+  </mc:AlternateContent>
 </p:sld>
 </file>
 
@@ -6408,6 +6263,14 @@
   <p:clrMapOvr>
     <a:masterClrMapping/>
   </p:clrMapOvr>
+  <mc:AlternateContent xmlns:mc="http://schemas.openxmlformats.org/markup-compatibility/2006" xmlns:p14="http://schemas.microsoft.com/office/powerpoint/2010/main">
+    <mc:Choice Requires="p14">
+      <p:transition spd="slow" p14:dur="2000" advTm="69150"/>
+    </mc:Choice>
+    <mc:Fallback xmlns="">
+      <p:transition spd="slow" advTm="69150"/>
+    </mc:Fallback>
+  </mc:AlternateContent>
 </p:sld>
 </file>
 
@@ -6713,6 +6576,14 @@
   <p:clrMapOvr>
     <a:masterClrMapping/>
   </p:clrMapOvr>
+  <mc:AlternateContent xmlns:mc="http://schemas.openxmlformats.org/markup-compatibility/2006" xmlns:p14="http://schemas.microsoft.com/office/powerpoint/2010/main">
+    <mc:Choice Requires="p14">
+      <p:transition spd="slow" p14:dur="2000" advTm="5350"/>
+    </mc:Choice>
+    <mc:Fallback xmlns="">
+      <p:transition spd="slow" advTm="5350"/>
+    </mc:Fallback>
+  </mc:AlternateContent>
 </p:sld>
 </file>
 
@@ -7149,6 +7020,14 @@
   <p:clrMapOvr>
     <a:masterClrMapping/>
   </p:clrMapOvr>
+  <mc:AlternateContent xmlns:mc="http://schemas.openxmlformats.org/markup-compatibility/2006" xmlns:p14="http://schemas.microsoft.com/office/powerpoint/2010/main">
+    <mc:Choice Requires="p14">
+      <p:transition spd="slow" p14:dur="2000" advTm="66884"/>
+    </mc:Choice>
+    <mc:Fallback xmlns="">
+      <p:transition spd="slow" advTm="66884"/>
+    </mc:Fallback>
+  </mc:AlternateContent>
 </p:sld>
 </file>
 
@@ -7643,6 +7522,14 @@
   <p:clrMapOvr>
     <a:masterClrMapping/>
   </p:clrMapOvr>
+  <mc:AlternateContent xmlns:mc="http://schemas.openxmlformats.org/markup-compatibility/2006" xmlns:p14="http://schemas.microsoft.com/office/powerpoint/2010/main">
+    <mc:Choice Requires="p14">
+      <p:transition spd="slow" p14:dur="2000" advTm="13592"/>
+    </mc:Choice>
+    <mc:Fallback xmlns="">
+      <p:transition spd="slow" advTm="13592"/>
+    </mc:Fallback>
+  </mc:AlternateContent>
 </p:sld>
 </file>
 
@@ -8696,10 +8583,286 @@
   <p:clrMapOvr>
     <a:masterClrMapping/>
   </p:clrMapOvr>
+  <mc:AlternateContent xmlns:mc="http://schemas.openxmlformats.org/markup-compatibility/2006" xmlns:p14="http://schemas.microsoft.com/office/powerpoint/2010/main">
+    <mc:Choice Requires="p14">
+      <p:transition spd="slow" p14:dur="2000" advTm="50103"/>
+    </mc:Choice>
+    <mc:Fallback xmlns="">
+      <p:transition spd="slow" advTm="50103"/>
+    </mc:Fallback>
+  </mc:AlternateContent>
 </p:sld>
 </file>
 
 <file path=ppt/slides/slide16.xml><?xml version="1.0" encoding="utf-8"?>
+<p:sld xmlns:a="http://schemas.openxmlformats.org/drawingml/2006/main" xmlns:r="http://schemas.openxmlformats.org/officeDocument/2006/relationships" xmlns:p="http://schemas.openxmlformats.org/presentationml/2006/main">
+  <p:cSld>
+    <p:spTree>
+      <p:nvGrpSpPr>
+        <p:cNvPr id="1" name=""/>
+        <p:cNvGrpSpPr/>
+        <p:nvPr/>
+      </p:nvGrpSpPr>
+      <p:grpSpPr>
+        <a:xfrm>
+          <a:off x="0" y="0"/>
+          <a:ext cx="0" cy="0"/>
+          <a:chOff x="0" y="0"/>
+          <a:chExt cx="0" cy="0"/>
+        </a:xfrm>
+      </p:grpSpPr>
+      <p:sp>
+        <p:nvSpPr>
+          <p:cNvPr id="51203" name="Title 1"/>
+          <p:cNvSpPr>
+            <a:spLocks noGrp="1"/>
+          </p:cNvSpPr>
+          <p:nvPr>
+            <p:ph type="title"/>
+          </p:nvPr>
+        </p:nvSpPr>
+        <p:spPr>
+          <a:xfrm>
+            <a:off x="1067268" y="220141"/>
+            <a:ext cx="7772400" cy="674688"/>
+          </a:xfrm>
+        </p:spPr>
+        <p:txBody>
+          <a:bodyPr>
+            <a:noAutofit/>
+          </a:bodyPr>
+          <a:lstStyle/>
+          <a:p>
+            <a:r>
+              <a:rPr lang="en-US" sz="4000" dirty="0"/>
+              <a:t>Other Considerations</a:t>
+            </a:r>
+          </a:p>
+        </p:txBody>
+      </p:sp>
+      <p:sp>
+        <p:nvSpPr>
+          <p:cNvPr id="51202" name="Content Placeholder 3"/>
+          <p:cNvSpPr>
+            <a:spLocks noGrp="1"/>
+          </p:cNvSpPr>
+          <p:nvPr>
+            <p:ph sz="half" idx="1"/>
+          </p:nvPr>
+        </p:nvSpPr>
+        <p:spPr>
+          <a:xfrm>
+            <a:off x="693175" y="1047135"/>
+            <a:ext cx="10146890" cy="3936736"/>
+          </a:xfrm>
+        </p:spPr>
+        <p:txBody>
+          <a:bodyPr>
+            <a:normAutofit fontScale="92500"/>
+          </a:bodyPr>
+          <a:lstStyle/>
+          <a:p>
+            <a:r>
+              <a:rPr lang="en-US" dirty="0"/>
+              <a:t>Leverage existing software</a:t>
+            </a:r>
+          </a:p>
+          <a:p>
+            <a:pPr lvl="1"/>
+            <a:r>
+              <a:rPr lang="en-US" dirty="0"/>
+              <a:t>Libraries may have better solvers </a:t>
+            </a:r>
+          </a:p>
+          <a:p>
+            <a:pPr lvl="2"/>
+            <a:r>
+              <a:rPr lang="en-US" dirty="0"/>
+              <a:t>Off-load expertise and maintenance</a:t>
+            </a:r>
+          </a:p>
+          <a:p>
+            <a:pPr lvl="1"/>
+            <a:r>
+              <a:rPr lang="en-US" dirty="0"/>
+              <a:t>Examine the interoperability constraints</a:t>
+            </a:r>
+          </a:p>
+          <a:p>
+            <a:pPr lvl="2"/>
+            <a:r>
+              <a:rPr lang="en-US" dirty="0"/>
+              <a:t>Many times the cost is justified even if there is more data movement</a:t>
+            </a:r>
+          </a:p>
+          <a:p>
+            <a:r>
+              <a:rPr lang="en-US" dirty="0"/>
+              <a:t>More available packages are attempting to achieve interoperability</a:t>
+            </a:r>
+          </a:p>
+          <a:p>
+            <a:pPr lvl="1"/>
+            <a:r>
+              <a:rPr lang="en-US" dirty="0"/>
+              <a:t>See if a combination meets your requirements</a:t>
+            </a:r>
+          </a:p>
+          <a:p>
+            <a:r>
+              <a:rPr lang="en-US" dirty="0"/>
+              <a:t>May be worthwhile to let the library dictate data layout if the corresponding operations dominate</a:t>
+            </a:r>
+          </a:p>
+        </p:txBody>
+      </p:sp>
+      <p:sp>
+        <p:nvSpPr>
+          <p:cNvPr id="2" name="Rectangle 1"/>
+          <p:cNvSpPr/>
+          <p:nvPr/>
+        </p:nvSpPr>
+        <p:spPr>
+          <a:xfrm>
+            <a:off x="693174" y="4983871"/>
+            <a:ext cx="10146891" cy="826994"/>
+          </a:xfrm>
+          <a:prstGeom prst="rect">
+            <a:avLst/>
+          </a:prstGeom>
+          <a:solidFill>
+            <a:schemeClr val="tx2">
+              <a:lumMod val="60000"/>
+              <a:lumOff val="40000"/>
+            </a:schemeClr>
+          </a:solidFill>
+        </p:spPr>
+        <p:style>
+          <a:lnRef idx="1">
+            <a:schemeClr val="accent1"/>
+          </a:lnRef>
+          <a:fillRef idx="3">
+            <a:schemeClr val="accent1"/>
+          </a:fillRef>
+          <a:effectRef idx="2">
+            <a:schemeClr val="accent1"/>
+          </a:effectRef>
+          <a:fontRef idx="minor">
+            <a:schemeClr val="lt1"/>
+          </a:fontRef>
+        </p:style>
+        <p:txBody>
+          <a:bodyPr rtlCol="0" anchor="ctr"/>
+          <a:lstStyle/>
+          <a:p>
+            <a:pPr algn="ctr"/>
+            <a:r>
+              <a:rPr lang="en-US" sz="3200" dirty="0">
+                <a:solidFill>
+                  <a:schemeClr val="tx1"/>
+                </a:solidFill>
+              </a:rPr>
+              <a:t>Institute a rigorous verification regime at the outset</a:t>
+            </a:r>
+          </a:p>
+        </p:txBody>
+      </p:sp>
+    </p:spTree>
+    <p:custDataLst>
+      <p:tags r:id="rId1"/>
+    </p:custDataLst>
+    <p:extLst>
+      <p:ext uri="{BB962C8B-B14F-4D97-AF65-F5344CB8AC3E}">
+        <p14:creationId xmlns:p14="http://schemas.microsoft.com/office/powerpoint/2010/main" val="435531034"/>
+      </p:ext>
+    </p:extLst>
+  </p:cSld>
+  <p:clrMapOvr>
+    <a:masterClrMapping/>
+  </p:clrMapOvr>
+  <p:transition advTm="205172"/>
+  <p:timing>
+    <p:tnLst>
+      <p:par>
+        <p:cTn id="1" dur="indefinite" restart="never" nodeType="tmRoot">
+          <p:childTnLst>
+            <p:seq concurrent="1" nextAc="seek">
+              <p:cTn id="2" dur="indefinite" nodeType="mainSeq">
+                <p:childTnLst>
+                  <p:par>
+                    <p:cTn id="3" fill="hold">
+                      <p:stCondLst>
+                        <p:cond delay="indefinite"/>
+                      </p:stCondLst>
+                      <p:childTnLst>
+                        <p:par>
+                          <p:cTn id="4" fill="hold">
+                            <p:stCondLst>
+                              <p:cond delay="0"/>
+                            </p:stCondLst>
+                            <p:childTnLst>
+                              <p:par>
+                                <p:cTn id="5" presetID="1" presetClass="entr" presetSubtype="0" fill="hold" grpId="0" nodeType="clickEffect">
+                                  <p:stCondLst>
+                                    <p:cond delay="0"/>
+                                  </p:stCondLst>
+                                  <p:childTnLst>
+                                    <p:set>
+                                      <p:cBhvr>
+                                        <p:cTn id="6" dur="1" fill="hold">
+                                          <p:stCondLst>
+                                            <p:cond delay="0"/>
+                                          </p:stCondLst>
+                                        </p:cTn>
+                                        <p:tgtEl>
+                                          <p:spTgt spid="2"/>
+                                        </p:tgtEl>
+                                        <p:attrNameLst>
+                                          <p:attrName>style.visibility</p:attrName>
+                                        </p:attrNameLst>
+                                      </p:cBhvr>
+                                      <p:to>
+                                        <p:strVal val="visible"/>
+                                      </p:to>
+                                    </p:set>
+                                  </p:childTnLst>
+                                </p:cTn>
+                              </p:par>
+                            </p:childTnLst>
+                          </p:cTn>
+                        </p:par>
+                      </p:childTnLst>
+                    </p:cTn>
+                  </p:par>
+                </p:childTnLst>
+              </p:cTn>
+              <p:prevCondLst>
+                <p:cond evt="onPrev" delay="0">
+                  <p:tgtEl>
+                    <p:sldTgt/>
+                  </p:tgtEl>
+                </p:cond>
+              </p:prevCondLst>
+              <p:nextCondLst>
+                <p:cond evt="onNext" delay="0">
+                  <p:tgtEl>
+                    <p:sldTgt/>
+                  </p:tgtEl>
+                </p:cond>
+              </p:nextCondLst>
+            </p:seq>
+          </p:childTnLst>
+        </p:cTn>
+      </p:par>
+    </p:tnLst>
+    <p:bldLst>
+      <p:bldP spid="2" grpId="0" animBg="1"/>
+    </p:bldLst>
+  </p:timing>
+</p:sld>
+</file>
+
+<file path=ppt/slides/slide17.xml><?xml version="1.0" encoding="utf-8"?>
 <p:sld xmlns:a="http://schemas.openxmlformats.org/drawingml/2006/main" xmlns:r="http://schemas.openxmlformats.org/officeDocument/2006/relationships" xmlns:p="http://schemas.openxmlformats.org/presentationml/2006/main">
   <p:cSld>
     <p:spTree>
@@ -9873,465 +10036,14 @@
   <p:clrMapOvr>
     <a:masterClrMapping/>
   </p:clrMapOvr>
-</p:sld>
-</file>
-
-<file path=ppt/slides/slide17.xml><?xml version="1.0" encoding="utf-8"?>
-<p:sld xmlns:a="http://schemas.openxmlformats.org/drawingml/2006/main" xmlns:r="http://schemas.openxmlformats.org/officeDocument/2006/relationships" xmlns:p="http://schemas.openxmlformats.org/presentationml/2006/main">
-  <p:cSld>
-    <p:spTree>
-      <p:nvGrpSpPr>
-        <p:cNvPr id="1" name=""/>
-        <p:cNvGrpSpPr/>
-        <p:nvPr/>
-      </p:nvGrpSpPr>
-      <p:grpSpPr>
-        <a:xfrm>
-          <a:off x="0" y="0"/>
-          <a:ext cx="0" cy="0"/>
-          <a:chOff x="0" y="0"/>
-          <a:chExt cx="0" cy="0"/>
-        </a:xfrm>
-      </p:grpSpPr>
-      <p:sp>
-        <p:nvSpPr>
-          <p:cNvPr id="10" name="Rectangle 9">
-            <a:extLst>
-              <a:ext uri="{FF2B5EF4-FFF2-40B4-BE49-F238E27FC236}">
-                <a16:creationId xmlns:a16="http://schemas.microsoft.com/office/drawing/2014/main" id="{3E7EC149-0D6E-EA43-BEFD-0D592A41CAD3}"/>
-              </a:ext>
-            </a:extLst>
-          </p:cNvPr>
-          <p:cNvSpPr/>
-          <p:nvPr/>
-        </p:nvSpPr>
-        <p:spPr>
-          <a:xfrm>
-            <a:off x="166255" y="1550177"/>
-            <a:ext cx="5403273" cy="4241023"/>
-          </a:xfrm>
-          <a:prstGeom prst="rect">
-            <a:avLst/>
-          </a:prstGeom>
-          <a:solidFill>
-            <a:schemeClr val="accent3"/>
-          </a:solidFill>
-          <a:ln>
-            <a:noFill/>
-          </a:ln>
-          <a:effectLst>
-            <a:outerShdw blurRad="44450" dist="27940" dir="5400000" algn="ctr">
-              <a:srgbClr val="000000">
-                <a:alpha val="32000"/>
-              </a:srgbClr>
-            </a:outerShdw>
-          </a:effectLst>
-        </p:spPr>
-        <p:txBody>
-          <a:bodyPr rot="0" spcFirstLastPara="0" vertOverflow="overflow" horzOverflow="overflow" vert="horz" wrap="square" lIns="121851" tIns="60925" rIns="121851" bIns="60925" numCol="1" spcCol="0" rtlCol="0" fromWordArt="0" anchor="ctr" anchorCtr="0" forceAA="0" compatLnSpc="1">
-            <a:prstTxWarp prst="textNoShape">
-              <a:avLst/>
-            </a:prstTxWarp>
-            <a:noAutofit/>
-          </a:bodyPr>
-          <a:lstStyle/>
-          <a:p>
-            <a:pPr algn="ctr">
-              <a:lnSpc>
-                <a:spcPct val="90000"/>
-              </a:lnSpc>
-            </a:pPr>
-            <a:endParaRPr lang="en-US" sz="2000" dirty="0">
-              <a:solidFill>
-                <a:schemeClr val="bg1"/>
-              </a:solidFill>
-            </a:endParaRPr>
-          </a:p>
-        </p:txBody>
-      </p:sp>
-      <p:sp>
-        <p:nvSpPr>
-          <p:cNvPr id="3" name="Content Placeholder 2">
-            <a:extLst>
-              <a:ext uri="{FF2B5EF4-FFF2-40B4-BE49-F238E27FC236}">
-                <a16:creationId xmlns:a16="http://schemas.microsoft.com/office/drawing/2014/main" id="{36D087C7-F6DB-6246-BA7E-84DE6BC80227}"/>
-              </a:ext>
-            </a:extLst>
-          </p:cNvPr>
-          <p:cNvSpPr>
-            <a:spLocks noGrp="1"/>
-          </p:cNvSpPr>
-          <p:nvPr>
-            <p:ph idx="1"/>
-          </p:nvPr>
-        </p:nvSpPr>
-        <p:spPr>
-          <a:xfrm>
-            <a:off x="282633" y="1688722"/>
-            <a:ext cx="5286895" cy="4102478"/>
-          </a:xfrm>
-        </p:spPr>
-        <p:txBody>
-          <a:bodyPr/>
-          <a:lstStyle/>
-          <a:p>
-            <a:r>
-              <a:rPr lang="en-US" dirty="0"/>
-              <a:t>Infrastructure design</a:t>
-            </a:r>
-          </a:p>
-          <a:p>
-            <a:pPr lvl="1"/>
-            <a:r>
-              <a:rPr lang="en-US" dirty="0"/>
-              <a:t>Take time to discuss, iterate over requirements and specification</a:t>
-            </a:r>
-          </a:p>
-          <a:p>
-            <a:pPr lvl="1"/>
-            <a:r>
-              <a:rPr lang="en-US" dirty="0"/>
-              <a:t>Keep end users involved </a:t>
-            </a:r>
-          </a:p>
-          <a:p>
-            <a:pPr lvl="2"/>
-            <a:r>
-              <a:rPr lang="en-US" dirty="0"/>
-              <a:t>Not doing so leaves possible options on the table</a:t>
-            </a:r>
-          </a:p>
-          <a:p>
-            <a:r>
-              <a:rPr lang="en-US" dirty="0"/>
-              <a:t>Simple is better</a:t>
-            </a:r>
-          </a:p>
-          <a:p>
-            <a:pPr lvl="1"/>
-            <a:r>
-              <a:rPr lang="en-US" dirty="0"/>
-              <a:t>Flexibility Vs transparent to the user</a:t>
-            </a:r>
-          </a:p>
-          <a:p>
-            <a:pPr lvl="2"/>
-            <a:r>
-              <a:rPr lang="en-US" dirty="0"/>
-              <a:t>Flexibility wins</a:t>
-            </a:r>
-          </a:p>
-        </p:txBody>
-      </p:sp>
-      <p:sp>
-        <p:nvSpPr>
-          <p:cNvPr id="4" name="Date Placeholder 3">
-            <a:extLst>
-              <a:ext uri="{FF2B5EF4-FFF2-40B4-BE49-F238E27FC236}">
-                <a16:creationId xmlns:a16="http://schemas.microsoft.com/office/drawing/2014/main" id="{B2C88E49-3CEB-584A-AFB2-5B51EA707452}"/>
-              </a:ext>
-            </a:extLst>
-          </p:cNvPr>
-          <p:cNvSpPr>
-            <a:spLocks noGrp="1"/>
-          </p:cNvSpPr>
-          <p:nvPr>
-            <p:ph type="dt" sz="half" idx="10"/>
-          </p:nvPr>
-        </p:nvSpPr>
-        <p:spPr>
-          <a:xfrm>
-            <a:off x="6858000" y="6356350"/>
-            <a:ext cx="1600200" cy="274320"/>
-          </a:xfrm>
-          <a:prstGeom prst="rect">
-            <a:avLst/>
-          </a:prstGeom>
-        </p:spPr>
-        <p:txBody>
-          <a:bodyPr vert="horz" lIns="91440" tIns="45720" rIns="91440" bIns="45720" rtlCol="0" anchor="ctr" anchorCtr="0"/>
-          <a:lstStyle>
-            <a:defPPr>
-              <a:defRPr lang="en-US"/>
-            </a:defPPr>
-            <a:lvl1pPr marL="0" algn="r" defTabSz="914400" rtl="0" eaLnBrk="1" latinLnBrk="0" hangingPunct="1">
-              <a:defRPr sz="1100" kern="1200">
-                <a:solidFill>
-                  <a:schemeClr val="tx1"/>
-                </a:solidFill>
-                <a:latin typeface="Arial" panose="020B0604020202020204" pitchFamily="34" charset="0"/>
-                <a:ea typeface="+mn-ea"/>
-                <a:cs typeface="Arial" panose="020B0604020202020204" pitchFamily="34" charset="0"/>
-              </a:defRPr>
-            </a:lvl1pPr>
-            <a:lvl2pPr marL="457200" algn="l" defTabSz="914400" rtl="0" eaLnBrk="1" latinLnBrk="0" hangingPunct="1">
-              <a:defRPr sz="1800" kern="1200">
-                <a:solidFill>
-                  <a:schemeClr val="tx1"/>
-                </a:solidFill>
-                <a:latin typeface="+mn-lt"/>
-                <a:ea typeface="+mn-ea"/>
-                <a:cs typeface="+mn-cs"/>
-              </a:defRPr>
-            </a:lvl2pPr>
-            <a:lvl3pPr marL="914400" algn="l" defTabSz="914400" rtl="0" eaLnBrk="1" latinLnBrk="0" hangingPunct="1">
-              <a:defRPr sz="1800" kern="1200">
-                <a:solidFill>
-                  <a:schemeClr val="tx1"/>
-                </a:solidFill>
-                <a:latin typeface="+mn-lt"/>
-                <a:ea typeface="+mn-ea"/>
-                <a:cs typeface="+mn-cs"/>
-              </a:defRPr>
-            </a:lvl3pPr>
-            <a:lvl4pPr marL="1371600" algn="l" defTabSz="914400" rtl="0" eaLnBrk="1" latinLnBrk="0" hangingPunct="1">
-              <a:defRPr sz="1800" kern="1200">
-                <a:solidFill>
-                  <a:schemeClr val="tx1"/>
-                </a:solidFill>
-                <a:latin typeface="+mn-lt"/>
-                <a:ea typeface="+mn-ea"/>
-                <a:cs typeface="+mn-cs"/>
-              </a:defRPr>
-            </a:lvl4pPr>
-            <a:lvl5pPr marL="1828800" algn="l" defTabSz="914400" rtl="0" eaLnBrk="1" latinLnBrk="0" hangingPunct="1">
-              <a:defRPr sz="1800" kern="1200">
-                <a:solidFill>
-                  <a:schemeClr val="tx1"/>
-                </a:solidFill>
-                <a:latin typeface="+mn-lt"/>
-                <a:ea typeface="+mn-ea"/>
-                <a:cs typeface="+mn-cs"/>
-              </a:defRPr>
-            </a:lvl5pPr>
-            <a:lvl6pPr marL="2286000" algn="l" defTabSz="914400" rtl="0" eaLnBrk="1" latinLnBrk="0" hangingPunct="1">
-              <a:defRPr sz="1800" kern="1200">
-                <a:solidFill>
-                  <a:schemeClr val="tx1"/>
-                </a:solidFill>
-                <a:latin typeface="+mn-lt"/>
-                <a:ea typeface="+mn-ea"/>
-                <a:cs typeface="+mn-cs"/>
-              </a:defRPr>
-            </a:lvl6pPr>
-            <a:lvl7pPr marL="2743200" algn="l" defTabSz="914400" rtl="0" eaLnBrk="1" latinLnBrk="0" hangingPunct="1">
-              <a:defRPr sz="1800" kern="1200">
-                <a:solidFill>
-                  <a:schemeClr val="tx1"/>
-                </a:solidFill>
-                <a:latin typeface="+mn-lt"/>
-                <a:ea typeface="+mn-ea"/>
-                <a:cs typeface="+mn-cs"/>
-              </a:defRPr>
-            </a:lvl7pPr>
-            <a:lvl8pPr marL="3200400" algn="l" defTabSz="914400" rtl="0" eaLnBrk="1" latinLnBrk="0" hangingPunct="1">
-              <a:defRPr sz="1800" kern="1200">
-                <a:solidFill>
-                  <a:schemeClr val="tx1"/>
-                </a:solidFill>
-                <a:latin typeface="+mn-lt"/>
-                <a:ea typeface="+mn-ea"/>
-                <a:cs typeface="+mn-cs"/>
-              </a:defRPr>
-            </a:lvl8pPr>
-            <a:lvl9pPr marL="3657600" algn="l" defTabSz="914400" rtl="0" eaLnBrk="1" latinLnBrk="0" hangingPunct="1">
-              <a:defRPr sz="1800" kern="1200">
-                <a:solidFill>
-                  <a:schemeClr val="tx1"/>
-                </a:solidFill>
-                <a:latin typeface="+mn-lt"/>
-                <a:ea typeface="+mn-ea"/>
-                <a:cs typeface="+mn-cs"/>
-              </a:defRPr>
-            </a:lvl9pPr>
-          </a:lstStyle>
-          <a:p>
-            <a:fld id="{B557289E-1B3F-4E63-935A-0E0E5EBBCF05}" type="datetime1">
-              <a:rPr lang="en-US" smtClean="0"/>
-              <a:pPr/>
-              <a:t>8/2/2020</a:t>
-            </a:fld>
-            <a:endParaRPr lang="en-US"/>
-          </a:p>
-        </p:txBody>
-      </p:sp>
-      <p:sp>
-        <p:nvSpPr>
-          <p:cNvPr id="5" name="Slide Number Placeholder 4">
-            <a:extLst>
-              <a:ext uri="{FF2B5EF4-FFF2-40B4-BE49-F238E27FC236}">
-                <a16:creationId xmlns:a16="http://schemas.microsoft.com/office/drawing/2014/main" id="{B05AEFD1-E907-E749-8CE9-8AC2C9DDB011}"/>
-              </a:ext>
-            </a:extLst>
-          </p:cNvPr>
-          <p:cNvSpPr>
-            <a:spLocks noGrp="1"/>
-          </p:cNvSpPr>
-          <p:nvPr>
-            <p:ph type="sldNum" sz="quarter" idx="12"/>
-          </p:nvPr>
-        </p:nvSpPr>
-        <p:spPr>
-          <a:xfrm>
-            <a:off x="8458200" y="6356350"/>
-            <a:ext cx="457200" cy="274320"/>
-          </a:xfrm>
-          <a:prstGeom prst="rect">
-            <a:avLst/>
-          </a:prstGeom>
-        </p:spPr>
-        <p:txBody>
-          <a:bodyPr vert="horz" lIns="91440" tIns="45720" rIns="91440" bIns="45720" rtlCol="0" anchor="ctr" anchorCtr="0"/>
-          <a:lstStyle>
-            <a:defPPr>
-              <a:defRPr lang="en-US"/>
-            </a:defPPr>
-            <a:lvl1pPr marL="0" algn="r" defTabSz="914400" rtl="0" eaLnBrk="1" latinLnBrk="0" hangingPunct="1">
-              <a:defRPr sz="1100" kern="1200">
-                <a:solidFill>
-                  <a:schemeClr val="tx1"/>
-                </a:solidFill>
-                <a:latin typeface="Arial" panose="020B0604020202020204" pitchFamily="34" charset="0"/>
-                <a:ea typeface="+mn-ea"/>
-                <a:cs typeface="Arial" panose="020B0604020202020204" pitchFamily="34" charset="0"/>
-              </a:defRPr>
-            </a:lvl1pPr>
-            <a:lvl2pPr marL="457200" algn="l" defTabSz="914400" rtl="0" eaLnBrk="1" latinLnBrk="0" hangingPunct="1">
-              <a:defRPr sz="1800" kern="1200">
-                <a:solidFill>
-                  <a:schemeClr val="tx1"/>
-                </a:solidFill>
-                <a:latin typeface="+mn-lt"/>
-                <a:ea typeface="+mn-ea"/>
-                <a:cs typeface="+mn-cs"/>
-              </a:defRPr>
-            </a:lvl2pPr>
-            <a:lvl3pPr marL="914400" algn="l" defTabSz="914400" rtl="0" eaLnBrk="1" latinLnBrk="0" hangingPunct="1">
-              <a:defRPr sz="1800" kern="1200">
-                <a:solidFill>
-                  <a:schemeClr val="tx1"/>
-                </a:solidFill>
-                <a:latin typeface="+mn-lt"/>
-                <a:ea typeface="+mn-ea"/>
-                <a:cs typeface="+mn-cs"/>
-              </a:defRPr>
-            </a:lvl3pPr>
-            <a:lvl4pPr marL="1371600" algn="l" defTabSz="914400" rtl="0" eaLnBrk="1" latinLnBrk="0" hangingPunct="1">
-              <a:defRPr sz="1800" kern="1200">
-                <a:solidFill>
-                  <a:schemeClr val="tx1"/>
-                </a:solidFill>
-                <a:latin typeface="+mn-lt"/>
-                <a:ea typeface="+mn-ea"/>
-                <a:cs typeface="+mn-cs"/>
-              </a:defRPr>
-            </a:lvl4pPr>
-            <a:lvl5pPr marL="1828800" algn="l" defTabSz="914400" rtl="0" eaLnBrk="1" latinLnBrk="0" hangingPunct="1">
-              <a:defRPr sz="1800" kern="1200">
-                <a:solidFill>
-                  <a:schemeClr val="tx1"/>
-                </a:solidFill>
-                <a:latin typeface="+mn-lt"/>
-                <a:ea typeface="+mn-ea"/>
-                <a:cs typeface="+mn-cs"/>
-              </a:defRPr>
-            </a:lvl5pPr>
-            <a:lvl6pPr marL="2286000" algn="l" defTabSz="914400" rtl="0" eaLnBrk="1" latinLnBrk="0" hangingPunct="1">
-              <a:defRPr sz="1800" kern="1200">
-                <a:solidFill>
-                  <a:schemeClr val="tx1"/>
-                </a:solidFill>
-                <a:latin typeface="+mn-lt"/>
-                <a:ea typeface="+mn-ea"/>
-                <a:cs typeface="+mn-cs"/>
-              </a:defRPr>
-            </a:lvl6pPr>
-            <a:lvl7pPr marL="2743200" algn="l" defTabSz="914400" rtl="0" eaLnBrk="1" latinLnBrk="0" hangingPunct="1">
-              <a:defRPr sz="1800" kern="1200">
-                <a:solidFill>
-                  <a:schemeClr val="tx1"/>
-                </a:solidFill>
-                <a:latin typeface="+mn-lt"/>
-                <a:ea typeface="+mn-ea"/>
-                <a:cs typeface="+mn-cs"/>
-              </a:defRPr>
-            </a:lvl7pPr>
-            <a:lvl8pPr marL="3200400" algn="l" defTabSz="914400" rtl="0" eaLnBrk="1" latinLnBrk="0" hangingPunct="1">
-              <a:defRPr sz="1800" kern="1200">
-                <a:solidFill>
-                  <a:schemeClr val="tx1"/>
-                </a:solidFill>
-                <a:latin typeface="+mn-lt"/>
-                <a:ea typeface="+mn-ea"/>
-                <a:cs typeface="+mn-cs"/>
-              </a:defRPr>
-            </a:lvl8pPr>
-            <a:lvl9pPr marL="3657600" algn="l" defTabSz="914400" rtl="0" eaLnBrk="1" latinLnBrk="0" hangingPunct="1">
-              <a:defRPr sz="1800" kern="1200">
-                <a:solidFill>
-                  <a:schemeClr val="tx1"/>
-                </a:solidFill>
-                <a:latin typeface="+mn-lt"/>
-                <a:ea typeface="+mn-ea"/>
-                <a:cs typeface="+mn-cs"/>
-              </a:defRPr>
-            </a:lvl9pPr>
-          </a:lstStyle>
-          <a:p>
-            <a:fld id="{AEFAAC5A-9C4F-4278-920D-DF2BAB595749}" type="slidenum">
-              <a:rPr lang="en-US" smtClean="0"/>
-              <a:pPr/>
-              <a:t>17</a:t>
-            </a:fld>
-            <a:endParaRPr lang="en-US" dirty="0"/>
-          </a:p>
-        </p:txBody>
-      </p:sp>
-      <p:sp>
-        <p:nvSpPr>
-          <p:cNvPr id="8" name="Title 1">
-            <a:extLst>
-              <a:ext uri="{FF2B5EF4-FFF2-40B4-BE49-F238E27FC236}">
-                <a16:creationId xmlns:a16="http://schemas.microsoft.com/office/drawing/2014/main" id="{EC3C299E-CAD7-AD46-BA3F-265522DEDF57}"/>
-              </a:ext>
-            </a:extLst>
-          </p:cNvPr>
-          <p:cNvSpPr>
-            <a:spLocks noGrp="1"/>
-          </p:cNvSpPr>
-          <p:nvPr>
-            <p:ph type="title"/>
-          </p:nvPr>
-        </p:nvSpPr>
-        <p:spPr>
-          <a:xfrm>
-            <a:off x="1143000" y="392112"/>
-            <a:ext cx="7772400" cy="674688"/>
-          </a:xfrm>
-        </p:spPr>
-        <p:txBody>
-          <a:bodyPr>
-            <a:noAutofit/>
-          </a:bodyPr>
-          <a:lstStyle/>
-          <a:p>
-            <a:r>
-              <a:rPr lang="en-US" sz="4000" dirty="0"/>
-              <a:t>Design Considerations</a:t>
-            </a:r>
-          </a:p>
-        </p:txBody>
-      </p:sp>
-    </p:spTree>
-    <p:extLst>
-      <p:ext uri="{BB962C8B-B14F-4D97-AF65-F5344CB8AC3E}">
-        <p14:creationId xmlns:p14="http://schemas.microsoft.com/office/powerpoint/2010/main" val="1425732872"/>
-      </p:ext>
-    </p:extLst>
-  </p:cSld>
-  <p:clrMapOvr>
-    <a:masterClrMapping/>
-  </p:clrMapOvr>
+  <mc:AlternateContent xmlns:mc="http://schemas.openxmlformats.org/markup-compatibility/2006" xmlns:p14="http://schemas.microsoft.com/office/powerpoint/2010/main">
+    <mc:Choice Requires="p14">
+      <p:transition spd="slow" p14:dur="2000" advTm="141279"/>
+    </mc:Choice>
+    <mc:Fallback xmlns="">
+      <p:transition spd="slow" advTm="141279"/>
+    </mc:Fallback>
+  </mc:AlternateContent>
 </p:sld>
 </file>
 
@@ -10461,18 +10173,6 @@
             </a:r>
           </a:p>
           <a:p>
-            <a:pPr lvl="1"/>
-            <a:r>
-              <a:rPr lang="en-US" dirty="0"/>
-              <a:t>Keep API independent of </a:t>
-            </a:r>
-            <a:r>
-              <a:rPr lang="en-US" dirty="0" err="1"/>
-              <a:t>numerics</a:t>
-            </a:r>
-            <a:endParaRPr lang="en-US" dirty="0"/>
-          </a:p>
-          <a:p>
             <a:r>
               <a:rPr lang="en-US" dirty="0"/>
               <a:t>Simple is better</a:t>
@@ -10620,7 +10320,7 @@
             <a:fld id="{B557289E-1B3F-4E63-935A-0E0E5EBBCF05}" type="datetime1">
               <a:rPr lang="en-US" smtClean="0"/>
               <a:pPr/>
-              <a:t>8/2/2020</a:t>
+              <a:t>10/23/20</a:t>
             </a:fld>
             <a:endParaRPr lang="en-US"/>
           </a:p>
@@ -10753,6 +10453,485 @@
               <a:rPr lang="en-US" smtClean="0"/>
               <a:pPr/>
               <a:t>18</a:t>
+            </a:fld>
+            <a:endParaRPr lang="en-US" dirty="0"/>
+          </a:p>
+        </p:txBody>
+      </p:sp>
+      <p:sp>
+        <p:nvSpPr>
+          <p:cNvPr id="8" name="Title 1">
+            <a:extLst>
+              <a:ext uri="{FF2B5EF4-FFF2-40B4-BE49-F238E27FC236}">
+                <a16:creationId xmlns:a16="http://schemas.microsoft.com/office/drawing/2014/main" id="{EC3C299E-CAD7-AD46-BA3F-265522DEDF57}"/>
+              </a:ext>
+            </a:extLst>
+          </p:cNvPr>
+          <p:cNvSpPr>
+            <a:spLocks noGrp="1"/>
+          </p:cNvSpPr>
+          <p:nvPr>
+            <p:ph type="title"/>
+          </p:nvPr>
+        </p:nvSpPr>
+        <p:spPr>
+          <a:xfrm>
+            <a:off x="1143000" y="392112"/>
+            <a:ext cx="7772400" cy="674688"/>
+          </a:xfrm>
+        </p:spPr>
+        <p:txBody>
+          <a:bodyPr>
+            <a:noAutofit/>
+          </a:bodyPr>
+          <a:lstStyle/>
+          <a:p>
+            <a:r>
+              <a:rPr lang="en-US" sz="4000" dirty="0"/>
+              <a:t>Design Considerations</a:t>
+            </a:r>
+          </a:p>
+        </p:txBody>
+      </p:sp>
+    </p:spTree>
+    <p:extLst>
+      <p:ext uri="{BB962C8B-B14F-4D97-AF65-F5344CB8AC3E}">
+        <p14:creationId xmlns:p14="http://schemas.microsoft.com/office/powerpoint/2010/main" val="1425732872"/>
+      </p:ext>
+    </p:extLst>
+  </p:cSld>
+  <p:clrMapOvr>
+    <a:masterClrMapping/>
+  </p:clrMapOvr>
+  <mc:AlternateContent xmlns:mc="http://schemas.openxmlformats.org/markup-compatibility/2006" xmlns:p14="http://schemas.microsoft.com/office/powerpoint/2010/main">
+    <mc:Choice Requires="p14">
+      <p:transition spd="slow" p14:dur="2000" advTm="61777"/>
+    </mc:Choice>
+    <mc:Fallback xmlns="">
+      <p:transition spd="slow" advTm="61777"/>
+    </mc:Fallback>
+  </mc:AlternateContent>
+</p:sld>
+</file>
+
+<file path=ppt/slides/slide19.xml><?xml version="1.0" encoding="utf-8"?>
+<p:sld xmlns:a="http://schemas.openxmlformats.org/drawingml/2006/main" xmlns:r="http://schemas.openxmlformats.org/officeDocument/2006/relationships" xmlns:p="http://schemas.openxmlformats.org/presentationml/2006/main">
+  <p:cSld>
+    <p:spTree>
+      <p:nvGrpSpPr>
+        <p:cNvPr id="1" name=""/>
+        <p:cNvGrpSpPr/>
+        <p:nvPr/>
+      </p:nvGrpSpPr>
+      <p:grpSpPr>
+        <a:xfrm>
+          <a:off x="0" y="0"/>
+          <a:ext cx="0" cy="0"/>
+          <a:chOff x="0" y="0"/>
+          <a:chExt cx="0" cy="0"/>
+        </a:xfrm>
+      </p:grpSpPr>
+      <p:sp>
+        <p:nvSpPr>
+          <p:cNvPr id="10" name="Rectangle 9">
+            <a:extLst>
+              <a:ext uri="{FF2B5EF4-FFF2-40B4-BE49-F238E27FC236}">
+                <a16:creationId xmlns:a16="http://schemas.microsoft.com/office/drawing/2014/main" id="{3E7EC149-0D6E-EA43-BEFD-0D592A41CAD3}"/>
+              </a:ext>
+            </a:extLst>
+          </p:cNvPr>
+          <p:cNvSpPr/>
+          <p:nvPr/>
+        </p:nvSpPr>
+        <p:spPr>
+          <a:xfrm>
+            <a:off x="166255" y="1550177"/>
+            <a:ext cx="5403273" cy="4241023"/>
+          </a:xfrm>
+          <a:prstGeom prst="rect">
+            <a:avLst/>
+          </a:prstGeom>
+          <a:solidFill>
+            <a:schemeClr val="accent3"/>
+          </a:solidFill>
+          <a:ln>
+            <a:noFill/>
+          </a:ln>
+          <a:effectLst>
+            <a:outerShdw blurRad="44450" dist="27940" dir="5400000" algn="ctr">
+              <a:srgbClr val="000000">
+                <a:alpha val="32000"/>
+              </a:srgbClr>
+            </a:outerShdw>
+          </a:effectLst>
+        </p:spPr>
+        <p:txBody>
+          <a:bodyPr rot="0" spcFirstLastPara="0" vertOverflow="overflow" horzOverflow="overflow" vert="horz" wrap="square" lIns="121851" tIns="60925" rIns="121851" bIns="60925" numCol="1" spcCol="0" rtlCol="0" fromWordArt="0" anchor="ctr" anchorCtr="0" forceAA="0" compatLnSpc="1">
+            <a:prstTxWarp prst="textNoShape">
+              <a:avLst/>
+            </a:prstTxWarp>
+            <a:noAutofit/>
+          </a:bodyPr>
+          <a:lstStyle/>
+          <a:p>
+            <a:pPr algn="ctr">
+              <a:lnSpc>
+                <a:spcPct val="90000"/>
+              </a:lnSpc>
+            </a:pPr>
+            <a:endParaRPr lang="en-US" sz="2000" dirty="0">
+              <a:solidFill>
+                <a:schemeClr val="bg1"/>
+              </a:solidFill>
+            </a:endParaRPr>
+          </a:p>
+        </p:txBody>
+      </p:sp>
+      <p:sp>
+        <p:nvSpPr>
+          <p:cNvPr id="3" name="Content Placeholder 2">
+            <a:extLst>
+              <a:ext uri="{FF2B5EF4-FFF2-40B4-BE49-F238E27FC236}">
+                <a16:creationId xmlns:a16="http://schemas.microsoft.com/office/drawing/2014/main" id="{36D087C7-F6DB-6246-BA7E-84DE6BC80227}"/>
+              </a:ext>
+            </a:extLst>
+          </p:cNvPr>
+          <p:cNvSpPr>
+            <a:spLocks noGrp="1"/>
+          </p:cNvSpPr>
+          <p:nvPr>
+            <p:ph idx="1"/>
+          </p:nvPr>
+        </p:nvSpPr>
+        <p:spPr>
+          <a:xfrm>
+            <a:off x="282633" y="1688722"/>
+            <a:ext cx="5286895" cy="4102478"/>
+          </a:xfrm>
+        </p:spPr>
+        <p:txBody>
+          <a:bodyPr/>
+          <a:lstStyle/>
+          <a:p>
+            <a:r>
+              <a:rPr lang="en-US" dirty="0"/>
+              <a:t>Infrastructure design</a:t>
+            </a:r>
+          </a:p>
+          <a:p>
+            <a:pPr lvl="1"/>
+            <a:r>
+              <a:rPr lang="en-US" dirty="0"/>
+              <a:t>Take time to discuss, iterate over requirements and specification</a:t>
+            </a:r>
+          </a:p>
+          <a:p>
+            <a:pPr lvl="1"/>
+            <a:r>
+              <a:rPr lang="en-US" dirty="0"/>
+              <a:t>Keep end users involved </a:t>
+            </a:r>
+          </a:p>
+          <a:p>
+            <a:pPr lvl="2"/>
+            <a:r>
+              <a:rPr lang="en-US" dirty="0"/>
+              <a:t>Not doing so leaves possible options on the table</a:t>
+            </a:r>
+          </a:p>
+          <a:p>
+            <a:pPr lvl="1"/>
+            <a:r>
+              <a:rPr lang="en-US" dirty="0"/>
+              <a:t>Keep API independent of </a:t>
+            </a:r>
+            <a:r>
+              <a:rPr lang="en-US" dirty="0" err="1"/>
+              <a:t>numerics</a:t>
+            </a:r>
+            <a:endParaRPr lang="en-US" dirty="0"/>
+          </a:p>
+          <a:p>
+            <a:r>
+              <a:rPr lang="en-US" dirty="0"/>
+              <a:t>Simple is better</a:t>
+            </a:r>
+          </a:p>
+          <a:p>
+            <a:pPr lvl="1"/>
+            <a:r>
+              <a:rPr lang="en-US" dirty="0"/>
+              <a:t>Flexibility Vs transparent to the user</a:t>
+            </a:r>
+          </a:p>
+          <a:p>
+            <a:pPr lvl="2"/>
+            <a:r>
+              <a:rPr lang="en-US" dirty="0"/>
+              <a:t>Flexibility wins</a:t>
+            </a:r>
+          </a:p>
+        </p:txBody>
+      </p:sp>
+      <p:sp>
+        <p:nvSpPr>
+          <p:cNvPr id="4" name="Date Placeholder 3">
+            <a:extLst>
+              <a:ext uri="{FF2B5EF4-FFF2-40B4-BE49-F238E27FC236}">
+                <a16:creationId xmlns:a16="http://schemas.microsoft.com/office/drawing/2014/main" id="{B2C88E49-3CEB-584A-AFB2-5B51EA707452}"/>
+              </a:ext>
+            </a:extLst>
+          </p:cNvPr>
+          <p:cNvSpPr>
+            <a:spLocks noGrp="1"/>
+          </p:cNvSpPr>
+          <p:nvPr>
+            <p:ph type="dt" sz="half" idx="10"/>
+          </p:nvPr>
+        </p:nvSpPr>
+        <p:spPr>
+          <a:xfrm>
+            <a:off x="6858000" y="6356350"/>
+            <a:ext cx="1600200" cy="274320"/>
+          </a:xfrm>
+          <a:prstGeom prst="rect">
+            <a:avLst/>
+          </a:prstGeom>
+        </p:spPr>
+        <p:txBody>
+          <a:bodyPr vert="horz" lIns="91440" tIns="45720" rIns="91440" bIns="45720" rtlCol="0" anchor="ctr" anchorCtr="0"/>
+          <a:lstStyle>
+            <a:defPPr>
+              <a:defRPr lang="en-US"/>
+            </a:defPPr>
+            <a:lvl1pPr marL="0" algn="r" defTabSz="914400" rtl="0" eaLnBrk="1" latinLnBrk="0" hangingPunct="1">
+              <a:defRPr sz="1100" kern="1200">
+                <a:solidFill>
+                  <a:schemeClr val="tx1"/>
+                </a:solidFill>
+                <a:latin typeface="Arial" panose="020B0604020202020204" pitchFamily="34" charset="0"/>
+                <a:ea typeface="+mn-ea"/>
+                <a:cs typeface="Arial" panose="020B0604020202020204" pitchFamily="34" charset="0"/>
+              </a:defRPr>
+            </a:lvl1pPr>
+            <a:lvl2pPr marL="457200" algn="l" defTabSz="914400" rtl="0" eaLnBrk="1" latinLnBrk="0" hangingPunct="1">
+              <a:defRPr sz="1800" kern="1200">
+                <a:solidFill>
+                  <a:schemeClr val="tx1"/>
+                </a:solidFill>
+                <a:latin typeface="+mn-lt"/>
+                <a:ea typeface="+mn-ea"/>
+                <a:cs typeface="+mn-cs"/>
+              </a:defRPr>
+            </a:lvl2pPr>
+            <a:lvl3pPr marL="914400" algn="l" defTabSz="914400" rtl="0" eaLnBrk="1" latinLnBrk="0" hangingPunct="1">
+              <a:defRPr sz="1800" kern="1200">
+                <a:solidFill>
+                  <a:schemeClr val="tx1"/>
+                </a:solidFill>
+                <a:latin typeface="+mn-lt"/>
+                <a:ea typeface="+mn-ea"/>
+                <a:cs typeface="+mn-cs"/>
+              </a:defRPr>
+            </a:lvl3pPr>
+            <a:lvl4pPr marL="1371600" algn="l" defTabSz="914400" rtl="0" eaLnBrk="1" latinLnBrk="0" hangingPunct="1">
+              <a:defRPr sz="1800" kern="1200">
+                <a:solidFill>
+                  <a:schemeClr val="tx1"/>
+                </a:solidFill>
+                <a:latin typeface="+mn-lt"/>
+                <a:ea typeface="+mn-ea"/>
+                <a:cs typeface="+mn-cs"/>
+              </a:defRPr>
+            </a:lvl4pPr>
+            <a:lvl5pPr marL="1828800" algn="l" defTabSz="914400" rtl="0" eaLnBrk="1" latinLnBrk="0" hangingPunct="1">
+              <a:defRPr sz="1800" kern="1200">
+                <a:solidFill>
+                  <a:schemeClr val="tx1"/>
+                </a:solidFill>
+                <a:latin typeface="+mn-lt"/>
+                <a:ea typeface="+mn-ea"/>
+                <a:cs typeface="+mn-cs"/>
+              </a:defRPr>
+            </a:lvl5pPr>
+            <a:lvl6pPr marL="2286000" algn="l" defTabSz="914400" rtl="0" eaLnBrk="1" latinLnBrk="0" hangingPunct="1">
+              <a:defRPr sz="1800" kern="1200">
+                <a:solidFill>
+                  <a:schemeClr val="tx1"/>
+                </a:solidFill>
+                <a:latin typeface="+mn-lt"/>
+                <a:ea typeface="+mn-ea"/>
+                <a:cs typeface="+mn-cs"/>
+              </a:defRPr>
+            </a:lvl6pPr>
+            <a:lvl7pPr marL="2743200" algn="l" defTabSz="914400" rtl="0" eaLnBrk="1" latinLnBrk="0" hangingPunct="1">
+              <a:defRPr sz="1800" kern="1200">
+                <a:solidFill>
+                  <a:schemeClr val="tx1"/>
+                </a:solidFill>
+                <a:latin typeface="+mn-lt"/>
+                <a:ea typeface="+mn-ea"/>
+                <a:cs typeface="+mn-cs"/>
+              </a:defRPr>
+            </a:lvl7pPr>
+            <a:lvl8pPr marL="3200400" algn="l" defTabSz="914400" rtl="0" eaLnBrk="1" latinLnBrk="0" hangingPunct="1">
+              <a:defRPr sz="1800" kern="1200">
+                <a:solidFill>
+                  <a:schemeClr val="tx1"/>
+                </a:solidFill>
+                <a:latin typeface="+mn-lt"/>
+                <a:ea typeface="+mn-ea"/>
+                <a:cs typeface="+mn-cs"/>
+              </a:defRPr>
+            </a:lvl8pPr>
+            <a:lvl9pPr marL="3657600" algn="l" defTabSz="914400" rtl="0" eaLnBrk="1" latinLnBrk="0" hangingPunct="1">
+              <a:defRPr sz="1800" kern="1200">
+                <a:solidFill>
+                  <a:schemeClr val="tx1"/>
+                </a:solidFill>
+                <a:latin typeface="+mn-lt"/>
+                <a:ea typeface="+mn-ea"/>
+                <a:cs typeface="+mn-cs"/>
+              </a:defRPr>
+            </a:lvl9pPr>
+          </a:lstStyle>
+          <a:p>
+            <a:fld id="{B557289E-1B3F-4E63-935A-0E0E5EBBCF05}" type="datetime1">
+              <a:rPr lang="en-US" smtClean="0"/>
+              <a:pPr/>
+              <a:t>10/23/20</a:t>
+            </a:fld>
+            <a:endParaRPr lang="en-US"/>
+          </a:p>
+        </p:txBody>
+      </p:sp>
+      <p:sp>
+        <p:nvSpPr>
+          <p:cNvPr id="5" name="Slide Number Placeholder 4">
+            <a:extLst>
+              <a:ext uri="{FF2B5EF4-FFF2-40B4-BE49-F238E27FC236}">
+                <a16:creationId xmlns:a16="http://schemas.microsoft.com/office/drawing/2014/main" id="{B05AEFD1-E907-E749-8CE9-8AC2C9DDB011}"/>
+              </a:ext>
+            </a:extLst>
+          </p:cNvPr>
+          <p:cNvSpPr>
+            <a:spLocks noGrp="1"/>
+          </p:cNvSpPr>
+          <p:nvPr>
+            <p:ph type="sldNum" sz="quarter" idx="12"/>
+          </p:nvPr>
+        </p:nvSpPr>
+        <p:spPr>
+          <a:xfrm>
+            <a:off x="8458200" y="6356350"/>
+            <a:ext cx="457200" cy="274320"/>
+          </a:xfrm>
+          <a:prstGeom prst="rect">
+            <a:avLst/>
+          </a:prstGeom>
+        </p:spPr>
+        <p:txBody>
+          <a:bodyPr vert="horz" lIns="91440" tIns="45720" rIns="91440" bIns="45720" rtlCol="0" anchor="ctr" anchorCtr="0"/>
+          <a:lstStyle>
+            <a:defPPr>
+              <a:defRPr lang="en-US"/>
+            </a:defPPr>
+            <a:lvl1pPr marL="0" algn="r" defTabSz="914400" rtl="0" eaLnBrk="1" latinLnBrk="0" hangingPunct="1">
+              <a:defRPr sz="1100" kern="1200">
+                <a:solidFill>
+                  <a:schemeClr val="tx1"/>
+                </a:solidFill>
+                <a:latin typeface="Arial" panose="020B0604020202020204" pitchFamily="34" charset="0"/>
+                <a:ea typeface="+mn-ea"/>
+                <a:cs typeface="Arial" panose="020B0604020202020204" pitchFamily="34" charset="0"/>
+              </a:defRPr>
+            </a:lvl1pPr>
+            <a:lvl2pPr marL="457200" algn="l" defTabSz="914400" rtl="0" eaLnBrk="1" latinLnBrk="0" hangingPunct="1">
+              <a:defRPr sz="1800" kern="1200">
+                <a:solidFill>
+                  <a:schemeClr val="tx1"/>
+                </a:solidFill>
+                <a:latin typeface="+mn-lt"/>
+                <a:ea typeface="+mn-ea"/>
+                <a:cs typeface="+mn-cs"/>
+              </a:defRPr>
+            </a:lvl2pPr>
+            <a:lvl3pPr marL="914400" algn="l" defTabSz="914400" rtl="0" eaLnBrk="1" latinLnBrk="0" hangingPunct="1">
+              <a:defRPr sz="1800" kern="1200">
+                <a:solidFill>
+                  <a:schemeClr val="tx1"/>
+                </a:solidFill>
+                <a:latin typeface="+mn-lt"/>
+                <a:ea typeface="+mn-ea"/>
+                <a:cs typeface="+mn-cs"/>
+              </a:defRPr>
+            </a:lvl3pPr>
+            <a:lvl4pPr marL="1371600" algn="l" defTabSz="914400" rtl="0" eaLnBrk="1" latinLnBrk="0" hangingPunct="1">
+              <a:defRPr sz="1800" kern="1200">
+                <a:solidFill>
+                  <a:schemeClr val="tx1"/>
+                </a:solidFill>
+                <a:latin typeface="+mn-lt"/>
+                <a:ea typeface="+mn-ea"/>
+                <a:cs typeface="+mn-cs"/>
+              </a:defRPr>
+            </a:lvl4pPr>
+            <a:lvl5pPr marL="1828800" algn="l" defTabSz="914400" rtl="0" eaLnBrk="1" latinLnBrk="0" hangingPunct="1">
+              <a:defRPr sz="1800" kern="1200">
+                <a:solidFill>
+                  <a:schemeClr val="tx1"/>
+                </a:solidFill>
+                <a:latin typeface="+mn-lt"/>
+                <a:ea typeface="+mn-ea"/>
+                <a:cs typeface="+mn-cs"/>
+              </a:defRPr>
+            </a:lvl5pPr>
+            <a:lvl6pPr marL="2286000" algn="l" defTabSz="914400" rtl="0" eaLnBrk="1" latinLnBrk="0" hangingPunct="1">
+              <a:defRPr sz="1800" kern="1200">
+                <a:solidFill>
+                  <a:schemeClr val="tx1"/>
+                </a:solidFill>
+                <a:latin typeface="+mn-lt"/>
+                <a:ea typeface="+mn-ea"/>
+                <a:cs typeface="+mn-cs"/>
+              </a:defRPr>
+            </a:lvl6pPr>
+            <a:lvl7pPr marL="2743200" algn="l" defTabSz="914400" rtl="0" eaLnBrk="1" latinLnBrk="0" hangingPunct="1">
+              <a:defRPr sz="1800" kern="1200">
+                <a:solidFill>
+                  <a:schemeClr val="tx1"/>
+                </a:solidFill>
+                <a:latin typeface="+mn-lt"/>
+                <a:ea typeface="+mn-ea"/>
+                <a:cs typeface="+mn-cs"/>
+              </a:defRPr>
+            </a:lvl7pPr>
+            <a:lvl8pPr marL="3200400" algn="l" defTabSz="914400" rtl="0" eaLnBrk="1" latinLnBrk="0" hangingPunct="1">
+              <a:defRPr sz="1800" kern="1200">
+                <a:solidFill>
+                  <a:schemeClr val="tx1"/>
+                </a:solidFill>
+                <a:latin typeface="+mn-lt"/>
+                <a:ea typeface="+mn-ea"/>
+                <a:cs typeface="+mn-cs"/>
+              </a:defRPr>
+            </a:lvl8pPr>
+            <a:lvl9pPr marL="3657600" algn="l" defTabSz="914400" rtl="0" eaLnBrk="1" latinLnBrk="0" hangingPunct="1">
+              <a:defRPr sz="1800" kern="1200">
+                <a:solidFill>
+                  <a:schemeClr val="tx1"/>
+                </a:solidFill>
+                <a:latin typeface="+mn-lt"/>
+                <a:ea typeface="+mn-ea"/>
+                <a:cs typeface="+mn-cs"/>
+              </a:defRPr>
+            </a:lvl9pPr>
+          </a:lstStyle>
+          <a:p>
+            <a:fld id="{AEFAAC5A-9C4F-4278-920D-DF2BAB595749}" type="slidenum">
+              <a:rPr lang="en-US" smtClean="0"/>
+              <a:pPr/>
+              <a:t>19</a:t>
             </a:fld>
             <a:endParaRPr lang="en-US" dirty="0"/>
           </a:p>
@@ -11142,10 +11321,367 @@
   <p:clrMapOvr>
     <a:masterClrMapping/>
   </p:clrMapOvr>
+  <mc:AlternateContent xmlns:mc="http://schemas.openxmlformats.org/markup-compatibility/2006" xmlns:p14="http://schemas.microsoft.com/office/powerpoint/2010/main">
+    <mc:Choice Requires="p14">
+      <p:transition spd="slow" p14:dur="2000" advTm="51604"/>
+    </mc:Choice>
+    <mc:Fallback xmlns="">
+      <p:transition spd="slow" advTm="51604"/>
+    </mc:Fallback>
+  </mc:AlternateContent>
 </p:sld>
 </file>
 
-<file path=ppt/slides/slide19.xml><?xml version="1.0" encoding="utf-8"?>
+<file path=ppt/slides/slide2.xml><?xml version="1.0" encoding="utf-8"?>
+<p:sld xmlns:a="http://schemas.openxmlformats.org/drawingml/2006/main" xmlns:r="http://schemas.openxmlformats.org/officeDocument/2006/relationships" xmlns:p="http://schemas.openxmlformats.org/presentationml/2006/main">
+  <p:cSld>
+    <p:spTree>
+      <p:nvGrpSpPr>
+        <p:cNvPr id="1" name=""/>
+        <p:cNvGrpSpPr/>
+        <p:nvPr/>
+      </p:nvGrpSpPr>
+      <p:grpSpPr>
+        <a:xfrm>
+          <a:off x="0" y="0"/>
+          <a:ext cx="0" cy="0"/>
+          <a:chOff x="0" y="0"/>
+          <a:chExt cx="0" cy="0"/>
+        </a:xfrm>
+      </p:grpSpPr>
+      <p:sp>
+        <p:nvSpPr>
+          <p:cNvPr id="2" name="Title 1">
+            <a:extLst>
+              <a:ext uri="{FF2B5EF4-FFF2-40B4-BE49-F238E27FC236}">
+                <a16:creationId xmlns:a16="http://schemas.microsoft.com/office/drawing/2014/main" id="{6442C24D-D970-4D40-8F14-D70C10A96304}"/>
+              </a:ext>
+            </a:extLst>
+          </p:cNvPr>
+          <p:cNvSpPr>
+            <a:spLocks noGrp="1"/>
+          </p:cNvSpPr>
+          <p:nvPr>
+            <p:ph type="title"/>
+          </p:nvPr>
+        </p:nvSpPr>
+        <p:spPr>
+          <a:xfrm>
+            <a:off x="363096" y="112911"/>
+            <a:ext cx="11372473" cy="914400"/>
+          </a:xfrm>
+        </p:spPr>
+        <p:txBody>
+          <a:bodyPr/>
+          <a:lstStyle/>
+          <a:p>
+            <a:r>
+              <a:rPr lang="en-US" dirty="0"/>
+              <a:t>License, Citation and Acknowledgements</a:t>
+            </a:r>
+          </a:p>
+        </p:txBody>
+      </p:sp>
+      <p:sp>
+        <p:nvSpPr>
+          <p:cNvPr id="3" name="Content Placeholder 2">
+            <a:extLst>
+              <a:ext uri="{FF2B5EF4-FFF2-40B4-BE49-F238E27FC236}">
+                <a16:creationId xmlns:a16="http://schemas.microsoft.com/office/drawing/2014/main" id="{0385A3AB-B258-4D59-B407-F7D57545A163}"/>
+              </a:ext>
+            </a:extLst>
+          </p:cNvPr>
+          <p:cNvSpPr>
+            <a:spLocks noGrp="1"/>
+          </p:cNvSpPr>
+          <p:nvPr>
+            <p:ph idx="1"/>
+          </p:nvPr>
+        </p:nvSpPr>
+        <p:spPr>
+          <a:xfrm>
+            <a:off x="409507" y="570111"/>
+            <a:ext cx="11369809" cy="4047778"/>
+          </a:xfrm>
+        </p:spPr>
+        <p:txBody>
+          <a:bodyPr/>
+          <a:lstStyle/>
+          <a:p>
+            <a:pPr marL="0" indent="0">
+              <a:buNone/>
+            </a:pPr>
+            <a:r>
+              <a:rPr lang="en-US" sz="2000" b="1" dirty="0"/>
+              <a:t>License and Citation</a:t>
+            </a:r>
+          </a:p>
+          <a:p>
+            <a:pPr>
+              <a:spcBef>
+                <a:spcPts val="400"/>
+              </a:spcBef>
+            </a:pPr>
+            <a:r>
+              <a:rPr lang="en-US" sz="1600" dirty="0"/>
+              <a:t>This work is licensed under a </a:t>
+            </a:r>
+            <a:r>
+              <a:rPr lang="en-US" sz="1600" dirty="0">
+                <a:hlinkClick r:id="rId2"/>
+              </a:rPr>
+              <a:t>Creative</a:t>
+            </a:r>
+            <a:r>
+              <a:rPr lang="en-US" sz="1600" dirty="0">
+                <a:hlinkClick r:id="rId3"/>
+              </a:rPr>
+              <a:t> Commons Attribution 4.0 International License</a:t>
+            </a:r>
+            <a:r>
+              <a:rPr lang="en-US" sz="1600" dirty="0"/>
+              <a:t> (CC BY 4.0).</a:t>
+            </a:r>
+          </a:p>
+          <a:p>
+            <a:pPr>
+              <a:spcBef>
+                <a:spcPts val="400"/>
+              </a:spcBef>
+            </a:pPr>
+            <a:r>
+              <a:rPr lang="en-US" sz="1600" b="1" dirty="0"/>
+              <a:t>The requested citation the overall tutorial is: David E. Bernholdt, Anshu Dubey, Patricia A. Grubel, Rinku K. Gupta, Better Scientific Software tutorial, in SC ‘20: International Conference for High Performance Computing, Networking, Storage and Analysis, online, 2020. DOI: </a:t>
+            </a:r>
+            <a:r>
+              <a:rPr lang="en-US" sz="1600" b="1" dirty="0">
+                <a:hlinkClick r:id="rId4"/>
+              </a:rPr>
+              <a:t>10.6084/m9.figshare.12994376</a:t>
+            </a:r>
+            <a:endParaRPr lang="en-US" sz="1600" b="1" dirty="0"/>
+          </a:p>
+          <a:p>
+            <a:pPr>
+              <a:spcBef>
+                <a:spcPts val="400"/>
+              </a:spcBef>
+            </a:pPr>
+            <a:r>
+              <a:rPr lang="en-US" sz="1600" dirty="0"/>
+              <a:t>Individual modules may be cited as </a:t>
+            </a:r>
+            <a:r>
+              <a:rPr lang="en-US" sz="1600" i="1" dirty="0"/>
+              <a:t>Speaker, Module Title</a:t>
+            </a:r>
+            <a:r>
+              <a:rPr lang="en-US" sz="1600" dirty="0"/>
+              <a:t>, in Better Scientific Software tutorial…</a:t>
+            </a:r>
+          </a:p>
+          <a:p>
+            <a:pPr marL="0" indent="0">
+              <a:spcBef>
+                <a:spcPts val="800"/>
+              </a:spcBef>
+              <a:buNone/>
+            </a:pPr>
+            <a:r>
+              <a:rPr lang="en-US" sz="2000" b="1" dirty="0"/>
+              <a:t>Acknowledgements</a:t>
+            </a:r>
+          </a:p>
+          <a:p>
+            <a:pPr>
+              <a:spcBef>
+                <a:spcPts val="400"/>
+              </a:spcBef>
+            </a:pPr>
+            <a:r>
+              <a:rPr lang="en-US" sz="1400" dirty="0"/>
+              <a:t>Additional contributors include: Mike </a:t>
+            </a:r>
+            <a:r>
+              <a:rPr lang="en-US" sz="1400" dirty="0" err="1"/>
+              <a:t>Heroux</a:t>
+            </a:r>
+            <a:r>
+              <a:rPr lang="en-US" sz="1400" dirty="0"/>
+              <a:t>, Alicia </a:t>
+            </a:r>
+            <a:r>
+              <a:rPr lang="en-US" sz="1400" dirty="0" err="1"/>
+              <a:t>Klinvex</a:t>
+            </a:r>
+            <a:r>
+              <a:rPr lang="en-US" sz="1400" dirty="0"/>
+              <a:t>, Mark Miller, Jared O’Neal, Katherine Riley, David Rogers, Deborah Stevens, James </a:t>
+            </a:r>
+            <a:r>
+              <a:rPr lang="en-US" sz="1400" dirty="0" err="1"/>
+              <a:t>Willenbring</a:t>
+            </a:r>
+            <a:endParaRPr lang="en-US" sz="1400" dirty="0"/>
+          </a:p>
+          <a:p>
+            <a:pPr>
+              <a:spcBef>
+                <a:spcPts val="400"/>
+              </a:spcBef>
+            </a:pPr>
+            <a:r>
+              <a:rPr lang="en-US" sz="1400" dirty="0"/>
+              <a:t>This work was supported by the U.S. Department of Energy Office of Science, Office of Advanced Scientific Computing Research (ASCR), and by the </a:t>
+            </a:r>
+            <a:r>
+              <a:rPr lang="en-US" sz="1400" dirty="0" err="1"/>
+              <a:t>Exascale</a:t>
+            </a:r>
+            <a:r>
+              <a:rPr lang="en-US" sz="1400" dirty="0"/>
+              <a:t> Computing Project (17-SC-20-SC), a collaborative effort of the U.S. Department of Energy Office of Science and the National Nuclear Security Administration</a:t>
+            </a:r>
+            <a:r>
+              <a:rPr lang="en-US" sz="1400" i="1" dirty="0"/>
+              <a:t>.</a:t>
+            </a:r>
+            <a:endParaRPr lang="en-US" sz="1400" dirty="0"/>
+          </a:p>
+          <a:p>
+            <a:pPr>
+              <a:spcBef>
+                <a:spcPts val="400"/>
+              </a:spcBef>
+            </a:pPr>
+            <a:r>
+              <a:rPr lang="en-US" sz="1400" dirty="0"/>
+              <a:t>This work was performed in part at the Argonne National Laboratory, which is managed by </a:t>
+            </a:r>
+            <a:r>
+              <a:rPr lang="en-US" sz="1400" dirty="0" err="1"/>
+              <a:t>UChicago</a:t>
+            </a:r>
+            <a:r>
+              <a:rPr lang="en-US" sz="1400" dirty="0"/>
+              <a:t> Argonne, LLC for the U.S. Department of Energy under Contract No. DE-AC02-06CH11357.</a:t>
+            </a:r>
+          </a:p>
+          <a:p>
+            <a:pPr>
+              <a:spcBef>
+                <a:spcPts val="400"/>
+              </a:spcBef>
+            </a:pPr>
+            <a:r>
+              <a:rPr lang="en-US" sz="1400" dirty="0"/>
+              <a:t>This work was performed in part at the Oak Ridge National Laboratory, which is managed by UT-Battelle, LLC for the U.S. Department of Energy under Contract No. DE-AC05-00OR22725.</a:t>
+            </a:r>
+          </a:p>
+          <a:p>
+            <a:pPr>
+              <a:spcBef>
+                <a:spcPts val="400"/>
+              </a:spcBef>
+            </a:pPr>
+            <a:r>
+              <a:rPr lang="en-US" sz="1400" dirty="0"/>
+              <a:t>This work was performed in part at the Lawrence Livermore National Laboratory, which is managed by Lawrence Livermore National Security, LLC for the U.S. Department of Energy under Contract No. DE-AC52-07NA27344.</a:t>
+            </a:r>
+          </a:p>
+          <a:p>
+            <a:pPr>
+              <a:spcBef>
+                <a:spcPts val="400"/>
+              </a:spcBef>
+            </a:pPr>
+            <a:r>
+              <a:rPr lang="en-US" sz="1400" dirty="0"/>
+              <a:t>This work was performed in part at the Los Alamos National Laboratory, which is managed by Triad National Security, LLC for the U.S. Department of Energy under Contract No.89233218CNA000001</a:t>
+            </a:r>
+          </a:p>
+          <a:p>
+            <a:pPr>
+              <a:spcBef>
+                <a:spcPts val="400"/>
+              </a:spcBef>
+            </a:pPr>
+            <a:r>
+              <a:rPr lang="en-US" sz="1400" dirty="0"/>
+              <a:t>This work was performed in part at Sandia National Laboratories. Sandia National Laboratories is a multi-mission laboratory managed and operated by National Technology and Engineering Solutions of Sandia, LLC., a wholly owned subsidiary of Honeywell International, Inc., for the U.S. Department of Energy’s National Nuclear Security Administration under contract DE-NA0003525.</a:t>
+            </a:r>
+          </a:p>
+        </p:txBody>
+      </p:sp>
+      <p:pic>
+        <p:nvPicPr>
+          <p:cNvPr id="4" name="Picture 2" descr="https://licensebuttons.net/l/by/4.0/88x31.png">
+            <a:extLst>
+              <a:ext uri="{FF2B5EF4-FFF2-40B4-BE49-F238E27FC236}">
+                <a16:creationId xmlns:a16="http://schemas.microsoft.com/office/drawing/2014/main" id="{61840015-22A0-4634-A2DE-AA05F998FD3A}"/>
+              </a:ext>
+            </a:extLst>
+          </p:cNvPr>
+          <p:cNvPicPr>
+            <a:picLocks noChangeAspect="1" noChangeArrowheads="1"/>
+          </p:cNvPicPr>
+          <p:nvPr/>
+        </p:nvPicPr>
+        <p:blipFill>
+          <a:blip r:embed="rId5">
+            <a:extLst>
+              <a:ext uri="{28A0092B-C50C-407E-A947-70E740481C1C}">
+                <a14:useLocalDpi xmlns:a14="http://schemas.microsoft.com/office/drawing/2010/main" val="0"/>
+              </a:ext>
+            </a:extLst>
+          </a:blip>
+          <a:srcRect/>
+          <a:stretch>
+            <a:fillRect/>
+          </a:stretch>
+        </p:blipFill>
+        <p:spPr bwMode="auto">
+          <a:xfrm>
+            <a:off x="10249254" y="570111"/>
+            <a:ext cx="1661258" cy="585216"/>
+          </a:xfrm>
+          <a:prstGeom prst="rect">
+            <a:avLst/>
+          </a:prstGeom>
+          <a:noFill/>
+          <a:extLst>
+            <a:ext uri="{909E8E84-426E-40DD-AFC4-6F175D3DCCD1}">
+              <a14:hiddenFill xmlns:a14="http://schemas.microsoft.com/office/drawing/2010/main">
+                <a:solidFill>
+                  <a:srgbClr val="FFFFFF"/>
+                </a:solidFill>
+              </a14:hiddenFill>
+            </a:ext>
+          </a:extLst>
+        </p:spPr>
+      </p:pic>
+    </p:spTree>
+    <p:extLst>
+      <p:ext uri="{BB962C8B-B14F-4D97-AF65-F5344CB8AC3E}">
+        <p14:creationId xmlns:p14="http://schemas.microsoft.com/office/powerpoint/2010/main" val="741305829"/>
+      </p:ext>
+    </p:extLst>
+  </p:cSld>
+  <p:clrMapOvr>
+    <a:masterClrMapping/>
+  </p:clrMapOvr>
+  <mc:AlternateContent xmlns:mc="http://schemas.openxmlformats.org/markup-compatibility/2006" xmlns:p14="http://schemas.microsoft.com/office/powerpoint/2010/main">
+    <mc:Choice Requires="p14">
+      <p:transition spd="slow" p14:dur="2000" advTm="22654"/>
+    </mc:Choice>
+    <mc:Fallback xmlns="">
+      <p:transition spd="slow" advTm="22654"/>
+    </mc:Fallback>
+  </mc:AlternateContent>
+</p:sld>
+</file>
+
+<file path=ppt/slides/slide20.xml><?xml version="1.0" encoding="utf-8"?>
 <p:sld xmlns:a="http://schemas.openxmlformats.org/drawingml/2006/main" xmlns:r="http://schemas.openxmlformats.org/officeDocument/2006/relationships" xmlns:p="http://schemas.openxmlformats.org/presentationml/2006/main">
   <p:cSld>
     <p:spTree>
@@ -11238,335 +11774,18 @@
   <p:clrMapOvr>
     <a:masterClrMapping/>
   </p:clrMapOvr>
+  <mc:AlternateContent xmlns:mc="http://schemas.openxmlformats.org/markup-compatibility/2006" xmlns:p14="http://schemas.microsoft.com/office/powerpoint/2010/main">
+    <mc:Choice Requires="p14">
+      <p:transition spd="slow" p14:dur="2000" advTm="61030"/>
+    </mc:Choice>
+    <mc:Fallback xmlns="">
+      <p:transition spd="slow" advTm="61030"/>
+    </mc:Fallback>
+  </mc:AlternateContent>
 </p:sld>
 </file>
 
-<file path=ppt/slides/slide2.xml><?xml version="1.0" encoding="utf-8"?>
-<p:sld xmlns:a="http://schemas.openxmlformats.org/drawingml/2006/main" xmlns:r="http://schemas.openxmlformats.org/officeDocument/2006/relationships" xmlns:p="http://schemas.openxmlformats.org/presentationml/2006/main">
-  <p:cSld>
-    <p:spTree>
-      <p:nvGrpSpPr>
-        <p:cNvPr id="1" name=""/>
-        <p:cNvGrpSpPr/>
-        <p:nvPr/>
-      </p:nvGrpSpPr>
-      <p:grpSpPr>
-        <a:xfrm>
-          <a:off x="0" y="0"/>
-          <a:ext cx="0" cy="0"/>
-          <a:chOff x="0" y="0"/>
-          <a:chExt cx="0" cy="0"/>
-        </a:xfrm>
-      </p:grpSpPr>
-      <p:sp>
-        <p:nvSpPr>
-          <p:cNvPr id="2" name="Title 1">
-            <a:extLst>
-              <a:ext uri="{FF2B5EF4-FFF2-40B4-BE49-F238E27FC236}">
-                <a16:creationId xmlns:a16="http://schemas.microsoft.com/office/drawing/2014/main" id="{6442C24D-D970-4D40-8F14-D70C10A96304}"/>
-              </a:ext>
-            </a:extLst>
-          </p:cNvPr>
-          <p:cNvSpPr>
-            <a:spLocks noGrp="1"/>
-          </p:cNvSpPr>
-          <p:nvPr>
-            <p:ph type="title"/>
-          </p:nvPr>
-        </p:nvSpPr>
-        <p:spPr/>
-        <p:txBody>
-          <a:bodyPr/>
-          <a:lstStyle/>
-          <a:p>
-            <a:r>
-              <a:rPr lang="en-US" dirty="0"/>
-              <a:t>License, Citation and Acknowledgements</a:t>
-            </a:r>
-          </a:p>
-        </p:txBody>
-      </p:sp>
-      <p:sp>
-        <p:nvSpPr>
-          <p:cNvPr id="3" name="Content Placeholder 2">
-            <a:extLst>
-              <a:ext uri="{FF2B5EF4-FFF2-40B4-BE49-F238E27FC236}">
-                <a16:creationId xmlns:a16="http://schemas.microsoft.com/office/drawing/2014/main" id="{0385A3AB-B258-4D59-B407-F7D57545A163}"/>
-              </a:ext>
-            </a:extLst>
-          </p:cNvPr>
-          <p:cNvSpPr>
-            <a:spLocks noGrp="1"/>
-          </p:cNvSpPr>
-          <p:nvPr>
-            <p:ph idx="1"/>
-          </p:nvPr>
-        </p:nvSpPr>
-        <p:spPr>
-          <a:xfrm>
-            <a:off x="365760" y="862719"/>
-            <a:ext cx="11369809" cy="4047778"/>
-          </a:xfrm>
-        </p:spPr>
-        <p:txBody>
-          <a:bodyPr/>
-          <a:lstStyle/>
-          <a:p>
-            <a:pPr marL="0" indent="0">
-              <a:buNone/>
-            </a:pPr>
-            <a:r>
-              <a:rPr lang="en-US" sz="2000" b="1" dirty="0"/>
-              <a:t>License and Citation</a:t>
-            </a:r>
-          </a:p>
-          <a:p>
-            <a:pPr>
-              <a:spcBef>
-                <a:spcPts val="400"/>
-              </a:spcBef>
-            </a:pPr>
-            <a:r>
-              <a:rPr lang="en-US" sz="1600" dirty="0"/>
-              <a:t>This work is licensed under a </a:t>
-            </a:r>
-            <a:r>
-              <a:rPr lang="en-US" sz="1600" dirty="0">
-                <a:hlinkClick r:id="rId2"/>
-              </a:rPr>
-              <a:t>Creative</a:t>
-            </a:r>
-            <a:r>
-              <a:rPr lang="en-US" sz="1600" dirty="0">
-                <a:hlinkClick r:id="rId3"/>
-              </a:rPr>
-              <a:t> Commons Attribution 4.0 International License</a:t>
-            </a:r>
-            <a:r>
-              <a:rPr lang="en-US" sz="1600" dirty="0"/>
-              <a:t> (CC BY 4.0).</a:t>
-            </a:r>
-          </a:p>
-          <a:p>
-            <a:pPr>
-              <a:spcBef>
-                <a:spcPts val="400"/>
-              </a:spcBef>
-            </a:pPr>
-            <a:r>
-              <a:rPr lang="en-US" sz="1600" b="1" dirty="0"/>
-              <a:t>The requested citation the overall tutorial is: David E. Bernholdt, Anshu Dubey, Mark C. Miller, Katherine M. Riley, and James M. </a:t>
-            </a:r>
-            <a:r>
-              <a:rPr lang="en-US" sz="1600" b="1" dirty="0" err="1"/>
-              <a:t>Willenbring</a:t>
-            </a:r>
-            <a:r>
-              <a:rPr lang="en-US" sz="1600" b="1" dirty="0"/>
-              <a:t>, Software Productivity Track, in Argonne Training Program for Extreme Scale Computing (ATPESC), online. DOI: </a:t>
-            </a:r>
-            <a:r>
-              <a:rPr lang="en-US" sz="1600" b="1" dirty="0">
-                <a:hlinkClick r:id="rId4"/>
-              </a:rPr>
-              <a:t>10.6084/m9.figshare.12719834</a:t>
-            </a:r>
-            <a:endParaRPr lang="en-US" sz="1600" b="1" dirty="0"/>
-          </a:p>
-          <a:p>
-            <a:pPr>
-              <a:spcBef>
-                <a:spcPts val="400"/>
-              </a:spcBef>
-            </a:pPr>
-            <a:r>
-              <a:rPr lang="en-US" sz="1600" dirty="0"/>
-              <a:t>Individual modules may be cited as </a:t>
-            </a:r>
-            <a:r>
-              <a:rPr lang="en-US" sz="1600" i="1" dirty="0"/>
-              <a:t>Speaker, Module Title</a:t>
-            </a:r>
-            <a:r>
-              <a:rPr lang="en-US" sz="1600" dirty="0"/>
-              <a:t>, in Software Productivity Track…</a:t>
-            </a:r>
-          </a:p>
-          <a:p>
-            <a:pPr marL="0" indent="0">
-              <a:buNone/>
-            </a:pPr>
-            <a:r>
-              <a:rPr lang="en-US" sz="2000" b="1" dirty="0"/>
-              <a:t>Acknowledgements</a:t>
-            </a:r>
-          </a:p>
-          <a:p>
-            <a:pPr>
-              <a:spcBef>
-                <a:spcPts val="400"/>
-              </a:spcBef>
-            </a:pPr>
-            <a:r>
-              <a:rPr lang="en-US" sz="1600" dirty="0"/>
-              <a:t>Additional contributors include: Patricia Grubel, Rinku Gupta, Mike </a:t>
-            </a:r>
-            <a:r>
-              <a:rPr lang="en-US" sz="1600" dirty="0" err="1"/>
-              <a:t>Heroux</a:t>
-            </a:r>
-            <a:r>
-              <a:rPr lang="en-US" sz="1600" dirty="0"/>
-              <a:t>, Alicia </a:t>
-            </a:r>
-            <a:r>
-              <a:rPr lang="en-US" sz="1600" dirty="0" err="1"/>
-              <a:t>Klinvex</a:t>
-            </a:r>
-            <a:r>
-              <a:rPr lang="en-US" sz="1600" dirty="0"/>
-              <a:t>, Jared O’Neal, David Rogers</a:t>
-            </a:r>
-          </a:p>
-          <a:p>
-            <a:pPr>
-              <a:spcBef>
-                <a:spcPts val="400"/>
-              </a:spcBef>
-            </a:pPr>
-            <a:r>
-              <a:rPr lang="en-US" sz="1600" dirty="0"/>
-              <a:t>This work was supported by the U.S. Department of Energy Office of Science, Office of Advanced Scientific Computing Research (ASCR), and by the </a:t>
-            </a:r>
-            <a:r>
-              <a:rPr lang="en-US" sz="1600" dirty="0" err="1"/>
-              <a:t>Exascale</a:t>
-            </a:r>
-            <a:r>
-              <a:rPr lang="en-US" sz="1600" dirty="0"/>
-              <a:t> Computing Project (17-SC-20-SC), a collaborative effort of the U.S. Department of Energy Office of Science and the National Nuclear Security Administration</a:t>
-            </a:r>
-            <a:r>
-              <a:rPr lang="en-US" sz="1600" i="1" dirty="0"/>
-              <a:t>.</a:t>
-            </a:r>
-            <a:endParaRPr lang="en-US" sz="1600" dirty="0"/>
-          </a:p>
-          <a:p>
-            <a:pPr>
-              <a:spcBef>
-                <a:spcPts val="400"/>
-              </a:spcBef>
-            </a:pPr>
-            <a:r>
-              <a:rPr lang="en-US" sz="1600" dirty="0"/>
-              <a:t>This work was performed in part at the Argonne National Laboratory, which is managed by </a:t>
-            </a:r>
-            <a:r>
-              <a:rPr lang="en-US" sz="1600" dirty="0" err="1"/>
-              <a:t>UChicago</a:t>
-            </a:r>
-            <a:r>
-              <a:rPr lang="en-US" sz="1600" dirty="0"/>
-              <a:t> Argonne, LLC for the U.S. Department of Energy under Contract No. DE-AC02-06CH11357.</a:t>
-            </a:r>
-          </a:p>
-          <a:p>
-            <a:pPr>
-              <a:spcBef>
-                <a:spcPts val="400"/>
-              </a:spcBef>
-            </a:pPr>
-            <a:r>
-              <a:rPr lang="en-US" sz="1600" dirty="0"/>
-              <a:t>This work was performed in part at the Oak Ridge National Laboratory, which is managed by UT-Battelle, LLC for the U.S. Department of Energy under Contract No. DE-AC05-00OR22725.</a:t>
-            </a:r>
-          </a:p>
-          <a:p>
-            <a:pPr>
-              <a:spcBef>
-                <a:spcPts val="400"/>
-              </a:spcBef>
-            </a:pPr>
-            <a:r>
-              <a:rPr lang="en-US" sz="1600" dirty="0"/>
-              <a:t>This work was performed in part at the Lawrence Livermore National Laboratory, which is managed by Lawrence Livermore National Security, LLC for the U.S. Department of Energy under Contract No. DE-AC52-07NA27344.</a:t>
-            </a:r>
-          </a:p>
-          <a:p>
-            <a:pPr>
-              <a:spcBef>
-                <a:spcPts val="400"/>
-              </a:spcBef>
-            </a:pPr>
-            <a:r>
-              <a:rPr lang="en-US" sz="1600" dirty="0"/>
-              <a:t>This work was performed in part at Sandia National Laboratories. Sandia National Laboratories is a multi-mission laboratory managed and operated by National Technology and Engineering Solutions of Sandia, LLC., a wholly owned subsidiary of Honeywell International, Inc., for the U.S. Department of Energy’s National Nuclear Security Administration under contract DE-NA0003525.</a:t>
-            </a:r>
-          </a:p>
-        </p:txBody>
-      </p:sp>
-      <p:pic>
-        <p:nvPicPr>
-          <p:cNvPr id="4" name="Picture 2" descr="https://licensebuttons.net/l/by/4.0/88x31.png">
-            <a:extLst>
-              <a:ext uri="{FF2B5EF4-FFF2-40B4-BE49-F238E27FC236}">
-                <a16:creationId xmlns:a16="http://schemas.microsoft.com/office/drawing/2014/main" id="{61840015-22A0-4634-A2DE-AA05F998FD3A}"/>
-              </a:ext>
-            </a:extLst>
-          </p:cNvPr>
-          <p:cNvPicPr>
-            <a:picLocks noChangeAspect="1" noChangeArrowheads="1"/>
-          </p:cNvPicPr>
-          <p:nvPr/>
-        </p:nvPicPr>
-        <p:blipFill>
-          <a:blip r:embed="rId5">
-            <a:extLst>
-              <a:ext uri="{28A0092B-C50C-407E-A947-70E740481C1C}">
-                <a14:useLocalDpi xmlns:a14="http://schemas.microsoft.com/office/drawing/2010/main" val="0"/>
-              </a:ext>
-            </a:extLst>
-          </a:blip>
-          <a:srcRect/>
-          <a:stretch>
-            <a:fillRect/>
-          </a:stretch>
-        </p:blipFill>
-        <p:spPr bwMode="auto">
-          <a:xfrm>
-            <a:off x="10249254" y="570111"/>
-            <a:ext cx="1661258" cy="585216"/>
-          </a:xfrm>
-          <a:prstGeom prst="rect">
-            <a:avLst/>
-          </a:prstGeom>
-          <a:noFill/>
-          <a:extLst>
-            <a:ext uri="{909E8E84-426E-40DD-AFC4-6F175D3DCCD1}">
-              <a14:hiddenFill xmlns:a14="http://schemas.microsoft.com/office/drawing/2010/main">
-                <a:solidFill>
-                  <a:srgbClr val="FFFFFF"/>
-                </a:solidFill>
-              </a14:hiddenFill>
-            </a:ext>
-          </a:extLst>
-        </p:spPr>
-      </p:pic>
-    </p:spTree>
-    <p:extLst>
-      <p:ext uri="{BB962C8B-B14F-4D97-AF65-F5344CB8AC3E}">
-        <p14:creationId xmlns:p14="http://schemas.microsoft.com/office/powerpoint/2010/main" val="978726433"/>
-      </p:ext>
-    </p:extLst>
-  </p:cSld>
-  <p:clrMapOvr>
-    <a:masterClrMapping/>
-  </p:clrMapOvr>
-</p:sld>
-</file>
-
-<file path=ppt/slides/slide20.xml><?xml version="1.0" encoding="utf-8"?>
+<file path=ppt/slides/slide21.xml><?xml version="1.0" encoding="utf-8"?>
 <p:sld xmlns:a="http://schemas.openxmlformats.org/drawingml/2006/main" xmlns:r="http://schemas.openxmlformats.org/officeDocument/2006/relationships" xmlns:p="http://schemas.openxmlformats.org/presentationml/2006/main">
   <p:cSld>
     <p:spTree>
@@ -12409,10 +12628,18 @@
   <p:clrMapOvr>
     <a:masterClrMapping/>
   </p:clrMapOvr>
+  <mc:AlternateContent xmlns:mc="http://schemas.openxmlformats.org/markup-compatibility/2006" xmlns:p14="http://schemas.microsoft.com/office/powerpoint/2010/main">
+    <mc:Choice Requires="p14">
+      <p:transition spd="slow" p14:dur="2000" advTm="93020"/>
+    </mc:Choice>
+    <mc:Fallback xmlns="">
+      <p:transition spd="slow" advTm="93020"/>
+    </mc:Fallback>
+  </mc:AlternateContent>
 </p:sld>
 </file>
 
-<file path=ppt/slides/slide21.xml><?xml version="1.0" encoding="utf-8"?>
+<file path=ppt/slides/slide22.xml><?xml version="1.0" encoding="utf-8"?>
 <p:sld xmlns:a="http://schemas.openxmlformats.org/drawingml/2006/main" xmlns:r="http://schemas.openxmlformats.org/officeDocument/2006/relationships" xmlns:p="http://schemas.openxmlformats.org/presentationml/2006/main">
   <p:cSld>
     <p:spTree>
@@ -12555,7 +12782,7 @@
             <a:fld id="{B557289E-1B3F-4E63-935A-0E0E5EBBCF05}" type="datetime1">
               <a:rPr lang="en-US" smtClean="0"/>
               <a:pPr/>
-              <a:t>8/2/2020</a:t>
+              <a:t>10/23/20</a:t>
             </a:fld>
             <a:endParaRPr lang="en-US"/>
           </a:p>
@@ -12687,7 +12914,7 @@
             <a:fld id="{AEFAAC5A-9C4F-4278-920D-DF2BAB595749}" type="slidenum">
               <a:rPr lang="en-US" smtClean="0"/>
               <a:pPr/>
-              <a:t>21</a:t>
+              <a:t>22</a:t>
             </a:fld>
             <a:endParaRPr lang="en-US" dirty="0"/>
           </a:p>
@@ -13051,10 +13278,18 @@
   <p:clrMapOvr>
     <a:masterClrMapping/>
   </p:clrMapOvr>
+  <mc:AlternateContent xmlns:mc="http://schemas.openxmlformats.org/markup-compatibility/2006" xmlns:p14="http://schemas.microsoft.com/office/powerpoint/2010/main">
+    <mc:Choice Requires="p14">
+      <p:transition spd="slow" p14:dur="2000" advTm="30929"/>
+    </mc:Choice>
+    <mc:Fallback xmlns="">
+      <p:transition spd="slow" advTm="30929"/>
+    </mc:Fallback>
+  </mc:AlternateContent>
 </p:sld>
 </file>
 
-<file path=ppt/slides/slide22.xml><?xml version="1.0" encoding="utf-8"?>
+<file path=ppt/slides/slide23.xml><?xml version="1.0" encoding="utf-8"?>
 <p:sld xmlns:a="http://schemas.openxmlformats.org/drawingml/2006/main" xmlns:r="http://schemas.openxmlformats.org/officeDocument/2006/relationships" xmlns:p="http://schemas.openxmlformats.org/presentationml/2006/main">
   <p:cSld>
     <p:spTree>
@@ -13258,10 +13493,18 @@
   <p:clrMapOvr>
     <a:masterClrMapping/>
   </p:clrMapOvr>
+  <mc:AlternateContent xmlns:mc="http://schemas.openxmlformats.org/markup-compatibility/2006" xmlns:p14="http://schemas.microsoft.com/office/powerpoint/2010/main">
+    <mc:Choice Requires="p14">
+      <p:transition spd="slow" p14:dur="2000" advTm="73779"/>
+    </mc:Choice>
+    <mc:Fallback xmlns="">
+      <p:transition spd="slow" advTm="73779"/>
+    </mc:Fallback>
+  </mc:AlternateContent>
 </p:sld>
 </file>
 
-<file path=ppt/slides/slide23.xml><?xml version="1.0" encoding="utf-8"?>
+<file path=ppt/slides/slide24.xml><?xml version="1.0" encoding="utf-8"?>
 <p:sld xmlns:a="http://schemas.openxmlformats.org/drawingml/2006/main" xmlns:r="http://schemas.openxmlformats.org/officeDocument/2006/relationships" xmlns:p="http://schemas.openxmlformats.org/presentationml/2006/main">
   <p:cSld>
     <p:spTree>
@@ -15556,7253 +15799,18 @@
   <p:clrMapOvr>
     <a:masterClrMapping/>
   </p:clrMapOvr>
-</p:sld>
-</file>
-
-<file path=ppt/slides/slide24.xml><?xml version="1.0" encoding="utf-8"?>
-<p:sld xmlns:a="http://schemas.openxmlformats.org/drawingml/2006/main" xmlns:r="http://schemas.openxmlformats.org/officeDocument/2006/relationships" xmlns:p="http://schemas.openxmlformats.org/presentationml/2006/main">
-  <p:cSld>
-    <p:spTree>
-      <p:nvGrpSpPr>
-        <p:cNvPr id="1" name=""/>
-        <p:cNvGrpSpPr/>
-        <p:nvPr/>
-      </p:nvGrpSpPr>
-      <p:grpSpPr>
-        <a:xfrm>
-          <a:off x="0" y="0"/>
-          <a:ext cx="0" cy="0"/>
-          <a:chOff x="0" y="0"/>
-          <a:chExt cx="0" cy="0"/>
-        </a:xfrm>
-      </p:grpSpPr>
-      <p:grpSp>
-        <p:nvGrpSpPr>
-          <p:cNvPr id="53" name="Group 52"/>
-          <p:cNvGrpSpPr/>
-          <p:nvPr/>
-        </p:nvGrpSpPr>
-        <p:grpSpPr>
-          <a:xfrm>
-            <a:off x="1708778" y="1762304"/>
-            <a:ext cx="3709959" cy="4017451"/>
-            <a:chOff x="-314717" y="643786"/>
-            <a:chExt cx="4946614" cy="5356602"/>
-          </a:xfrm>
-        </p:grpSpPr>
-        <p:sp>
-          <p:nvSpPr>
-            <p:cNvPr id="4" name="TextBox 3"/>
-            <p:cNvSpPr txBox="1"/>
-            <p:nvPr/>
-          </p:nvSpPr>
-          <p:spPr>
-            <a:xfrm>
-              <a:off x="1082915" y="643786"/>
-              <a:ext cx="2161276" cy="492443"/>
-            </a:xfrm>
-            <a:prstGeom prst="rect">
-              <a:avLst/>
-            </a:prstGeom>
-            <a:solidFill>
-              <a:schemeClr val="accent1">
-                <a:lumMod val="20000"/>
-                <a:lumOff val="80000"/>
-              </a:schemeClr>
-            </a:solidFill>
-            <a:ln>
-              <a:solidFill>
-                <a:schemeClr val="tx1"/>
-              </a:solidFill>
-            </a:ln>
-          </p:spPr>
-          <p:txBody>
-            <a:bodyPr wrap="none" rtlCol="0">
-              <a:spAutoFit/>
-            </a:bodyPr>
-            <a:lstStyle/>
-            <a:p>
-              <a:r>
-                <a:rPr lang="en-US" dirty="0"/>
-                <a:t>Requirements</a:t>
-              </a:r>
-            </a:p>
-          </p:txBody>
-        </p:sp>
-        <p:sp>
-          <p:nvSpPr>
-            <p:cNvPr id="8" name="TextBox 7"/>
-            <p:cNvSpPr txBox="1"/>
-            <p:nvPr/>
-          </p:nvSpPr>
-          <p:spPr>
-            <a:xfrm>
-              <a:off x="-314717" y="1661953"/>
-              <a:ext cx="4946614" cy="492443"/>
-            </a:xfrm>
-            <a:prstGeom prst="rect">
-              <a:avLst/>
-            </a:prstGeom>
-            <a:solidFill>
-              <a:srgbClr val="DF6474"/>
-            </a:solidFill>
-            <a:ln>
-              <a:solidFill>
-                <a:schemeClr val="tx1"/>
-              </a:solidFill>
-            </a:ln>
-          </p:spPr>
-          <p:txBody>
-            <a:bodyPr wrap="square" rtlCol="0">
-              <a:spAutoFit/>
-            </a:bodyPr>
-            <a:lstStyle/>
-            <a:p>
-              <a:r>
-                <a:rPr lang="en-US" dirty="0"/>
-                <a:t>Software Architecture API  Design</a:t>
-              </a:r>
-            </a:p>
-          </p:txBody>
-        </p:sp>
-        <p:sp>
-          <p:nvSpPr>
-            <p:cNvPr id="10" name="TextBox 9"/>
-            <p:cNvSpPr txBox="1"/>
-            <p:nvPr/>
-          </p:nvSpPr>
-          <p:spPr>
-            <a:xfrm>
-              <a:off x="1317335" y="2878282"/>
-              <a:ext cx="1682512" cy="492443"/>
-            </a:xfrm>
-            <a:prstGeom prst="rect">
-              <a:avLst/>
-            </a:prstGeom>
-            <a:solidFill>
-              <a:schemeClr val="accent1">
-                <a:lumMod val="20000"/>
-                <a:lumOff val="80000"/>
-              </a:schemeClr>
-            </a:solidFill>
-            <a:ln>
-              <a:solidFill>
-                <a:schemeClr val="tx1"/>
-              </a:solidFill>
-            </a:ln>
-          </p:spPr>
-          <p:txBody>
-            <a:bodyPr wrap="none" rtlCol="0">
-              <a:spAutoFit/>
-            </a:bodyPr>
-            <a:lstStyle/>
-            <a:p>
-              <a:r>
-                <a:rPr lang="en-US" dirty="0"/>
-                <a:t>Implement</a:t>
-              </a:r>
-            </a:p>
-          </p:txBody>
-        </p:sp>
-        <p:sp>
-          <p:nvSpPr>
-            <p:cNvPr id="11" name="TextBox 10"/>
-            <p:cNvSpPr txBox="1"/>
-            <p:nvPr/>
-          </p:nvSpPr>
-          <p:spPr>
-            <a:xfrm>
-              <a:off x="1753309" y="3705933"/>
-              <a:ext cx="810564" cy="492443"/>
-            </a:xfrm>
-            <a:prstGeom prst="rect">
-              <a:avLst/>
-            </a:prstGeom>
-            <a:solidFill>
-              <a:srgbClr val="DF6474"/>
-            </a:solidFill>
-            <a:ln>
-              <a:solidFill>
-                <a:schemeClr val="tx1"/>
-              </a:solidFill>
-            </a:ln>
-          </p:spPr>
-          <p:txBody>
-            <a:bodyPr wrap="none" rtlCol="0">
-              <a:spAutoFit/>
-            </a:bodyPr>
-            <a:lstStyle/>
-            <a:p>
-              <a:r>
-                <a:rPr lang="en-US" dirty="0"/>
-                <a:t>Test</a:t>
-              </a:r>
-            </a:p>
-          </p:txBody>
-        </p:sp>
-        <p:sp>
-          <p:nvSpPr>
-            <p:cNvPr id="12" name="TextBox 11"/>
-            <p:cNvSpPr txBox="1"/>
-            <p:nvPr/>
-          </p:nvSpPr>
-          <p:spPr>
-            <a:xfrm>
-              <a:off x="1469618" y="4687727"/>
-              <a:ext cx="1408934" cy="492443"/>
-            </a:xfrm>
-            <a:prstGeom prst="rect">
-              <a:avLst/>
-            </a:prstGeom>
-            <a:solidFill>
-              <a:schemeClr val="accent1">
-                <a:lumMod val="20000"/>
-                <a:lumOff val="80000"/>
-              </a:schemeClr>
-            </a:solidFill>
-            <a:ln>
-              <a:solidFill>
-                <a:schemeClr val="tx1"/>
-              </a:solidFill>
-            </a:ln>
-          </p:spPr>
-          <p:txBody>
-            <a:bodyPr wrap="none" rtlCol="0">
-              <a:spAutoFit/>
-            </a:bodyPr>
-            <a:lstStyle/>
-            <a:p>
-              <a:r>
-                <a:rPr lang="en-US" dirty="0"/>
-                <a:t>Maintain</a:t>
-              </a:r>
-            </a:p>
-          </p:txBody>
-        </p:sp>
-        <p:sp>
-          <p:nvSpPr>
-            <p:cNvPr id="13" name="TextBox 12"/>
-            <p:cNvSpPr txBox="1"/>
-            <p:nvPr/>
-          </p:nvSpPr>
-          <p:spPr>
-            <a:xfrm>
-              <a:off x="1435421" y="5507945"/>
-              <a:ext cx="1477328" cy="492443"/>
-            </a:xfrm>
-            <a:prstGeom prst="rect">
-              <a:avLst/>
-            </a:prstGeom>
-            <a:solidFill>
-              <a:srgbClr val="DF6474"/>
-            </a:solidFill>
-            <a:ln>
-              <a:solidFill>
-                <a:schemeClr val="tx1"/>
-              </a:solidFill>
-            </a:ln>
-          </p:spPr>
-          <p:txBody>
-            <a:bodyPr wrap="none" rtlCol="0">
-              <a:spAutoFit/>
-            </a:bodyPr>
-            <a:lstStyle/>
-            <a:p>
-              <a:r>
-                <a:rPr lang="en-US" dirty="0"/>
-                <a:t>Augment</a:t>
-              </a:r>
-            </a:p>
-          </p:txBody>
-        </p:sp>
-        <p:cxnSp>
-          <p:nvCxnSpPr>
-            <p:cNvPr id="21" name="Straight Arrow Connector 20"/>
-            <p:cNvCxnSpPr>
-              <a:cxnSpLocks/>
-              <a:stCxn id="4" idx="2"/>
-              <a:endCxn id="8" idx="0"/>
-            </p:cNvCxnSpPr>
-            <p:nvPr/>
-          </p:nvCxnSpPr>
-          <p:spPr>
-            <a:xfrm flipH="1">
-              <a:off x="2158591" y="1136229"/>
-              <a:ext cx="4963" cy="525724"/>
-            </a:xfrm>
-            <a:prstGeom prst="straightConnector1">
-              <a:avLst/>
-            </a:prstGeom>
-            <a:ln>
-              <a:solidFill>
-                <a:schemeClr val="tx1"/>
-              </a:solidFill>
-              <a:tailEnd type="arrow"/>
-            </a:ln>
-          </p:spPr>
-          <p:style>
-            <a:lnRef idx="2">
-              <a:schemeClr val="accent1"/>
-            </a:lnRef>
-            <a:fillRef idx="0">
-              <a:schemeClr val="accent1"/>
-            </a:fillRef>
-            <a:effectRef idx="1">
-              <a:schemeClr val="accent1"/>
-            </a:effectRef>
-            <a:fontRef idx="minor">
-              <a:schemeClr val="tx1"/>
-            </a:fontRef>
-          </p:style>
-        </p:cxnSp>
-        <p:cxnSp>
-          <p:nvCxnSpPr>
-            <p:cNvPr id="23" name="Straight Arrow Connector 22"/>
-            <p:cNvCxnSpPr>
-              <a:cxnSpLocks/>
-              <a:stCxn id="8" idx="2"/>
-              <a:endCxn id="10" idx="0"/>
-            </p:cNvCxnSpPr>
-            <p:nvPr/>
-          </p:nvCxnSpPr>
-          <p:spPr>
-            <a:xfrm>
-              <a:off x="2158591" y="2154396"/>
-              <a:ext cx="1" cy="723887"/>
-            </a:xfrm>
-            <a:prstGeom prst="straightConnector1">
-              <a:avLst/>
-            </a:prstGeom>
-            <a:ln>
-              <a:solidFill>
-                <a:schemeClr val="tx1"/>
-              </a:solidFill>
-              <a:tailEnd type="arrow"/>
-            </a:ln>
-          </p:spPr>
-          <p:style>
-            <a:lnRef idx="2">
-              <a:schemeClr val="accent1"/>
-            </a:lnRef>
-            <a:fillRef idx="0">
-              <a:schemeClr val="accent1"/>
-            </a:fillRef>
-            <a:effectRef idx="1">
-              <a:schemeClr val="accent1"/>
-            </a:effectRef>
-            <a:fontRef idx="minor">
-              <a:schemeClr val="tx1"/>
-            </a:fontRef>
-          </p:style>
-        </p:cxnSp>
-        <p:cxnSp>
-          <p:nvCxnSpPr>
-            <p:cNvPr id="26" name="Straight Arrow Connector 25"/>
-            <p:cNvCxnSpPr>
-              <a:cxnSpLocks/>
-              <a:stCxn id="10" idx="2"/>
-              <a:endCxn id="11" idx="0"/>
-            </p:cNvCxnSpPr>
-            <p:nvPr/>
-          </p:nvCxnSpPr>
-          <p:spPr>
-            <a:xfrm>
-              <a:off x="2158591" y="3370725"/>
-              <a:ext cx="0" cy="335208"/>
-            </a:xfrm>
-            <a:prstGeom prst="straightConnector1">
-              <a:avLst/>
-            </a:prstGeom>
-            <a:ln>
-              <a:solidFill>
-                <a:schemeClr val="tx1"/>
-              </a:solidFill>
-              <a:tailEnd type="arrow"/>
-            </a:ln>
-          </p:spPr>
-          <p:style>
-            <a:lnRef idx="2">
-              <a:schemeClr val="accent1"/>
-            </a:lnRef>
-            <a:fillRef idx="0">
-              <a:schemeClr val="accent1"/>
-            </a:fillRef>
-            <a:effectRef idx="1">
-              <a:schemeClr val="accent1"/>
-            </a:effectRef>
-            <a:fontRef idx="minor">
-              <a:schemeClr val="tx1"/>
-            </a:fontRef>
-          </p:style>
-        </p:cxnSp>
-        <p:cxnSp>
-          <p:nvCxnSpPr>
-            <p:cNvPr id="29" name="Straight Arrow Connector 28"/>
-            <p:cNvCxnSpPr>
-              <a:cxnSpLocks/>
-              <a:stCxn id="11" idx="2"/>
-              <a:endCxn id="12" idx="0"/>
-            </p:cNvCxnSpPr>
-            <p:nvPr/>
-          </p:nvCxnSpPr>
-          <p:spPr>
-            <a:xfrm>
-              <a:off x="2158591" y="4198376"/>
-              <a:ext cx="15493" cy="489351"/>
-            </a:xfrm>
-            <a:prstGeom prst="straightConnector1">
-              <a:avLst/>
-            </a:prstGeom>
-            <a:ln>
-              <a:solidFill>
-                <a:schemeClr val="tx1"/>
-              </a:solidFill>
-              <a:tailEnd type="arrow"/>
-            </a:ln>
-          </p:spPr>
-          <p:style>
-            <a:lnRef idx="2">
-              <a:schemeClr val="accent1"/>
-            </a:lnRef>
-            <a:fillRef idx="0">
-              <a:schemeClr val="accent1"/>
-            </a:fillRef>
-            <a:effectRef idx="1">
-              <a:schemeClr val="accent1"/>
-            </a:effectRef>
-            <a:fontRef idx="minor">
-              <a:schemeClr val="tx1"/>
-            </a:fontRef>
-          </p:style>
-        </p:cxnSp>
-        <p:cxnSp>
-          <p:nvCxnSpPr>
-            <p:cNvPr id="31" name="Straight Arrow Connector 30"/>
-            <p:cNvCxnSpPr>
-              <a:cxnSpLocks/>
-              <a:stCxn id="12" idx="2"/>
-              <a:endCxn id="13" idx="0"/>
-            </p:cNvCxnSpPr>
-            <p:nvPr/>
-          </p:nvCxnSpPr>
-          <p:spPr>
-            <a:xfrm>
-              <a:off x="2174085" y="5180169"/>
-              <a:ext cx="0" cy="327776"/>
-            </a:xfrm>
-            <a:prstGeom prst="straightConnector1">
-              <a:avLst/>
-            </a:prstGeom>
-            <a:ln>
-              <a:solidFill>
-                <a:schemeClr val="tx1"/>
-              </a:solidFill>
-              <a:tailEnd type="arrow"/>
-            </a:ln>
-          </p:spPr>
-          <p:style>
-            <a:lnRef idx="2">
-              <a:schemeClr val="accent1"/>
-            </a:lnRef>
-            <a:fillRef idx="0">
-              <a:schemeClr val="accent1"/>
-            </a:fillRef>
-            <a:effectRef idx="1">
-              <a:schemeClr val="accent1"/>
-            </a:effectRef>
-            <a:fontRef idx="minor">
-              <a:schemeClr val="tx1"/>
-            </a:fontRef>
-          </p:style>
-        </p:cxnSp>
-      </p:grpSp>
-      <p:grpSp>
-        <p:nvGrpSpPr>
-          <p:cNvPr id="54" name="Group 53"/>
-          <p:cNvGrpSpPr/>
-          <p:nvPr/>
-        </p:nvGrpSpPr>
-        <p:grpSpPr>
-          <a:xfrm>
-            <a:off x="5310296" y="1774641"/>
-            <a:ext cx="2020861" cy="4019171"/>
-            <a:chOff x="5164498" y="592290"/>
-            <a:chExt cx="1460230" cy="5021045"/>
-          </a:xfrm>
-        </p:grpSpPr>
-        <p:sp>
-          <p:nvSpPr>
-            <p:cNvPr id="14" name="TextBox 13"/>
-            <p:cNvSpPr txBox="1"/>
-            <p:nvPr/>
-          </p:nvSpPr>
-          <p:spPr>
-            <a:xfrm>
-              <a:off x="5361852" y="592290"/>
-              <a:ext cx="1084058" cy="492443"/>
-            </a:xfrm>
-            <a:prstGeom prst="rect">
-              <a:avLst/>
-            </a:prstGeom>
-            <a:solidFill>
-              <a:schemeClr val="accent3">
-                <a:lumMod val="20000"/>
-                <a:lumOff val="80000"/>
-              </a:schemeClr>
-            </a:solidFill>
-            <a:ln>
-              <a:solidFill>
-                <a:schemeClr val="tx1"/>
-              </a:solidFill>
-            </a:ln>
-          </p:spPr>
-          <p:txBody>
-            <a:bodyPr wrap="none" rtlCol="0">
-              <a:spAutoFit/>
-            </a:bodyPr>
-            <a:lstStyle/>
-            <a:p>
-              <a:r>
-                <a:rPr lang="en-US" dirty="0"/>
-                <a:t>Model</a:t>
-              </a:r>
-            </a:p>
-          </p:txBody>
-        </p:sp>
-        <p:sp>
-          <p:nvSpPr>
-            <p:cNvPr id="15" name="TextBox 14"/>
-            <p:cNvSpPr txBox="1"/>
-            <p:nvPr/>
-          </p:nvSpPr>
-          <p:spPr>
-            <a:xfrm>
-              <a:off x="5532838" y="1524766"/>
-              <a:ext cx="742084" cy="492443"/>
-            </a:xfrm>
-            <a:prstGeom prst="rect">
-              <a:avLst/>
-            </a:prstGeom>
-            <a:solidFill>
-              <a:srgbClr val="DF6474"/>
-            </a:solidFill>
-            <a:ln>
-              <a:solidFill>
-                <a:schemeClr val="tx1"/>
-              </a:solidFill>
-            </a:ln>
-          </p:spPr>
-          <p:txBody>
-            <a:bodyPr wrap="none" rtlCol="0">
-              <a:spAutoFit/>
-            </a:bodyPr>
-            <a:lstStyle/>
-            <a:p>
-              <a:r>
-                <a:rPr lang="en-US" dirty="0"/>
-                <a:t>API</a:t>
-              </a:r>
-            </a:p>
-          </p:txBody>
-        </p:sp>
-        <p:sp>
-          <p:nvSpPr>
-            <p:cNvPr id="16" name="TextBox 15"/>
-            <p:cNvSpPr txBox="1"/>
-            <p:nvPr/>
-          </p:nvSpPr>
-          <p:spPr>
-            <a:xfrm>
-              <a:off x="5210370" y="2666866"/>
-              <a:ext cx="1374735" cy="861775"/>
-            </a:xfrm>
-            <a:prstGeom prst="rect">
-              <a:avLst/>
-            </a:prstGeom>
-            <a:solidFill>
-              <a:schemeClr val="accent3">
-                <a:lumMod val="20000"/>
-                <a:lumOff val="80000"/>
-              </a:schemeClr>
-            </a:solidFill>
-            <a:ln>
-              <a:solidFill>
-                <a:schemeClr val="tx1"/>
-              </a:solidFill>
-            </a:ln>
-          </p:spPr>
-          <p:txBody>
-            <a:bodyPr wrap="none" rtlCol="0">
-              <a:spAutoFit/>
-            </a:bodyPr>
-            <a:lstStyle/>
-            <a:p>
-              <a:r>
-                <a:rPr lang="en-US" dirty="0"/>
-                <a:t>Design</a:t>
-              </a:r>
-            </a:p>
-            <a:p>
-              <a:r>
-                <a:rPr lang="en-US" dirty="0"/>
-                <a:t>Develop</a:t>
-              </a:r>
-            </a:p>
-          </p:txBody>
-        </p:sp>
-        <p:sp>
-          <p:nvSpPr>
-            <p:cNvPr id="18" name="TextBox 17"/>
-            <p:cNvSpPr txBox="1"/>
-            <p:nvPr/>
-          </p:nvSpPr>
-          <p:spPr>
-            <a:xfrm>
-              <a:off x="5225813" y="3935140"/>
-              <a:ext cx="1334811" cy="492443"/>
-            </a:xfrm>
-            <a:prstGeom prst="rect">
-              <a:avLst/>
-            </a:prstGeom>
-            <a:solidFill>
-              <a:schemeClr val="accent3">
-                <a:lumMod val="20000"/>
-                <a:lumOff val="80000"/>
-              </a:schemeClr>
-            </a:solidFill>
-            <a:ln>
-              <a:solidFill>
-                <a:schemeClr val="tx1"/>
-              </a:solidFill>
-            </a:ln>
-          </p:spPr>
-          <p:txBody>
-            <a:bodyPr wrap="none" rtlCol="0">
-              <a:spAutoFit/>
-            </a:bodyPr>
-            <a:lstStyle/>
-            <a:p>
-              <a:r>
-                <a:rPr lang="en-US" dirty="0"/>
-                <a:t>Validate</a:t>
-              </a:r>
-            </a:p>
-          </p:txBody>
-        </p:sp>
-        <p:sp>
-          <p:nvSpPr>
-            <p:cNvPr id="19" name="TextBox 18"/>
-            <p:cNvSpPr txBox="1"/>
-            <p:nvPr/>
-          </p:nvSpPr>
-          <p:spPr>
-            <a:xfrm>
-              <a:off x="5164498" y="5120893"/>
-              <a:ext cx="1460230" cy="492442"/>
-            </a:xfrm>
-            <a:prstGeom prst="rect">
-              <a:avLst/>
-            </a:prstGeom>
-            <a:solidFill>
-              <a:srgbClr val="DF6474"/>
-            </a:solidFill>
-            <a:ln>
-              <a:solidFill>
-                <a:schemeClr val="tx1"/>
-              </a:solidFill>
-            </a:ln>
-          </p:spPr>
-          <p:txBody>
-            <a:bodyPr wrap="none" rtlCol="0">
-              <a:spAutoFit/>
-            </a:bodyPr>
-            <a:lstStyle/>
-            <a:p>
-              <a:r>
-                <a:rPr lang="en-US" dirty="0"/>
-                <a:t>Integrate</a:t>
-              </a:r>
-            </a:p>
-          </p:txBody>
-        </p:sp>
-        <p:cxnSp>
-          <p:nvCxnSpPr>
-            <p:cNvPr id="33" name="Straight Arrow Connector 32"/>
-            <p:cNvCxnSpPr>
-              <a:cxnSpLocks/>
-              <a:stCxn id="14" idx="2"/>
-              <a:endCxn id="15" idx="0"/>
-            </p:cNvCxnSpPr>
-            <p:nvPr/>
-          </p:nvCxnSpPr>
-          <p:spPr>
-            <a:xfrm flipH="1">
-              <a:off x="5903880" y="1084732"/>
-              <a:ext cx="1" cy="440033"/>
-            </a:xfrm>
-            <a:prstGeom prst="straightConnector1">
-              <a:avLst/>
-            </a:prstGeom>
-            <a:ln>
-              <a:solidFill>
-                <a:schemeClr val="tx1"/>
-              </a:solidFill>
-              <a:tailEnd type="arrow"/>
-            </a:ln>
-          </p:spPr>
-          <p:style>
-            <a:lnRef idx="2">
-              <a:schemeClr val="accent1"/>
-            </a:lnRef>
-            <a:fillRef idx="0">
-              <a:schemeClr val="accent1"/>
-            </a:fillRef>
-            <a:effectRef idx="1">
-              <a:schemeClr val="accent1"/>
-            </a:effectRef>
-            <a:fontRef idx="minor">
-              <a:schemeClr val="tx1"/>
-            </a:fontRef>
-          </p:style>
-        </p:cxnSp>
-        <p:cxnSp>
-          <p:nvCxnSpPr>
-            <p:cNvPr id="35" name="Straight Arrow Connector 34"/>
-            <p:cNvCxnSpPr>
-              <a:cxnSpLocks/>
-              <a:stCxn id="15" idx="2"/>
-              <a:endCxn id="16" idx="0"/>
-            </p:cNvCxnSpPr>
-            <p:nvPr/>
-          </p:nvCxnSpPr>
-          <p:spPr>
-            <a:xfrm flipH="1">
-              <a:off x="5897738" y="2017209"/>
-              <a:ext cx="6143" cy="649657"/>
-            </a:xfrm>
-            <a:prstGeom prst="straightConnector1">
-              <a:avLst/>
-            </a:prstGeom>
-            <a:ln>
-              <a:solidFill>
-                <a:schemeClr val="tx1"/>
-              </a:solidFill>
-              <a:tailEnd type="arrow"/>
-            </a:ln>
-          </p:spPr>
-          <p:style>
-            <a:lnRef idx="2">
-              <a:schemeClr val="accent1"/>
-            </a:lnRef>
-            <a:fillRef idx="0">
-              <a:schemeClr val="accent1"/>
-            </a:fillRef>
-            <a:effectRef idx="1">
-              <a:schemeClr val="accent1"/>
-            </a:effectRef>
-            <a:fontRef idx="minor">
-              <a:schemeClr val="tx1"/>
-            </a:fontRef>
-          </p:style>
-        </p:cxnSp>
-        <p:cxnSp>
-          <p:nvCxnSpPr>
-            <p:cNvPr id="39" name="Straight Arrow Connector 38"/>
-            <p:cNvCxnSpPr>
-              <a:cxnSpLocks/>
-              <a:stCxn id="16" idx="2"/>
-              <a:endCxn id="18" idx="0"/>
-            </p:cNvCxnSpPr>
-            <p:nvPr/>
-          </p:nvCxnSpPr>
-          <p:spPr>
-            <a:xfrm flipH="1">
-              <a:off x="5893218" y="3528641"/>
-              <a:ext cx="4520" cy="406499"/>
-            </a:xfrm>
-            <a:prstGeom prst="straightConnector1">
-              <a:avLst/>
-            </a:prstGeom>
-            <a:ln>
-              <a:solidFill>
-                <a:schemeClr val="tx1"/>
-              </a:solidFill>
-              <a:tailEnd type="arrow"/>
-            </a:ln>
-          </p:spPr>
-          <p:style>
-            <a:lnRef idx="2">
-              <a:schemeClr val="accent1"/>
-            </a:lnRef>
-            <a:fillRef idx="0">
-              <a:schemeClr val="accent1"/>
-            </a:fillRef>
-            <a:effectRef idx="1">
-              <a:schemeClr val="accent1"/>
-            </a:effectRef>
-            <a:fontRef idx="minor">
-              <a:schemeClr val="tx1"/>
-            </a:fontRef>
-          </p:style>
-        </p:cxnSp>
-        <p:cxnSp>
-          <p:nvCxnSpPr>
-            <p:cNvPr id="41" name="Straight Arrow Connector 40"/>
-            <p:cNvCxnSpPr>
-              <a:cxnSpLocks/>
-              <a:stCxn id="18" idx="2"/>
-              <a:endCxn id="19" idx="0"/>
-            </p:cNvCxnSpPr>
-            <p:nvPr/>
-          </p:nvCxnSpPr>
-          <p:spPr>
-            <a:xfrm>
-              <a:off x="5893219" y="4427583"/>
-              <a:ext cx="1395" cy="693309"/>
-            </a:xfrm>
-            <a:prstGeom prst="straightConnector1">
-              <a:avLst/>
-            </a:prstGeom>
-            <a:ln>
-              <a:solidFill>
-                <a:schemeClr val="tx1"/>
-              </a:solidFill>
-              <a:tailEnd type="arrow"/>
-            </a:ln>
-          </p:spPr>
-          <p:style>
-            <a:lnRef idx="2">
-              <a:schemeClr val="accent1"/>
-            </a:lnRef>
-            <a:fillRef idx="0">
-              <a:schemeClr val="accent1"/>
-            </a:fillRef>
-            <a:effectRef idx="1">
-              <a:schemeClr val="accent1"/>
-            </a:effectRef>
-            <a:fontRef idx="minor">
-              <a:schemeClr val="tx1"/>
-            </a:fontRef>
-          </p:style>
-        </p:cxnSp>
-      </p:grpSp>
-      <p:cxnSp>
-        <p:nvCxnSpPr>
-          <p:cNvPr id="68" name="Elbow Connector 67"/>
-          <p:cNvCxnSpPr>
-            <a:cxnSpLocks/>
-            <a:stCxn id="13" idx="1"/>
-            <a:endCxn id="8" idx="1"/>
-          </p:cNvCxnSpPr>
-          <p:nvPr/>
-        </p:nvCxnSpPr>
-        <p:spPr>
-          <a:xfrm rot="10800000">
-            <a:off x="1708779" y="2710595"/>
-            <a:ext cx="1312603" cy="2884494"/>
-          </a:xfrm>
-          <a:prstGeom prst="bentConnector3">
-            <a:avLst>
-              <a:gd name="adj1" fmla="val 117416"/>
-            </a:avLst>
-          </a:prstGeom>
-          <a:ln>
-            <a:solidFill>
-              <a:schemeClr val="tx1"/>
-            </a:solidFill>
-            <a:tailEnd type="arrow"/>
-          </a:ln>
-        </p:spPr>
-        <p:style>
-          <a:lnRef idx="2">
-            <a:schemeClr val="accent1"/>
-          </a:lnRef>
-          <a:fillRef idx="0">
-            <a:schemeClr val="accent1"/>
-          </a:fillRef>
-          <a:effectRef idx="1">
-            <a:schemeClr val="accent1"/>
-          </a:effectRef>
-          <a:fontRef idx="minor">
-            <a:schemeClr val="tx1"/>
-          </a:fontRef>
-        </p:style>
-      </p:cxnSp>
-      <p:cxnSp>
-        <p:nvCxnSpPr>
-          <p:cNvPr id="70" name="Elbow Connector 69"/>
-          <p:cNvCxnSpPr>
-            <a:cxnSpLocks/>
-            <a:stCxn id="18" idx="3"/>
-            <a:endCxn id="16" idx="3"/>
-          </p:cNvCxnSpPr>
-          <p:nvPr/>
-        </p:nvCxnSpPr>
-        <p:spPr>
-          <a:xfrm flipV="1">
-            <a:off x="7242441" y="3780178"/>
-            <a:ext cx="33881" cy="867390"/>
-          </a:xfrm>
-          <a:prstGeom prst="bentConnector3">
-            <a:avLst>
-              <a:gd name="adj1" fmla="val 774714"/>
-            </a:avLst>
-          </a:prstGeom>
-          <a:ln>
-            <a:solidFill>
-              <a:schemeClr val="tx1"/>
-            </a:solidFill>
-            <a:tailEnd type="arrow"/>
-          </a:ln>
-        </p:spPr>
-        <p:style>
-          <a:lnRef idx="2">
-            <a:schemeClr val="accent1"/>
-          </a:lnRef>
-          <a:fillRef idx="0">
-            <a:schemeClr val="accent1"/>
-          </a:fillRef>
-          <a:effectRef idx="1">
-            <a:schemeClr val="accent1"/>
-          </a:effectRef>
-          <a:fontRef idx="minor">
-            <a:schemeClr val="tx1"/>
-          </a:fontRef>
-        </p:style>
-      </p:cxnSp>
-      <p:sp>
-        <p:nvSpPr>
-          <p:cNvPr id="74" name="TextBox 73"/>
-          <p:cNvSpPr txBox="1"/>
-          <p:nvPr/>
-        </p:nvSpPr>
-        <p:spPr>
-          <a:xfrm>
-            <a:off x="2976016" y="1122844"/>
-            <a:ext cx="1544012" cy="369332"/>
-          </a:xfrm>
-          <a:prstGeom prst="rect">
-            <a:avLst/>
-          </a:prstGeom>
-          <a:noFill/>
-        </p:spPr>
-        <p:txBody>
-          <a:bodyPr wrap="none" rtlCol="0">
-            <a:spAutoFit/>
-          </a:bodyPr>
-          <a:lstStyle/>
-          <a:p>
-            <a:r>
-              <a:rPr lang="en-US" dirty="0"/>
-              <a:t>Infrastructure</a:t>
-            </a:r>
-          </a:p>
-        </p:txBody>
-      </p:sp>
-      <p:sp>
-        <p:nvSpPr>
-          <p:cNvPr id="75" name="TextBox 74"/>
-          <p:cNvSpPr txBox="1"/>
-          <p:nvPr/>
-        </p:nvSpPr>
-        <p:spPr>
-          <a:xfrm>
-            <a:off x="5310296" y="1138269"/>
-            <a:ext cx="1377300" cy="369332"/>
-          </a:xfrm>
-          <a:prstGeom prst="rect">
-            <a:avLst/>
-          </a:prstGeom>
-          <a:noFill/>
-        </p:spPr>
-        <p:txBody>
-          <a:bodyPr wrap="none" rtlCol="0">
-            <a:spAutoFit/>
-          </a:bodyPr>
-          <a:lstStyle/>
-          <a:p>
-            <a:r>
-              <a:rPr lang="en-US" dirty="0"/>
-              <a:t>Capabilities</a:t>
-            </a:r>
-          </a:p>
-        </p:txBody>
-      </p:sp>
-      <p:cxnSp>
-        <p:nvCxnSpPr>
-          <p:cNvPr id="77" name="Elbow Connector 76"/>
-          <p:cNvCxnSpPr>
-            <a:cxnSpLocks/>
-            <a:stCxn id="19" idx="1"/>
-            <a:endCxn id="13" idx="3"/>
-          </p:cNvCxnSpPr>
-          <p:nvPr/>
-        </p:nvCxnSpPr>
-        <p:spPr>
-          <a:xfrm rot="10800000">
-            <a:off x="4129378" y="5595089"/>
-            <a:ext cx="1180919" cy="1632"/>
-          </a:xfrm>
-          <a:prstGeom prst="bentConnector3">
-            <a:avLst/>
-          </a:prstGeom>
-          <a:ln>
-            <a:solidFill>
-              <a:schemeClr val="tx1"/>
-            </a:solidFill>
-            <a:tailEnd type="arrow"/>
-          </a:ln>
-        </p:spPr>
-        <p:style>
-          <a:lnRef idx="2">
-            <a:schemeClr val="accent1"/>
-          </a:lnRef>
-          <a:fillRef idx="0">
-            <a:schemeClr val="accent1"/>
-          </a:fillRef>
-          <a:effectRef idx="1">
-            <a:schemeClr val="accent1"/>
-          </a:effectRef>
-          <a:fontRef idx="minor">
-            <a:schemeClr val="tx1"/>
-          </a:fontRef>
-        </p:style>
-      </p:cxnSp>
-      <p:cxnSp>
-        <p:nvCxnSpPr>
-          <p:cNvPr id="81" name="Elbow Connector 80"/>
-          <p:cNvCxnSpPr>
-            <a:cxnSpLocks/>
-            <a:stCxn id="8" idx="3"/>
-            <a:endCxn id="15" idx="1"/>
-          </p:cNvCxnSpPr>
-          <p:nvPr/>
-        </p:nvCxnSpPr>
-        <p:spPr>
-          <a:xfrm>
-            <a:off x="5418737" y="2710595"/>
-            <a:ext cx="401317" cy="7552"/>
-          </a:xfrm>
-          <a:prstGeom prst="bentConnector3">
-            <a:avLst/>
-          </a:prstGeom>
-          <a:ln>
-            <a:solidFill>
-              <a:schemeClr val="tx1"/>
-            </a:solidFill>
-            <a:tailEnd type="arrow"/>
-          </a:ln>
-        </p:spPr>
-        <p:style>
-          <a:lnRef idx="2">
-            <a:schemeClr val="accent1"/>
-          </a:lnRef>
-          <a:fillRef idx="0">
-            <a:schemeClr val="accent1"/>
-          </a:fillRef>
-          <a:effectRef idx="1">
-            <a:schemeClr val="accent1"/>
-          </a:effectRef>
-          <a:fontRef idx="minor">
-            <a:schemeClr val="tx1"/>
-          </a:fontRef>
-        </p:style>
-      </p:cxnSp>
-      <p:cxnSp>
-        <p:nvCxnSpPr>
-          <p:cNvPr id="84" name="Elbow Connector 83"/>
-          <p:cNvCxnSpPr>
-            <a:cxnSpLocks/>
-            <a:stCxn id="11" idx="1"/>
-            <a:endCxn id="4" idx="1"/>
-          </p:cNvCxnSpPr>
-          <p:nvPr/>
-        </p:nvCxnSpPr>
-        <p:spPr>
-          <a:xfrm rot="10800000">
-            <a:off x="2757003" y="1946970"/>
-            <a:ext cx="502795" cy="2296610"/>
-          </a:xfrm>
-          <a:prstGeom prst="bentConnector3">
-            <a:avLst>
-              <a:gd name="adj1" fmla="val 381353"/>
-            </a:avLst>
-          </a:prstGeom>
-          <a:ln>
-            <a:solidFill>
-              <a:schemeClr val="tx1"/>
-            </a:solidFill>
-            <a:tailEnd type="arrow"/>
-          </a:ln>
-        </p:spPr>
-        <p:style>
-          <a:lnRef idx="2">
-            <a:schemeClr val="accent1"/>
-          </a:lnRef>
-          <a:fillRef idx="0">
-            <a:schemeClr val="accent1"/>
-          </a:fillRef>
-          <a:effectRef idx="1">
-            <a:schemeClr val="accent1"/>
-          </a:effectRef>
-          <a:fontRef idx="minor">
-            <a:schemeClr val="tx1"/>
-          </a:fontRef>
-        </p:style>
-      </p:cxnSp>
-      <p:cxnSp>
-        <p:nvCxnSpPr>
-          <p:cNvPr id="3" name="Elbow Connector 2"/>
-          <p:cNvCxnSpPr>
-            <a:cxnSpLocks/>
-            <a:stCxn id="19" idx="1"/>
-            <a:endCxn id="11" idx="3"/>
-          </p:cNvCxnSpPr>
-          <p:nvPr/>
-        </p:nvCxnSpPr>
-        <p:spPr>
-          <a:xfrm rot="10800000">
-            <a:off x="3867720" y="4243581"/>
-            <a:ext cx="1442576" cy="1353141"/>
-          </a:xfrm>
-          <a:prstGeom prst="bentConnector3">
-            <a:avLst/>
-          </a:prstGeom>
-          <a:ln>
-            <a:solidFill>
-              <a:schemeClr val="tx1"/>
-            </a:solidFill>
-            <a:tailEnd type="arrow"/>
-          </a:ln>
-        </p:spPr>
-        <p:style>
-          <a:lnRef idx="2">
-            <a:schemeClr val="accent1"/>
-          </a:lnRef>
-          <a:fillRef idx="0">
-            <a:schemeClr val="accent1"/>
-          </a:fillRef>
-          <a:effectRef idx="1">
-            <a:schemeClr val="accent1"/>
-          </a:effectRef>
-          <a:fontRef idx="minor">
-            <a:schemeClr val="tx1"/>
-          </a:fontRef>
-        </p:style>
-      </p:cxnSp>
-      <p:sp>
-        <p:nvSpPr>
-          <p:cNvPr id="2" name="Rectangle 1">
-            <a:extLst>
-              <a:ext uri="{FF2B5EF4-FFF2-40B4-BE49-F238E27FC236}">
-                <a16:creationId xmlns:a16="http://schemas.microsoft.com/office/drawing/2014/main" id="{EDE23E60-F9F0-8F48-B6ED-AB45BCB38561}"/>
-              </a:ext>
-            </a:extLst>
-          </p:cNvPr>
-          <p:cNvSpPr/>
-          <p:nvPr/>
-        </p:nvSpPr>
-        <p:spPr>
-          <a:xfrm>
-            <a:off x="8055429" y="2168824"/>
-            <a:ext cx="2667000" cy="2478744"/>
-          </a:xfrm>
-          <a:prstGeom prst="rect">
-            <a:avLst/>
-          </a:prstGeom>
-          <a:solidFill>
-            <a:schemeClr val="accent3"/>
-          </a:solidFill>
-          <a:ln>
-            <a:noFill/>
-          </a:ln>
-          <a:effectLst>
-            <a:outerShdw blurRad="44450" dist="27940" dir="5400000" algn="ctr">
-              <a:srgbClr val="000000">
-                <a:alpha val="32000"/>
-              </a:srgbClr>
-            </a:outerShdw>
-          </a:effectLst>
-        </p:spPr>
-        <p:txBody>
-          <a:bodyPr rot="0" spcFirstLastPara="0" vertOverflow="overflow" horzOverflow="overflow" vert="horz" wrap="square" lIns="121851" tIns="60925" rIns="121851" bIns="60925" numCol="1" spcCol="0" rtlCol="0" fromWordArt="0" anchor="ctr" anchorCtr="0" forceAA="0" compatLnSpc="1">
-            <a:prstTxWarp prst="textNoShape">
-              <a:avLst/>
-            </a:prstTxWarp>
-            <a:noAutofit/>
-          </a:bodyPr>
-          <a:lstStyle/>
-          <a:p>
-            <a:pPr algn="ctr">
-              <a:lnSpc>
-                <a:spcPct val="90000"/>
-              </a:lnSpc>
-            </a:pPr>
-            <a:r>
-              <a:rPr lang="en-US" sz="2000" dirty="0">
-                <a:solidFill>
-                  <a:schemeClr val="bg1"/>
-                </a:solidFill>
-              </a:rPr>
-              <a:t>This worked with distributed memory parallelization model</a:t>
-            </a:r>
-          </a:p>
-          <a:p>
-            <a:pPr algn="ctr">
-              <a:lnSpc>
-                <a:spcPct val="90000"/>
-              </a:lnSpc>
-            </a:pPr>
-            <a:endParaRPr lang="en-US" sz="2000" dirty="0">
-              <a:solidFill>
-                <a:schemeClr val="bg1"/>
-              </a:solidFill>
-            </a:endParaRPr>
-          </a:p>
-          <a:p>
-            <a:pPr algn="ctr">
-              <a:lnSpc>
-                <a:spcPct val="90000"/>
-              </a:lnSpc>
-            </a:pPr>
-            <a:r>
-              <a:rPr lang="en-US" sz="2000" dirty="0">
-                <a:solidFill>
-                  <a:schemeClr val="bg1"/>
-                </a:solidFill>
-              </a:rPr>
-              <a:t>No longer sufficient</a:t>
-            </a:r>
-          </a:p>
-          <a:p>
-            <a:pPr algn="ctr">
-              <a:lnSpc>
-                <a:spcPct val="90000"/>
-              </a:lnSpc>
-            </a:pPr>
-            <a:r>
-              <a:rPr lang="en-US" sz="2000" dirty="0">
-                <a:solidFill>
-                  <a:schemeClr val="bg1"/>
-                </a:solidFill>
-              </a:rPr>
-              <a:t>needs refinement</a:t>
-            </a:r>
-          </a:p>
-        </p:txBody>
-      </p:sp>
-      <p:sp>
-        <p:nvSpPr>
-          <p:cNvPr id="36" name="Title 1">
-            <a:extLst>
-              <a:ext uri="{FF2B5EF4-FFF2-40B4-BE49-F238E27FC236}">
-                <a16:creationId xmlns:a16="http://schemas.microsoft.com/office/drawing/2014/main" id="{C1E7FFF8-42F8-FD49-A7B4-1BCC0B6CDA9D}"/>
-              </a:ext>
-            </a:extLst>
-          </p:cNvPr>
-          <p:cNvSpPr>
-            <a:spLocks noGrp="1"/>
-          </p:cNvSpPr>
-          <p:nvPr>
-            <p:ph type="title"/>
-          </p:nvPr>
-        </p:nvSpPr>
-        <p:spPr>
-          <a:xfrm>
-            <a:off x="484042" y="219522"/>
-            <a:ext cx="9652508" cy="615799"/>
-          </a:xfrm>
-        </p:spPr>
-        <p:txBody>
-          <a:bodyPr/>
-          <a:lstStyle/>
-          <a:p>
-            <a:r>
-              <a:rPr lang="en-US" dirty="0"/>
-              <a:t>A Design Model for Separation of Concerns</a:t>
-            </a:r>
-          </a:p>
-        </p:txBody>
-      </p:sp>
-    </p:spTree>
-    <p:extLst>
-      <p:ext uri="{BB962C8B-B14F-4D97-AF65-F5344CB8AC3E}">
-        <p14:creationId xmlns:p14="http://schemas.microsoft.com/office/powerpoint/2010/main" val="1208924168"/>
-      </p:ext>
-    </p:extLst>
-  </p:cSld>
-  <p:clrMapOvr>
-    <a:masterClrMapping/>
-  </p:clrMapOvr>
+  <mc:AlternateContent xmlns:mc="http://schemas.openxmlformats.org/markup-compatibility/2006" xmlns:p14="http://schemas.microsoft.com/office/powerpoint/2010/main">
+    <mc:Choice Requires="p14">
+      <p:transition spd="slow" p14:dur="2000" advTm="318940"/>
+    </mc:Choice>
+    <mc:Fallback xmlns="">
+      <p:transition spd="slow" advTm="318940"/>
+    </mc:Fallback>
+  </mc:AlternateContent>
 </p:sld>
 </file>
 
 <file path=ppt/slides/slide25.xml><?xml version="1.0" encoding="utf-8"?>
-<p:sld xmlns:a="http://schemas.openxmlformats.org/drawingml/2006/main" xmlns:r="http://schemas.openxmlformats.org/officeDocument/2006/relationships" xmlns:p="http://schemas.openxmlformats.org/presentationml/2006/main">
-  <p:cSld>
-    <p:spTree>
-      <p:nvGrpSpPr>
-        <p:cNvPr id="1" name=""/>
-        <p:cNvGrpSpPr/>
-        <p:nvPr/>
-      </p:nvGrpSpPr>
-      <p:grpSpPr>
-        <a:xfrm>
-          <a:off x="0" y="0"/>
-          <a:ext cx="0" cy="0"/>
-          <a:chOff x="0" y="0"/>
-          <a:chExt cx="0" cy="0"/>
-        </a:xfrm>
-      </p:grpSpPr>
-      <p:sp>
-        <p:nvSpPr>
-          <p:cNvPr id="11" name="Rectangle 10">
-            <a:extLst>
-              <a:ext uri="{FF2B5EF4-FFF2-40B4-BE49-F238E27FC236}">
-                <a16:creationId xmlns:a16="http://schemas.microsoft.com/office/drawing/2014/main" id="{E18E7B82-0E86-E74A-9169-BC8C5B80859B}"/>
-              </a:ext>
-            </a:extLst>
-          </p:cNvPr>
-          <p:cNvSpPr/>
-          <p:nvPr/>
-        </p:nvSpPr>
-        <p:spPr>
-          <a:xfrm>
-            <a:off x="282633" y="947057"/>
-            <a:ext cx="3396738" cy="4923313"/>
-          </a:xfrm>
-          <a:prstGeom prst="rect">
-            <a:avLst/>
-          </a:prstGeom>
-          <a:solidFill>
-            <a:schemeClr val="accent3"/>
-          </a:solidFill>
-          <a:ln>
-            <a:noFill/>
-          </a:ln>
-          <a:effectLst>
-            <a:outerShdw blurRad="44450" dist="27940" dir="5400000" algn="ctr">
-              <a:srgbClr val="000000">
-                <a:alpha val="32000"/>
-              </a:srgbClr>
-            </a:outerShdw>
-          </a:effectLst>
-        </p:spPr>
-        <p:txBody>
-          <a:bodyPr rot="0" spcFirstLastPara="0" vertOverflow="overflow" horzOverflow="overflow" vert="horz" wrap="square" lIns="121851" tIns="60925" rIns="121851" bIns="60925" numCol="1" spcCol="0" rtlCol="0" fromWordArt="0" anchor="ctr" anchorCtr="0" forceAA="0" compatLnSpc="1">
-            <a:prstTxWarp prst="textNoShape">
-              <a:avLst/>
-            </a:prstTxWarp>
-            <a:noAutofit/>
-          </a:bodyPr>
-          <a:lstStyle/>
-          <a:p>
-            <a:pPr algn="ctr">
-              <a:lnSpc>
-                <a:spcPct val="90000"/>
-              </a:lnSpc>
-            </a:pPr>
-            <a:endParaRPr lang="en-US" sz="2000" dirty="0">
-              <a:solidFill>
-                <a:schemeClr val="bg1"/>
-              </a:solidFill>
-            </a:endParaRPr>
-          </a:p>
-        </p:txBody>
-      </p:sp>
-      <p:sp>
-        <p:nvSpPr>
-          <p:cNvPr id="4" name="Date Placeholder 3">
-            <a:extLst>
-              <a:ext uri="{FF2B5EF4-FFF2-40B4-BE49-F238E27FC236}">
-                <a16:creationId xmlns:a16="http://schemas.microsoft.com/office/drawing/2014/main" id="{B2C88E49-3CEB-584A-AFB2-5B51EA707452}"/>
-              </a:ext>
-            </a:extLst>
-          </p:cNvPr>
-          <p:cNvSpPr>
-            <a:spLocks noGrp="1"/>
-          </p:cNvSpPr>
-          <p:nvPr>
-            <p:ph type="dt" sz="half" idx="10"/>
-          </p:nvPr>
-        </p:nvSpPr>
-        <p:spPr>
-          <a:xfrm>
-            <a:off x="6858000" y="6356350"/>
-            <a:ext cx="1600200" cy="274320"/>
-          </a:xfrm>
-          <a:prstGeom prst="rect">
-            <a:avLst/>
-          </a:prstGeom>
-        </p:spPr>
-        <p:txBody>
-          <a:bodyPr vert="horz" lIns="91440" tIns="45720" rIns="91440" bIns="45720" rtlCol="0" anchor="ctr" anchorCtr="0"/>
-          <a:lstStyle>
-            <a:defPPr>
-              <a:defRPr lang="en-US"/>
-            </a:defPPr>
-            <a:lvl1pPr marL="0" algn="r" defTabSz="914400" rtl="0" eaLnBrk="1" latinLnBrk="0" hangingPunct="1">
-              <a:defRPr sz="1100" kern="1200">
-                <a:solidFill>
-                  <a:schemeClr val="tx1"/>
-                </a:solidFill>
-                <a:latin typeface="Arial" panose="020B0604020202020204" pitchFamily="34" charset="0"/>
-                <a:ea typeface="+mn-ea"/>
-                <a:cs typeface="Arial" panose="020B0604020202020204" pitchFamily="34" charset="0"/>
-              </a:defRPr>
-            </a:lvl1pPr>
-            <a:lvl2pPr marL="457200" algn="l" defTabSz="914400" rtl="0" eaLnBrk="1" latinLnBrk="0" hangingPunct="1">
-              <a:defRPr sz="1800" kern="1200">
-                <a:solidFill>
-                  <a:schemeClr val="tx1"/>
-                </a:solidFill>
-                <a:latin typeface="+mn-lt"/>
-                <a:ea typeface="+mn-ea"/>
-                <a:cs typeface="+mn-cs"/>
-              </a:defRPr>
-            </a:lvl2pPr>
-            <a:lvl3pPr marL="914400" algn="l" defTabSz="914400" rtl="0" eaLnBrk="1" latinLnBrk="0" hangingPunct="1">
-              <a:defRPr sz="1800" kern="1200">
-                <a:solidFill>
-                  <a:schemeClr val="tx1"/>
-                </a:solidFill>
-                <a:latin typeface="+mn-lt"/>
-                <a:ea typeface="+mn-ea"/>
-                <a:cs typeface="+mn-cs"/>
-              </a:defRPr>
-            </a:lvl3pPr>
-            <a:lvl4pPr marL="1371600" algn="l" defTabSz="914400" rtl="0" eaLnBrk="1" latinLnBrk="0" hangingPunct="1">
-              <a:defRPr sz="1800" kern="1200">
-                <a:solidFill>
-                  <a:schemeClr val="tx1"/>
-                </a:solidFill>
-                <a:latin typeface="+mn-lt"/>
-                <a:ea typeface="+mn-ea"/>
-                <a:cs typeface="+mn-cs"/>
-              </a:defRPr>
-            </a:lvl4pPr>
-            <a:lvl5pPr marL="1828800" algn="l" defTabSz="914400" rtl="0" eaLnBrk="1" latinLnBrk="0" hangingPunct="1">
-              <a:defRPr sz="1800" kern="1200">
-                <a:solidFill>
-                  <a:schemeClr val="tx1"/>
-                </a:solidFill>
-                <a:latin typeface="+mn-lt"/>
-                <a:ea typeface="+mn-ea"/>
-                <a:cs typeface="+mn-cs"/>
-              </a:defRPr>
-            </a:lvl5pPr>
-            <a:lvl6pPr marL="2286000" algn="l" defTabSz="914400" rtl="0" eaLnBrk="1" latinLnBrk="0" hangingPunct="1">
-              <a:defRPr sz="1800" kern="1200">
-                <a:solidFill>
-                  <a:schemeClr val="tx1"/>
-                </a:solidFill>
-                <a:latin typeface="+mn-lt"/>
-                <a:ea typeface="+mn-ea"/>
-                <a:cs typeface="+mn-cs"/>
-              </a:defRPr>
-            </a:lvl6pPr>
-            <a:lvl7pPr marL="2743200" algn="l" defTabSz="914400" rtl="0" eaLnBrk="1" latinLnBrk="0" hangingPunct="1">
-              <a:defRPr sz="1800" kern="1200">
-                <a:solidFill>
-                  <a:schemeClr val="tx1"/>
-                </a:solidFill>
-                <a:latin typeface="+mn-lt"/>
-                <a:ea typeface="+mn-ea"/>
-                <a:cs typeface="+mn-cs"/>
-              </a:defRPr>
-            </a:lvl7pPr>
-            <a:lvl8pPr marL="3200400" algn="l" defTabSz="914400" rtl="0" eaLnBrk="1" latinLnBrk="0" hangingPunct="1">
-              <a:defRPr sz="1800" kern="1200">
-                <a:solidFill>
-                  <a:schemeClr val="tx1"/>
-                </a:solidFill>
-                <a:latin typeface="+mn-lt"/>
-                <a:ea typeface="+mn-ea"/>
-                <a:cs typeface="+mn-cs"/>
-              </a:defRPr>
-            </a:lvl8pPr>
-            <a:lvl9pPr marL="3657600" algn="l" defTabSz="914400" rtl="0" eaLnBrk="1" latinLnBrk="0" hangingPunct="1">
-              <a:defRPr sz="1800" kern="1200">
-                <a:solidFill>
-                  <a:schemeClr val="tx1"/>
-                </a:solidFill>
-                <a:latin typeface="+mn-lt"/>
-                <a:ea typeface="+mn-ea"/>
-                <a:cs typeface="+mn-cs"/>
-              </a:defRPr>
-            </a:lvl9pPr>
-          </a:lstStyle>
-          <a:p>
-            <a:fld id="{B557289E-1B3F-4E63-935A-0E0E5EBBCF05}" type="datetime1">
-              <a:rPr lang="en-US" smtClean="0"/>
-              <a:pPr/>
-              <a:t>8/2/2020</a:t>
-            </a:fld>
-            <a:endParaRPr lang="en-US"/>
-          </a:p>
-        </p:txBody>
-      </p:sp>
-      <p:sp>
-        <p:nvSpPr>
-          <p:cNvPr id="5" name="Slide Number Placeholder 4">
-            <a:extLst>
-              <a:ext uri="{FF2B5EF4-FFF2-40B4-BE49-F238E27FC236}">
-                <a16:creationId xmlns:a16="http://schemas.microsoft.com/office/drawing/2014/main" id="{B05AEFD1-E907-E749-8CE9-8AC2C9DDB011}"/>
-              </a:ext>
-            </a:extLst>
-          </p:cNvPr>
-          <p:cNvSpPr>
-            <a:spLocks noGrp="1"/>
-          </p:cNvSpPr>
-          <p:nvPr>
-            <p:ph type="sldNum" sz="quarter" idx="12"/>
-          </p:nvPr>
-        </p:nvSpPr>
-        <p:spPr>
-          <a:xfrm>
-            <a:off x="8458200" y="6356350"/>
-            <a:ext cx="457200" cy="274320"/>
-          </a:xfrm>
-          <a:prstGeom prst="rect">
-            <a:avLst/>
-          </a:prstGeom>
-        </p:spPr>
-        <p:txBody>
-          <a:bodyPr vert="horz" lIns="91440" tIns="45720" rIns="91440" bIns="45720" rtlCol="0" anchor="ctr" anchorCtr="0"/>
-          <a:lstStyle>
-            <a:defPPr>
-              <a:defRPr lang="en-US"/>
-            </a:defPPr>
-            <a:lvl1pPr marL="0" algn="r" defTabSz="914400" rtl="0" eaLnBrk="1" latinLnBrk="0" hangingPunct="1">
-              <a:defRPr sz="1100" kern="1200">
-                <a:solidFill>
-                  <a:schemeClr val="tx1"/>
-                </a:solidFill>
-                <a:latin typeface="Arial" panose="020B0604020202020204" pitchFamily="34" charset="0"/>
-                <a:ea typeface="+mn-ea"/>
-                <a:cs typeface="Arial" panose="020B0604020202020204" pitchFamily="34" charset="0"/>
-              </a:defRPr>
-            </a:lvl1pPr>
-            <a:lvl2pPr marL="457200" algn="l" defTabSz="914400" rtl="0" eaLnBrk="1" latinLnBrk="0" hangingPunct="1">
-              <a:defRPr sz="1800" kern="1200">
-                <a:solidFill>
-                  <a:schemeClr val="tx1"/>
-                </a:solidFill>
-                <a:latin typeface="+mn-lt"/>
-                <a:ea typeface="+mn-ea"/>
-                <a:cs typeface="+mn-cs"/>
-              </a:defRPr>
-            </a:lvl2pPr>
-            <a:lvl3pPr marL="914400" algn="l" defTabSz="914400" rtl="0" eaLnBrk="1" latinLnBrk="0" hangingPunct="1">
-              <a:defRPr sz="1800" kern="1200">
-                <a:solidFill>
-                  <a:schemeClr val="tx1"/>
-                </a:solidFill>
-                <a:latin typeface="+mn-lt"/>
-                <a:ea typeface="+mn-ea"/>
-                <a:cs typeface="+mn-cs"/>
-              </a:defRPr>
-            </a:lvl3pPr>
-            <a:lvl4pPr marL="1371600" algn="l" defTabSz="914400" rtl="0" eaLnBrk="1" latinLnBrk="0" hangingPunct="1">
-              <a:defRPr sz="1800" kern="1200">
-                <a:solidFill>
-                  <a:schemeClr val="tx1"/>
-                </a:solidFill>
-                <a:latin typeface="+mn-lt"/>
-                <a:ea typeface="+mn-ea"/>
-                <a:cs typeface="+mn-cs"/>
-              </a:defRPr>
-            </a:lvl4pPr>
-            <a:lvl5pPr marL="1828800" algn="l" defTabSz="914400" rtl="0" eaLnBrk="1" latinLnBrk="0" hangingPunct="1">
-              <a:defRPr sz="1800" kern="1200">
-                <a:solidFill>
-                  <a:schemeClr val="tx1"/>
-                </a:solidFill>
-                <a:latin typeface="+mn-lt"/>
-                <a:ea typeface="+mn-ea"/>
-                <a:cs typeface="+mn-cs"/>
-              </a:defRPr>
-            </a:lvl5pPr>
-            <a:lvl6pPr marL="2286000" algn="l" defTabSz="914400" rtl="0" eaLnBrk="1" latinLnBrk="0" hangingPunct="1">
-              <a:defRPr sz="1800" kern="1200">
-                <a:solidFill>
-                  <a:schemeClr val="tx1"/>
-                </a:solidFill>
-                <a:latin typeface="+mn-lt"/>
-                <a:ea typeface="+mn-ea"/>
-                <a:cs typeface="+mn-cs"/>
-              </a:defRPr>
-            </a:lvl6pPr>
-            <a:lvl7pPr marL="2743200" algn="l" defTabSz="914400" rtl="0" eaLnBrk="1" latinLnBrk="0" hangingPunct="1">
-              <a:defRPr sz="1800" kern="1200">
-                <a:solidFill>
-                  <a:schemeClr val="tx1"/>
-                </a:solidFill>
-                <a:latin typeface="+mn-lt"/>
-                <a:ea typeface="+mn-ea"/>
-                <a:cs typeface="+mn-cs"/>
-              </a:defRPr>
-            </a:lvl7pPr>
-            <a:lvl8pPr marL="3200400" algn="l" defTabSz="914400" rtl="0" eaLnBrk="1" latinLnBrk="0" hangingPunct="1">
-              <a:defRPr sz="1800" kern="1200">
-                <a:solidFill>
-                  <a:schemeClr val="tx1"/>
-                </a:solidFill>
-                <a:latin typeface="+mn-lt"/>
-                <a:ea typeface="+mn-ea"/>
-                <a:cs typeface="+mn-cs"/>
-              </a:defRPr>
-            </a:lvl8pPr>
-            <a:lvl9pPr marL="3657600" algn="l" defTabSz="914400" rtl="0" eaLnBrk="1" latinLnBrk="0" hangingPunct="1">
-              <a:defRPr sz="1800" kern="1200">
-                <a:solidFill>
-                  <a:schemeClr val="tx1"/>
-                </a:solidFill>
-                <a:latin typeface="+mn-lt"/>
-                <a:ea typeface="+mn-ea"/>
-                <a:cs typeface="+mn-cs"/>
-              </a:defRPr>
-            </a:lvl9pPr>
-          </a:lstStyle>
-          <a:p>
-            <a:fld id="{AEFAAC5A-9C4F-4278-920D-DF2BAB595749}" type="slidenum">
-              <a:rPr lang="en-US" smtClean="0"/>
-              <a:pPr/>
-              <a:t>25</a:t>
-            </a:fld>
-            <a:endParaRPr lang="en-US" dirty="0"/>
-          </a:p>
-        </p:txBody>
-      </p:sp>
-      <p:sp>
-        <p:nvSpPr>
-          <p:cNvPr id="8" name="Title 1">
-            <a:extLst>
-              <a:ext uri="{FF2B5EF4-FFF2-40B4-BE49-F238E27FC236}">
-                <a16:creationId xmlns:a16="http://schemas.microsoft.com/office/drawing/2014/main" id="{EC3C299E-CAD7-AD46-BA3F-265522DEDF57}"/>
-              </a:ext>
-            </a:extLst>
-          </p:cNvPr>
-          <p:cNvSpPr>
-            <a:spLocks noGrp="1"/>
-          </p:cNvSpPr>
-          <p:nvPr>
-            <p:ph type="title"/>
-          </p:nvPr>
-        </p:nvSpPr>
-        <p:spPr>
-          <a:xfrm>
-            <a:off x="282633" y="227331"/>
-            <a:ext cx="11188929" cy="1187812"/>
-          </a:xfrm>
-        </p:spPr>
-        <p:txBody>
-          <a:bodyPr>
-            <a:noAutofit/>
-          </a:bodyPr>
-          <a:lstStyle/>
-          <a:p>
-            <a:r>
-              <a:rPr lang="en-US" sz="4000" dirty="0"/>
-              <a:t>Additional Considerations for Infrastructure</a:t>
-            </a:r>
-          </a:p>
-        </p:txBody>
-      </p:sp>
-      <p:sp>
-        <p:nvSpPr>
-          <p:cNvPr id="9" name="Content Placeholder 2">
-            <a:extLst>
-              <a:ext uri="{FF2B5EF4-FFF2-40B4-BE49-F238E27FC236}">
-                <a16:creationId xmlns:a16="http://schemas.microsoft.com/office/drawing/2014/main" id="{5C2F4D2C-55EB-9F40-9E81-4765CC46FB01}"/>
-              </a:ext>
-            </a:extLst>
-          </p:cNvPr>
-          <p:cNvSpPr txBox="1">
-            <a:spLocks/>
-          </p:cNvSpPr>
-          <p:nvPr/>
-        </p:nvSpPr>
-        <p:spPr bwMode="auto">
-          <a:xfrm>
-            <a:off x="455815" y="1085601"/>
-            <a:ext cx="3223556" cy="4923313"/>
-          </a:xfrm>
-          <a:prstGeom prst="rect">
-            <a:avLst/>
-          </a:prstGeom>
-          <a:noFill/>
-          <a:ln w="9525">
-            <a:noFill/>
-            <a:miter lim="800000"/>
-            <a:headEnd/>
-            <a:tailEnd/>
-          </a:ln>
-        </p:spPr>
-        <p:txBody>
-          <a:bodyPr vert="horz" wrap="square" lIns="91440" tIns="45720" rIns="91440" bIns="45720" numCol="1" anchor="t" anchorCtr="0" compatLnSpc="1">
-            <a:prstTxWarp prst="textNoShape">
-              <a:avLst/>
-            </a:prstTxWarp>
-            <a:noAutofit/>
-          </a:bodyPr>
-          <a:lstStyle>
-            <a:lvl1pPr marL="230188" indent="-230188" algn="l" rtl="0" eaLnBrk="1" fontAlgn="base" hangingPunct="1">
-              <a:lnSpc>
-                <a:spcPct val="90000"/>
-              </a:lnSpc>
-              <a:spcBef>
-                <a:spcPts val="1400"/>
-              </a:spcBef>
-              <a:spcAft>
-                <a:spcPct val="0"/>
-              </a:spcAft>
-              <a:buClr>
-                <a:schemeClr val="tx1"/>
-              </a:buClr>
-              <a:buFont typeface="Arial" charset="0"/>
-              <a:buChar char="•"/>
-              <a:defRPr sz="2400" kern="1200">
-                <a:solidFill>
-                  <a:schemeClr val="tx1"/>
-                </a:solidFill>
-                <a:latin typeface="Arial" panose="020B0604020202020204" pitchFamily="34" charset="0"/>
-                <a:ea typeface="+mn-ea"/>
-                <a:cs typeface="Arial" panose="020B0604020202020204" pitchFamily="34" charset="0"/>
-              </a:defRPr>
-            </a:lvl1pPr>
-            <a:lvl2pPr marL="625475" indent="-279400" algn="l" rtl="0" eaLnBrk="1" fontAlgn="base" hangingPunct="1">
-              <a:lnSpc>
-                <a:spcPct val="90000"/>
-              </a:lnSpc>
-              <a:spcBef>
-                <a:spcPts val="800"/>
-              </a:spcBef>
-              <a:spcAft>
-                <a:spcPct val="0"/>
-              </a:spcAft>
-              <a:buClr>
-                <a:schemeClr val="tx1"/>
-              </a:buClr>
-              <a:buFont typeface="Arial" charset="0"/>
-              <a:buChar char="–"/>
-              <a:defRPr sz="2000" kern="1200">
-                <a:solidFill>
-                  <a:schemeClr val="tx1"/>
-                </a:solidFill>
-                <a:latin typeface="Arial" panose="020B0604020202020204" pitchFamily="34" charset="0"/>
-                <a:ea typeface="+mn-ea"/>
-                <a:cs typeface="Arial" panose="020B0604020202020204" pitchFamily="34" charset="0"/>
-              </a:defRPr>
-            </a:lvl2pPr>
-            <a:lvl3pPr marL="914400" indent="-230188" algn="l" rtl="0" eaLnBrk="1" fontAlgn="base" hangingPunct="1">
-              <a:lnSpc>
-                <a:spcPct val="90000"/>
-              </a:lnSpc>
-              <a:spcBef>
-                <a:spcPts val="800"/>
-              </a:spcBef>
-              <a:spcAft>
-                <a:spcPct val="0"/>
-              </a:spcAft>
-              <a:buClr>
-                <a:schemeClr val="tx1"/>
-              </a:buClr>
-              <a:buFont typeface="Arial" charset="0"/>
-              <a:buChar char="•"/>
-              <a:defRPr sz="1800" kern="1200">
-                <a:solidFill>
-                  <a:schemeClr val="tx1"/>
-                </a:solidFill>
-                <a:latin typeface="Arial" panose="020B0604020202020204" pitchFamily="34" charset="0"/>
-                <a:ea typeface="+mn-ea"/>
-                <a:cs typeface="Arial" panose="020B0604020202020204" pitchFamily="34" charset="0"/>
-              </a:defRPr>
-            </a:lvl3pPr>
-            <a:lvl4pPr marL="1144588" indent="-173038" algn="l" rtl="0" eaLnBrk="1" fontAlgn="base" hangingPunct="1">
-              <a:lnSpc>
-                <a:spcPct val="90000"/>
-              </a:lnSpc>
-              <a:spcBef>
-                <a:spcPts val="800"/>
-              </a:spcBef>
-              <a:spcAft>
-                <a:spcPct val="0"/>
-              </a:spcAft>
-              <a:buClr>
-                <a:schemeClr val="tx1"/>
-              </a:buClr>
-              <a:buFont typeface="Arial" charset="0"/>
-              <a:buChar char="–"/>
-              <a:defRPr sz="1600" kern="1200">
-                <a:solidFill>
-                  <a:schemeClr val="tx1"/>
-                </a:solidFill>
-                <a:latin typeface="Arial" panose="020B0604020202020204" pitchFamily="34" charset="0"/>
-                <a:ea typeface="+mn-ea"/>
-                <a:cs typeface="Arial" panose="020B0604020202020204" pitchFamily="34" charset="0"/>
-              </a:defRPr>
-            </a:lvl4pPr>
-            <a:lvl5pPr marL="1482725" indent="-222250" algn="l" rtl="0" eaLnBrk="1" fontAlgn="base" hangingPunct="1">
-              <a:lnSpc>
-                <a:spcPct val="90000"/>
-              </a:lnSpc>
-              <a:spcBef>
-                <a:spcPts val="600"/>
-              </a:spcBef>
-              <a:spcAft>
-                <a:spcPct val="0"/>
-              </a:spcAft>
-              <a:buClr>
-                <a:schemeClr val="tx1"/>
-              </a:buClr>
-              <a:buFont typeface="Arial" panose="020B0604020202020204" pitchFamily="34" charset="0"/>
-              <a:buChar char="•"/>
-              <a:defRPr sz="1600" kern="1200">
-                <a:solidFill>
-                  <a:schemeClr val="tx1"/>
-                </a:solidFill>
-                <a:latin typeface="Arial" panose="020B0604020202020204" pitchFamily="34" charset="0"/>
-                <a:ea typeface="+mn-ea"/>
-                <a:cs typeface="Arial" panose="020B0604020202020204" pitchFamily="34" charset="0"/>
-              </a:defRPr>
-            </a:lvl5pPr>
-            <a:lvl6pPr marL="2514600" indent="-228600" algn="l" defTabSz="914400" rtl="0" eaLnBrk="1" latinLnBrk="0" hangingPunct="1">
-              <a:spcBef>
-                <a:spcPct val="20000"/>
-              </a:spcBef>
-              <a:buFont typeface="Arial" pitchFamily="34" charset="0"/>
-              <a:buChar char="•"/>
-              <a:defRPr sz="2000" kern="1200">
-                <a:solidFill>
-                  <a:schemeClr val="tx1"/>
-                </a:solidFill>
-                <a:latin typeface="+mn-lt"/>
-                <a:ea typeface="+mn-ea"/>
-                <a:cs typeface="+mn-cs"/>
-              </a:defRPr>
-            </a:lvl6pPr>
-            <a:lvl7pPr marL="2971800" indent="-228600" algn="l" defTabSz="914400" rtl="0" eaLnBrk="1" latinLnBrk="0" hangingPunct="1">
-              <a:spcBef>
-                <a:spcPct val="20000"/>
-              </a:spcBef>
-              <a:buFont typeface="Arial" pitchFamily="34" charset="0"/>
-              <a:buChar char="•"/>
-              <a:defRPr sz="2000" kern="1200">
-                <a:solidFill>
-                  <a:schemeClr val="tx1"/>
-                </a:solidFill>
-                <a:latin typeface="+mn-lt"/>
-                <a:ea typeface="+mn-ea"/>
-                <a:cs typeface="+mn-cs"/>
-              </a:defRPr>
-            </a:lvl7pPr>
-            <a:lvl8pPr marL="3429000" indent="-228600" algn="l" defTabSz="914400" rtl="0" eaLnBrk="1" latinLnBrk="0" hangingPunct="1">
-              <a:spcBef>
-                <a:spcPct val="20000"/>
-              </a:spcBef>
-              <a:buFont typeface="Arial" pitchFamily="34" charset="0"/>
-              <a:buChar char="•"/>
-              <a:defRPr sz="2000" kern="1200">
-                <a:solidFill>
-                  <a:schemeClr val="tx1"/>
-                </a:solidFill>
-                <a:latin typeface="+mn-lt"/>
-                <a:ea typeface="+mn-ea"/>
-                <a:cs typeface="+mn-cs"/>
-              </a:defRPr>
-            </a:lvl8pPr>
-            <a:lvl9pPr marL="3886200" indent="-228600" algn="l" defTabSz="914400" rtl="0" eaLnBrk="1" latinLnBrk="0" hangingPunct="1">
-              <a:spcBef>
-                <a:spcPct val="20000"/>
-              </a:spcBef>
-              <a:buFont typeface="Arial" pitchFamily="34" charset="0"/>
-              <a:buChar char="•"/>
-              <a:defRPr sz="2000" kern="1200">
-                <a:solidFill>
-                  <a:schemeClr val="tx1"/>
-                </a:solidFill>
-                <a:latin typeface="+mn-lt"/>
-                <a:ea typeface="+mn-ea"/>
-                <a:cs typeface="+mn-cs"/>
-              </a:defRPr>
-            </a:lvl9pPr>
-          </a:lstStyle>
-          <a:p>
-            <a:r>
-              <a:rPr lang="en-US" dirty="0"/>
-              <a:t>Configurability</a:t>
-            </a:r>
-          </a:p>
-          <a:p>
-            <a:pPr lvl="1"/>
-            <a:r>
-              <a:rPr lang="en-US" dirty="0"/>
-              <a:t>Components or kernels</a:t>
-            </a:r>
-          </a:p>
-          <a:p>
-            <a:pPr lvl="1"/>
-            <a:r>
-              <a:rPr lang="en-US" dirty="0"/>
-              <a:t>Levels of access (hierarchical)</a:t>
-            </a:r>
-          </a:p>
-          <a:p>
-            <a:pPr lvl="1"/>
-            <a:r>
-              <a:rPr lang="en-US" dirty="0"/>
-              <a:t>Layered API</a:t>
-            </a:r>
-          </a:p>
-          <a:p>
-            <a:r>
-              <a:rPr lang="en-US" dirty="0"/>
-              <a:t>Task orchestration</a:t>
-            </a:r>
-          </a:p>
-          <a:p>
-            <a:pPr lvl="1"/>
-            <a:r>
-              <a:rPr lang="en-US" dirty="0"/>
-              <a:t>Mapping tasks to devices </a:t>
-            </a:r>
-          </a:p>
-          <a:p>
-            <a:pPr lvl="1"/>
-            <a:r>
-              <a:rPr lang="en-US" dirty="0"/>
-              <a:t>CPU, accelerators, specialized devices</a:t>
-            </a:r>
-          </a:p>
-          <a:p>
-            <a:pPr lvl="1"/>
-            <a:r>
-              <a:rPr lang="en-US" dirty="0"/>
-              <a:t>Managing data movement between devices</a:t>
-            </a:r>
-          </a:p>
-          <a:p>
-            <a:pPr lvl="1"/>
-            <a:endParaRPr lang="en-US" dirty="0"/>
-          </a:p>
-          <a:p>
-            <a:endParaRPr lang="en-US" dirty="0"/>
-          </a:p>
-        </p:txBody>
-      </p:sp>
-      <p:grpSp>
-        <p:nvGrpSpPr>
-          <p:cNvPr id="12" name="Group 11">
-            <a:extLst>
-              <a:ext uri="{FF2B5EF4-FFF2-40B4-BE49-F238E27FC236}">
-                <a16:creationId xmlns:a16="http://schemas.microsoft.com/office/drawing/2014/main" id="{53CE70C7-CB84-3648-A72A-114FCD66DD22}"/>
-              </a:ext>
-            </a:extLst>
-          </p:cNvPr>
-          <p:cNvGrpSpPr/>
-          <p:nvPr/>
-        </p:nvGrpSpPr>
-        <p:grpSpPr>
-          <a:xfrm>
-            <a:off x="4942115" y="947057"/>
-            <a:ext cx="6195950" cy="5148943"/>
-            <a:chOff x="2436812" y="984517"/>
-            <a:chExt cx="7884824" cy="5111483"/>
-          </a:xfrm>
-        </p:grpSpPr>
-        <p:sp>
-          <p:nvSpPr>
-            <p:cNvPr id="13" name="Rectangle 12">
-              <a:extLst>
-                <a:ext uri="{FF2B5EF4-FFF2-40B4-BE49-F238E27FC236}">
-                  <a16:creationId xmlns:a16="http://schemas.microsoft.com/office/drawing/2014/main" id="{00C94B25-1CFC-214C-B6F3-513489C839C0}"/>
-                </a:ext>
-              </a:extLst>
-            </p:cNvPr>
-            <p:cNvSpPr/>
-            <p:nvPr/>
-          </p:nvSpPr>
-          <p:spPr>
-            <a:xfrm>
-              <a:off x="2436812" y="1524000"/>
-              <a:ext cx="2971800" cy="4572000"/>
-            </a:xfrm>
-            <a:prstGeom prst="rect">
-              <a:avLst/>
-            </a:prstGeom>
-            <a:solidFill>
-              <a:schemeClr val="accent1">
-                <a:lumMod val="20000"/>
-                <a:lumOff val="80000"/>
-              </a:schemeClr>
-            </a:solidFill>
-          </p:spPr>
-          <p:style>
-            <a:lnRef idx="2">
-              <a:schemeClr val="accent1">
-                <a:shade val="50000"/>
-              </a:schemeClr>
-            </a:lnRef>
-            <a:fillRef idx="1">
-              <a:schemeClr val="accent1"/>
-            </a:fillRef>
-            <a:effectRef idx="0">
-              <a:schemeClr val="accent1"/>
-            </a:effectRef>
-            <a:fontRef idx="minor">
-              <a:schemeClr val="lt1"/>
-            </a:fontRef>
-          </p:style>
-          <p:txBody>
-            <a:bodyPr rtlCol="0" anchor="ctr"/>
-            <a:lstStyle/>
-            <a:p>
-              <a:pPr algn="ctr"/>
-              <a:endParaRPr lang="en-US" dirty="0"/>
-            </a:p>
-          </p:txBody>
-        </p:sp>
-        <p:sp>
-          <p:nvSpPr>
-            <p:cNvPr id="14" name="Rectangle 13">
-              <a:extLst>
-                <a:ext uri="{FF2B5EF4-FFF2-40B4-BE49-F238E27FC236}">
-                  <a16:creationId xmlns:a16="http://schemas.microsoft.com/office/drawing/2014/main" id="{C1200A95-3C59-2740-A6A2-62B0FD436399}"/>
-                </a:ext>
-              </a:extLst>
-            </p:cNvPr>
-            <p:cNvSpPr/>
-            <p:nvPr/>
-          </p:nvSpPr>
-          <p:spPr>
-            <a:xfrm>
-              <a:off x="2932112" y="2002971"/>
-              <a:ext cx="1981200" cy="3657600"/>
-            </a:xfrm>
-            <a:prstGeom prst="rect">
-              <a:avLst/>
-            </a:prstGeom>
-            <a:solidFill>
-              <a:schemeClr val="accent1">
-                <a:lumMod val="60000"/>
-                <a:lumOff val="40000"/>
-              </a:schemeClr>
-            </a:solidFill>
-          </p:spPr>
-          <p:style>
-            <a:lnRef idx="2">
-              <a:schemeClr val="accent1">
-                <a:shade val="50000"/>
-              </a:schemeClr>
-            </a:lnRef>
-            <a:fillRef idx="1">
-              <a:schemeClr val="accent1"/>
-            </a:fillRef>
-            <a:effectRef idx="0">
-              <a:schemeClr val="accent1"/>
-            </a:effectRef>
-            <a:fontRef idx="minor">
-              <a:schemeClr val="lt1"/>
-            </a:fontRef>
-          </p:style>
-          <p:txBody>
-            <a:bodyPr rtlCol="0" anchor="ctr"/>
-            <a:lstStyle/>
-            <a:p>
-              <a:pPr algn="ctr"/>
-              <a:endParaRPr lang="en-US"/>
-            </a:p>
-          </p:txBody>
-        </p:sp>
-        <p:sp>
-          <p:nvSpPr>
-            <p:cNvPr id="15" name="Rectangle 14">
-              <a:extLst>
-                <a:ext uri="{FF2B5EF4-FFF2-40B4-BE49-F238E27FC236}">
-                  <a16:creationId xmlns:a16="http://schemas.microsoft.com/office/drawing/2014/main" id="{96ED04A5-CD39-4940-AA73-758AB450A4AB}"/>
-                </a:ext>
-              </a:extLst>
-            </p:cNvPr>
-            <p:cNvSpPr/>
-            <p:nvPr/>
-          </p:nvSpPr>
-          <p:spPr>
-            <a:xfrm>
-              <a:off x="3503612" y="2667000"/>
-              <a:ext cx="990600" cy="2362200"/>
-            </a:xfrm>
-            <a:prstGeom prst="rect">
-              <a:avLst/>
-            </a:prstGeom>
-          </p:spPr>
-          <p:style>
-            <a:lnRef idx="2">
-              <a:schemeClr val="accent1">
-                <a:shade val="50000"/>
-              </a:schemeClr>
-            </a:lnRef>
-            <a:fillRef idx="1">
-              <a:schemeClr val="accent1"/>
-            </a:fillRef>
-            <a:effectRef idx="0">
-              <a:schemeClr val="accent1"/>
-            </a:effectRef>
-            <a:fontRef idx="minor">
-              <a:schemeClr val="lt1"/>
-            </a:fontRef>
-          </p:style>
-          <p:txBody>
-            <a:bodyPr rtlCol="0" anchor="ctr"/>
-            <a:lstStyle/>
-            <a:p>
-              <a:pPr algn="ctr"/>
-              <a:endParaRPr lang="en-US"/>
-            </a:p>
-          </p:txBody>
-        </p:sp>
-        <p:sp>
-          <p:nvSpPr>
-            <p:cNvPr id="16" name="Rectangle 15">
-              <a:extLst>
-                <a:ext uri="{FF2B5EF4-FFF2-40B4-BE49-F238E27FC236}">
-                  <a16:creationId xmlns:a16="http://schemas.microsoft.com/office/drawing/2014/main" id="{B0857FD9-98A0-0B4A-B683-B4483D297C80}"/>
-                </a:ext>
-              </a:extLst>
-            </p:cNvPr>
-            <p:cNvSpPr/>
-            <p:nvPr/>
-          </p:nvSpPr>
-          <p:spPr>
-            <a:xfrm>
-              <a:off x="6475412" y="1866446"/>
-              <a:ext cx="609600" cy="1295400"/>
-            </a:xfrm>
-            <a:prstGeom prst="rect">
-              <a:avLst/>
-            </a:prstGeom>
-            <a:solidFill>
-              <a:schemeClr val="accent1">
-                <a:lumMod val="20000"/>
-                <a:lumOff val="80000"/>
-              </a:schemeClr>
-            </a:solidFill>
-          </p:spPr>
-          <p:style>
-            <a:lnRef idx="2">
-              <a:schemeClr val="accent1">
-                <a:shade val="50000"/>
-              </a:schemeClr>
-            </a:lnRef>
-            <a:fillRef idx="1">
-              <a:schemeClr val="accent1"/>
-            </a:fillRef>
-            <a:effectRef idx="0">
-              <a:schemeClr val="accent1"/>
-            </a:effectRef>
-            <a:fontRef idx="minor">
-              <a:schemeClr val="lt1"/>
-            </a:fontRef>
-          </p:style>
-          <p:txBody>
-            <a:bodyPr rtlCol="0" anchor="ctr"/>
-            <a:lstStyle/>
-            <a:p>
-              <a:pPr algn="ctr"/>
-              <a:endParaRPr lang="en-US"/>
-            </a:p>
-          </p:txBody>
-        </p:sp>
-        <p:sp>
-          <p:nvSpPr>
-            <p:cNvPr id="17" name="Rectangle 16">
-              <a:extLst>
-                <a:ext uri="{FF2B5EF4-FFF2-40B4-BE49-F238E27FC236}">
-                  <a16:creationId xmlns:a16="http://schemas.microsoft.com/office/drawing/2014/main" id="{2D4EF7F0-DA33-8243-9AF6-49D5451700EF}"/>
-                </a:ext>
-              </a:extLst>
-            </p:cNvPr>
-            <p:cNvSpPr/>
-            <p:nvPr/>
-          </p:nvSpPr>
-          <p:spPr>
-            <a:xfrm>
-              <a:off x="6475412" y="3167289"/>
-              <a:ext cx="609600" cy="1295400"/>
-            </a:xfrm>
-            <a:prstGeom prst="rect">
-              <a:avLst/>
-            </a:prstGeom>
-            <a:solidFill>
-              <a:schemeClr val="accent1">
-                <a:lumMod val="60000"/>
-                <a:lumOff val="40000"/>
-              </a:schemeClr>
-            </a:solidFill>
-          </p:spPr>
-          <p:style>
-            <a:lnRef idx="2">
-              <a:schemeClr val="accent1">
-                <a:shade val="50000"/>
-              </a:schemeClr>
-            </a:lnRef>
-            <a:fillRef idx="1">
-              <a:schemeClr val="accent1"/>
-            </a:fillRef>
-            <a:effectRef idx="0">
-              <a:schemeClr val="accent1"/>
-            </a:effectRef>
-            <a:fontRef idx="minor">
-              <a:schemeClr val="lt1"/>
-            </a:fontRef>
-          </p:style>
-          <p:txBody>
-            <a:bodyPr rtlCol="0" anchor="ctr"/>
-            <a:lstStyle/>
-            <a:p>
-              <a:pPr algn="ctr"/>
-              <a:endParaRPr lang="en-US"/>
-            </a:p>
-          </p:txBody>
-        </p:sp>
-        <p:sp>
-          <p:nvSpPr>
-            <p:cNvPr id="18" name="Rectangle 17">
-              <a:extLst>
-                <a:ext uri="{FF2B5EF4-FFF2-40B4-BE49-F238E27FC236}">
-                  <a16:creationId xmlns:a16="http://schemas.microsoft.com/office/drawing/2014/main" id="{156D5C5E-8739-8C45-B30C-07AF5A68BBC3}"/>
-                </a:ext>
-              </a:extLst>
-            </p:cNvPr>
-            <p:cNvSpPr/>
-            <p:nvPr/>
-          </p:nvSpPr>
-          <p:spPr>
-            <a:xfrm>
-              <a:off x="6475412" y="4451349"/>
-              <a:ext cx="609600" cy="1295400"/>
-            </a:xfrm>
-            <a:prstGeom prst="rect">
-              <a:avLst/>
-            </a:prstGeom>
-          </p:spPr>
-          <p:style>
-            <a:lnRef idx="2">
-              <a:schemeClr val="accent1">
-                <a:shade val="50000"/>
-              </a:schemeClr>
-            </a:lnRef>
-            <a:fillRef idx="1">
-              <a:schemeClr val="accent1"/>
-            </a:fillRef>
-            <a:effectRef idx="0">
-              <a:schemeClr val="accent1"/>
-            </a:effectRef>
-            <a:fontRef idx="minor">
-              <a:schemeClr val="lt1"/>
-            </a:fontRef>
-          </p:style>
-          <p:txBody>
-            <a:bodyPr rtlCol="0" anchor="ctr"/>
-            <a:lstStyle/>
-            <a:p>
-              <a:pPr algn="ctr"/>
-              <a:endParaRPr lang="en-US"/>
-            </a:p>
-          </p:txBody>
-        </p:sp>
-        <p:sp>
-          <p:nvSpPr>
-            <p:cNvPr id="19" name="Right Arrow 18">
-              <a:extLst>
-                <a:ext uri="{FF2B5EF4-FFF2-40B4-BE49-F238E27FC236}">
-                  <a16:creationId xmlns:a16="http://schemas.microsoft.com/office/drawing/2014/main" id="{5CBDE9B9-7F66-0449-B088-B8C2523DBAF5}"/>
-                </a:ext>
-              </a:extLst>
-            </p:cNvPr>
-            <p:cNvSpPr/>
-            <p:nvPr/>
-          </p:nvSpPr>
-          <p:spPr>
-            <a:xfrm>
-              <a:off x="5408612" y="2286000"/>
-              <a:ext cx="1066800" cy="457200"/>
-            </a:xfrm>
-            <a:prstGeom prst="rightArrow">
-              <a:avLst/>
-            </a:prstGeom>
-            <a:solidFill>
-              <a:schemeClr val="accent1">
-                <a:lumMod val="20000"/>
-                <a:lumOff val="80000"/>
-              </a:schemeClr>
-            </a:solidFill>
-          </p:spPr>
-          <p:style>
-            <a:lnRef idx="2">
-              <a:schemeClr val="accent1">
-                <a:shade val="50000"/>
-              </a:schemeClr>
-            </a:lnRef>
-            <a:fillRef idx="1">
-              <a:schemeClr val="accent1"/>
-            </a:fillRef>
-            <a:effectRef idx="0">
-              <a:schemeClr val="accent1"/>
-            </a:effectRef>
-            <a:fontRef idx="minor">
-              <a:schemeClr val="lt1"/>
-            </a:fontRef>
-          </p:style>
-          <p:txBody>
-            <a:bodyPr rtlCol="0" anchor="ctr"/>
-            <a:lstStyle/>
-            <a:p>
-              <a:pPr algn="ctr"/>
-              <a:endParaRPr lang="en-US"/>
-            </a:p>
-          </p:txBody>
-        </p:sp>
-        <p:sp>
-          <p:nvSpPr>
-            <p:cNvPr id="20" name="Right Arrow 19">
-              <a:extLst>
-                <a:ext uri="{FF2B5EF4-FFF2-40B4-BE49-F238E27FC236}">
-                  <a16:creationId xmlns:a16="http://schemas.microsoft.com/office/drawing/2014/main" id="{782EC0BD-AE04-5B41-9B88-F836E6CB91CE}"/>
-                </a:ext>
-              </a:extLst>
-            </p:cNvPr>
-            <p:cNvSpPr/>
-            <p:nvPr/>
-          </p:nvSpPr>
-          <p:spPr>
-            <a:xfrm>
-              <a:off x="4951412" y="3581400"/>
-              <a:ext cx="1524000" cy="457200"/>
-            </a:xfrm>
-            <a:prstGeom prst="rightArrow">
-              <a:avLst/>
-            </a:prstGeom>
-            <a:solidFill>
-              <a:schemeClr val="accent1">
-                <a:lumMod val="60000"/>
-                <a:lumOff val="40000"/>
-              </a:schemeClr>
-            </a:solidFill>
-          </p:spPr>
-          <p:style>
-            <a:lnRef idx="2">
-              <a:schemeClr val="accent1">
-                <a:shade val="50000"/>
-              </a:schemeClr>
-            </a:lnRef>
-            <a:fillRef idx="1">
-              <a:schemeClr val="accent1"/>
-            </a:fillRef>
-            <a:effectRef idx="0">
-              <a:schemeClr val="accent1"/>
-            </a:effectRef>
-            <a:fontRef idx="minor">
-              <a:schemeClr val="lt1"/>
-            </a:fontRef>
-          </p:style>
-          <p:txBody>
-            <a:bodyPr rtlCol="0" anchor="ctr"/>
-            <a:lstStyle/>
-            <a:p>
-              <a:pPr algn="ctr"/>
-              <a:endParaRPr lang="en-US"/>
-            </a:p>
-          </p:txBody>
-        </p:sp>
-        <p:sp>
-          <p:nvSpPr>
-            <p:cNvPr id="21" name="Right Arrow 20">
-              <a:extLst>
-                <a:ext uri="{FF2B5EF4-FFF2-40B4-BE49-F238E27FC236}">
-                  <a16:creationId xmlns:a16="http://schemas.microsoft.com/office/drawing/2014/main" id="{816C1DEF-A8DD-694C-BCDB-9B8C9CAB0A98}"/>
-                </a:ext>
-              </a:extLst>
-            </p:cNvPr>
-            <p:cNvSpPr/>
-            <p:nvPr/>
-          </p:nvSpPr>
-          <p:spPr>
-            <a:xfrm>
-              <a:off x="4532312" y="4658178"/>
-              <a:ext cx="1943100" cy="457200"/>
-            </a:xfrm>
-            <a:prstGeom prst="rightArrow">
-              <a:avLst/>
-            </a:prstGeom>
-            <a:solidFill>
-              <a:schemeClr val="accent1"/>
-            </a:solidFill>
-          </p:spPr>
-          <p:style>
-            <a:lnRef idx="2">
-              <a:schemeClr val="accent1">
-                <a:shade val="50000"/>
-              </a:schemeClr>
-            </a:lnRef>
-            <a:fillRef idx="1">
-              <a:schemeClr val="accent1"/>
-            </a:fillRef>
-            <a:effectRef idx="0">
-              <a:schemeClr val="accent1"/>
-            </a:effectRef>
-            <a:fontRef idx="minor">
-              <a:schemeClr val="lt1"/>
-            </a:fontRef>
-          </p:style>
-          <p:txBody>
-            <a:bodyPr rtlCol="0" anchor="ctr"/>
-            <a:lstStyle/>
-            <a:p>
-              <a:pPr algn="ctr"/>
-              <a:endParaRPr lang="en-US"/>
-            </a:p>
-          </p:txBody>
-        </p:sp>
-        <p:sp>
-          <p:nvSpPr>
-            <p:cNvPr id="22" name="TextBox 21">
-              <a:extLst>
-                <a:ext uri="{FF2B5EF4-FFF2-40B4-BE49-F238E27FC236}">
-                  <a16:creationId xmlns:a16="http://schemas.microsoft.com/office/drawing/2014/main" id="{21B58120-EBBB-8448-BBE5-8216A016294F}"/>
-                </a:ext>
-              </a:extLst>
-            </p:cNvPr>
-            <p:cNvSpPr txBox="1"/>
-            <p:nvPr/>
-          </p:nvSpPr>
-          <p:spPr>
-            <a:xfrm rot="16200000">
-              <a:off x="5419154" y="3178777"/>
-              <a:ext cx="2758848" cy="461665"/>
-            </a:xfrm>
-            <a:prstGeom prst="rect">
-              <a:avLst/>
-            </a:prstGeom>
-            <a:noFill/>
-          </p:spPr>
-          <p:txBody>
-            <a:bodyPr wrap="square" rtlCol="0">
-              <a:spAutoFit/>
-            </a:bodyPr>
-            <a:lstStyle/>
-            <a:p>
-              <a:r>
-                <a:rPr lang="en-US" sz="2400" dirty="0"/>
-                <a:t>Interfaces</a:t>
-              </a:r>
-            </a:p>
-          </p:txBody>
-        </p:sp>
-        <p:sp>
-          <p:nvSpPr>
-            <p:cNvPr id="23" name="Rectangle 22">
-              <a:extLst>
-                <a:ext uri="{FF2B5EF4-FFF2-40B4-BE49-F238E27FC236}">
-                  <a16:creationId xmlns:a16="http://schemas.microsoft.com/office/drawing/2014/main" id="{16EFD91F-E38D-5B45-826C-FD7E3EA51A4A}"/>
-                </a:ext>
-              </a:extLst>
-            </p:cNvPr>
-            <p:cNvSpPr/>
-            <p:nvPr/>
-          </p:nvSpPr>
-          <p:spPr>
-            <a:xfrm>
-              <a:off x="8162618" y="1480004"/>
-              <a:ext cx="2159018" cy="4463595"/>
-            </a:xfrm>
-            <a:prstGeom prst="rect">
-              <a:avLst/>
-            </a:prstGeom>
-            <a:solidFill>
-              <a:schemeClr val="accent3">
-                <a:lumMod val="60000"/>
-                <a:lumOff val="40000"/>
-              </a:schemeClr>
-            </a:solidFill>
-          </p:spPr>
-          <p:style>
-            <a:lnRef idx="2">
-              <a:schemeClr val="accent1">
-                <a:shade val="50000"/>
-              </a:schemeClr>
-            </a:lnRef>
-            <a:fillRef idx="1">
-              <a:schemeClr val="accent1"/>
-            </a:fillRef>
-            <a:effectRef idx="0">
-              <a:schemeClr val="accent1"/>
-            </a:effectRef>
-            <a:fontRef idx="minor">
-              <a:schemeClr val="lt1"/>
-            </a:fontRef>
-          </p:style>
-          <p:txBody>
-            <a:bodyPr rtlCol="0" anchor="ctr"/>
-            <a:lstStyle/>
-            <a:p>
-              <a:pPr algn="ctr"/>
-              <a:endParaRPr lang="en-US"/>
-            </a:p>
-          </p:txBody>
-        </p:sp>
-        <p:sp>
-          <p:nvSpPr>
-            <p:cNvPr id="24" name="Rectangle 23">
-              <a:extLst>
-                <a:ext uri="{FF2B5EF4-FFF2-40B4-BE49-F238E27FC236}">
-                  <a16:creationId xmlns:a16="http://schemas.microsoft.com/office/drawing/2014/main" id="{4D7CF31E-0DB3-A040-8C8F-7808A0C97364}"/>
-                </a:ext>
-              </a:extLst>
-            </p:cNvPr>
-            <p:cNvSpPr/>
-            <p:nvPr/>
-          </p:nvSpPr>
-          <p:spPr>
-            <a:xfrm>
-              <a:off x="8692808" y="2002971"/>
-              <a:ext cx="1146211" cy="3511138"/>
-            </a:xfrm>
-            <a:prstGeom prst="rect">
-              <a:avLst/>
-            </a:prstGeom>
-            <a:solidFill>
-              <a:schemeClr val="accent3">
-                <a:lumMod val="20000"/>
-                <a:lumOff val="80000"/>
-              </a:schemeClr>
-            </a:solidFill>
-          </p:spPr>
-          <p:style>
-            <a:lnRef idx="2">
-              <a:schemeClr val="accent1">
-                <a:shade val="50000"/>
-              </a:schemeClr>
-            </a:lnRef>
-            <a:fillRef idx="1">
-              <a:schemeClr val="accent1"/>
-            </a:fillRef>
-            <a:effectRef idx="0">
-              <a:schemeClr val="accent1"/>
-            </a:effectRef>
-            <a:fontRef idx="minor">
-              <a:schemeClr val="lt1"/>
-            </a:fontRef>
-          </p:style>
-          <p:txBody>
-            <a:bodyPr rtlCol="0" anchor="ctr"/>
-            <a:lstStyle/>
-            <a:p>
-              <a:pPr algn="ctr"/>
-              <a:endParaRPr lang="en-US"/>
-            </a:p>
-          </p:txBody>
-        </p:sp>
-        <p:sp>
-          <p:nvSpPr>
-            <p:cNvPr id="25" name="TextBox 24">
-              <a:extLst>
-                <a:ext uri="{FF2B5EF4-FFF2-40B4-BE49-F238E27FC236}">
-                  <a16:creationId xmlns:a16="http://schemas.microsoft.com/office/drawing/2014/main" id="{2DE373C6-C8B0-5A42-BA88-3FCD9BC2B273}"/>
-                </a:ext>
-              </a:extLst>
-            </p:cNvPr>
-            <p:cNvSpPr txBox="1"/>
-            <p:nvPr/>
-          </p:nvSpPr>
-          <p:spPr>
-            <a:xfrm rot="16200000">
-              <a:off x="6690920" y="3216739"/>
-              <a:ext cx="3354162" cy="461665"/>
-            </a:xfrm>
-            <a:prstGeom prst="rect">
-              <a:avLst/>
-            </a:prstGeom>
-            <a:noFill/>
-          </p:spPr>
-          <p:txBody>
-            <a:bodyPr wrap="square" rtlCol="0">
-              <a:spAutoFit/>
-            </a:bodyPr>
-            <a:lstStyle/>
-            <a:p>
-              <a:r>
-                <a:rPr lang="en-US" sz="2400" dirty="0"/>
-                <a:t>Wrapper layer</a:t>
-              </a:r>
-            </a:p>
-          </p:txBody>
-        </p:sp>
-        <p:sp>
-          <p:nvSpPr>
-            <p:cNvPr id="26" name="Left Arrow 25">
-              <a:extLst>
-                <a:ext uri="{FF2B5EF4-FFF2-40B4-BE49-F238E27FC236}">
-                  <a16:creationId xmlns:a16="http://schemas.microsoft.com/office/drawing/2014/main" id="{B6CA6BFD-20AA-4440-B2A5-184EE13DBB15}"/>
-                </a:ext>
-              </a:extLst>
-            </p:cNvPr>
-            <p:cNvSpPr/>
-            <p:nvPr/>
-          </p:nvSpPr>
-          <p:spPr>
-            <a:xfrm>
-              <a:off x="7121744" y="2514600"/>
-              <a:ext cx="1030068" cy="381000"/>
-            </a:xfrm>
-            <a:prstGeom prst="leftArrow">
-              <a:avLst/>
-            </a:prstGeom>
-            <a:solidFill>
-              <a:schemeClr val="accent3">
-                <a:lumMod val="60000"/>
-                <a:lumOff val="40000"/>
-              </a:schemeClr>
-            </a:solidFill>
-          </p:spPr>
-          <p:style>
-            <a:lnRef idx="2">
-              <a:schemeClr val="accent1">
-                <a:shade val="50000"/>
-              </a:schemeClr>
-            </a:lnRef>
-            <a:fillRef idx="1">
-              <a:schemeClr val="accent1"/>
-            </a:fillRef>
-            <a:effectRef idx="0">
-              <a:schemeClr val="accent1"/>
-            </a:effectRef>
-            <a:fontRef idx="minor">
-              <a:schemeClr val="lt1"/>
-            </a:fontRef>
-          </p:style>
-          <p:txBody>
-            <a:bodyPr rtlCol="0" anchor="ctr"/>
-            <a:lstStyle/>
-            <a:p>
-              <a:pPr algn="ctr"/>
-              <a:endParaRPr lang="en-US"/>
-            </a:p>
-          </p:txBody>
-        </p:sp>
-        <p:sp>
-          <p:nvSpPr>
-            <p:cNvPr id="27" name="Left Arrow 26">
-              <a:extLst>
-                <a:ext uri="{FF2B5EF4-FFF2-40B4-BE49-F238E27FC236}">
-                  <a16:creationId xmlns:a16="http://schemas.microsoft.com/office/drawing/2014/main" id="{94D3EC0C-B16A-9E4C-901F-74F955D5E9A2}"/>
-                </a:ext>
-              </a:extLst>
-            </p:cNvPr>
-            <p:cNvSpPr/>
-            <p:nvPr/>
-          </p:nvSpPr>
-          <p:spPr>
-            <a:xfrm>
-              <a:off x="7110938" y="3581400"/>
-              <a:ext cx="1030068" cy="381000"/>
-            </a:xfrm>
-            <a:prstGeom prst="leftArrow">
-              <a:avLst/>
-            </a:prstGeom>
-            <a:solidFill>
-              <a:schemeClr val="accent3">
-                <a:lumMod val="60000"/>
-                <a:lumOff val="40000"/>
-              </a:schemeClr>
-            </a:solidFill>
-          </p:spPr>
-          <p:style>
-            <a:lnRef idx="2">
-              <a:schemeClr val="accent1">
-                <a:shade val="50000"/>
-              </a:schemeClr>
-            </a:lnRef>
-            <a:fillRef idx="1">
-              <a:schemeClr val="accent1"/>
-            </a:fillRef>
-            <a:effectRef idx="0">
-              <a:schemeClr val="accent1"/>
-            </a:effectRef>
-            <a:fontRef idx="minor">
-              <a:schemeClr val="lt1"/>
-            </a:fontRef>
-          </p:style>
-          <p:txBody>
-            <a:bodyPr rtlCol="0" anchor="ctr"/>
-            <a:lstStyle/>
-            <a:p>
-              <a:pPr algn="ctr"/>
-              <a:endParaRPr lang="en-US"/>
-            </a:p>
-          </p:txBody>
-        </p:sp>
-        <p:sp>
-          <p:nvSpPr>
-            <p:cNvPr id="28" name="Left Arrow 27">
-              <a:extLst>
-                <a:ext uri="{FF2B5EF4-FFF2-40B4-BE49-F238E27FC236}">
-                  <a16:creationId xmlns:a16="http://schemas.microsoft.com/office/drawing/2014/main" id="{3D7FEC02-E472-3545-81FD-3A055A7A81F5}"/>
-                </a:ext>
-              </a:extLst>
-            </p:cNvPr>
-            <p:cNvSpPr/>
-            <p:nvPr/>
-          </p:nvSpPr>
-          <p:spPr>
-            <a:xfrm>
-              <a:off x="7100131" y="4762271"/>
-              <a:ext cx="1030068" cy="381000"/>
-            </a:xfrm>
-            <a:prstGeom prst="leftArrow">
-              <a:avLst/>
-            </a:prstGeom>
-            <a:solidFill>
-              <a:schemeClr val="accent3">
-                <a:lumMod val="60000"/>
-                <a:lumOff val="40000"/>
-              </a:schemeClr>
-            </a:solidFill>
-          </p:spPr>
-          <p:style>
-            <a:lnRef idx="2">
-              <a:schemeClr val="accent1">
-                <a:shade val="50000"/>
-              </a:schemeClr>
-            </a:lnRef>
-            <a:fillRef idx="1">
-              <a:schemeClr val="accent1"/>
-            </a:fillRef>
-            <a:effectRef idx="0">
-              <a:schemeClr val="accent1"/>
-            </a:effectRef>
-            <a:fontRef idx="minor">
-              <a:schemeClr val="lt1"/>
-            </a:fontRef>
-          </p:style>
-          <p:txBody>
-            <a:bodyPr rtlCol="0" anchor="ctr"/>
-            <a:lstStyle/>
-            <a:p>
-              <a:pPr algn="ctr"/>
-              <a:endParaRPr lang="en-US"/>
-            </a:p>
-          </p:txBody>
-        </p:sp>
-        <p:sp>
-          <p:nvSpPr>
-            <p:cNvPr id="29" name="TextBox 28">
-              <a:extLst>
-                <a:ext uri="{FF2B5EF4-FFF2-40B4-BE49-F238E27FC236}">
-                  <a16:creationId xmlns:a16="http://schemas.microsoft.com/office/drawing/2014/main" id="{49C220E8-5B28-E040-A785-0DF2EB0820D9}"/>
-                </a:ext>
-              </a:extLst>
-            </p:cNvPr>
-            <p:cNvSpPr txBox="1"/>
-            <p:nvPr/>
-          </p:nvSpPr>
-          <p:spPr>
-            <a:xfrm>
-              <a:off x="3397184" y="1018339"/>
-              <a:ext cx="1981633" cy="461665"/>
-            </a:xfrm>
-            <a:prstGeom prst="rect">
-              <a:avLst/>
-            </a:prstGeom>
-            <a:noFill/>
-          </p:spPr>
-          <p:txBody>
-            <a:bodyPr wrap="none" rtlCol="0">
-              <a:spAutoFit/>
-            </a:bodyPr>
-            <a:lstStyle/>
-            <a:p>
-              <a:r>
-                <a:rPr lang="en-US" sz="2400" dirty="0"/>
-                <a:t>infrastructure</a:t>
-              </a:r>
-            </a:p>
-          </p:txBody>
-        </p:sp>
-        <p:sp>
-          <p:nvSpPr>
-            <p:cNvPr id="30" name="TextBox 29">
-              <a:extLst>
-                <a:ext uri="{FF2B5EF4-FFF2-40B4-BE49-F238E27FC236}">
-                  <a16:creationId xmlns:a16="http://schemas.microsoft.com/office/drawing/2014/main" id="{78C38E3A-D716-E44D-9B03-6A9062514F36}"/>
-                </a:ext>
-              </a:extLst>
-            </p:cNvPr>
-            <p:cNvSpPr txBox="1"/>
-            <p:nvPr/>
-          </p:nvSpPr>
-          <p:spPr>
-            <a:xfrm>
-              <a:off x="8366307" y="984517"/>
-              <a:ext cx="1024639" cy="461665"/>
-            </a:xfrm>
-            <a:prstGeom prst="rect">
-              <a:avLst/>
-            </a:prstGeom>
-            <a:noFill/>
-          </p:spPr>
-          <p:txBody>
-            <a:bodyPr wrap="none" rtlCol="0">
-              <a:spAutoFit/>
-            </a:bodyPr>
-            <a:lstStyle/>
-            <a:p>
-              <a:r>
-                <a:rPr lang="en-US" sz="2400" dirty="0"/>
-                <a:t>model</a:t>
-              </a:r>
-            </a:p>
-          </p:txBody>
-        </p:sp>
-      </p:grpSp>
-    </p:spTree>
-    <p:extLst>
-      <p:ext uri="{BB962C8B-B14F-4D97-AF65-F5344CB8AC3E}">
-        <p14:creationId xmlns:p14="http://schemas.microsoft.com/office/powerpoint/2010/main" val="536282065"/>
-      </p:ext>
-    </p:extLst>
-  </p:cSld>
-  <p:clrMapOvr>
-    <a:masterClrMapping/>
-  </p:clrMapOvr>
-</p:sld>
-</file>
-
-<file path=ppt/slides/slide26.xml><?xml version="1.0" encoding="utf-8"?>
-<p:sld xmlns:a="http://schemas.openxmlformats.org/drawingml/2006/main" xmlns:r="http://schemas.openxmlformats.org/officeDocument/2006/relationships" xmlns:p="http://schemas.openxmlformats.org/presentationml/2006/main">
-  <p:cSld>
-    <p:spTree>
-      <p:nvGrpSpPr>
-        <p:cNvPr id="1" name=""/>
-        <p:cNvGrpSpPr/>
-        <p:nvPr/>
-      </p:nvGrpSpPr>
-      <p:grpSpPr>
-        <a:xfrm>
-          <a:off x="0" y="0"/>
-          <a:ext cx="0" cy="0"/>
-          <a:chOff x="0" y="0"/>
-          <a:chExt cx="0" cy="0"/>
-        </a:xfrm>
-      </p:grpSpPr>
-      <p:sp>
-        <p:nvSpPr>
-          <p:cNvPr id="18440" name="Rectangle 10"/>
-          <p:cNvSpPr>
-            <a:spLocks noChangeArrowheads="1"/>
-          </p:cNvSpPr>
-          <p:nvPr/>
-        </p:nvSpPr>
-        <p:spPr bwMode="auto">
-          <a:xfrm>
-            <a:off x="2407277" y="1876825"/>
-            <a:ext cx="1314792" cy="857473"/>
-          </a:xfrm>
-          <a:prstGeom prst="rect">
-            <a:avLst/>
-          </a:prstGeom>
-          <a:solidFill>
-            <a:srgbClr val="FF9900"/>
-          </a:solidFill>
-          <a:ln w="9525">
-            <a:solidFill>
-              <a:srgbClr val="000000"/>
-            </a:solidFill>
-            <a:round/>
-            <a:headEnd/>
-            <a:tailEnd/>
-          </a:ln>
-        </p:spPr>
-        <p:txBody>
-          <a:bodyPr wrap="none" anchor="ctr">
-            <a:prstTxWarp prst="textNoShape">
-              <a:avLst/>
-            </a:prstTxWarp>
-          </a:bodyPr>
-          <a:lstStyle/>
-          <a:p>
-            <a:r>
-              <a:rPr lang="en-US" sz="1350" dirty="0"/>
-              <a:t>Real view : A </a:t>
-            </a:r>
-          </a:p>
-          <a:p>
-            <a:r>
-              <a:rPr lang="en-US" sz="1350" dirty="0"/>
-              <a:t>whole domain </a:t>
-            </a:r>
-          </a:p>
-          <a:p>
-            <a:r>
-              <a:rPr lang="en-US" sz="1350" dirty="0"/>
-              <a:t>with many </a:t>
-            </a:r>
-          </a:p>
-          <a:p>
-            <a:r>
-              <a:rPr lang="en-US" sz="1350" dirty="0"/>
-              <a:t>operators</a:t>
-            </a:r>
-          </a:p>
-        </p:txBody>
-      </p:sp>
-      <p:sp>
-        <p:nvSpPr>
-          <p:cNvPr id="18436" name="Rectangle 4"/>
-          <p:cNvSpPr>
-            <a:spLocks noChangeArrowheads="1"/>
-          </p:cNvSpPr>
-          <p:nvPr/>
-        </p:nvSpPr>
-        <p:spPr bwMode="auto">
-          <a:xfrm>
-            <a:off x="5980083" y="1877854"/>
-            <a:ext cx="1371957" cy="858069"/>
-          </a:xfrm>
-          <a:prstGeom prst="rect">
-            <a:avLst/>
-          </a:prstGeom>
-          <a:solidFill>
-            <a:schemeClr val="accent2">
-              <a:lumMod val="40000"/>
-              <a:lumOff val="60000"/>
-            </a:schemeClr>
-          </a:solidFill>
-          <a:ln w="9525">
-            <a:solidFill>
-              <a:srgbClr val="000000"/>
-            </a:solidFill>
-            <a:round/>
-            <a:headEnd/>
-            <a:tailEnd/>
-          </a:ln>
-        </p:spPr>
-        <p:txBody>
-          <a:bodyPr wrap="none" anchor="ctr">
-            <a:prstTxWarp prst="textNoShape">
-              <a:avLst/>
-            </a:prstTxWarp>
-          </a:bodyPr>
-          <a:lstStyle/>
-          <a:p>
-            <a:endParaRPr lang="en-US" sz="1350" dirty="0"/>
-          </a:p>
-          <a:p>
-            <a:r>
-              <a:rPr lang="en-US" sz="1350" dirty="0"/>
-              <a:t>Virtual view :</a:t>
-            </a:r>
-          </a:p>
-          <a:p>
-            <a:r>
-              <a:rPr lang="en-US" sz="1350" dirty="0"/>
-              <a:t>domain sections </a:t>
-            </a:r>
-          </a:p>
-          <a:p>
-            <a:r>
-              <a:rPr lang="en-US" sz="1350" dirty="0"/>
-              <a:t>as stand-alone </a:t>
-            </a:r>
-          </a:p>
-          <a:p>
-            <a:r>
-              <a:rPr lang="en-US" sz="1350" dirty="0"/>
-              <a:t>computation unit </a:t>
-            </a:r>
-          </a:p>
-          <a:p>
-            <a:endParaRPr lang="en-US" sz="1350" dirty="0"/>
-          </a:p>
-        </p:txBody>
-      </p:sp>
-      <p:sp>
-        <p:nvSpPr>
-          <p:cNvPr id="45" name="Rectangle 11"/>
-          <p:cNvSpPr>
-            <a:spLocks noChangeArrowheads="1"/>
-          </p:cNvSpPr>
-          <p:nvPr/>
-        </p:nvSpPr>
-        <p:spPr bwMode="auto">
-          <a:xfrm>
-            <a:off x="7726648" y="2836097"/>
-            <a:ext cx="1322725" cy="971804"/>
-          </a:xfrm>
-          <a:prstGeom prst="rect">
-            <a:avLst/>
-          </a:prstGeom>
-          <a:solidFill>
-            <a:schemeClr val="accent5">
-              <a:lumMod val="60000"/>
-              <a:lumOff val="40000"/>
-            </a:schemeClr>
-          </a:solidFill>
-          <a:ln w="9525">
-            <a:solidFill>
-              <a:srgbClr val="000000"/>
-            </a:solidFill>
-            <a:round/>
-            <a:headEnd/>
-            <a:tailEnd/>
-          </a:ln>
-        </p:spPr>
-        <p:txBody>
-          <a:bodyPr wrap="none" anchor="ctr">
-            <a:prstTxWarp prst="textNoShape">
-              <a:avLst/>
-            </a:prstTxWarp>
-          </a:bodyPr>
-          <a:lstStyle/>
-          <a:p>
-            <a:endParaRPr lang="en-US" sz="1350" dirty="0"/>
-          </a:p>
-          <a:p>
-            <a:r>
-              <a:rPr lang="en-US" sz="1350" dirty="0"/>
-              <a:t>Parallelization</a:t>
-            </a:r>
-          </a:p>
-          <a:p>
-            <a:r>
-              <a:rPr lang="en-US" sz="1350" dirty="0"/>
-              <a:t>and scaling</a:t>
-            </a:r>
-          </a:p>
-          <a:p>
-            <a:r>
-              <a:rPr lang="en-US" sz="1350" dirty="0"/>
-              <a:t>optimization</a:t>
-            </a:r>
-          </a:p>
-          <a:p>
-            <a:endParaRPr lang="en-US" sz="1350" dirty="0"/>
-          </a:p>
-        </p:txBody>
-      </p:sp>
-      <p:sp>
-        <p:nvSpPr>
-          <p:cNvPr id="50" name="Rectangle 11"/>
-          <p:cNvSpPr>
-            <a:spLocks noChangeArrowheads="1"/>
-          </p:cNvSpPr>
-          <p:nvPr/>
-        </p:nvSpPr>
-        <p:spPr bwMode="auto">
-          <a:xfrm>
-            <a:off x="3996782" y="1877855"/>
-            <a:ext cx="1298777" cy="858069"/>
-          </a:xfrm>
-          <a:prstGeom prst="rect">
-            <a:avLst/>
-          </a:prstGeom>
-          <a:solidFill>
-            <a:srgbClr val="FF9900"/>
-          </a:solidFill>
-          <a:ln w="9525">
-            <a:solidFill>
-              <a:srgbClr val="000000"/>
-            </a:solidFill>
-            <a:round/>
-            <a:headEnd/>
-            <a:tailEnd/>
-          </a:ln>
-        </p:spPr>
-        <p:txBody>
-          <a:bodyPr wrap="none" anchor="ctr">
-            <a:prstTxWarp prst="textNoShape">
-              <a:avLst/>
-            </a:prstTxWarp>
-          </a:bodyPr>
-          <a:lstStyle/>
-          <a:p>
-            <a:r>
-              <a:rPr lang="en-US" sz="1350" dirty="0"/>
-              <a:t>Spatial</a:t>
-            </a:r>
-          </a:p>
-          <a:p>
-            <a:r>
-              <a:rPr lang="en-US" sz="1350" dirty="0"/>
-              <a:t>Decomposition</a:t>
-            </a:r>
-          </a:p>
-          <a:p>
-            <a:r>
-              <a:rPr lang="en-US" sz="1350" dirty="0"/>
-              <a:t>Blocks/tiles</a:t>
-            </a:r>
-          </a:p>
-          <a:p>
-            <a:endParaRPr lang="en-US" sz="1350" dirty="0"/>
-          </a:p>
-        </p:txBody>
-      </p:sp>
-      <p:cxnSp>
-        <p:nvCxnSpPr>
-          <p:cNvPr id="46" name="Straight Arrow Connector 45"/>
-          <p:cNvCxnSpPr>
-            <a:stCxn id="18440" idx="3"/>
-            <a:endCxn id="50" idx="1"/>
-          </p:cNvCxnSpPr>
-          <p:nvPr/>
-        </p:nvCxnSpPr>
-        <p:spPr>
-          <a:xfrm>
-            <a:off x="3722069" y="2305561"/>
-            <a:ext cx="274712" cy="1328"/>
-          </a:xfrm>
-          <a:prstGeom prst="straightConnector1">
-            <a:avLst/>
-          </a:prstGeom>
-          <a:ln>
-            <a:tailEnd type="arrow"/>
-          </a:ln>
-        </p:spPr>
-        <p:style>
-          <a:lnRef idx="2">
-            <a:schemeClr val="accent1"/>
-          </a:lnRef>
-          <a:fillRef idx="0">
-            <a:schemeClr val="accent1"/>
-          </a:fillRef>
-          <a:effectRef idx="1">
-            <a:schemeClr val="accent1"/>
-          </a:effectRef>
-          <a:fontRef idx="minor">
-            <a:schemeClr val="tx1"/>
-          </a:fontRef>
-        </p:style>
-      </p:cxnSp>
-      <p:cxnSp>
-        <p:nvCxnSpPr>
-          <p:cNvPr id="48" name="Straight Arrow Connector 47"/>
-          <p:cNvCxnSpPr>
-            <a:stCxn id="50" idx="3"/>
-            <a:endCxn id="18436" idx="1"/>
-          </p:cNvCxnSpPr>
-          <p:nvPr/>
-        </p:nvCxnSpPr>
-        <p:spPr>
-          <a:xfrm flipV="1">
-            <a:off x="5295558" y="2306889"/>
-            <a:ext cx="684524" cy="1"/>
-          </a:xfrm>
-          <a:prstGeom prst="straightConnector1">
-            <a:avLst/>
-          </a:prstGeom>
-          <a:ln>
-            <a:tailEnd type="arrow"/>
-          </a:ln>
-        </p:spPr>
-        <p:style>
-          <a:lnRef idx="2">
-            <a:schemeClr val="accent1"/>
-          </a:lnRef>
-          <a:fillRef idx="0">
-            <a:schemeClr val="accent1"/>
-          </a:fillRef>
-          <a:effectRef idx="1">
-            <a:schemeClr val="accent1"/>
-          </a:effectRef>
-          <a:fontRef idx="minor">
-            <a:schemeClr val="tx1"/>
-          </a:fontRef>
-        </p:style>
-      </p:cxnSp>
-      <p:sp>
-        <p:nvSpPr>
-          <p:cNvPr id="33" name="Title 1"/>
-          <p:cNvSpPr>
-            <a:spLocks noGrp="1"/>
-          </p:cNvSpPr>
-          <p:nvPr>
-            <p:ph type="title"/>
-          </p:nvPr>
-        </p:nvSpPr>
-        <p:spPr>
-          <a:xfrm>
-            <a:off x="1401069" y="1081976"/>
-            <a:ext cx="8686800" cy="867152"/>
-          </a:xfrm>
-        </p:spPr>
-        <p:txBody>
-          <a:bodyPr/>
-          <a:lstStyle/>
-          <a:p>
-            <a:r>
-              <a:rPr lang="en-US" dirty="0"/>
-              <a:t>Separation of Concerns, Tasks</a:t>
-            </a:r>
-          </a:p>
-        </p:txBody>
-      </p:sp>
-      <p:sp>
-        <p:nvSpPr>
-          <p:cNvPr id="92" name="Rectangle 11"/>
-          <p:cNvSpPr>
-            <a:spLocks noChangeArrowheads="1"/>
-          </p:cNvSpPr>
-          <p:nvPr/>
-        </p:nvSpPr>
-        <p:spPr bwMode="auto">
-          <a:xfrm>
-            <a:off x="6004698" y="3079048"/>
-            <a:ext cx="1322725" cy="485902"/>
-          </a:xfrm>
-          <a:prstGeom prst="rect">
-            <a:avLst/>
-          </a:prstGeom>
-          <a:solidFill>
-            <a:schemeClr val="accent3">
-              <a:lumMod val="20000"/>
-              <a:lumOff val="80000"/>
-            </a:schemeClr>
-          </a:solidFill>
-          <a:ln w="9525">
-            <a:solidFill>
-              <a:srgbClr val="000000"/>
-            </a:solidFill>
-            <a:round/>
-            <a:headEnd/>
-            <a:tailEnd/>
-          </a:ln>
-        </p:spPr>
-        <p:txBody>
-          <a:bodyPr wrap="none" anchor="ctr">
-            <a:prstTxWarp prst="textNoShape">
-              <a:avLst/>
-            </a:prstTxWarp>
-          </a:bodyPr>
-          <a:lstStyle/>
-          <a:p>
-            <a:r>
-              <a:rPr lang="en-US" sz="1350" dirty="0"/>
-              <a:t>Dynamic </a:t>
-            </a:r>
-          </a:p>
-          <a:p>
-            <a:r>
-              <a:rPr lang="en-US" sz="1350" dirty="0"/>
-              <a:t>Scheduling</a:t>
-            </a:r>
-          </a:p>
-        </p:txBody>
-      </p:sp>
-      <p:sp>
-        <p:nvSpPr>
-          <p:cNvPr id="40" name="Rectangle 11">
-            <a:extLst>
-              <a:ext uri="{FF2B5EF4-FFF2-40B4-BE49-F238E27FC236}">
-                <a16:creationId xmlns:a16="http://schemas.microsoft.com/office/drawing/2014/main" id="{98C148C5-93D1-C84D-9797-6866394FA58B}"/>
-              </a:ext>
-            </a:extLst>
-          </p:cNvPr>
-          <p:cNvSpPr>
-            <a:spLocks noChangeArrowheads="1"/>
-          </p:cNvSpPr>
-          <p:nvPr/>
-        </p:nvSpPr>
-        <p:spPr bwMode="auto">
-          <a:xfrm>
-            <a:off x="7681774" y="2062609"/>
-            <a:ext cx="1412472" cy="499838"/>
-          </a:xfrm>
-          <a:prstGeom prst="rect">
-            <a:avLst/>
-          </a:prstGeom>
-          <a:solidFill>
-            <a:schemeClr val="accent3">
-              <a:lumMod val="20000"/>
-              <a:lumOff val="80000"/>
-            </a:schemeClr>
-          </a:solidFill>
-          <a:ln w="9525">
-            <a:solidFill>
-              <a:srgbClr val="000000"/>
-            </a:solidFill>
-            <a:round/>
-            <a:headEnd/>
-            <a:tailEnd/>
-          </a:ln>
-        </p:spPr>
-        <p:txBody>
-          <a:bodyPr wrap="none" anchor="ctr">
-            <a:prstTxWarp prst="textNoShape">
-              <a:avLst/>
-            </a:prstTxWarp>
-          </a:bodyPr>
-          <a:lstStyle/>
-          <a:p>
-            <a:r>
-              <a:rPr lang="en-US" sz="1350" dirty="0"/>
-              <a:t>Load Distribution</a:t>
-            </a:r>
-          </a:p>
-        </p:txBody>
-      </p:sp>
-      <p:cxnSp>
-        <p:nvCxnSpPr>
-          <p:cNvPr id="35" name="Straight Arrow Connector 34">
-            <a:extLst>
-              <a:ext uri="{FF2B5EF4-FFF2-40B4-BE49-F238E27FC236}">
-                <a16:creationId xmlns:a16="http://schemas.microsoft.com/office/drawing/2014/main" id="{07152625-100D-6546-9A61-D18126F37FA6}"/>
-              </a:ext>
-            </a:extLst>
-          </p:cNvPr>
-          <p:cNvCxnSpPr>
-            <a:stCxn id="18436" idx="2"/>
-            <a:endCxn id="92" idx="0"/>
-          </p:cNvCxnSpPr>
-          <p:nvPr/>
-        </p:nvCxnSpPr>
-        <p:spPr>
-          <a:xfrm flipH="1">
-            <a:off x="6666061" y="2735922"/>
-            <a:ext cx="1" cy="343126"/>
-          </a:xfrm>
-          <a:prstGeom prst="straightConnector1">
-            <a:avLst/>
-          </a:prstGeom>
-          <a:ln>
-            <a:tailEnd type="triangle"/>
-          </a:ln>
-        </p:spPr>
-        <p:style>
-          <a:lnRef idx="2">
-            <a:schemeClr val="accent1"/>
-          </a:lnRef>
-          <a:fillRef idx="0">
-            <a:schemeClr val="accent1"/>
-          </a:fillRef>
-          <a:effectRef idx="1">
-            <a:schemeClr val="accent1"/>
-          </a:effectRef>
-          <a:fontRef idx="minor">
-            <a:schemeClr val="tx1"/>
-          </a:fontRef>
-        </p:style>
-      </p:cxnSp>
-      <p:cxnSp>
-        <p:nvCxnSpPr>
-          <p:cNvPr id="37" name="Straight Arrow Connector 36">
-            <a:extLst>
-              <a:ext uri="{FF2B5EF4-FFF2-40B4-BE49-F238E27FC236}">
-                <a16:creationId xmlns:a16="http://schemas.microsoft.com/office/drawing/2014/main" id="{923F185C-DAB0-FF47-AAA3-F9FC5A829C76}"/>
-              </a:ext>
-            </a:extLst>
-          </p:cNvPr>
-          <p:cNvCxnSpPr>
-            <a:stCxn id="18436" idx="3"/>
-            <a:endCxn id="40" idx="1"/>
-          </p:cNvCxnSpPr>
-          <p:nvPr/>
-        </p:nvCxnSpPr>
-        <p:spPr>
-          <a:xfrm>
-            <a:off x="7352040" y="2306888"/>
-            <a:ext cx="329735" cy="5640"/>
-          </a:xfrm>
-          <a:prstGeom prst="straightConnector1">
-            <a:avLst/>
-          </a:prstGeom>
-          <a:ln>
-            <a:tailEnd type="triangle"/>
-          </a:ln>
-        </p:spPr>
-        <p:style>
-          <a:lnRef idx="2">
-            <a:schemeClr val="accent1"/>
-          </a:lnRef>
-          <a:fillRef idx="0">
-            <a:schemeClr val="accent1"/>
-          </a:fillRef>
-          <a:effectRef idx="1">
-            <a:schemeClr val="accent1"/>
-          </a:effectRef>
-          <a:fontRef idx="minor">
-            <a:schemeClr val="tx1"/>
-          </a:fontRef>
-        </p:style>
-      </p:cxnSp>
-      <p:cxnSp>
-        <p:nvCxnSpPr>
-          <p:cNvPr id="41" name="Straight Arrow Connector 40">
-            <a:extLst>
-              <a:ext uri="{FF2B5EF4-FFF2-40B4-BE49-F238E27FC236}">
-                <a16:creationId xmlns:a16="http://schemas.microsoft.com/office/drawing/2014/main" id="{24B08934-EC7D-514C-B936-8DF75A1F6D00}"/>
-              </a:ext>
-            </a:extLst>
-          </p:cNvPr>
-          <p:cNvCxnSpPr>
-            <a:stCxn id="40" idx="2"/>
-            <a:endCxn id="45" idx="0"/>
-          </p:cNvCxnSpPr>
-          <p:nvPr/>
-        </p:nvCxnSpPr>
-        <p:spPr>
-          <a:xfrm>
-            <a:off x="8388010" y="2562447"/>
-            <a:ext cx="0" cy="273650"/>
-          </a:xfrm>
-          <a:prstGeom prst="straightConnector1">
-            <a:avLst/>
-          </a:prstGeom>
-          <a:ln>
-            <a:tailEnd type="triangle"/>
-          </a:ln>
-        </p:spPr>
-        <p:style>
-          <a:lnRef idx="2">
-            <a:schemeClr val="accent1"/>
-          </a:lnRef>
-          <a:fillRef idx="0">
-            <a:schemeClr val="accent1"/>
-          </a:fillRef>
-          <a:effectRef idx="1">
-            <a:schemeClr val="accent1"/>
-          </a:effectRef>
-          <a:fontRef idx="minor">
-            <a:schemeClr val="tx1"/>
-          </a:fontRef>
-        </p:style>
-      </p:cxnSp>
-      <p:cxnSp>
-        <p:nvCxnSpPr>
-          <p:cNvPr id="43" name="Straight Arrow Connector 42">
-            <a:extLst>
-              <a:ext uri="{FF2B5EF4-FFF2-40B4-BE49-F238E27FC236}">
-                <a16:creationId xmlns:a16="http://schemas.microsoft.com/office/drawing/2014/main" id="{EA8F453C-EB27-9249-86B6-F85672E17544}"/>
-              </a:ext>
-            </a:extLst>
-          </p:cNvPr>
-          <p:cNvCxnSpPr>
-            <a:stCxn id="92" idx="3"/>
-            <a:endCxn id="45" idx="1"/>
-          </p:cNvCxnSpPr>
-          <p:nvPr/>
-        </p:nvCxnSpPr>
-        <p:spPr>
-          <a:xfrm>
-            <a:off x="7327423" y="3321999"/>
-            <a:ext cx="399225" cy="0"/>
-          </a:xfrm>
-          <a:prstGeom prst="straightConnector1">
-            <a:avLst/>
-          </a:prstGeom>
-          <a:ln>
-            <a:tailEnd type="triangle"/>
-          </a:ln>
-        </p:spPr>
-        <p:style>
-          <a:lnRef idx="2">
-            <a:schemeClr val="accent1"/>
-          </a:lnRef>
-          <a:fillRef idx="0">
-            <a:schemeClr val="accent1"/>
-          </a:fillRef>
-          <a:effectRef idx="1">
-            <a:schemeClr val="accent1"/>
-          </a:effectRef>
-          <a:fontRef idx="minor">
-            <a:schemeClr val="tx1"/>
-          </a:fontRef>
-        </p:style>
-      </p:cxnSp>
-      <p:cxnSp>
-        <p:nvCxnSpPr>
-          <p:cNvPr id="56" name="Straight Connector 55">
-            <a:extLst>
-              <a:ext uri="{FF2B5EF4-FFF2-40B4-BE49-F238E27FC236}">
-                <a16:creationId xmlns:a16="http://schemas.microsoft.com/office/drawing/2014/main" id="{4FBE40DF-5E46-6447-B9BA-A01260550913}"/>
-              </a:ext>
-            </a:extLst>
-          </p:cNvPr>
-          <p:cNvCxnSpPr>
-            <a:cxnSpLocks/>
-          </p:cNvCxnSpPr>
-          <p:nvPr/>
-        </p:nvCxnSpPr>
-        <p:spPr>
-          <a:xfrm>
-            <a:off x="7506881" y="1369501"/>
-            <a:ext cx="0" cy="1518052"/>
-          </a:xfrm>
-          <a:prstGeom prst="line">
-            <a:avLst/>
-          </a:prstGeom>
-          <a:ln w="28575">
-            <a:solidFill>
-              <a:schemeClr val="accent3"/>
-            </a:solidFill>
-            <a:prstDash val="sysDash"/>
-          </a:ln>
-        </p:spPr>
-        <p:style>
-          <a:lnRef idx="2">
-            <a:schemeClr val="accent1"/>
-          </a:lnRef>
-          <a:fillRef idx="0">
-            <a:schemeClr val="accent1"/>
-          </a:fillRef>
-          <a:effectRef idx="1">
-            <a:schemeClr val="accent1"/>
-          </a:effectRef>
-          <a:fontRef idx="minor">
-            <a:schemeClr val="tx1"/>
-          </a:fontRef>
-        </p:style>
-      </p:cxnSp>
-      <p:sp>
-        <p:nvSpPr>
-          <p:cNvPr id="61" name="TextBox 60">
-            <a:extLst>
-              <a:ext uri="{FF2B5EF4-FFF2-40B4-BE49-F238E27FC236}">
-                <a16:creationId xmlns:a16="http://schemas.microsoft.com/office/drawing/2014/main" id="{6FE0A5B2-6E4E-FD49-BE02-E82FE56FCEA0}"/>
-              </a:ext>
-            </a:extLst>
-          </p:cNvPr>
-          <p:cNvSpPr txBox="1"/>
-          <p:nvPr/>
-        </p:nvSpPr>
-        <p:spPr>
-          <a:xfrm>
-            <a:off x="3425640" y="1456660"/>
-            <a:ext cx="1338828" cy="369332"/>
-          </a:xfrm>
-          <a:prstGeom prst="rect">
-            <a:avLst/>
-          </a:prstGeom>
-          <a:noFill/>
-        </p:spPr>
-        <p:txBody>
-          <a:bodyPr wrap="none" rtlCol="0">
-            <a:spAutoFit/>
-          </a:bodyPr>
-          <a:lstStyle/>
-          <a:p>
-            <a:r>
-              <a:rPr lang="en-US" dirty="0"/>
-              <a:t>Framework</a:t>
-            </a:r>
-          </a:p>
-        </p:txBody>
-      </p:sp>
-      <p:cxnSp>
-        <p:nvCxnSpPr>
-          <p:cNvPr id="79" name="Straight Connector 78">
-            <a:extLst>
-              <a:ext uri="{FF2B5EF4-FFF2-40B4-BE49-F238E27FC236}">
-                <a16:creationId xmlns:a16="http://schemas.microsoft.com/office/drawing/2014/main" id="{6FBFDC7E-F5F4-764D-A12F-F52B9AB6C9CA}"/>
-              </a:ext>
-            </a:extLst>
-          </p:cNvPr>
-          <p:cNvCxnSpPr>
-            <a:cxnSpLocks/>
-          </p:cNvCxnSpPr>
-          <p:nvPr/>
-        </p:nvCxnSpPr>
-        <p:spPr>
-          <a:xfrm flipV="1">
-            <a:off x="5776862" y="2887553"/>
-            <a:ext cx="1778395" cy="8922"/>
-          </a:xfrm>
-          <a:prstGeom prst="line">
-            <a:avLst/>
-          </a:prstGeom>
-          <a:ln w="28575">
-            <a:solidFill>
-              <a:schemeClr val="accent3"/>
-            </a:solidFill>
-            <a:prstDash val="sysDash"/>
-          </a:ln>
-        </p:spPr>
-        <p:style>
-          <a:lnRef idx="2">
-            <a:schemeClr val="accent1"/>
-          </a:lnRef>
-          <a:fillRef idx="0">
-            <a:schemeClr val="accent1"/>
-          </a:fillRef>
-          <a:effectRef idx="1">
-            <a:schemeClr val="accent1"/>
-          </a:effectRef>
-          <a:fontRef idx="minor">
-            <a:schemeClr val="tx1"/>
-          </a:fontRef>
-        </p:style>
-      </p:cxnSp>
-      <p:sp>
-        <p:nvSpPr>
-          <p:cNvPr id="36" name="Rectangle 3">
-            <a:extLst>
-              <a:ext uri="{FF2B5EF4-FFF2-40B4-BE49-F238E27FC236}">
-                <a16:creationId xmlns:a16="http://schemas.microsoft.com/office/drawing/2014/main" id="{40146FC2-CC34-3F4C-B0EE-4B90040AC3E7}"/>
-              </a:ext>
-            </a:extLst>
-          </p:cNvPr>
-          <p:cNvSpPr txBox="1">
-            <a:spLocks noChangeArrowheads="1"/>
-          </p:cNvSpPr>
-          <p:nvPr/>
-        </p:nvSpPr>
-        <p:spPr>
-          <a:xfrm>
-            <a:off x="1883904" y="3990474"/>
-            <a:ext cx="7785915" cy="2451344"/>
-          </a:xfrm>
-          <a:prstGeom prst="rect">
-            <a:avLst/>
-          </a:prstGeom>
-        </p:spPr>
-        <p:txBody>
-          <a:bodyPr vert="horz" lIns="91440" tIns="45720" rIns="91440" bIns="45720" rtlCol="0">
-            <a:normAutofit/>
-          </a:bodyPr>
-          <a:lstStyle>
-            <a:lvl1pPr marL="342900" indent="-342900" algn="l" defTabSz="914400" rtl="0" eaLnBrk="1" latinLnBrk="0" hangingPunct="1">
-              <a:spcBef>
-                <a:spcPct val="20000"/>
-              </a:spcBef>
-              <a:buFont typeface="Wingdings" panose="05000000000000000000" pitchFamily="2" charset="2"/>
-              <a:buChar char="§"/>
-              <a:defRPr sz="2800" kern="1200">
-                <a:solidFill>
-                  <a:schemeClr val="tx1"/>
-                </a:solidFill>
-                <a:latin typeface="Arial" panose="020B0604020202020204" pitchFamily="34" charset="0"/>
-                <a:ea typeface="+mn-ea"/>
-                <a:cs typeface="Arial" panose="020B0604020202020204" pitchFamily="34" charset="0"/>
-              </a:defRPr>
-            </a:lvl1pPr>
-            <a:lvl2pPr marL="742950" indent="-285750" algn="l" defTabSz="914400" rtl="0" eaLnBrk="1" latinLnBrk="0" hangingPunct="1">
-              <a:spcBef>
-                <a:spcPct val="20000"/>
-              </a:spcBef>
-              <a:buFont typeface="Wingdings" panose="05000000000000000000" pitchFamily="2" charset="2"/>
-              <a:buChar char="§"/>
-              <a:defRPr sz="2400" kern="1200">
-                <a:solidFill>
-                  <a:schemeClr val="tx1"/>
-                </a:solidFill>
-                <a:latin typeface="Arial" panose="020B0604020202020204" pitchFamily="34" charset="0"/>
-                <a:ea typeface="+mn-ea"/>
-                <a:cs typeface="Arial" panose="020B0604020202020204" pitchFamily="34" charset="0"/>
-              </a:defRPr>
-            </a:lvl2pPr>
-            <a:lvl3pPr marL="1143000" indent="-228600" algn="l" defTabSz="914400" rtl="0" eaLnBrk="1" latinLnBrk="0" hangingPunct="1">
-              <a:spcBef>
-                <a:spcPct val="20000"/>
-              </a:spcBef>
-              <a:buFont typeface="Wingdings" panose="05000000000000000000" pitchFamily="2" charset="2"/>
-              <a:buChar char="§"/>
-              <a:defRPr sz="2000" kern="1200">
-                <a:solidFill>
-                  <a:schemeClr val="tx1"/>
-                </a:solidFill>
-                <a:latin typeface="Arial" panose="020B0604020202020204" pitchFamily="34" charset="0"/>
-                <a:ea typeface="+mn-ea"/>
-                <a:cs typeface="Arial" panose="020B0604020202020204" pitchFamily="34" charset="0"/>
-              </a:defRPr>
-            </a:lvl3pPr>
-            <a:lvl4pPr marL="1600200" indent="-228600" algn="l" defTabSz="914400" rtl="0" eaLnBrk="1" latinLnBrk="0" hangingPunct="1">
-              <a:spcBef>
-                <a:spcPct val="20000"/>
-              </a:spcBef>
-              <a:buFont typeface="Wingdings" panose="05000000000000000000" pitchFamily="2" charset="2"/>
-              <a:buChar char="§"/>
-              <a:defRPr sz="1800" kern="1200">
-                <a:solidFill>
-                  <a:schemeClr val="tx1"/>
-                </a:solidFill>
-                <a:latin typeface="Arial" panose="020B0604020202020204" pitchFamily="34" charset="0"/>
-                <a:ea typeface="+mn-ea"/>
-                <a:cs typeface="Arial" panose="020B0604020202020204" pitchFamily="34" charset="0"/>
-              </a:defRPr>
-            </a:lvl4pPr>
-            <a:lvl5pPr marL="2057400" indent="-228600" algn="l" defTabSz="914400" rtl="0" eaLnBrk="1" latinLnBrk="0" hangingPunct="1">
-              <a:spcBef>
-                <a:spcPct val="20000"/>
-              </a:spcBef>
-              <a:buFont typeface="Wingdings" panose="05000000000000000000" pitchFamily="2" charset="2"/>
-              <a:buChar char="§"/>
-              <a:defRPr sz="1800" kern="1200">
-                <a:solidFill>
-                  <a:schemeClr val="tx1"/>
-                </a:solidFill>
-                <a:latin typeface="Arial" panose="020B0604020202020204" pitchFamily="34" charset="0"/>
-                <a:ea typeface="+mn-ea"/>
-                <a:cs typeface="Arial" panose="020B0604020202020204" pitchFamily="34" charset="0"/>
-              </a:defRPr>
-            </a:lvl5pPr>
-            <a:lvl6pPr marL="2514600" indent="-228600" algn="l" defTabSz="914400" rtl="0" eaLnBrk="1" latinLnBrk="0" hangingPunct="1">
-              <a:spcBef>
-                <a:spcPct val="20000"/>
-              </a:spcBef>
-              <a:buFont typeface="Arial" panose="020B0604020202020204" pitchFamily="34" charset="0"/>
-              <a:buChar char="•"/>
-              <a:defRPr sz="2000" kern="1200">
-                <a:solidFill>
-                  <a:schemeClr val="tx1"/>
-                </a:solidFill>
-                <a:latin typeface="+mn-lt"/>
-                <a:ea typeface="+mn-ea"/>
-                <a:cs typeface="+mn-cs"/>
-              </a:defRPr>
-            </a:lvl6pPr>
-            <a:lvl7pPr marL="2971800" indent="-228600" algn="l" defTabSz="914400" rtl="0" eaLnBrk="1" latinLnBrk="0" hangingPunct="1">
-              <a:spcBef>
-                <a:spcPct val="20000"/>
-              </a:spcBef>
-              <a:buFont typeface="Arial" panose="020B0604020202020204" pitchFamily="34" charset="0"/>
-              <a:buChar char="•"/>
-              <a:defRPr sz="2000" kern="1200">
-                <a:solidFill>
-                  <a:schemeClr val="tx1"/>
-                </a:solidFill>
-                <a:latin typeface="+mn-lt"/>
-                <a:ea typeface="+mn-ea"/>
-                <a:cs typeface="+mn-cs"/>
-              </a:defRPr>
-            </a:lvl7pPr>
-            <a:lvl8pPr marL="3429000" indent="-228600" algn="l" defTabSz="914400" rtl="0" eaLnBrk="1" latinLnBrk="0" hangingPunct="1">
-              <a:spcBef>
-                <a:spcPct val="20000"/>
-              </a:spcBef>
-              <a:buFont typeface="Arial" panose="020B0604020202020204" pitchFamily="34" charset="0"/>
-              <a:buChar char="•"/>
-              <a:defRPr sz="2000" kern="1200">
-                <a:solidFill>
-                  <a:schemeClr val="tx1"/>
-                </a:solidFill>
-                <a:latin typeface="+mn-lt"/>
-                <a:ea typeface="+mn-ea"/>
-                <a:cs typeface="+mn-cs"/>
-              </a:defRPr>
-            </a:lvl8pPr>
-            <a:lvl9pPr marL="3886200" indent="-228600" algn="l" defTabSz="914400" rtl="0" eaLnBrk="1" latinLnBrk="0" hangingPunct="1">
-              <a:spcBef>
-                <a:spcPct val="20000"/>
-              </a:spcBef>
-              <a:buFont typeface="Arial" panose="020B0604020202020204" pitchFamily="34" charset="0"/>
-              <a:buChar char="•"/>
-              <a:defRPr sz="2000" kern="1200">
-                <a:solidFill>
-                  <a:schemeClr val="tx1"/>
-                </a:solidFill>
-                <a:latin typeface="+mn-lt"/>
-                <a:ea typeface="+mn-ea"/>
-                <a:cs typeface="+mn-cs"/>
-              </a:defRPr>
-            </a:lvl9pPr>
-          </a:lstStyle>
-          <a:p>
-            <a:r>
-              <a:rPr lang="en-US" sz="2400" dirty="0"/>
-              <a:t>load balancing, work redistribution</a:t>
-            </a:r>
-          </a:p>
-          <a:p>
-            <a:r>
-              <a:rPr lang="en-US" sz="2400" dirty="0"/>
-              <a:t>Meta-information about domain sections</a:t>
-            </a:r>
-          </a:p>
-          <a:p>
-            <a:r>
-              <a:rPr lang="en-US" sz="2400" dirty="0"/>
-              <a:t>Possible asynchronization at block and operator level</a:t>
-            </a:r>
-          </a:p>
-          <a:p>
-            <a:r>
-              <a:rPr lang="en-US" sz="2400" dirty="0"/>
-              <a:t>No compute optimization here</a:t>
-            </a:r>
-            <a:endParaRPr lang="en-US" sz="2000" dirty="0"/>
-          </a:p>
-        </p:txBody>
-      </p:sp>
-      <p:grpSp>
-        <p:nvGrpSpPr>
-          <p:cNvPr id="19" name="Group 18">
-            <a:extLst>
-              <a:ext uri="{FF2B5EF4-FFF2-40B4-BE49-F238E27FC236}">
-                <a16:creationId xmlns:a16="http://schemas.microsoft.com/office/drawing/2014/main" id="{2186EB20-09EB-FE4E-916E-122F111FE846}"/>
-              </a:ext>
-            </a:extLst>
-          </p:cNvPr>
-          <p:cNvGrpSpPr/>
-          <p:nvPr/>
-        </p:nvGrpSpPr>
-        <p:grpSpPr>
-          <a:xfrm>
-            <a:off x="9403995" y="927289"/>
-            <a:ext cx="2282715" cy="2826267"/>
-            <a:chOff x="2436812" y="1480004"/>
-            <a:chExt cx="7884824" cy="4615996"/>
-          </a:xfrm>
-        </p:grpSpPr>
-        <p:sp>
-          <p:nvSpPr>
-            <p:cNvPr id="20" name="Rectangle 19">
-              <a:extLst>
-                <a:ext uri="{FF2B5EF4-FFF2-40B4-BE49-F238E27FC236}">
-                  <a16:creationId xmlns:a16="http://schemas.microsoft.com/office/drawing/2014/main" id="{CDC04D99-F316-7D42-A773-FB6051082E48}"/>
-                </a:ext>
-              </a:extLst>
-            </p:cNvPr>
-            <p:cNvSpPr/>
-            <p:nvPr/>
-          </p:nvSpPr>
-          <p:spPr>
-            <a:xfrm>
-              <a:off x="2436812" y="1524000"/>
-              <a:ext cx="2971800" cy="4572000"/>
-            </a:xfrm>
-            <a:prstGeom prst="rect">
-              <a:avLst/>
-            </a:prstGeom>
-            <a:solidFill>
-              <a:schemeClr val="accent1">
-                <a:lumMod val="20000"/>
-                <a:lumOff val="80000"/>
-              </a:schemeClr>
-            </a:solidFill>
-          </p:spPr>
-          <p:style>
-            <a:lnRef idx="2">
-              <a:schemeClr val="accent1">
-                <a:shade val="50000"/>
-              </a:schemeClr>
-            </a:lnRef>
-            <a:fillRef idx="1">
-              <a:schemeClr val="accent1"/>
-            </a:fillRef>
-            <a:effectRef idx="0">
-              <a:schemeClr val="accent1"/>
-            </a:effectRef>
-            <a:fontRef idx="minor">
-              <a:schemeClr val="lt1"/>
-            </a:fontRef>
-          </p:style>
-          <p:txBody>
-            <a:bodyPr rtlCol="0" anchor="ctr"/>
-            <a:lstStyle/>
-            <a:p>
-              <a:pPr algn="ctr"/>
-              <a:endParaRPr lang="en-US" dirty="0"/>
-            </a:p>
-          </p:txBody>
-        </p:sp>
-        <p:sp>
-          <p:nvSpPr>
-            <p:cNvPr id="21" name="Rectangle 20">
-              <a:extLst>
-                <a:ext uri="{FF2B5EF4-FFF2-40B4-BE49-F238E27FC236}">
-                  <a16:creationId xmlns:a16="http://schemas.microsoft.com/office/drawing/2014/main" id="{9F185988-44D4-4045-8CD0-9C41E085D54C}"/>
-                </a:ext>
-              </a:extLst>
-            </p:cNvPr>
-            <p:cNvSpPr/>
-            <p:nvPr/>
-          </p:nvSpPr>
-          <p:spPr>
-            <a:xfrm>
-              <a:off x="2932112" y="2002971"/>
-              <a:ext cx="1981200" cy="3657600"/>
-            </a:xfrm>
-            <a:prstGeom prst="rect">
-              <a:avLst/>
-            </a:prstGeom>
-            <a:solidFill>
-              <a:schemeClr val="accent1">
-                <a:lumMod val="60000"/>
-                <a:lumOff val="40000"/>
-              </a:schemeClr>
-            </a:solidFill>
-          </p:spPr>
-          <p:style>
-            <a:lnRef idx="2">
-              <a:schemeClr val="accent1">
-                <a:shade val="50000"/>
-              </a:schemeClr>
-            </a:lnRef>
-            <a:fillRef idx="1">
-              <a:schemeClr val="accent1"/>
-            </a:fillRef>
-            <a:effectRef idx="0">
-              <a:schemeClr val="accent1"/>
-            </a:effectRef>
-            <a:fontRef idx="minor">
-              <a:schemeClr val="lt1"/>
-            </a:fontRef>
-          </p:style>
-          <p:txBody>
-            <a:bodyPr rtlCol="0" anchor="ctr"/>
-            <a:lstStyle/>
-            <a:p>
-              <a:pPr algn="ctr"/>
-              <a:endParaRPr lang="en-US"/>
-            </a:p>
-          </p:txBody>
-        </p:sp>
-        <p:sp>
-          <p:nvSpPr>
-            <p:cNvPr id="22" name="Rectangle 21">
-              <a:extLst>
-                <a:ext uri="{FF2B5EF4-FFF2-40B4-BE49-F238E27FC236}">
-                  <a16:creationId xmlns:a16="http://schemas.microsoft.com/office/drawing/2014/main" id="{BAEB377E-E8CE-554C-980F-3B2E4DC1645E}"/>
-                </a:ext>
-              </a:extLst>
-            </p:cNvPr>
-            <p:cNvSpPr/>
-            <p:nvPr/>
-          </p:nvSpPr>
-          <p:spPr>
-            <a:xfrm>
-              <a:off x="3503612" y="2667000"/>
-              <a:ext cx="990600" cy="2362200"/>
-            </a:xfrm>
-            <a:prstGeom prst="rect">
-              <a:avLst/>
-            </a:prstGeom>
-          </p:spPr>
-          <p:style>
-            <a:lnRef idx="2">
-              <a:schemeClr val="accent1">
-                <a:shade val="50000"/>
-              </a:schemeClr>
-            </a:lnRef>
-            <a:fillRef idx="1">
-              <a:schemeClr val="accent1"/>
-            </a:fillRef>
-            <a:effectRef idx="0">
-              <a:schemeClr val="accent1"/>
-            </a:effectRef>
-            <a:fontRef idx="minor">
-              <a:schemeClr val="lt1"/>
-            </a:fontRef>
-          </p:style>
-          <p:txBody>
-            <a:bodyPr rtlCol="0" anchor="ctr"/>
-            <a:lstStyle/>
-            <a:p>
-              <a:pPr algn="ctr"/>
-              <a:endParaRPr lang="en-US"/>
-            </a:p>
-          </p:txBody>
-        </p:sp>
-        <p:sp>
-          <p:nvSpPr>
-            <p:cNvPr id="23" name="Rectangle 22">
-              <a:extLst>
-                <a:ext uri="{FF2B5EF4-FFF2-40B4-BE49-F238E27FC236}">
-                  <a16:creationId xmlns:a16="http://schemas.microsoft.com/office/drawing/2014/main" id="{F8D1B97A-EFE8-4F4E-83D7-005E183CCCF9}"/>
-                </a:ext>
-              </a:extLst>
-            </p:cNvPr>
-            <p:cNvSpPr/>
-            <p:nvPr/>
-          </p:nvSpPr>
-          <p:spPr>
-            <a:xfrm>
-              <a:off x="6475412" y="1866446"/>
-              <a:ext cx="609600" cy="1295400"/>
-            </a:xfrm>
-            <a:prstGeom prst="rect">
-              <a:avLst/>
-            </a:prstGeom>
-            <a:solidFill>
-              <a:schemeClr val="accent1">
-                <a:lumMod val="20000"/>
-                <a:lumOff val="80000"/>
-              </a:schemeClr>
-            </a:solidFill>
-          </p:spPr>
-          <p:style>
-            <a:lnRef idx="2">
-              <a:schemeClr val="accent1">
-                <a:shade val="50000"/>
-              </a:schemeClr>
-            </a:lnRef>
-            <a:fillRef idx="1">
-              <a:schemeClr val="accent1"/>
-            </a:fillRef>
-            <a:effectRef idx="0">
-              <a:schemeClr val="accent1"/>
-            </a:effectRef>
-            <a:fontRef idx="minor">
-              <a:schemeClr val="lt1"/>
-            </a:fontRef>
-          </p:style>
-          <p:txBody>
-            <a:bodyPr rtlCol="0" anchor="ctr"/>
-            <a:lstStyle/>
-            <a:p>
-              <a:pPr algn="ctr"/>
-              <a:endParaRPr lang="en-US"/>
-            </a:p>
-          </p:txBody>
-        </p:sp>
-        <p:sp>
-          <p:nvSpPr>
-            <p:cNvPr id="24" name="Rectangle 23">
-              <a:extLst>
-                <a:ext uri="{FF2B5EF4-FFF2-40B4-BE49-F238E27FC236}">
-                  <a16:creationId xmlns:a16="http://schemas.microsoft.com/office/drawing/2014/main" id="{29272991-1936-D846-8DF0-F47DC0B734D9}"/>
-                </a:ext>
-              </a:extLst>
-            </p:cNvPr>
-            <p:cNvSpPr/>
-            <p:nvPr/>
-          </p:nvSpPr>
-          <p:spPr>
-            <a:xfrm>
-              <a:off x="6475412" y="3167289"/>
-              <a:ext cx="609600" cy="1295400"/>
-            </a:xfrm>
-            <a:prstGeom prst="rect">
-              <a:avLst/>
-            </a:prstGeom>
-            <a:solidFill>
-              <a:schemeClr val="accent1">
-                <a:lumMod val="60000"/>
-                <a:lumOff val="40000"/>
-              </a:schemeClr>
-            </a:solidFill>
-          </p:spPr>
-          <p:style>
-            <a:lnRef idx="2">
-              <a:schemeClr val="accent1">
-                <a:shade val="50000"/>
-              </a:schemeClr>
-            </a:lnRef>
-            <a:fillRef idx="1">
-              <a:schemeClr val="accent1"/>
-            </a:fillRef>
-            <a:effectRef idx="0">
-              <a:schemeClr val="accent1"/>
-            </a:effectRef>
-            <a:fontRef idx="minor">
-              <a:schemeClr val="lt1"/>
-            </a:fontRef>
-          </p:style>
-          <p:txBody>
-            <a:bodyPr rtlCol="0" anchor="ctr"/>
-            <a:lstStyle/>
-            <a:p>
-              <a:pPr algn="ctr"/>
-              <a:endParaRPr lang="en-US"/>
-            </a:p>
-          </p:txBody>
-        </p:sp>
-        <p:sp>
-          <p:nvSpPr>
-            <p:cNvPr id="25" name="Rectangle 24">
-              <a:extLst>
-                <a:ext uri="{FF2B5EF4-FFF2-40B4-BE49-F238E27FC236}">
-                  <a16:creationId xmlns:a16="http://schemas.microsoft.com/office/drawing/2014/main" id="{AA80DD01-5ECD-CF4B-8451-729E9CF9E2AB}"/>
-                </a:ext>
-              </a:extLst>
-            </p:cNvPr>
-            <p:cNvSpPr/>
-            <p:nvPr/>
-          </p:nvSpPr>
-          <p:spPr>
-            <a:xfrm>
-              <a:off x="6475412" y="4451349"/>
-              <a:ext cx="609600" cy="1295400"/>
-            </a:xfrm>
-            <a:prstGeom prst="rect">
-              <a:avLst/>
-            </a:prstGeom>
-          </p:spPr>
-          <p:style>
-            <a:lnRef idx="2">
-              <a:schemeClr val="accent1">
-                <a:shade val="50000"/>
-              </a:schemeClr>
-            </a:lnRef>
-            <a:fillRef idx="1">
-              <a:schemeClr val="accent1"/>
-            </a:fillRef>
-            <a:effectRef idx="0">
-              <a:schemeClr val="accent1"/>
-            </a:effectRef>
-            <a:fontRef idx="minor">
-              <a:schemeClr val="lt1"/>
-            </a:fontRef>
-          </p:style>
-          <p:txBody>
-            <a:bodyPr rtlCol="0" anchor="ctr"/>
-            <a:lstStyle/>
-            <a:p>
-              <a:pPr algn="ctr"/>
-              <a:endParaRPr lang="en-US"/>
-            </a:p>
-          </p:txBody>
-        </p:sp>
-        <p:sp>
-          <p:nvSpPr>
-            <p:cNvPr id="26" name="Right Arrow 25">
-              <a:extLst>
-                <a:ext uri="{FF2B5EF4-FFF2-40B4-BE49-F238E27FC236}">
-                  <a16:creationId xmlns:a16="http://schemas.microsoft.com/office/drawing/2014/main" id="{E6A77FDB-C114-BF48-86B1-FCB8EE462BDC}"/>
-                </a:ext>
-              </a:extLst>
-            </p:cNvPr>
-            <p:cNvSpPr/>
-            <p:nvPr/>
-          </p:nvSpPr>
-          <p:spPr>
-            <a:xfrm>
-              <a:off x="5408612" y="2286000"/>
-              <a:ext cx="1066800" cy="457200"/>
-            </a:xfrm>
-            <a:prstGeom prst="rightArrow">
-              <a:avLst/>
-            </a:prstGeom>
-            <a:solidFill>
-              <a:schemeClr val="accent1">
-                <a:lumMod val="20000"/>
-                <a:lumOff val="80000"/>
-              </a:schemeClr>
-            </a:solidFill>
-          </p:spPr>
-          <p:style>
-            <a:lnRef idx="2">
-              <a:schemeClr val="accent1">
-                <a:shade val="50000"/>
-              </a:schemeClr>
-            </a:lnRef>
-            <a:fillRef idx="1">
-              <a:schemeClr val="accent1"/>
-            </a:fillRef>
-            <a:effectRef idx="0">
-              <a:schemeClr val="accent1"/>
-            </a:effectRef>
-            <a:fontRef idx="minor">
-              <a:schemeClr val="lt1"/>
-            </a:fontRef>
-          </p:style>
-          <p:txBody>
-            <a:bodyPr rtlCol="0" anchor="ctr"/>
-            <a:lstStyle/>
-            <a:p>
-              <a:pPr algn="ctr"/>
-              <a:endParaRPr lang="en-US"/>
-            </a:p>
-          </p:txBody>
-        </p:sp>
-        <p:sp>
-          <p:nvSpPr>
-            <p:cNvPr id="27" name="Right Arrow 26">
-              <a:extLst>
-                <a:ext uri="{FF2B5EF4-FFF2-40B4-BE49-F238E27FC236}">
-                  <a16:creationId xmlns:a16="http://schemas.microsoft.com/office/drawing/2014/main" id="{F6574FA1-ADE6-9047-B820-CA3488E9559C}"/>
-                </a:ext>
-              </a:extLst>
-            </p:cNvPr>
-            <p:cNvSpPr/>
-            <p:nvPr/>
-          </p:nvSpPr>
-          <p:spPr>
-            <a:xfrm>
-              <a:off x="4951412" y="3581400"/>
-              <a:ext cx="1524000" cy="457200"/>
-            </a:xfrm>
-            <a:prstGeom prst="rightArrow">
-              <a:avLst/>
-            </a:prstGeom>
-            <a:solidFill>
-              <a:schemeClr val="accent1">
-                <a:lumMod val="60000"/>
-                <a:lumOff val="40000"/>
-              </a:schemeClr>
-            </a:solidFill>
-          </p:spPr>
-          <p:style>
-            <a:lnRef idx="2">
-              <a:schemeClr val="accent1">
-                <a:shade val="50000"/>
-              </a:schemeClr>
-            </a:lnRef>
-            <a:fillRef idx="1">
-              <a:schemeClr val="accent1"/>
-            </a:fillRef>
-            <a:effectRef idx="0">
-              <a:schemeClr val="accent1"/>
-            </a:effectRef>
-            <a:fontRef idx="minor">
-              <a:schemeClr val="lt1"/>
-            </a:fontRef>
-          </p:style>
-          <p:txBody>
-            <a:bodyPr rtlCol="0" anchor="ctr"/>
-            <a:lstStyle/>
-            <a:p>
-              <a:pPr algn="ctr"/>
-              <a:endParaRPr lang="en-US"/>
-            </a:p>
-          </p:txBody>
-        </p:sp>
-        <p:sp>
-          <p:nvSpPr>
-            <p:cNvPr id="28" name="Right Arrow 27">
-              <a:extLst>
-                <a:ext uri="{FF2B5EF4-FFF2-40B4-BE49-F238E27FC236}">
-                  <a16:creationId xmlns:a16="http://schemas.microsoft.com/office/drawing/2014/main" id="{1BB3E33D-82D6-9B4F-895D-236A6779E475}"/>
-                </a:ext>
-              </a:extLst>
-            </p:cNvPr>
-            <p:cNvSpPr/>
-            <p:nvPr/>
-          </p:nvSpPr>
-          <p:spPr>
-            <a:xfrm>
-              <a:off x="4532312" y="4658178"/>
-              <a:ext cx="1943100" cy="457200"/>
-            </a:xfrm>
-            <a:prstGeom prst="rightArrow">
-              <a:avLst/>
-            </a:prstGeom>
-            <a:solidFill>
-              <a:schemeClr val="accent1"/>
-            </a:solidFill>
-          </p:spPr>
-          <p:style>
-            <a:lnRef idx="2">
-              <a:schemeClr val="accent1">
-                <a:shade val="50000"/>
-              </a:schemeClr>
-            </a:lnRef>
-            <a:fillRef idx="1">
-              <a:schemeClr val="accent1"/>
-            </a:fillRef>
-            <a:effectRef idx="0">
-              <a:schemeClr val="accent1"/>
-            </a:effectRef>
-            <a:fontRef idx="minor">
-              <a:schemeClr val="lt1"/>
-            </a:fontRef>
-          </p:style>
-          <p:txBody>
-            <a:bodyPr rtlCol="0" anchor="ctr"/>
-            <a:lstStyle/>
-            <a:p>
-              <a:pPr algn="ctr"/>
-              <a:endParaRPr lang="en-US"/>
-            </a:p>
-          </p:txBody>
-        </p:sp>
-        <p:sp>
-          <p:nvSpPr>
-            <p:cNvPr id="29" name="TextBox 28">
-              <a:extLst>
-                <a:ext uri="{FF2B5EF4-FFF2-40B4-BE49-F238E27FC236}">
-                  <a16:creationId xmlns:a16="http://schemas.microsoft.com/office/drawing/2014/main" id="{EC69A15E-C356-124F-BE7B-BF959EEA762B}"/>
-                </a:ext>
-              </a:extLst>
-            </p:cNvPr>
-            <p:cNvSpPr txBox="1"/>
-            <p:nvPr/>
-          </p:nvSpPr>
-          <p:spPr>
-            <a:xfrm rot="16200000">
-              <a:off x="5419153" y="2522167"/>
-              <a:ext cx="2758848" cy="1774887"/>
-            </a:xfrm>
-            <a:prstGeom prst="rect">
-              <a:avLst/>
-            </a:prstGeom>
-            <a:noFill/>
-          </p:spPr>
-          <p:txBody>
-            <a:bodyPr wrap="square" rtlCol="0">
-              <a:spAutoFit/>
-            </a:bodyPr>
-            <a:lstStyle/>
-            <a:p>
-              <a:endParaRPr lang="en-US" sz="3600" dirty="0"/>
-            </a:p>
-          </p:txBody>
-        </p:sp>
-        <p:sp>
-          <p:nvSpPr>
-            <p:cNvPr id="30" name="Rectangle 29">
-              <a:extLst>
-                <a:ext uri="{FF2B5EF4-FFF2-40B4-BE49-F238E27FC236}">
-                  <a16:creationId xmlns:a16="http://schemas.microsoft.com/office/drawing/2014/main" id="{FD98B143-4DCD-BF43-9A51-1B1690CB1BAC}"/>
-                </a:ext>
-              </a:extLst>
-            </p:cNvPr>
-            <p:cNvSpPr/>
-            <p:nvPr/>
-          </p:nvSpPr>
-          <p:spPr>
-            <a:xfrm>
-              <a:off x="8162618" y="1480004"/>
-              <a:ext cx="2159018" cy="4463595"/>
-            </a:xfrm>
-            <a:prstGeom prst="rect">
-              <a:avLst/>
-            </a:prstGeom>
-            <a:solidFill>
-              <a:schemeClr val="accent3">
-                <a:lumMod val="60000"/>
-                <a:lumOff val="40000"/>
-              </a:schemeClr>
-            </a:solidFill>
-          </p:spPr>
-          <p:style>
-            <a:lnRef idx="2">
-              <a:schemeClr val="accent1">
-                <a:shade val="50000"/>
-              </a:schemeClr>
-            </a:lnRef>
-            <a:fillRef idx="1">
-              <a:schemeClr val="accent1"/>
-            </a:fillRef>
-            <a:effectRef idx="0">
-              <a:schemeClr val="accent1"/>
-            </a:effectRef>
-            <a:fontRef idx="minor">
-              <a:schemeClr val="lt1"/>
-            </a:fontRef>
-          </p:style>
-          <p:txBody>
-            <a:bodyPr rtlCol="0" anchor="ctr"/>
-            <a:lstStyle/>
-            <a:p>
-              <a:pPr algn="ctr"/>
-              <a:endParaRPr lang="en-US"/>
-            </a:p>
-          </p:txBody>
-        </p:sp>
-        <p:sp>
-          <p:nvSpPr>
-            <p:cNvPr id="31" name="Rectangle 30">
-              <a:extLst>
-                <a:ext uri="{FF2B5EF4-FFF2-40B4-BE49-F238E27FC236}">
-                  <a16:creationId xmlns:a16="http://schemas.microsoft.com/office/drawing/2014/main" id="{573A06A9-5537-724B-9D96-29183D7E3D79}"/>
-                </a:ext>
-              </a:extLst>
-            </p:cNvPr>
-            <p:cNvSpPr/>
-            <p:nvPr/>
-          </p:nvSpPr>
-          <p:spPr>
-            <a:xfrm>
-              <a:off x="8692808" y="2002971"/>
-              <a:ext cx="1146211" cy="3511138"/>
-            </a:xfrm>
-            <a:prstGeom prst="rect">
-              <a:avLst/>
-            </a:prstGeom>
-            <a:solidFill>
-              <a:schemeClr val="accent3">
-                <a:lumMod val="20000"/>
-                <a:lumOff val="80000"/>
-              </a:schemeClr>
-            </a:solidFill>
-          </p:spPr>
-          <p:style>
-            <a:lnRef idx="2">
-              <a:schemeClr val="accent1">
-                <a:shade val="50000"/>
-              </a:schemeClr>
-            </a:lnRef>
-            <a:fillRef idx="1">
-              <a:schemeClr val="accent1"/>
-            </a:fillRef>
-            <a:effectRef idx="0">
-              <a:schemeClr val="accent1"/>
-            </a:effectRef>
-            <a:fontRef idx="minor">
-              <a:schemeClr val="lt1"/>
-            </a:fontRef>
-          </p:style>
-          <p:txBody>
-            <a:bodyPr rtlCol="0" anchor="ctr"/>
-            <a:lstStyle/>
-            <a:p>
-              <a:pPr algn="ctr"/>
-              <a:endParaRPr lang="en-US"/>
-            </a:p>
-          </p:txBody>
-        </p:sp>
-        <p:sp>
-          <p:nvSpPr>
-            <p:cNvPr id="32" name="Left Arrow 31">
-              <a:extLst>
-                <a:ext uri="{FF2B5EF4-FFF2-40B4-BE49-F238E27FC236}">
-                  <a16:creationId xmlns:a16="http://schemas.microsoft.com/office/drawing/2014/main" id="{0DD5ED23-C335-4F45-803A-0B487C920A04}"/>
-                </a:ext>
-              </a:extLst>
-            </p:cNvPr>
-            <p:cNvSpPr/>
-            <p:nvPr/>
-          </p:nvSpPr>
-          <p:spPr>
-            <a:xfrm>
-              <a:off x="7121744" y="2514600"/>
-              <a:ext cx="1030068" cy="381000"/>
-            </a:xfrm>
-            <a:prstGeom prst="leftArrow">
-              <a:avLst/>
-            </a:prstGeom>
-            <a:solidFill>
-              <a:schemeClr val="accent3">
-                <a:lumMod val="60000"/>
-                <a:lumOff val="40000"/>
-              </a:schemeClr>
-            </a:solidFill>
-          </p:spPr>
-          <p:style>
-            <a:lnRef idx="2">
-              <a:schemeClr val="accent1">
-                <a:shade val="50000"/>
-              </a:schemeClr>
-            </a:lnRef>
-            <a:fillRef idx="1">
-              <a:schemeClr val="accent1"/>
-            </a:fillRef>
-            <a:effectRef idx="0">
-              <a:schemeClr val="accent1"/>
-            </a:effectRef>
-            <a:fontRef idx="minor">
-              <a:schemeClr val="lt1"/>
-            </a:fontRef>
-          </p:style>
-          <p:txBody>
-            <a:bodyPr rtlCol="0" anchor="ctr"/>
-            <a:lstStyle/>
-            <a:p>
-              <a:pPr algn="ctr"/>
-              <a:endParaRPr lang="en-US"/>
-            </a:p>
-          </p:txBody>
-        </p:sp>
-        <p:sp>
-          <p:nvSpPr>
-            <p:cNvPr id="34" name="Left Arrow 33">
-              <a:extLst>
-                <a:ext uri="{FF2B5EF4-FFF2-40B4-BE49-F238E27FC236}">
-                  <a16:creationId xmlns:a16="http://schemas.microsoft.com/office/drawing/2014/main" id="{AB0BC458-D432-2F47-8E17-E8D3AC635D0F}"/>
-                </a:ext>
-              </a:extLst>
-            </p:cNvPr>
-            <p:cNvSpPr/>
-            <p:nvPr/>
-          </p:nvSpPr>
-          <p:spPr>
-            <a:xfrm>
-              <a:off x="7110938" y="3581400"/>
-              <a:ext cx="1030068" cy="381000"/>
-            </a:xfrm>
-            <a:prstGeom prst="leftArrow">
-              <a:avLst/>
-            </a:prstGeom>
-            <a:solidFill>
-              <a:schemeClr val="accent3">
-                <a:lumMod val="60000"/>
-                <a:lumOff val="40000"/>
-              </a:schemeClr>
-            </a:solidFill>
-          </p:spPr>
-          <p:style>
-            <a:lnRef idx="2">
-              <a:schemeClr val="accent1">
-                <a:shade val="50000"/>
-              </a:schemeClr>
-            </a:lnRef>
-            <a:fillRef idx="1">
-              <a:schemeClr val="accent1"/>
-            </a:fillRef>
-            <a:effectRef idx="0">
-              <a:schemeClr val="accent1"/>
-            </a:effectRef>
-            <a:fontRef idx="minor">
-              <a:schemeClr val="lt1"/>
-            </a:fontRef>
-          </p:style>
-          <p:txBody>
-            <a:bodyPr rtlCol="0" anchor="ctr"/>
-            <a:lstStyle/>
-            <a:p>
-              <a:pPr algn="ctr"/>
-              <a:endParaRPr lang="en-US"/>
-            </a:p>
-          </p:txBody>
-        </p:sp>
-        <p:sp>
-          <p:nvSpPr>
-            <p:cNvPr id="38" name="Left Arrow 37">
-              <a:extLst>
-                <a:ext uri="{FF2B5EF4-FFF2-40B4-BE49-F238E27FC236}">
-                  <a16:creationId xmlns:a16="http://schemas.microsoft.com/office/drawing/2014/main" id="{D5FF11A3-7DEF-F642-8613-5EA8E3B1F56F}"/>
-                </a:ext>
-              </a:extLst>
-            </p:cNvPr>
-            <p:cNvSpPr/>
-            <p:nvPr/>
-          </p:nvSpPr>
-          <p:spPr>
-            <a:xfrm>
-              <a:off x="7100131" y="4762271"/>
-              <a:ext cx="1030068" cy="381000"/>
-            </a:xfrm>
-            <a:prstGeom prst="leftArrow">
-              <a:avLst/>
-            </a:prstGeom>
-            <a:solidFill>
-              <a:schemeClr val="accent3">
-                <a:lumMod val="60000"/>
-                <a:lumOff val="40000"/>
-              </a:schemeClr>
-            </a:solidFill>
-          </p:spPr>
-          <p:style>
-            <a:lnRef idx="2">
-              <a:schemeClr val="accent1">
-                <a:shade val="50000"/>
-              </a:schemeClr>
-            </a:lnRef>
-            <a:fillRef idx="1">
-              <a:schemeClr val="accent1"/>
-            </a:fillRef>
-            <a:effectRef idx="0">
-              <a:schemeClr val="accent1"/>
-            </a:effectRef>
-            <a:fontRef idx="minor">
-              <a:schemeClr val="lt1"/>
-            </a:fontRef>
-          </p:style>
-          <p:txBody>
-            <a:bodyPr rtlCol="0" anchor="ctr"/>
-            <a:lstStyle/>
-            <a:p>
-              <a:pPr algn="ctr"/>
-              <a:endParaRPr lang="en-US"/>
-            </a:p>
-          </p:txBody>
-        </p:sp>
-      </p:grpSp>
-      <p:sp>
-        <p:nvSpPr>
-          <p:cNvPr id="42" name="Title 1">
-            <a:extLst>
-              <a:ext uri="{FF2B5EF4-FFF2-40B4-BE49-F238E27FC236}">
-                <a16:creationId xmlns:a16="http://schemas.microsoft.com/office/drawing/2014/main" id="{41919D96-5F4A-3B49-B5F4-E0340FB7C0BD}"/>
-              </a:ext>
-            </a:extLst>
-          </p:cNvPr>
-          <p:cNvSpPr txBox="1">
-            <a:spLocks/>
-          </p:cNvSpPr>
-          <p:nvPr/>
-        </p:nvSpPr>
-        <p:spPr bwMode="auto">
-          <a:xfrm>
-            <a:off x="320509" y="174106"/>
-            <a:ext cx="10603171" cy="617451"/>
-          </a:xfrm>
-          <a:prstGeom prst="rect">
-            <a:avLst/>
-          </a:prstGeom>
-          <a:noFill/>
-          <a:ln w="9525">
-            <a:noFill/>
-            <a:miter lim="800000"/>
-            <a:headEnd/>
-            <a:tailEnd/>
-          </a:ln>
-        </p:spPr>
-        <p:txBody>
-          <a:bodyPr vert="horz" wrap="square" lIns="91440" tIns="45720" rIns="91440" bIns="45720" numCol="1" anchor="t" anchorCtr="0" compatLnSpc="1">
-            <a:prstTxWarp prst="textNoShape">
-              <a:avLst/>
-            </a:prstTxWarp>
-            <a:noAutofit/>
-          </a:bodyPr>
-          <a:lstStyle>
-            <a:lvl1pPr marL="0" indent="0" algn="l" rtl="0" eaLnBrk="1" fontAlgn="base" hangingPunct="1">
-              <a:lnSpc>
-                <a:spcPct val="85000"/>
-              </a:lnSpc>
-              <a:spcBef>
-                <a:spcPct val="0"/>
-              </a:spcBef>
-              <a:spcAft>
-                <a:spcPct val="0"/>
-              </a:spcAft>
-              <a:defRPr sz="2800" b="1" kern="1200" baseline="0">
-                <a:solidFill>
-                  <a:schemeClr val="tx1"/>
-                </a:solidFill>
-                <a:latin typeface="+mn-lt"/>
-                <a:ea typeface="+mj-ea"/>
-                <a:cs typeface="+mj-cs"/>
-              </a:defRPr>
-            </a:lvl1pPr>
-            <a:lvl2pPr algn="l" rtl="0" eaLnBrk="1" fontAlgn="base" hangingPunct="1">
-              <a:lnSpc>
-                <a:spcPct val="85000"/>
-              </a:lnSpc>
-              <a:spcBef>
-                <a:spcPct val="0"/>
-              </a:spcBef>
-              <a:spcAft>
-                <a:spcPct val="0"/>
-              </a:spcAft>
-              <a:defRPr sz="3000">
-                <a:solidFill>
-                  <a:srgbClr val="006C3A"/>
-                </a:solidFill>
-                <a:latin typeface="Arial Black" pitchFamily="34" charset="0"/>
-              </a:defRPr>
-            </a:lvl2pPr>
-            <a:lvl3pPr algn="l" rtl="0" eaLnBrk="1" fontAlgn="base" hangingPunct="1">
-              <a:lnSpc>
-                <a:spcPct val="85000"/>
-              </a:lnSpc>
-              <a:spcBef>
-                <a:spcPct val="0"/>
-              </a:spcBef>
-              <a:spcAft>
-                <a:spcPct val="0"/>
-              </a:spcAft>
-              <a:defRPr sz="3000">
-                <a:solidFill>
-                  <a:srgbClr val="006C3A"/>
-                </a:solidFill>
-                <a:latin typeface="Arial Black" pitchFamily="34" charset="0"/>
-              </a:defRPr>
-            </a:lvl3pPr>
-            <a:lvl4pPr algn="l" rtl="0" eaLnBrk="1" fontAlgn="base" hangingPunct="1">
-              <a:lnSpc>
-                <a:spcPct val="85000"/>
-              </a:lnSpc>
-              <a:spcBef>
-                <a:spcPct val="0"/>
-              </a:spcBef>
-              <a:spcAft>
-                <a:spcPct val="0"/>
-              </a:spcAft>
-              <a:defRPr sz="3000">
-                <a:solidFill>
-                  <a:srgbClr val="006C3A"/>
-                </a:solidFill>
-                <a:latin typeface="Arial Black" pitchFamily="34" charset="0"/>
-              </a:defRPr>
-            </a:lvl4pPr>
-            <a:lvl5pPr algn="l" rtl="0" eaLnBrk="1" fontAlgn="base" hangingPunct="1">
-              <a:lnSpc>
-                <a:spcPct val="85000"/>
-              </a:lnSpc>
-              <a:spcBef>
-                <a:spcPct val="0"/>
-              </a:spcBef>
-              <a:spcAft>
-                <a:spcPct val="0"/>
-              </a:spcAft>
-              <a:defRPr sz="3000">
-                <a:solidFill>
-                  <a:srgbClr val="006C3A"/>
-                </a:solidFill>
-                <a:latin typeface="Arial Black" pitchFamily="34" charset="0"/>
-              </a:defRPr>
-            </a:lvl5pPr>
-            <a:lvl6pPr marL="457200" algn="l" rtl="0" eaLnBrk="1" fontAlgn="base" hangingPunct="1">
-              <a:lnSpc>
-                <a:spcPct val="85000"/>
-              </a:lnSpc>
-              <a:spcBef>
-                <a:spcPct val="0"/>
-              </a:spcBef>
-              <a:spcAft>
-                <a:spcPct val="0"/>
-              </a:spcAft>
-              <a:defRPr sz="3000">
-                <a:solidFill>
-                  <a:srgbClr val="006C3A"/>
-                </a:solidFill>
-                <a:latin typeface="Arial Black" pitchFamily="34" charset="0"/>
-              </a:defRPr>
-            </a:lvl6pPr>
-            <a:lvl7pPr marL="914400" algn="l" rtl="0" eaLnBrk="1" fontAlgn="base" hangingPunct="1">
-              <a:lnSpc>
-                <a:spcPct val="85000"/>
-              </a:lnSpc>
-              <a:spcBef>
-                <a:spcPct val="0"/>
-              </a:spcBef>
-              <a:spcAft>
-                <a:spcPct val="0"/>
-              </a:spcAft>
-              <a:defRPr sz="3000">
-                <a:solidFill>
-                  <a:srgbClr val="006C3A"/>
-                </a:solidFill>
-                <a:latin typeface="Arial Black" pitchFamily="34" charset="0"/>
-              </a:defRPr>
-            </a:lvl7pPr>
-            <a:lvl8pPr marL="1371600" algn="l" rtl="0" eaLnBrk="1" fontAlgn="base" hangingPunct="1">
-              <a:lnSpc>
-                <a:spcPct val="85000"/>
-              </a:lnSpc>
-              <a:spcBef>
-                <a:spcPct val="0"/>
-              </a:spcBef>
-              <a:spcAft>
-                <a:spcPct val="0"/>
-              </a:spcAft>
-              <a:defRPr sz="3000">
-                <a:solidFill>
-                  <a:srgbClr val="006C3A"/>
-                </a:solidFill>
-                <a:latin typeface="Arial Black" pitchFamily="34" charset="0"/>
-              </a:defRPr>
-            </a:lvl8pPr>
-            <a:lvl9pPr marL="1828800" algn="l" rtl="0" eaLnBrk="1" fontAlgn="base" hangingPunct="1">
-              <a:lnSpc>
-                <a:spcPct val="85000"/>
-              </a:lnSpc>
-              <a:spcBef>
-                <a:spcPct val="0"/>
-              </a:spcBef>
-              <a:spcAft>
-                <a:spcPct val="0"/>
-              </a:spcAft>
-              <a:defRPr sz="3000">
-                <a:solidFill>
-                  <a:srgbClr val="006C3A"/>
-                </a:solidFill>
-                <a:latin typeface="Arial Black" pitchFamily="34" charset="0"/>
-              </a:defRPr>
-            </a:lvl9pPr>
-          </a:lstStyle>
-          <a:p>
-            <a:r>
-              <a:rPr lang="en-US" sz="4000"/>
-              <a:t>Example: Architecting Multiphysics PDEs</a:t>
-            </a:r>
-            <a:endParaRPr lang="en-US" sz="4000" dirty="0"/>
-          </a:p>
-        </p:txBody>
-      </p:sp>
-    </p:spTree>
-    <p:extLst>
-      <p:ext uri="{BB962C8B-B14F-4D97-AF65-F5344CB8AC3E}">
-        <p14:creationId xmlns:p14="http://schemas.microsoft.com/office/powerpoint/2010/main" val="742462300"/>
-      </p:ext>
-    </p:extLst>
-  </p:cSld>
-  <p:clrMapOvr>
-    <a:masterClrMapping/>
-  </p:clrMapOvr>
-</p:sld>
-</file>
-
-<file path=ppt/slides/slide27.xml><?xml version="1.0" encoding="utf-8"?>
-<p:sld xmlns:a="http://schemas.openxmlformats.org/drawingml/2006/main" xmlns:r="http://schemas.openxmlformats.org/officeDocument/2006/relationships" xmlns:p="http://schemas.openxmlformats.org/presentationml/2006/main">
-  <p:cSld>
-    <p:spTree>
-      <p:nvGrpSpPr>
-        <p:cNvPr id="1" name=""/>
-        <p:cNvGrpSpPr/>
-        <p:nvPr/>
-      </p:nvGrpSpPr>
-      <p:grpSpPr>
-        <a:xfrm>
-          <a:off x="0" y="0"/>
-          <a:ext cx="0" cy="0"/>
-          <a:chOff x="0" y="0"/>
-          <a:chExt cx="0" cy="0"/>
-        </a:xfrm>
-      </p:grpSpPr>
-      <p:sp>
-        <p:nvSpPr>
-          <p:cNvPr id="18440" name="Rectangle 10"/>
-          <p:cNvSpPr>
-            <a:spLocks noChangeArrowheads="1"/>
-          </p:cNvSpPr>
-          <p:nvPr/>
-        </p:nvSpPr>
-        <p:spPr bwMode="auto">
-          <a:xfrm>
-            <a:off x="2407277" y="1876825"/>
-            <a:ext cx="1314792" cy="857473"/>
-          </a:xfrm>
-          <a:prstGeom prst="rect">
-            <a:avLst/>
-          </a:prstGeom>
-          <a:solidFill>
-            <a:srgbClr val="FF9900"/>
-          </a:solidFill>
-          <a:ln w="9525">
-            <a:solidFill>
-              <a:srgbClr val="000000"/>
-            </a:solidFill>
-            <a:round/>
-            <a:headEnd/>
-            <a:tailEnd/>
-          </a:ln>
-        </p:spPr>
-        <p:txBody>
-          <a:bodyPr wrap="none" anchor="ctr">
-            <a:prstTxWarp prst="textNoShape">
-              <a:avLst/>
-            </a:prstTxWarp>
-          </a:bodyPr>
-          <a:lstStyle/>
-          <a:p>
-            <a:r>
-              <a:rPr lang="en-US" sz="1350" dirty="0"/>
-              <a:t>Real view : A </a:t>
-            </a:r>
-          </a:p>
-          <a:p>
-            <a:r>
-              <a:rPr lang="en-US" sz="1350" dirty="0"/>
-              <a:t>whole domain </a:t>
-            </a:r>
-          </a:p>
-          <a:p>
-            <a:r>
-              <a:rPr lang="en-US" sz="1350" dirty="0"/>
-              <a:t>with many </a:t>
-            </a:r>
-          </a:p>
-          <a:p>
-            <a:r>
-              <a:rPr lang="en-US" sz="1350" dirty="0"/>
-              <a:t>operators</a:t>
-            </a:r>
-          </a:p>
-        </p:txBody>
-      </p:sp>
-      <p:sp>
-        <p:nvSpPr>
-          <p:cNvPr id="18441" name="Rectangle 11"/>
-          <p:cNvSpPr>
-            <a:spLocks noChangeArrowheads="1"/>
-          </p:cNvSpPr>
-          <p:nvPr/>
-        </p:nvSpPr>
-        <p:spPr bwMode="auto">
-          <a:xfrm>
-            <a:off x="2462532" y="3080104"/>
-            <a:ext cx="1200463" cy="743144"/>
-          </a:xfrm>
-          <a:prstGeom prst="rect">
-            <a:avLst/>
-          </a:prstGeom>
-          <a:solidFill>
-            <a:srgbClr val="FF9900"/>
-          </a:solidFill>
-          <a:ln w="9525">
-            <a:solidFill>
-              <a:srgbClr val="000000"/>
-            </a:solidFill>
-            <a:round/>
-            <a:headEnd/>
-            <a:tailEnd/>
-          </a:ln>
-        </p:spPr>
-        <p:txBody>
-          <a:bodyPr wrap="none" anchor="ctr">
-            <a:prstTxWarp prst="textNoShape">
-              <a:avLst/>
-            </a:prstTxWarp>
-          </a:bodyPr>
-          <a:lstStyle/>
-          <a:p>
-            <a:endParaRPr lang="en-US" sz="1350" dirty="0"/>
-          </a:p>
-          <a:p>
-            <a:r>
-              <a:rPr lang="en-US" sz="1350" dirty="0"/>
-              <a:t>Functional </a:t>
-            </a:r>
-          </a:p>
-          <a:p>
-            <a:r>
-              <a:rPr lang="en-US" sz="1350" dirty="0"/>
-              <a:t>decomposition</a:t>
-            </a:r>
-          </a:p>
-          <a:p>
-            <a:endParaRPr lang="en-US" sz="1350" dirty="0"/>
-          </a:p>
-        </p:txBody>
-      </p:sp>
-      <p:sp>
-        <p:nvSpPr>
-          <p:cNvPr id="39" name="Rectangle 11"/>
-          <p:cNvSpPr>
-            <a:spLocks noChangeArrowheads="1"/>
-          </p:cNvSpPr>
-          <p:nvPr/>
-        </p:nvSpPr>
-        <p:spPr bwMode="auto">
-          <a:xfrm>
-            <a:off x="4204862" y="2965774"/>
-            <a:ext cx="1322725" cy="971804"/>
-          </a:xfrm>
-          <a:prstGeom prst="rect">
-            <a:avLst/>
-          </a:prstGeom>
-          <a:solidFill>
-            <a:schemeClr val="accent2">
-              <a:lumMod val="40000"/>
-              <a:lumOff val="60000"/>
-            </a:schemeClr>
-          </a:solidFill>
-          <a:ln w="9525">
-            <a:solidFill>
-              <a:srgbClr val="000000"/>
-            </a:solidFill>
-            <a:round/>
-            <a:headEnd/>
-            <a:tailEnd/>
-          </a:ln>
-        </p:spPr>
-        <p:txBody>
-          <a:bodyPr wrap="none" anchor="ctr">
-            <a:prstTxWarp prst="textNoShape">
-              <a:avLst/>
-            </a:prstTxWarp>
-          </a:bodyPr>
-          <a:lstStyle/>
-          <a:p>
-            <a:endParaRPr lang="en-US" sz="1350" dirty="0"/>
-          </a:p>
-          <a:p>
-            <a:r>
-              <a:rPr lang="en-US" sz="1350" dirty="0"/>
-              <a:t>Virtual view</a:t>
-            </a:r>
-          </a:p>
-          <a:p>
-            <a:r>
-              <a:rPr lang="en-US" sz="1350" dirty="0"/>
-              <a:t>collection of</a:t>
-            </a:r>
-          </a:p>
-          <a:p>
-            <a:r>
-              <a:rPr lang="en-US" sz="1350" dirty="0"/>
-              <a:t>components </a:t>
-            </a:r>
-          </a:p>
-          <a:p>
-            <a:endParaRPr lang="en-US" sz="1350" dirty="0"/>
-          </a:p>
-        </p:txBody>
-      </p:sp>
-      <p:sp>
-        <p:nvSpPr>
-          <p:cNvPr id="18437" name="Rectangle 6"/>
-          <p:cNvSpPr>
-            <a:spLocks noChangeArrowheads="1"/>
-          </p:cNvSpPr>
-          <p:nvPr/>
-        </p:nvSpPr>
-        <p:spPr bwMode="auto">
-          <a:xfrm>
-            <a:off x="7712851" y="4107280"/>
-            <a:ext cx="1224650" cy="857474"/>
-          </a:xfrm>
-          <a:prstGeom prst="rect">
-            <a:avLst/>
-          </a:prstGeom>
-          <a:solidFill>
-            <a:schemeClr val="accent5">
-              <a:lumMod val="60000"/>
-              <a:lumOff val="40000"/>
-            </a:schemeClr>
-          </a:solidFill>
-          <a:ln w="9525">
-            <a:solidFill>
-              <a:srgbClr val="000000"/>
-            </a:solidFill>
-            <a:round/>
-            <a:headEnd/>
-            <a:tailEnd/>
-          </a:ln>
-        </p:spPr>
-        <p:txBody>
-          <a:bodyPr wrap="none" anchor="ctr">
-            <a:prstTxWarp prst="textNoShape">
-              <a:avLst/>
-            </a:prstTxWarp>
-          </a:bodyPr>
-          <a:lstStyle/>
-          <a:p>
-            <a:endParaRPr lang="en-US" sz="1350" dirty="0"/>
-          </a:p>
-          <a:p>
-            <a:r>
-              <a:rPr lang="en-US" sz="1350" dirty="0"/>
-              <a:t>Memory</a:t>
-            </a:r>
-          </a:p>
-          <a:p>
-            <a:r>
-              <a:rPr lang="en-US" sz="1350" dirty="0"/>
-              <a:t>access and </a:t>
-            </a:r>
-          </a:p>
-          <a:p>
-            <a:r>
-              <a:rPr lang="en-US" sz="1350" dirty="0"/>
-              <a:t>compute</a:t>
-            </a:r>
-          </a:p>
-          <a:p>
-            <a:r>
-              <a:rPr lang="en-US" sz="1350" dirty="0"/>
-              <a:t>optimization</a:t>
-            </a:r>
-          </a:p>
-          <a:p>
-            <a:endParaRPr lang="en-US" sz="1350" dirty="0"/>
-          </a:p>
-        </p:txBody>
-      </p:sp>
-      <p:cxnSp>
-        <p:nvCxnSpPr>
-          <p:cNvPr id="46" name="Straight Arrow Connector 45"/>
-          <p:cNvCxnSpPr>
-            <a:cxnSpLocks/>
-            <a:stCxn id="18440" idx="3"/>
-          </p:cNvCxnSpPr>
-          <p:nvPr/>
-        </p:nvCxnSpPr>
-        <p:spPr>
-          <a:xfrm>
-            <a:off x="3722069" y="2305561"/>
-            <a:ext cx="274712" cy="1328"/>
-          </a:xfrm>
-          <a:prstGeom prst="straightConnector1">
-            <a:avLst/>
-          </a:prstGeom>
-          <a:ln>
-            <a:tailEnd type="arrow"/>
-          </a:ln>
-        </p:spPr>
-        <p:style>
-          <a:lnRef idx="2">
-            <a:schemeClr val="accent1"/>
-          </a:lnRef>
-          <a:fillRef idx="0">
-            <a:schemeClr val="accent1"/>
-          </a:fillRef>
-          <a:effectRef idx="1">
-            <a:schemeClr val="accent1"/>
-          </a:effectRef>
-          <a:fontRef idx="minor">
-            <a:schemeClr val="tx1"/>
-          </a:fontRef>
-        </p:style>
-      </p:cxnSp>
-      <p:cxnSp>
-        <p:nvCxnSpPr>
-          <p:cNvPr id="51" name="Straight Arrow Connector 50"/>
-          <p:cNvCxnSpPr>
-            <a:stCxn id="18440" idx="2"/>
-            <a:endCxn id="18441" idx="0"/>
-          </p:cNvCxnSpPr>
-          <p:nvPr/>
-        </p:nvCxnSpPr>
-        <p:spPr>
-          <a:xfrm flipH="1">
-            <a:off x="3062763" y="2734298"/>
-            <a:ext cx="1910" cy="345807"/>
-          </a:xfrm>
-          <a:prstGeom prst="straightConnector1">
-            <a:avLst/>
-          </a:prstGeom>
-          <a:ln>
-            <a:tailEnd type="arrow"/>
-          </a:ln>
-        </p:spPr>
-        <p:style>
-          <a:lnRef idx="2">
-            <a:schemeClr val="accent1"/>
-          </a:lnRef>
-          <a:fillRef idx="0">
-            <a:schemeClr val="accent1"/>
-          </a:fillRef>
-          <a:effectRef idx="1">
-            <a:schemeClr val="accent1"/>
-          </a:effectRef>
-          <a:fontRef idx="minor">
-            <a:schemeClr val="tx1"/>
-          </a:fontRef>
-        </p:style>
-      </p:cxnSp>
-      <p:sp>
-        <p:nvSpPr>
-          <p:cNvPr id="33" name="Title 1"/>
-          <p:cNvSpPr>
-            <a:spLocks noGrp="1"/>
-          </p:cNvSpPr>
-          <p:nvPr>
-            <p:ph type="title"/>
-          </p:nvPr>
-        </p:nvSpPr>
-        <p:spPr>
-          <a:xfrm>
-            <a:off x="1401069" y="1000090"/>
-            <a:ext cx="8686800" cy="867152"/>
-          </a:xfrm>
-        </p:spPr>
-        <p:txBody>
-          <a:bodyPr/>
-          <a:lstStyle/>
-          <a:p>
-            <a:r>
-              <a:rPr lang="en-US" dirty="0"/>
-              <a:t>composition </a:t>
-            </a:r>
-          </a:p>
-        </p:txBody>
-      </p:sp>
-      <p:sp>
-        <p:nvSpPr>
-          <p:cNvPr id="85" name="Rectangle 3"/>
-          <p:cNvSpPr>
-            <a:spLocks noChangeArrowheads="1"/>
-          </p:cNvSpPr>
-          <p:nvPr/>
-        </p:nvSpPr>
-        <p:spPr bwMode="auto">
-          <a:xfrm>
-            <a:off x="4271537" y="4294824"/>
-            <a:ext cx="1189372" cy="669930"/>
-          </a:xfrm>
-          <a:prstGeom prst="rect">
-            <a:avLst/>
-          </a:prstGeom>
-          <a:solidFill>
-            <a:srgbClr val="FF9900"/>
-          </a:solidFill>
-          <a:ln w="9525">
-            <a:solidFill>
-              <a:srgbClr val="000000"/>
-            </a:solidFill>
-            <a:round/>
-            <a:headEnd/>
-            <a:tailEnd/>
-          </a:ln>
-        </p:spPr>
-        <p:txBody>
-          <a:bodyPr wrap="none" anchor="ctr">
-            <a:prstTxWarp prst="textNoShape">
-              <a:avLst/>
-            </a:prstTxWarp>
-          </a:bodyPr>
-          <a:lstStyle/>
-          <a:p>
-            <a:endParaRPr lang="en-US" sz="1350" dirty="0"/>
-          </a:p>
-          <a:p>
-            <a:endParaRPr lang="en-US" sz="1350" dirty="0"/>
-          </a:p>
-          <a:p>
-            <a:r>
-              <a:rPr lang="en-US" sz="1350" dirty="0"/>
-              <a:t>Abstraction at </a:t>
-            </a:r>
-          </a:p>
-          <a:p>
-            <a:r>
-              <a:rPr lang="en-US" sz="1350" dirty="0"/>
-              <a:t>solver level</a:t>
-            </a:r>
-          </a:p>
-          <a:p>
-            <a:endParaRPr lang="en-US" sz="1350" dirty="0"/>
-          </a:p>
-          <a:p>
-            <a:endParaRPr lang="en-US" sz="1350" dirty="0"/>
-          </a:p>
-        </p:txBody>
-      </p:sp>
-      <p:sp>
-        <p:nvSpPr>
-          <p:cNvPr id="87" name="Rectangle 7"/>
-          <p:cNvSpPr>
-            <a:spLocks noChangeArrowheads="1"/>
-          </p:cNvSpPr>
-          <p:nvPr/>
-        </p:nvSpPr>
-        <p:spPr bwMode="auto">
-          <a:xfrm>
-            <a:off x="5942866" y="3819500"/>
-            <a:ext cx="1272481" cy="643193"/>
-          </a:xfrm>
-          <a:prstGeom prst="rect">
-            <a:avLst/>
-          </a:prstGeom>
-          <a:solidFill>
-            <a:schemeClr val="accent3">
-              <a:lumMod val="20000"/>
-              <a:lumOff val="80000"/>
-            </a:schemeClr>
-          </a:solidFill>
-          <a:ln w="9525">
-            <a:solidFill>
-              <a:srgbClr val="000000"/>
-            </a:solidFill>
-            <a:round/>
-            <a:headEnd/>
-            <a:tailEnd/>
-          </a:ln>
-        </p:spPr>
-        <p:txBody>
-          <a:bodyPr wrap="none" anchor="ctr">
-            <a:prstTxWarp prst="textNoShape">
-              <a:avLst/>
-            </a:prstTxWarp>
-          </a:bodyPr>
-          <a:lstStyle/>
-          <a:p>
-            <a:r>
-              <a:rPr lang="en-US" sz="1350" dirty="0"/>
-              <a:t>code </a:t>
-            </a:r>
-          </a:p>
-          <a:p>
-            <a:r>
-              <a:rPr lang="en-US" sz="1350" dirty="0"/>
-              <a:t>transformation</a:t>
-            </a:r>
-          </a:p>
-        </p:txBody>
-      </p:sp>
-      <p:sp>
-        <p:nvSpPr>
-          <p:cNvPr id="91" name="Rectangle 11"/>
-          <p:cNvSpPr>
-            <a:spLocks noChangeArrowheads="1"/>
-          </p:cNvSpPr>
-          <p:nvPr/>
-        </p:nvSpPr>
-        <p:spPr bwMode="auto">
-          <a:xfrm>
-            <a:off x="5917745" y="4773772"/>
-            <a:ext cx="1322725" cy="485902"/>
-          </a:xfrm>
-          <a:prstGeom prst="rect">
-            <a:avLst/>
-          </a:prstGeom>
-          <a:solidFill>
-            <a:schemeClr val="accent3">
-              <a:lumMod val="20000"/>
-              <a:lumOff val="80000"/>
-            </a:schemeClr>
-          </a:solidFill>
-          <a:ln w="9525">
-            <a:solidFill>
-              <a:srgbClr val="000000"/>
-            </a:solidFill>
-            <a:round/>
-            <a:headEnd/>
-            <a:tailEnd/>
-          </a:ln>
-        </p:spPr>
-        <p:txBody>
-          <a:bodyPr wrap="none" anchor="ctr">
-            <a:prstTxWarp prst="textNoShape">
-              <a:avLst/>
-            </a:prstTxWarp>
-          </a:bodyPr>
-          <a:lstStyle/>
-          <a:p>
-            <a:r>
-              <a:rPr lang="en-US" sz="1350" dirty="0"/>
-              <a:t> </a:t>
-            </a:r>
-          </a:p>
-          <a:p>
-            <a:r>
-              <a:rPr lang="en-US" sz="1350" dirty="0"/>
-              <a:t>Fusing/</a:t>
-            </a:r>
-            <a:r>
-              <a:rPr lang="en-US" sz="1350" dirty="0" err="1"/>
-              <a:t>inlining</a:t>
-            </a:r>
-            <a:endParaRPr lang="en-US" sz="1350" dirty="0"/>
-          </a:p>
-          <a:p>
-            <a:r>
-              <a:rPr lang="en-US" sz="1350" dirty="0"/>
-              <a:t>Functions</a:t>
-            </a:r>
-          </a:p>
-          <a:p>
-            <a:endParaRPr lang="en-US" sz="1350" dirty="0"/>
-          </a:p>
-        </p:txBody>
-      </p:sp>
-      <p:cxnSp>
-        <p:nvCxnSpPr>
-          <p:cNvPr id="8" name="Straight Arrow Connector 7">
-            <a:extLst>
-              <a:ext uri="{FF2B5EF4-FFF2-40B4-BE49-F238E27FC236}">
-                <a16:creationId xmlns:a16="http://schemas.microsoft.com/office/drawing/2014/main" id="{B94546F4-8CF2-7942-A794-96594BF08A99}"/>
-              </a:ext>
-            </a:extLst>
-          </p:cNvPr>
-          <p:cNvCxnSpPr>
-            <a:cxnSpLocks/>
-            <a:stCxn id="18441" idx="3"/>
-            <a:endCxn id="39" idx="1"/>
-          </p:cNvCxnSpPr>
-          <p:nvPr/>
-        </p:nvCxnSpPr>
-        <p:spPr>
-          <a:xfrm>
-            <a:off x="3662995" y="3451676"/>
-            <a:ext cx="541867" cy="0"/>
-          </a:xfrm>
-          <a:prstGeom prst="straightConnector1">
-            <a:avLst/>
-          </a:prstGeom>
-          <a:ln>
-            <a:tailEnd type="triangle"/>
-          </a:ln>
-        </p:spPr>
-        <p:style>
-          <a:lnRef idx="2">
-            <a:schemeClr val="accent1"/>
-          </a:lnRef>
-          <a:fillRef idx="0">
-            <a:schemeClr val="accent1"/>
-          </a:fillRef>
-          <a:effectRef idx="1">
-            <a:schemeClr val="accent1"/>
-          </a:effectRef>
-          <a:fontRef idx="minor">
-            <a:schemeClr val="tx1"/>
-          </a:fontRef>
-        </p:style>
-      </p:cxnSp>
-      <p:cxnSp>
-        <p:nvCxnSpPr>
-          <p:cNvPr id="13" name="Straight Arrow Connector 12">
-            <a:extLst>
-              <a:ext uri="{FF2B5EF4-FFF2-40B4-BE49-F238E27FC236}">
-                <a16:creationId xmlns:a16="http://schemas.microsoft.com/office/drawing/2014/main" id="{72E1C4F6-6AE7-CB4F-8436-F6421E1096B3}"/>
-              </a:ext>
-            </a:extLst>
-          </p:cNvPr>
-          <p:cNvCxnSpPr>
-            <a:stCxn id="39" idx="2"/>
-            <a:endCxn id="85" idx="0"/>
-          </p:cNvCxnSpPr>
-          <p:nvPr/>
-        </p:nvCxnSpPr>
-        <p:spPr>
-          <a:xfrm flipH="1">
-            <a:off x="4866224" y="3937578"/>
-            <a:ext cx="1" cy="357246"/>
-          </a:xfrm>
-          <a:prstGeom prst="straightConnector1">
-            <a:avLst/>
-          </a:prstGeom>
-          <a:ln>
-            <a:tailEnd type="triangle"/>
-          </a:ln>
-        </p:spPr>
-        <p:style>
-          <a:lnRef idx="2">
-            <a:schemeClr val="accent1"/>
-          </a:lnRef>
-          <a:fillRef idx="0">
-            <a:schemeClr val="accent1"/>
-          </a:fillRef>
-          <a:effectRef idx="1">
-            <a:schemeClr val="accent1"/>
-          </a:effectRef>
-          <a:fontRef idx="minor">
-            <a:schemeClr val="tx1"/>
-          </a:fontRef>
-        </p:style>
-      </p:cxnSp>
-      <p:cxnSp>
-        <p:nvCxnSpPr>
-          <p:cNvPr id="21" name="Elbow Connector 20">
-            <a:extLst>
-              <a:ext uri="{FF2B5EF4-FFF2-40B4-BE49-F238E27FC236}">
-                <a16:creationId xmlns:a16="http://schemas.microsoft.com/office/drawing/2014/main" id="{B8637E84-2200-4A44-9449-679EC1183DC3}"/>
-              </a:ext>
-            </a:extLst>
-          </p:cNvPr>
-          <p:cNvCxnSpPr>
-            <a:stCxn id="85" idx="3"/>
-            <a:endCxn id="87" idx="1"/>
-          </p:cNvCxnSpPr>
-          <p:nvPr/>
-        </p:nvCxnSpPr>
-        <p:spPr>
-          <a:xfrm flipV="1">
-            <a:off x="5460909" y="4141097"/>
-            <a:ext cx="481956" cy="488693"/>
-          </a:xfrm>
-          <a:prstGeom prst="bentConnector3">
-            <a:avLst>
-              <a:gd name="adj1" fmla="val 63237"/>
-            </a:avLst>
-          </a:prstGeom>
-          <a:ln>
-            <a:tailEnd type="triangle"/>
-          </a:ln>
-        </p:spPr>
-        <p:style>
-          <a:lnRef idx="2">
-            <a:schemeClr val="accent1"/>
-          </a:lnRef>
-          <a:fillRef idx="0">
-            <a:schemeClr val="accent1"/>
-          </a:fillRef>
-          <a:effectRef idx="1">
-            <a:schemeClr val="accent1"/>
-          </a:effectRef>
-          <a:fontRef idx="minor">
-            <a:schemeClr val="tx1"/>
-          </a:fontRef>
-        </p:style>
-      </p:cxnSp>
-      <p:cxnSp>
-        <p:nvCxnSpPr>
-          <p:cNvPr id="23" name="Elbow Connector 22">
-            <a:extLst>
-              <a:ext uri="{FF2B5EF4-FFF2-40B4-BE49-F238E27FC236}">
-                <a16:creationId xmlns:a16="http://schemas.microsoft.com/office/drawing/2014/main" id="{B2B509EF-B8A9-124C-9630-FE6AF871C24A}"/>
-              </a:ext>
-            </a:extLst>
-          </p:cNvPr>
-          <p:cNvCxnSpPr>
-            <a:stCxn id="85" idx="3"/>
-            <a:endCxn id="91" idx="1"/>
-          </p:cNvCxnSpPr>
-          <p:nvPr/>
-        </p:nvCxnSpPr>
-        <p:spPr>
-          <a:xfrm>
-            <a:off x="5460910" y="4629789"/>
-            <a:ext cx="456835" cy="386934"/>
-          </a:xfrm>
-          <a:prstGeom prst="bentConnector3">
-            <a:avLst>
-              <a:gd name="adj1" fmla="val 68620"/>
-            </a:avLst>
-          </a:prstGeom>
-          <a:ln>
-            <a:tailEnd type="triangle"/>
-          </a:ln>
-        </p:spPr>
-        <p:style>
-          <a:lnRef idx="2">
-            <a:schemeClr val="accent1"/>
-          </a:lnRef>
-          <a:fillRef idx="0">
-            <a:schemeClr val="accent1"/>
-          </a:fillRef>
-          <a:effectRef idx="1">
-            <a:schemeClr val="accent1"/>
-          </a:effectRef>
-          <a:fontRef idx="minor">
-            <a:schemeClr val="tx1"/>
-          </a:fontRef>
-        </p:style>
-      </p:cxnSp>
-      <p:cxnSp>
-        <p:nvCxnSpPr>
-          <p:cNvPr id="27" name="Elbow Connector 26">
-            <a:extLst>
-              <a:ext uri="{FF2B5EF4-FFF2-40B4-BE49-F238E27FC236}">
-                <a16:creationId xmlns:a16="http://schemas.microsoft.com/office/drawing/2014/main" id="{FE8911D4-3C26-FA4A-8797-FBDF36D90A4A}"/>
-              </a:ext>
-            </a:extLst>
-          </p:cNvPr>
-          <p:cNvCxnSpPr>
-            <a:stCxn id="87" idx="3"/>
-            <a:endCxn id="18437" idx="1"/>
-          </p:cNvCxnSpPr>
-          <p:nvPr/>
-        </p:nvCxnSpPr>
-        <p:spPr>
-          <a:xfrm>
-            <a:off x="7215347" y="4141097"/>
-            <a:ext cx="497505" cy="394921"/>
-          </a:xfrm>
-          <a:prstGeom prst="bentConnector3">
-            <a:avLst/>
-          </a:prstGeom>
-          <a:ln>
-            <a:tailEnd type="triangle"/>
-          </a:ln>
-        </p:spPr>
-        <p:style>
-          <a:lnRef idx="2">
-            <a:schemeClr val="accent1"/>
-          </a:lnRef>
-          <a:fillRef idx="0">
-            <a:schemeClr val="accent1"/>
-          </a:fillRef>
-          <a:effectRef idx="1">
-            <a:schemeClr val="accent1"/>
-          </a:effectRef>
-          <a:fontRef idx="minor">
-            <a:schemeClr val="tx1"/>
-          </a:fontRef>
-        </p:style>
-      </p:cxnSp>
-      <p:cxnSp>
-        <p:nvCxnSpPr>
-          <p:cNvPr id="32" name="Elbow Connector 31">
-            <a:extLst>
-              <a:ext uri="{FF2B5EF4-FFF2-40B4-BE49-F238E27FC236}">
-                <a16:creationId xmlns:a16="http://schemas.microsoft.com/office/drawing/2014/main" id="{1703A58D-C192-C744-ABEC-539B92961447}"/>
-              </a:ext>
-            </a:extLst>
-          </p:cNvPr>
-          <p:cNvCxnSpPr>
-            <a:stCxn id="91" idx="3"/>
-            <a:endCxn id="18437" idx="1"/>
-          </p:cNvCxnSpPr>
-          <p:nvPr/>
-        </p:nvCxnSpPr>
-        <p:spPr>
-          <a:xfrm flipV="1">
-            <a:off x="7240469" y="4536017"/>
-            <a:ext cx="472382" cy="480706"/>
-          </a:xfrm>
-          <a:prstGeom prst="bentConnector3">
-            <a:avLst/>
-          </a:prstGeom>
-          <a:ln>
-            <a:tailEnd type="triangle"/>
-          </a:ln>
-        </p:spPr>
-        <p:style>
-          <a:lnRef idx="2">
-            <a:schemeClr val="accent1"/>
-          </a:lnRef>
-          <a:fillRef idx="0">
-            <a:schemeClr val="accent1"/>
-          </a:fillRef>
-          <a:effectRef idx="1">
-            <a:schemeClr val="accent1"/>
-          </a:effectRef>
-          <a:fontRef idx="minor">
-            <a:schemeClr val="tx1"/>
-          </a:fontRef>
-        </p:style>
-      </p:cxnSp>
-      <p:sp>
-        <p:nvSpPr>
-          <p:cNvPr id="61" name="TextBox 60">
-            <a:extLst>
-              <a:ext uri="{FF2B5EF4-FFF2-40B4-BE49-F238E27FC236}">
-                <a16:creationId xmlns:a16="http://schemas.microsoft.com/office/drawing/2014/main" id="{6FE0A5B2-6E4E-FD49-BE02-E82FE56FCEA0}"/>
-              </a:ext>
-            </a:extLst>
-          </p:cNvPr>
-          <p:cNvSpPr txBox="1"/>
-          <p:nvPr/>
-        </p:nvSpPr>
-        <p:spPr>
-          <a:xfrm>
-            <a:off x="3425640" y="1456660"/>
-            <a:ext cx="1338828" cy="369332"/>
-          </a:xfrm>
-          <a:prstGeom prst="rect">
-            <a:avLst/>
-          </a:prstGeom>
-          <a:noFill/>
-        </p:spPr>
-        <p:txBody>
-          <a:bodyPr wrap="none" rtlCol="0">
-            <a:spAutoFit/>
-          </a:bodyPr>
-          <a:lstStyle/>
-          <a:p>
-            <a:r>
-              <a:rPr lang="en-US" dirty="0"/>
-              <a:t>Framework</a:t>
-            </a:r>
-          </a:p>
-        </p:txBody>
-      </p:sp>
-      <p:cxnSp>
-        <p:nvCxnSpPr>
-          <p:cNvPr id="81" name="Straight Connector 80">
-            <a:extLst>
-              <a:ext uri="{FF2B5EF4-FFF2-40B4-BE49-F238E27FC236}">
-                <a16:creationId xmlns:a16="http://schemas.microsoft.com/office/drawing/2014/main" id="{BCDC1997-9772-F443-ACED-F530D87DB4C5}"/>
-              </a:ext>
-            </a:extLst>
-          </p:cNvPr>
-          <p:cNvCxnSpPr>
-            <a:cxnSpLocks/>
-          </p:cNvCxnSpPr>
-          <p:nvPr/>
-        </p:nvCxnSpPr>
-        <p:spPr>
-          <a:xfrm flipH="1">
-            <a:off x="5689327" y="2907200"/>
-            <a:ext cx="1" cy="2444488"/>
-          </a:xfrm>
-          <a:prstGeom prst="line">
-            <a:avLst/>
-          </a:prstGeom>
-          <a:ln w="28575">
-            <a:solidFill>
-              <a:schemeClr val="accent3"/>
-            </a:solidFill>
-            <a:prstDash val="sysDash"/>
-          </a:ln>
-        </p:spPr>
-        <p:style>
-          <a:lnRef idx="2">
-            <a:schemeClr val="accent1"/>
-          </a:lnRef>
-          <a:fillRef idx="0">
-            <a:schemeClr val="accent1"/>
-          </a:fillRef>
-          <a:effectRef idx="1">
-            <a:schemeClr val="accent1"/>
-          </a:effectRef>
-          <a:fontRef idx="minor">
-            <a:schemeClr val="tx1"/>
-          </a:fontRef>
-        </p:style>
-      </p:cxnSp>
-      <p:sp>
-        <p:nvSpPr>
-          <p:cNvPr id="36" name="Rectangle 3">
-            <a:extLst>
-              <a:ext uri="{FF2B5EF4-FFF2-40B4-BE49-F238E27FC236}">
-                <a16:creationId xmlns:a16="http://schemas.microsoft.com/office/drawing/2014/main" id="{8BDA7804-8C46-DD42-B5C6-21D24FED1DBB}"/>
-              </a:ext>
-            </a:extLst>
-          </p:cNvPr>
-          <p:cNvSpPr txBox="1">
-            <a:spLocks noChangeArrowheads="1"/>
-          </p:cNvSpPr>
-          <p:nvPr/>
-        </p:nvSpPr>
-        <p:spPr>
-          <a:xfrm>
-            <a:off x="5688744" y="1497583"/>
-            <a:ext cx="2831279" cy="2220158"/>
-          </a:xfrm>
-          <a:prstGeom prst="rect">
-            <a:avLst/>
-          </a:prstGeom>
-        </p:spPr>
-        <p:txBody>
-          <a:bodyPr vert="horz" lIns="91440" tIns="45720" rIns="91440" bIns="45720" rtlCol="0">
-            <a:normAutofit lnSpcReduction="10000"/>
-          </a:bodyPr>
-          <a:lstStyle>
-            <a:lvl1pPr marL="342900" indent="-342900" algn="l" defTabSz="914400" rtl="0" eaLnBrk="1" latinLnBrk="0" hangingPunct="1">
-              <a:spcBef>
-                <a:spcPct val="20000"/>
-              </a:spcBef>
-              <a:buFont typeface="Wingdings" panose="05000000000000000000" pitchFamily="2" charset="2"/>
-              <a:buChar char="§"/>
-              <a:defRPr sz="2800" kern="1200">
-                <a:solidFill>
-                  <a:schemeClr val="tx1"/>
-                </a:solidFill>
-                <a:latin typeface="Arial" panose="020B0604020202020204" pitchFamily="34" charset="0"/>
-                <a:ea typeface="+mn-ea"/>
-                <a:cs typeface="Arial" panose="020B0604020202020204" pitchFamily="34" charset="0"/>
-              </a:defRPr>
-            </a:lvl1pPr>
-            <a:lvl2pPr marL="742950" indent="-285750" algn="l" defTabSz="914400" rtl="0" eaLnBrk="1" latinLnBrk="0" hangingPunct="1">
-              <a:spcBef>
-                <a:spcPct val="20000"/>
-              </a:spcBef>
-              <a:buFont typeface="Wingdings" panose="05000000000000000000" pitchFamily="2" charset="2"/>
-              <a:buChar char="§"/>
-              <a:defRPr sz="2400" kern="1200">
-                <a:solidFill>
-                  <a:schemeClr val="tx1"/>
-                </a:solidFill>
-                <a:latin typeface="Arial" panose="020B0604020202020204" pitchFamily="34" charset="0"/>
-                <a:ea typeface="+mn-ea"/>
-                <a:cs typeface="Arial" panose="020B0604020202020204" pitchFamily="34" charset="0"/>
-              </a:defRPr>
-            </a:lvl2pPr>
-            <a:lvl3pPr marL="1143000" indent="-228600" algn="l" defTabSz="914400" rtl="0" eaLnBrk="1" latinLnBrk="0" hangingPunct="1">
-              <a:spcBef>
-                <a:spcPct val="20000"/>
-              </a:spcBef>
-              <a:buFont typeface="Wingdings" panose="05000000000000000000" pitchFamily="2" charset="2"/>
-              <a:buChar char="§"/>
-              <a:defRPr sz="2000" kern="1200">
-                <a:solidFill>
-                  <a:schemeClr val="tx1"/>
-                </a:solidFill>
-                <a:latin typeface="Arial" panose="020B0604020202020204" pitchFamily="34" charset="0"/>
-                <a:ea typeface="+mn-ea"/>
-                <a:cs typeface="Arial" panose="020B0604020202020204" pitchFamily="34" charset="0"/>
-              </a:defRPr>
-            </a:lvl3pPr>
-            <a:lvl4pPr marL="1600200" indent="-228600" algn="l" defTabSz="914400" rtl="0" eaLnBrk="1" latinLnBrk="0" hangingPunct="1">
-              <a:spcBef>
-                <a:spcPct val="20000"/>
-              </a:spcBef>
-              <a:buFont typeface="Wingdings" panose="05000000000000000000" pitchFamily="2" charset="2"/>
-              <a:buChar char="§"/>
-              <a:defRPr sz="1800" kern="1200">
-                <a:solidFill>
-                  <a:schemeClr val="tx1"/>
-                </a:solidFill>
-                <a:latin typeface="Arial" panose="020B0604020202020204" pitchFamily="34" charset="0"/>
-                <a:ea typeface="+mn-ea"/>
-                <a:cs typeface="Arial" panose="020B0604020202020204" pitchFamily="34" charset="0"/>
-              </a:defRPr>
-            </a:lvl4pPr>
-            <a:lvl5pPr marL="2057400" indent="-228600" algn="l" defTabSz="914400" rtl="0" eaLnBrk="1" latinLnBrk="0" hangingPunct="1">
-              <a:spcBef>
-                <a:spcPct val="20000"/>
-              </a:spcBef>
-              <a:buFont typeface="Wingdings" panose="05000000000000000000" pitchFamily="2" charset="2"/>
-              <a:buChar char="§"/>
-              <a:defRPr sz="1800" kern="1200">
-                <a:solidFill>
-                  <a:schemeClr val="tx1"/>
-                </a:solidFill>
-                <a:latin typeface="Arial" panose="020B0604020202020204" pitchFamily="34" charset="0"/>
-                <a:ea typeface="+mn-ea"/>
-                <a:cs typeface="Arial" panose="020B0604020202020204" pitchFamily="34" charset="0"/>
-              </a:defRPr>
-            </a:lvl5pPr>
-            <a:lvl6pPr marL="2514600" indent="-228600" algn="l" defTabSz="914400" rtl="0" eaLnBrk="1" latinLnBrk="0" hangingPunct="1">
-              <a:spcBef>
-                <a:spcPct val="20000"/>
-              </a:spcBef>
-              <a:buFont typeface="Arial" panose="020B0604020202020204" pitchFamily="34" charset="0"/>
-              <a:buChar char="•"/>
-              <a:defRPr sz="2000" kern="1200">
-                <a:solidFill>
-                  <a:schemeClr val="tx1"/>
-                </a:solidFill>
-                <a:latin typeface="+mn-lt"/>
-                <a:ea typeface="+mn-ea"/>
-                <a:cs typeface="+mn-cs"/>
-              </a:defRPr>
-            </a:lvl6pPr>
-            <a:lvl7pPr marL="2971800" indent="-228600" algn="l" defTabSz="914400" rtl="0" eaLnBrk="1" latinLnBrk="0" hangingPunct="1">
-              <a:spcBef>
-                <a:spcPct val="20000"/>
-              </a:spcBef>
-              <a:buFont typeface="Arial" panose="020B0604020202020204" pitchFamily="34" charset="0"/>
-              <a:buChar char="•"/>
-              <a:defRPr sz="2000" kern="1200">
-                <a:solidFill>
-                  <a:schemeClr val="tx1"/>
-                </a:solidFill>
-                <a:latin typeface="+mn-lt"/>
-                <a:ea typeface="+mn-ea"/>
-                <a:cs typeface="+mn-cs"/>
-              </a:defRPr>
-            </a:lvl7pPr>
-            <a:lvl8pPr marL="3429000" indent="-228600" algn="l" defTabSz="914400" rtl="0" eaLnBrk="1" latinLnBrk="0" hangingPunct="1">
-              <a:spcBef>
-                <a:spcPct val="20000"/>
-              </a:spcBef>
-              <a:buFont typeface="Arial" panose="020B0604020202020204" pitchFamily="34" charset="0"/>
-              <a:buChar char="•"/>
-              <a:defRPr sz="2000" kern="1200">
-                <a:solidFill>
-                  <a:schemeClr val="tx1"/>
-                </a:solidFill>
-                <a:latin typeface="+mn-lt"/>
-                <a:ea typeface="+mn-ea"/>
-                <a:cs typeface="+mn-cs"/>
-              </a:defRPr>
-            </a:lvl8pPr>
-            <a:lvl9pPr marL="3886200" indent="-228600" algn="l" defTabSz="914400" rtl="0" eaLnBrk="1" latinLnBrk="0" hangingPunct="1">
-              <a:spcBef>
-                <a:spcPct val="20000"/>
-              </a:spcBef>
-              <a:buFont typeface="Arial" panose="020B0604020202020204" pitchFamily="34" charset="0"/>
-              <a:buChar char="•"/>
-              <a:defRPr sz="2000" kern="1200">
-                <a:solidFill>
-                  <a:schemeClr val="tx1"/>
-                </a:solidFill>
-                <a:latin typeface="+mn-lt"/>
-                <a:ea typeface="+mn-ea"/>
-                <a:cs typeface="+mn-cs"/>
-              </a:defRPr>
-            </a:lvl9pPr>
-          </a:lstStyle>
-          <a:p>
-            <a:r>
-              <a:rPr lang="en-US" sz="2400" dirty="0"/>
-              <a:t>Abstractions for performance portability</a:t>
-            </a:r>
-          </a:p>
-          <a:p>
-            <a:r>
-              <a:rPr lang="en-US" sz="2400" dirty="0"/>
-              <a:t>Ability to express operations at a higher level </a:t>
-            </a:r>
-          </a:p>
-        </p:txBody>
-      </p:sp>
-      <p:sp>
-        <p:nvSpPr>
-          <p:cNvPr id="38" name="Rectangle 3">
-            <a:extLst>
-              <a:ext uri="{FF2B5EF4-FFF2-40B4-BE49-F238E27FC236}">
-                <a16:creationId xmlns:a16="http://schemas.microsoft.com/office/drawing/2014/main" id="{E9F6DD6F-F485-7E40-A74C-B86AF1E8B5EB}"/>
-              </a:ext>
-            </a:extLst>
-          </p:cNvPr>
-          <p:cNvSpPr txBox="1">
-            <a:spLocks noChangeArrowheads="1"/>
-          </p:cNvSpPr>
-          <p:nvPr/>
-        </p:nvSpPr>
-        <p:spPr>
-          <a:xfrm>
-            <a:off x="2035097" y="4081448"/>
-            <a:ext cx="2153332" cy="1862153"/>
-          </a:xfrm>
-          <a:prstGeom prst="rect">
-            <a:avLst/>
-          </a:prstGeom>
-        </p:spPr>
-        <p:txBody>
-          <a:bodyPr vert="horz" lIns="91440" tIns="45720" rIns="91440" bIns="45720" rtlCol="0">
-            <a:normAutofit/>
-          </a:bodyPr>
-          <a:lstStyle>
-            <a:lvl1pPr marL="342900" indent="-342900" algn="l" defTabSz="914400" rtl="0" eaLnBrk="1" latinLnBrk="0" hangingPunct="1">
-              <a:spcBef>
-                <a:spcPct val="20000"/>
-              </a:spcBef>
-              <a:buFont typeface="Wingdings" panose="05000000000000000000" pitchFamily="2" charset="2"/>
-              <a:buChar char="§"/>
-              <a:defRPr sz="2800" kern="1200">
-                <a:solidFill>
-                  <a:schemeClr val="tx1"/>
-                </a:solidFill>
-                <a:latin typeface="Arial" panose="020B0604020202020204" pitchFamily="34" charset="0"/>
-                <a:ea typeface="+mn-ea"/>
-                <a:cs typeface="Arial" panose="020B0604020202020204" pitchFamily="34" charset="0"/>
-              </a:defRPr>
-            </a:lvl1pPr>
-            <a:lvl2pPr marL="742950" indent="-285750" algn="l" defTabSz="914400" rtl="0" eaLnBrk="1" latinLnBrk="0" hangingPunct="1">
-              <a:spcBef>
-                <a:spcPct val="20000"/>
-              </a:spcBef>
-              <a:buFont typeface="Wingdings" panose="05000000000000000000" pitchFamily="2" charset="2"/>
-              <a:buChar char="§"/>
-              <a:defRPr sz="2400" kern="1200">
-                <a:solidFill>
-                  <a:schemeClr val="tx1"/>
-                </a:solidFill>
-                <a:latin typeface="Arial" panose="020B0604020202020204" pitchFamily="34" charset="0"/>
-                <a:ea typeface="+mn-ea"/>
-                <a:cs typeface="Arial" panose="020B0604020202020204" pitchFamily="34" charset="0"/>
-              </a:defRPr>
-            </a:lvl2pPr>
-            <a:lvl3pPr marL="1143000" indent="-228600" algn="l" defTabSz="914400" rtl="0" eaLnBrk="1" latinLnBrk="0" hangingPunct="1">
-              <a:spcBef>
-                <a:spcPct val="20000"/>
-              </a:spcBef>
-              <a:buFont typeface="Wingdings" panose="05000000000000000000" pitchFamily="2" charset="2"/>
-              <a:buChar char="§"/>
-              <a:defRPr sz="2000" kern="1200">
-                <a:solidFill>
-                  <a:schemeClr val="tx1"/>
-                </a:solidFill>
-                <a:latin typeface="Arial" panose="020B0604020202020204" pitchFamily="34" charset="0"/>
-                <a:ea typeface="+mn-ea"/>
-                <a:cs typeface="Arial" panose="020B0604020202020204" pitchFamily="34" charset="0"/>
-              </a:defRPr>
-            </a:lvl3pPr>
-            <a:lvl4pPr marL="1600200" indent="-228600" algn="l" defTabSz="914400" rtl="0" eaLnBrk="1" latinLnBrk="0" hangingPunct="1">
-              <a:spcBef>
-                <a:spcPct val="20000"/>
-              </a:spcBef>
-              <a:buFont typeface="Wingdings" panose="05000000000000000000" pitchFamily="2" charset="2"/>
-              <a:buChar char="§"/>
-              <a:defRPr sz="1800" kern="1200">
-                <a:solidFill>
-                  <a:schemeClr val="tx1"/>
-                </a:solidFill>
-                <a:latin typeface="Arial" panose="020B0604020202020204" pitchFamily="34" charset="0"/>
-                <a:ea typeface="+mn-ea"/>
-                <a:cs typeface="Arial" panose="020B0604020202020204" pitchFamily="34" charset="0"/>
-              </a:defRPr>
-            </a:lvl4pPr>
-            <a:lvl5pPr marL="2057400" indent="-228600" algn="l" defTabSz="914400" rtl="0" eaLnBrk="1" latinLnBrk="0" hangingPunct="1">
-              <a:spcBef>
-                <a:spcPct val="20000"/>
-              </a:spcBef>
-              <a:buFont typeface="Wingdings" panose="05000000000000000000" pitchFamily="2" charset="2"/>
-              <a:buChar char="§"/>
-              <a:defRPr sz="1800" kern="1200">
-                <a:solidFill>
-                  <a:schemeClr val="tx1"/>
-                </a:solidFill>
-                <a:latin typeface="Arial" panose="020B0604020202020204" pitchFamily="34" charset="0"/>
-                <a:ea typeface="+mn-ea"/>
-                <a:cs typeface="Arial" panose="020B0604020202020204" pitchFamily="34" charset="0"/>
-              </a:defRPr>
-            </a:lvl5pPr>
-            <a:lvl6pPr marL="2514600" indent="-228600" algn="l" defTabSz="914400" rtl="0" eaLnBrk="1" latinLnBrk="0" hangingPunct="1">
-              <a:spcBef>
-                <a:spcPct val="20000"/>
-              </a:spcBef>
-              <a:buFont typeface="Arial" panose="020B0604020202020204" pitchFamily="34" charset="0"/>
-              <a:buChar char="•"/>
-              <a:defRPr sz="2000" kern="1200">
-                <a:solidFill>
-                  <a:schemeClr val="tx1"/>
-                </a:solidFill>
-                <a:latin typeface="+mn-lt"/>
-                <a:ea typeface="+mn-ea"/>
-                <a:cs typeface="+mn-cs"/>
-              </a:defRPr>
-            </a:lvl6pPr>
-            <a:lvl7pPr marL="2971800" indent="-228600" algn="l" defTabSz="914400" rtl="0" eaLnBrk="1" latinLnBrk="0" hangingPunct="1">
-              <a:spcBef>
-                <a:spcPct val="20000"/>
-              </a:spcBef>
-              <a:buFont typeface="Arial" panose="020B0604020202020204" pitchFamily="34" charset="0"/>
-              <a:buChar char="•"/>
-              <a:defRPr sz="2000" kern="1200">
-                <a:solidFill>
-                  <a:schemeClr val="tx1"/>
-                </a:solidFill>
-                <a:latin typeface="+mn-lt"/>
-                <a:ea typeface="+mn-ea"/>
-                <a:cs typeface="+mn-cs"/>
-              </a:defRPr>
-            </a:lvl7pPr>
-            <a:lvl8pPr marL="3429000" indent="-228600" algn="l" defTabSz="914400" rtl="0" eaLnBrk="1" latinLnBrk="0" hangingPunct="1">
-              <a:spcBef>
-                <a:spcPct val="20000"/>
-              </a:spcBef>
-              <a:buFont typeface="Arial" panose="020B0604020202020204" pitchFamily="34" charset="0"/>
-              <a:buChar char="•"/>
-              <a:defRPr sz="2000" kern="1200">
-                <a:solidFill>
-                  <a:schemeClr val="tx1"/>
-                </a:solidFill>
-                <a:latin typeface="+mn-lt"/>
-                <a:ea typeface="+mn-ea"/>
-                <a:cs typeface="+mn-cs"/>
-              </a:defRPr>
-            </a:lvl8pPr>
-            <a:lvl9pPr marL="3886200" indent="-228600" algn="l" defTabSz="914400" rtl="0" eaLnBrk="1" latinLnBrk="0" hangingPunct="1">
-              <a:spcBef>
-                <a:spcPct val="20000"/>
-              </a:spcBef>
-              <a:buFont typeface="Arial" panose="020B0604020202020204" pitchFamily="34" charset="0"/>
-              <a:buChar char="•"/>
-              <a:defRPr sz="2000" kern="1200">
-                <a:solidFill>
-                  <a:schemeClr val="tx1"/>
-                </a:solidFill>
-                <a:latin typeface="+mn-lt"/>
-                <a:ea typeface="+mn-ea"/>
-                <a:cs typeface="+mn-cs"/>
-              </a:defRPr>
-            </a:lvl9pPr>
-          </a:lstStyle>
-          <a:p>
-            <a:r>
-              <a:rPr lang="en-US" sz="2400" dirty="0"/>
-              <a:t>Toolchain to configure</a:t>
-            </a:r>
-          </a:p>
-          <a:p>
-            <a:r>
-              <a:rPr lang="en-US" sz="2400" dirty="0"/>
-              <a:t>compilers to optimize</a:t>
-            </a:r>
-          </a:p>
-          <a:p>
-            <a:endParaRPr lang="en-US" sz="2400" dirty="0"/>
-          </a:p>
-        </p:txBody>
-      </p:sp>
-      <p:grpSp>
-        <p:nvGrpSpPr>
-          <p:cNvPr id="22" name="Group 21">
-            <a:extLst>
-              <a:ext uri="{FF2B5EF4-FFF2-40B4-BE49-F238E27FC236}">
-                <a16:creationId xmlns:a16="http://schemas.microsoft.com/office/drawing/2014/main" id="{8562DB3A-96D1-6D42-AB60-6AE75BAC5CAF}"/>
-              </a:ext>
-            </a:extLst>
-          </p:cNvPr>
-          <p:cNvGrpSpPr/>
-          <p:nvPr/>
-        </p:nvGrpSpPr>
-        <p:grpSpPr>
-          <a:xfrm>
-            <a:off x="9403995" y="927289"/>
-            <a:ext cx="2282715" cy="2826267"/>
-            <a:chOff x="2436812" y="1480004"/>
-            <a:chExt cx="7884824" cy="4615996"/>
-          </a:xfrm>
-        </p:grpSpPr>
-        <p:sp>
-          <p:nvSpPr>
-            <p:cNvPr id="24" name="Rectangle 23">
-              <a:extLst>
-                <a:ext uri="{FF2B5EF4-FFF2-40B4-BE49-F238E27FC236}">
-                  <a16:creationId xmlns:a16="http://schemas.microsoft.com/office/drawing/2014/main" id="{6DFEA0CA-57EE-D948-911C-1B6F208D4839}"/>
-                </a:ext>
-              </a:extLst>
-            </p:cNvPr>
-            <p:cNvSpPr/>
-            <p:nvPr/>
-          </p:nvSpPr>
-          <p:spPr>
-            <a:xfrm>
-              <a:off x="2436812" y="1524000"/>
-              <a:ext cx="2971800" cy="4572000"/>
-            </a:xfrm>
-            <a:prstGeom prst="rect">
-              <a:avLst/>
-            </a:prstGeom>
-            <a:solidFill>
-              <a:schemeClr val="accent1">
-                <a:lumMod val="20000"/>
-                <a:lumOff val="80000"/>
-              </a:schemeClr>
-            </a:solidFill>
-          </p:spPr>
-          <p:style>
-            <a:lnRef idx="2">
-              <a:schemeClr val="accent1">
-                <a:shade val="50000"/>
-              </a:schemeClr>
-            </a:lnRef>
-            <a:fillRef idx="1">
-              <a:schemeClr val="accent1"/>
-            </a:fillRef>
-            <a:effectRef idx="0">
-              <a:schemeClr val="accent1"/>
-            </a:effectRef>
-            <a:fontRef idx="minor">
-              <a:schemeClr val="lt1"/>
-            </a:fontRef>
-          </p:style>
-          <p:txBody>
-            <a:bodyPr rtlCol="0" anchor="ctr"/>
-            <a:lstStyle/>
-            <a:p>
-              <a:pPr algn="ctr"/>
-              <a:endParaRPr lang="en-US" dirty="0"/>
-            </a:p>
-          </p:txBody>
-        </p:sp>
-        <p:sp>
-          <p:nvSpPr>
-            <p:cNvPr id="25" name="Rectangle 24">
-              <a:extLst>
-                <a:ext uri="{FF2B5EF4-FFF2-40B4-BE49-F238E27FC236}">
-                  <a16:creationId xmlns:a16="http://schemas.microsoft.com/office/drawing/2014/main" id="{CFF1DE6C-BF94-BC4A-B823-F8030E005DC1}"/>
-                </a:ext>
-              </a:extLst>
-            </p:cNvPr>
-            <p:cNvSpPr/>
-            <p:nvPr/>
-          </p:nvSpPr>
-          <p:spPr>
-            <a:xfrm>
-              <a:off x="2932112" y="2002971"/>
-              <a:ext cx="1981200" cy="3657600"/>
-            </a:xfrm>
-            <a:prstGeom prst="rect">
-              <a:avLst/>
-            </a:prstGeom>
-            <a:solidFill>
-              <a:schemeClr val="accent1">
-                <a:lumMod val="60000"/>
-                <a:lumOff val="40000"/>
-              </a:schemeClr>
-            </a:solidFill>
-          </p:spPr>
-          <p:style>
-            <a:lnRef idx="2">
-              <a:schemeClr val="accent1">
-                <a:shade val="50000"/>
-              </a:schemeClr>
-            </a:lnRef>
-            <a:fillRef idx="1">
-              <a:schemeClr val="accent1"/>
-            </a:fillRef>
-            <a:effectRef idx="0">
-              <a:schemeClr val="accent1"/>
-            </a:effectRef>
-            <a:fontRef idx="minor">
-              <a:schemeClr val="lt1"/>
-            </a:fontRef>
-          </p:style>
-          <p:txBody>
-            <a:bodyPr rtlCol="0" anchor="ctr"/>
-            <a:lstStyle/>
-            <a:p>
-              <a:pPr algn="ctr"/>
-              <a:endParaRPr lang="en-US"/>
-            </a:p>
-          </p:txBody>
-        </p:sp>
-        <p:sp>
-          <p:nvSpPr>
-            <p:cNvPr id="26" name="Rectangle 25">
-              <a:extLst>
-                <a:ext uri="{FF2B5EF4-FFF2-40B4-BE49-F238E27FC236}">
-                  <a16:creationId xmlns:a16="http://schemas.microsoft.com/office/drawing/2014/main" id="{3FC49DF5-6869-2441-95DE-065ABF119ABB}"/>
-                </a:ext>
-              </a:extLst>
-            </p:cNvPr>
-            <p:cNvSpPr/>
-            <p:nvPr/>
-          </p:nvSpPr>
-          <p:spPr>
-            <a:xfrm>
-              <a:off x="3503612" y="2667000"/>
-              <a:ext cx="990600" cy="2362200"/>
-            </a:xfrm>
-            <a:prstGeom prst="rect">
-              <a:avLst/>
-            </a:prstGeom>
-          </p:spPr>
-          <p:style>
-            <a:lnRef idx="2">
-              <a:schemeClr val="accent1">
-                <a:shade val="50000"/>
-              </a:schemeClr>
-            </a:lnRef>
-            <a:fillRef idx="1">
-              <a:schemeClr val="accent1"/>
-            </a:fillRef>
-            <a:effectRef idx="0">
-              <a:schemeClr val="accent1"/>
-            </a:effectRef>
-            <a:fontRef idx="minor">
-              <a:schemeClr val="lt1"/>
-            </a:fontRef>
-          </p:style>
-          <p:txBody>
-            <a:bodyPr rtlCol="0" anchor="ctr"/>
-            <a:lstStyle/>
-            <a:p>
-              <a:pPr algn="ctr"/>
-              <a:endParaRPr lang="en-US"/>
-            </a:p>
-          </p:txBody>
-        </p:sp>
-        <p:sp>
-          <p:nvSpPr>
-            <p:cNvPr id="28" name="Rectangle 27">
-              <a:extLst>
-                <a:ext uri="{FF2B5EF4-FFF2-40B4-BE49-F238E27FC236}">
-                  <a16:creationId xmlns:a16="http://schemas.microsoft.com/office/drawing/2014/main" id="{1D2F26B6-5869-8348-BA91-57EC4B2441C1}"/>
-                </a:ext>
-              </a:extLst>
-            </p:cNvPr>
-            <p:cNvSpPr/>
-            <p:nvPr/>
-          </p:nvSpPr>
-          <p:spPr>
-            <a:xfrm>
-              <a:off x="6475412" y="1866446"/>
-              <a:ext cx="609600" cy="1295400"/>
-            </a:xfrm>
-            <a:prstGeom prst="rect">
-              <a:avLst/>
-            </a:prstGeom>
-            <a:solidFill>
-              <a:schemeClr val="accent1">
-                <a:lumMod val="20000"/>
-                <a:lumOff val="80000"/>
-              </a:schemeClr>
-            </a:solidFill>
-          </p:spPr>
-          <p:style>
-            <a:lnRef idx="2">
-              <a:schemeClr val="accent1">
-                <a:shade val="50000"/>
-              </a:schemeClr>
-            </a:lnRef>
-            <a:fillRef idx="1">
-              <a:schemeClr val="accent1"/>
-            </a:fillRef>
-            <a:effectRef idx="0">
-              <a:schemeClr val="accent1"/>
-            </a:effectRef>
-            <a:fontRef idx="minor">
-              <a:schemeClr val="lt1"/>
-            </a:fontRef>
-          </p:style>
-          <p:txBody>
-            <a:bodyPr rtlCol="0" anchor="ctr"/>
-            <a:lstStyle/>
-            <a:p>
-              <a:pPr algn="ctr"/>
-              <a:endParaRPr lang="en-US"/>
-            </a:p>
-          </p:txBody>
-        </p:sp>
-        <p:sp>
-          <p:nvSpPr>
-            <p:cNvPr id="29" name="Rectangle 28">
-              <a:extLst>
-                <a:ext uri="{FF2B5EF4-FFF2-40B4-BE49-F238E27FC236}">
-                  <a16:creationId xmlns:a16="http://schemas.microsoft.com/office/drawing/2014/main" id="{6A3025CF-672A-624D-96F5-615940B6ACD9}"/>
-                </a:ext>
-              </a:extLst>
-            </p:cNvPr>
-            <p:cNvSpPr/>
-            <p:nvPr/>
-          </p:nvSpPr>
-          <p:spPr>
-            <a:xfrm>
-              <a:off x="6475412" y="3167289"/>
-              <a:ext cx="609600" cy="1295400"/>
-            </a:xfrm>
-            <a:prstGeom prst="rect">
-              <a:avLst/>
-            </a:prstGeom>
-            <a:solidFill>
-              <a:schemeClr val="accent1">
-                <a:lumMod val="60000"/>
-                <a:lumOff val="40000"/>
-              </a:schemeClr>
-            </a:solidFill>
-          </p:spPr>
-          <p:style>
-            <a:lnRef idx="2">
-              <a:schemeClr val="accent1">
-                <a:shade val="50000"/>
-              </a:schemeClr>
-            </a:lnRef>
-            <a:fillRef idx="1">
-              <a:schemeClr val="accent1"/>
-            </a:fillRef>
-            <a:effectRef idx="0">
-              <a:schemeClr val="accent1"/>
-            </a:effectRef>
-            <a:fontRef idx="minor">
-              <a:schemeClr val="lt1"/>
-            </a:fontRef>
-          </p:style>
-          <p:txBody>
-            <a:bodyPr rtlCol="0" anchor="ctr"/>
-            <a:lstStyle/>
-            <a:p>
-              <a:pPr algn="ctr"/>
-              <a:endParaRPr lang="en-US"/>
-            </a:p>
-          </p:txBody>
-        </p:sp>
-        <p:sp>
-          <p:nvSpPr>
-            <p:cNvPr id="30" name="Rectangle 29">
-              <a:extLst>
-                <a:ext uri="{FF2B5EF4-FFF2-40B4-BE49-F238E27FC236}">
-                  <a16:creationId xmlns:a16="http://schemas.microsoft.com/office/drawing/2014/main" id="{8B259C0D-F14B-BA46-A076-ACBFD1ADD64A}"/>
-                </a:ext>
-              </a:extLst>
-            </p:cNvPr>
-            <p:cNvSpPr/>
-            <p:nvPr/>
-          </p:nvSpPr>
-          <p:spPr>
-            <a:xfrm>
-              <a:off x="6475412" y="4451349"/>
-              <a:ext cx="609600" cy="1295400"/>
-            </a:xfrm>
-            <a:prstGeom prst="rect">
-              <a:avLst/>
-            </a:prstGeom>
-          </p:spPr>
-          <p:style>
-            <a:lnRef idx="2">
-              <a:schemeClr val="accent1">
-                <a:shade val="50000"/>
-              </a:schemeClr>
-            </a:lnRef>
-            <a:fillRef idx="1">
-              <a:schemeClr val="accent1"/>
-            </a:fillRef>
-            <a:effectRef idx="0">
-              <a:schemeClr val="accent1"/>
-            </a:effectRef>
-            <a:fontRef idx="minor">
-              <a:schemeClr val="lt1"/>
-            </a:fontRef>
-          </p:style>
-          <p:txBody>
-            <a:bodyPr rtlCol="0" anchor="ctr"/>
-            <a:lstStyle/>
-            <a:p>
-              <a:pPr algn="ctr"/>
-              <a:endParaRPr lang="en-US"/>
-            </a:p>
-          </p:txBody>
-        </p:sp>
-        <p:sp>
-          <p:nvSpPr>
-            <p:cNvPr id="31" name="Right Arrow 30">
-              <a:extLst>
-                <a:ext uri="{FF2B5EF4-FFF2-40B4-BE49-F238E27FC236}">
-                  <a16:creationId xmlns:a16="http://schemas.microsoft.com/office/drawing/2014/main" id="{B5002997-563F-C64D-823B-7108B3B2D867}"/>
-                </a:ext>
-              </a:extLst>
-            </p:cNvPr>
-            <p:cNvSpPr/>
-            <p:nvPr/>
-          </p:nvSpPr>
-          <p:spPr>
-            <a:xfrm>
-              <a:off x="5408612" y="2286000"/>
-              <a:ext cx="1066800" cy="457200"/>
-            </a:xfrm>
-            <a:prstGeom prst="rightArrow">
-              <a:avLst/>
-            </a:prstGeom>
-            <a:solidFill>
-              <a:schemeClr val="accent1">
-                <a:lumMod val="20000"/>
-                <a:lumOff val="80000"/>
-              </a:schemeClr>
-            </a:solidFill>
-          </p:spPr>
-          <p:style>
-            <a:lnRef idx="2">
-              <a:schemeClr val="accent1">
-                <a:shade val="50000"/>
-              </a:schemeClr>
-            </a:lnRef>
-            <a:fillRef idx="1">
-              <a:schemeClr val="accent1"/>
-            </a:fillRef>
-            <a:effectRef idx="0">
-              <a:schemeClr val="accent1"/>
-            </a:effectRef>
-            <a:fontRef idx="minor">
-              <a:schemeClr val="lt1"/>
-            </a:fontRef>
-          </p:style>
-          <p:txBody>
-            <a:bodyPr rtlCol="0" anchor="ctr"/>
-            <a:lstStyle/>
-            <a:p>
-              <a:pPr algn="ctr"/>
-              <a:endParaRPr lang="en-US"/>
-            </a:p>
-          </p:txBody>
-        </p:sp>
-        <p:sp>
-          <p:nvSpPr>
-            <p:cNvPr id="34" name="Right Arrow 33">
-              <a:extLst>
-                <a:ext uri="{FF2B5EF4-FFF2-40B4-BE49-F238E27FC236}">
-                  <a16:creationId xmlns:a16="http://schemas.microsoft.com/office/drawing/2014/main" id="{85369A3E-DC83-8E4C-8B71-C79A49819129}"/>
-                </a:ext>
-              </a:extLst>
-            </p:cNvPr>
-            <p:cNvSpPr/>
-            <p:nvPr/>
-          </p:nvSpPr>
-          <p:spPr>
-            <a:xfrm>
-              <a:off x="4951412" y="3581400"/>
-              <a:ext cx="1524000" cy="457200"/>
-            </a:xfrm>
-            <a:prstGeom prst="rightArrow">
-              <a:avLst/>
-            </a:prstGeom>
-            <a:solidFill>
-              <a:schemeClr val="accent1">
-                <a:lumMod val="60000"/>
-                <a:lumOff val="40000"/>
-              </a:schemeClr>
-            </a:solidFill>
-          </p:spPr>
-          <p:style>
-            <a:lnRef idx="2">
-              <a:schemeClr val="accent1">
-                <a:shade val="50000"/>
-              </a:schemeClr>
-            </a:lnRef>
-            <a:fillRef idx="1">
-              <a:schemeClr val="accent1"/>
-            </a:fillRef>
-            <a:effectRef idx="0">
-              <a:schemeClr val="accent1"/>
-            </a:effectRef>
-            <a:fontRef idx="minor">
-              <a:schemeClr val="lt1"/>
-            </a:fontRef>
-          </p:style>
-          <p:txBody>
-            <a:bodyPr rtlCol="0" anchor="ctr"/>
-            <a:lstStyle/>
-            <a:p>
-              <a:pPr algn="ctr"/>
-              <a:endParaRPr lang="en-US"/>
-            </a:p>
-          </p:txBody>
-        </p:sp>
-        <p:sp>
-          <p:nvSpPr>
-            <p:cNvPr id="35" name="Right Arrow 34">
-              <a:extLst>
-                <a:ext uri="{FF2B5EF4-FFF2-40B4-BE49-F238E27FC236}">
-                  <a16:creationId xmlns:a16="http://schemas.microsoft.com/office/drawing/2014/main" id="{CE84C3DB-A3F8-714E-9D42-1B6053FA9834}"/>
-                </a:ext>
-              </a:extLst>
-            </p:cNvPr>
-            <p:cNvSpPr/>
-            <p:nvPr/>
-          </p:nvSpPr>
-          <p:spPr>
-            <a:xfrm>
-              <a:off x="4532312" y="4658178"/>
-              <a:ext cx="1943100" cy="457200"/>
-            </a:xfrm>
-            <a:prstGeom prst="rightArrow">
-              <a:avLst/>
-            </a:prstGeom>
-            <a:solidFill>
-              <a:schemeClr val="accent1"/>
-            </a:solidFill>
-          </p:spPr>
-          <p:style>
-            <a:lnRef idx="2">
-              <a:schemeClr val="accent1">
-                <a:shade val="50000"/>
-              </a:schemeClr>
-            </a:lnRef>
-            <a:fillRef idx="1">
-              <a:schemeClr val="accent1"/>
-            </a:fillRef>
-            <a:effectRef idx="0">
-              <a:schemeClr val="accent1"/>
-            </a:effectRef>
-            <a:fontRef idx="minor">
-              <a:schemeClr val="lt1"/>
-            </a:fontRef>
-          </p:style>
-          <p:txBody>
-            <a:bodyPr rtlCol="0" anchor="ctr"/>
-            <a:lstStyle/>
-            <a:p>
-              <a:pPr algn="ctr"/>
-              <a:endParaRPr lang="en-US"/>
-            </a:p>
-          </p:txBody>
-        </p:sp>
-        <p:sp>
-          <p:nvSpPr>
-            <p:cNvPr id="37" name="TextBox 36">
-              <a:extLst>
-                <a:ext uri="{FF2B5EF4-FFF2-40B4-BE49-F238E27FC236}">
-                  <a16:creationId xmlns:a16="http://schemas.microsoft.com/office/drawing/2014/main" id="{FF8F3D5B-FFCB-264F-B530-2B87697E62C1}"/>
-                </a:ext>
-              </a:extLst>
-            </p:cNvPr>
-            <p:cNvSpPr txBox="1"/>
-            <p:nvPr/>
-          </p:nvSpPr>
-          <p:spPr>
-            <a:xfrm rot="16200000">
-              <a:off x="5419153" y="2522167"/>
-              <a:ext cx="2758848" cy="1774887"/>
-            </a:xfrm>
-            <a:prstGeom prst="rect">
-              <a:avLst/>
-            </a:prstGeom>
-            <a:noFill/>
-          </p:spPr>
-          <p:txBody>
-            <a:bodyPr wrap="square" rtlCol="0">
-              <a:spAutoFit/>
-            </a:bodyPr>
-            <a:lstStyle/>
-            <a:p>
-              <a:endParaRPr lang="en-US" sz="3600" dirty="0"/>
-            </a:p>
-          </p:txBody>
-        </p:sp>
-        <p:sp>
-          <p:nvSpPr>
-            <p:cNvPr id="40" name="Rectangle 39">
-              <a:extLst>
-                <a:ext uri="{FF2B5EF4-FFF2-40B4-BE49-F238E27FC236}">
-                  <a16:creationId xmlns:a16="http://schemas.microsoft.com/office/drawing/2014/main" id="{82E3202B-70DB-BD45-B316-65BDE4CB83DC}"/>
-                </a:ext>
-              </a:extLst>
-            </p:cNvPr>
-            <p:cNvSpPr/>
-            <p:nvPr/>
-          </p:nvSpPr>
-          <p:spPr>
-            <a:xfrm>
-              <a:off x="8162618" y="1480004"/>
-              <a:ext cx="2159018" cy="4463595"/>
-            </a:xfrm>
-            <a:prstGeom prst="rect">
-              <a:avLst/>
-            </a:prstGeom>
-            <a:solidFill>
-              <a:schemeClr val="accent3">
-                <a:lumMod val="60000"/>
-                <a:lumOff val="40000"/>
-              </a:schemeClr>
-            </a:solidFill>
-          </p:spPr>
-          <p:style>
-            <a:lnRef idx="2">
-              <a:schemeClr val="accent1">
-                <a:shade val="50000"/>
-              </a:schemeClr>
-            </a:lnRef>
-            <a:fillRef idx="1">
-              <a:schemeClr val="accent1"/>
-            </a:fillRef>
-            <a:effectRef idx="0">
-              <a:schemeClr val="accent1"/>
-            </a:effectRef>
-            <a:fontRef idx="minor">
-              <a:schemeClr val="lt1"/>
-            </a:fontRef>
-          </p:style>
-          <p:txBody>
-            <a:bodyPr rtlCol="0" anchor="ctr"/>
-            <a:lstStyle/>
-            <a:p>
-              <a:pPr algn="ctr"/>
-              <a:endParaRPr lang="en-US"/>
-            </a:p>
-          </p:txBody>
-        </p:sp>
-        <p:sp>
-          <p:nvSpPr>
-            <p:cNvPr id="41" name="Rectangle 40">
-              <a:extLst>
-                <a:ext uri="{FF2B5EF4-FFF2-40B4-BE49-F238E27FC236}">
-                  <a16:creationId xmlns:a16="http://schemas.microsoft.com/office/drawing/2014/main" id="{BD30513C-1CD3-B347-8B56-DF749611502D}"/>
-                </a:ext>
-              </a:extLst>
-            </p:cNvPr>
-            <p:cNvSpPr/>
-            <p:nvPr/>
-          </p:nvSpPr>
-          <p:spPr>
-            <a:xfrm>
-              <a:off x="8692808" y="2002971"/>
-              <a:ext cx="1146211" cy="3511138"/>
-            </a:xfrm>
-            <a:prstGeom prst="rect">
-              <a:avLst/>
-            </a:prstGeom>
-            <a:solidFill>
-              <a:schemeClr val="accent3">
-                <a:lumMod val="20000"/>
-                <a:lumOff val="80000"/>
-              </a:schemeClr>
-            </a:solidFill>
-          </p:spPr>
-          <p:style>
-            <a:lnRef idx="2">
-              <a:schemeClr val="accent1">
-                <a:shade val="50000"/>
-              </a:schemeClr>
-            </a:lnRef>
-            <a:fillRef idx="1">
-              <a:schemeClr val="accent1"/>
-            </a:fillRef>
-            <a:effectRef idx="0">
-              <a:schemeClr val="accent1"/>
-            </a:effectRef>
-            <a:fontRef idx="minor">
-              <a:schemeClr val="lt1"/>
-            </a:fontRef>
-          </p:style>
-          <p:txBody>
-            <a:bodyPr rtlCol="0" anchor="ctr"/>
-            <a:lstStyle/>
-            <a:p>
-              <a:pPr algn="ctr"/>
-              <a:endParaRPr lang="en-US"/>
-            </a:p>
-          </p:txBody>
-        </p:sp>
-        <p:sp>
-          <p:nvSpPr>
-            <p:cNvPr id="42" name="Left Arrow 41">
-              <a:extLst>
-                <a:ext uri="{FF2B5EF4-FFF2-40B4-BE49-F238E27FC236}">
-                  <a16:creationId xmlns:a16="http://schemas.microsoft.com/office/drawing/2014/main" id="{194B9034-8C42-BB45-AC1D-B543269DB293}"/>
-                </a:ext>
-              </a:extLst>
-            </p:cNvPr>
-            <p:cNvSpPr/>
-            <p:nvPr/>
-          </p:nvSpPr>
-          <p:spPr>
-            <a:xfrm>
-              <a:off x="7121744" y="2514600"/>
-              <a:ext cx="1030068" cy="381000"/>
-            </a:xfrm>
-            <a:prstGeom prst="leftArrow">
-              <a:avLst/>
-            </a:prstGeom>
-            <a:solidFill>
-              <a:schemeClr val="accent3">
-                <a:lumMod val="60000"/>
-                <a:lumOff val="40000"/>
-              </a:schemeClr>
-            </a:solidFill>
-          </p:spPr>
-          <p:style>
-            <a:lnRef idx="2">
-              <a:schemeClr val="accent1">
-                <a:shade val="50000"/>
-              </a:schemeClr>
-            </a:lnRef>
-            <a:fillRef idx="1">
-              <a:schemeClr val="accent1"/>
-            </a:fillRef>
-            <a:effectRef idx="0">
-              <a:schemeClr val="accent1"/>
-            </a:effectRef>
-            <a:fontRef idx="minor">
-              <a:schemeClr val="lt1"/>
-            </a:fontRef>
-          </p:style>
-          <p:txBody>
-            <a:bodyPr rtlCol="0" anchor="ctr"/>
-            <a:lstStyle/>
-            <a:p>
-              <a:pPr algn="ctr"/>
-              <a:endParaRPr lang="en-US"/>
-            </a:p>
-          </p:txBody>
-        </p:sp>
-        <p:sp>
-          <p:nvSpPr>
-            <p:cNvPr id="43" name="Left Arrow 42">
-              <a:extLst>
-                <a:ext uri="{FF2B5EF4-FFF2-40B4-BE49-F238E27FC236}">
-                  <a16:creationId xmlns:a16="http://schemas.microsoft.com/office/drawing/2014/main" id="{745CB98C-5C84-5D46-899C-5CDDB7B2AA78}"/>
-                </a:ext>
-              </a:extLst>
-            </p:cNvPr>
-            <p:cNvSpPr/>
-            <p:nvPr/>
-          </p:nvSpPr>
-          <p:spPr>
-            <a:xfrm>
-              <a:off x="7110938" y="3581400"/>
-              <a:ext cx="1030068" cy="381000"/>
-            </a:xfrm>
-            <a:prstGeom prst="leftArrow">
-              <a:avLst/>
-            </a:prstGeom>
-            <a:solidFill>
-              <a:schemeClr val="accent3">
-                <a:lumMod val="60000"/>
-                <a:lumOff val="40000"/>
-              </a:schemeClr>
-            </a:solidFill>
-          </p:spPr>
-          <p:style>
-            <a:lnRef idx="2">
-              <a:schemeClr val="accent1">
-                <a:shade val="50000"/>
-              </a:schemeClr>
-            </a:lnRef>
-            <a:fillRef idx="1">
-              <a:schemeClr val="accent1"/>
-            </a:fillRef>
-            <a:effectRef idx="0">
-              <a:schemeClr val="accent1"/>
-            </a:effectRef>
-            <a:fontRef idx="minor">
-              <a:schemeClr val="lt1"/>
-            </a:fontRef>
-          </p:style>
-          <p:txBody>
-            <a:bodyPr rtlCol="0" anchor="ctr"/>
-            <a:lstStyle/>
-            <a:p>
-              <a:pPr algn="ctr"/>
-              <a:endParaRPr lang="en-US"/>
-            </a:p>
-          </p:txBody>
-        </p:sp>
-        <p:sp>
-          <p:nvSpPr>
-            <p:cNvPr id="44" name="Left Arrow 43">
-              <a:extLst>
-                <a:ext uri="{FF2B5EF4-FFF2-40B4-BE49-F238E27FC236}">
-                  <a16:creationId xmlns:a16="http://schemas.microsoft.com/office/drawing/2014/main" id="{4CBABD9D-C342-A944-8384-385805175F00}"/>
-                </a:ext>
-              </a:extLst>
-            </p:cNvPr>
-            <p:cNvSpPr/>
-            <p:nvPr/>
-          </p:nvSpPr>
-          <p:spPr>
-            <a:xfrm>
-              <a:off x="7100131" y="4762271"/>
-              <a:ext cx="1030068" cy="381000"/>
-            </a:xfrm>
-            <a:prstGeom prst="leftArrow">
-              <a:avLst/>
-            </a:prstGeom>
-            <a:solidFill>
-              <a:schemeClr val="accent3">
-                <a:lumMod val="60000"/>
-                <a:lumOff val="40000"/>
-              </a:schemeClr>
-            </a:solidFill>
-          </p:spPr>
-          <p:style>
-            <a:lnRef idx="2">
-              <a:schemeClr val="accent1">
-                <a:shade val="50000"/>
-              </a:schemeClr>
-            </a:lnRef>
-            <a:fillRef idx="1">
-              <a:schemeClr val="accent1"/>
-            </a:fillRef>
-            <a:effectRef idx="0">
-              <a:schemeClr val="accent1"/>
-            </a:effectRef>
-            <a:fontRef idx="minor">
-              <a:schemeClr val="lt1"/>
-            </a:fontRef>
-          </p:style>
-          <p:txBody>
-            <a:bodyPr rtlCol="0" anchor="ctr"/>
-            <a:lstStyle/>
-            <a:p>
-              <a:pPr algn="ctr"/>
-              <a:endParaRPr lang="en-US"/>
-            </a:p>
-          </p:txBody>
-        </p:sp>
-      </p:grpSp>
-      <p:sp>
-        <p:nvSpPr>
-          <p:cNvPr id="47" name="Title 1">
-            <a:extLst>
-              <a:ext uri="{FF2B5EF4-FFF2-40B4-BE49-F238E27FC236}">
-                <a16:creationId xmlns:a16="http://schemas.microsoft.com/office/drawing/2014/main" id="{5D5584A3-C3A5-EB44-8771-4EA39550AA87}"/>
-              </a:ext>
-            </a:extLst>
-          </p:cNvPr>
-          <p:cNvSpPr txBox="1">
-            <a:spLocks/>
-          </p:cNvSpPr>
-          <p:nvPr/>
-        </p:nvSpPr>
-        <p:spPr bwMode="auto">
-          <a:xfrm>
-            <a:off x="320509" y="174106"/>
-            <a:ext cx="10603171" cy="617451"/>
-          </a:xfrm>
-          <a:prstGeom prst="rect">
-            <a:avLst/>
-          </a:prstGeom>
-          <a:noFill/>
-          <a:ln w="9525">
-            <a:noFill/>
-            <a:miter lim="800000"/>
-            <a:headEnd/>
-            <a:tailEnd/>
-          </a:ln>
-        </p:spPr>
-        <p:txBody>
-          <a:bodyPr vert="horz" wrap="square" lIns="91440" tIns="45720" rIns="91440" bIns="45720" numCol="1" anchor="t" anchorCtr="0" compatLnSpc="1">
-            <a:prstTxWarp prst="textNoShape">
-              <a:avLst/>
-            </a:prstTxWarp>
-            <a:noAutofit/>
-          </a:bodyPr>
-          <a:lstStyle>
-            <a:lvl1pPr marL="0" indent="0" algn="l" rtl="0" eaLnBrk="1" fontAlgn="base" hangingPunct="1">
-              <a:lnSpc>
-                <a:spcPct val="85000"/>
-              </a:lnSpc>
-              <a:spcBef>
-                <a:spcPct val="0"/>
-              </a:spcBef>
-              <a:spcAft>
-                <a:spcPct val="0"/>
-              </a:spcAft>
-              <a:defRPr sz="2800" b="1" kern="1200" baseline="0">
-                <a:solidFill>
-                  <a:schemeClr val="tx1"/>
-                </a:solidFill>
-                <a:latin typeface="+mn-lt"/>
-                <a:ea typeface="+mj-ea"/>
-                <a:cs typeface="+mj-cs"/>
-              </a:defRPr>
-            </a:lvl1pPr>
-            <a:lvl2pPr algn="l" rtl="0" eaLnBrk="1" fontAlgn="base" hangingPunct="1">
-              <a:lnSpc>
-                <a:spcPct val="85000"/>
-              </a:lnSpc>
-              <a:spcBef>
-                <a:spcPct val="0"/>
-              </a:spcBef>
-              <a:spcAft>
-                <a:spcPct val="0"/>
-              </a:spcAft>
-              <a:defRPr sz="3000">
-                <a:solidFill>
-                  <a:srgbClr val="006C3A"/>
-                </a:solidFill>
-                <a:latin typeface="Arial Black" pitchFamily="34" charset="0"/>
-              </a:defRPr>
-            </a:lvl2pPr>
-            <a:lvl3pPr algn="l" rtl="0" eaLnBrk="1" fontAlgn="base" hangingPunct="1">
-              <a:lnSpc>
-                <a:spcPct val="85000"/>
-              </a:lnSpc>
-              <a:spcBef>
-                <a:spcPct val="0"/>
-              </a:spcBef>
-              <a:spcAft>
-                <a:spcPct val="0"/>
-              </a:spcAft>
-              <a:defRPr sz="3000">
-                <a:solidFill>
-                  <a:srgbClr val="006C3A"/>
-                </a:solidFill>
-                <a:latin typeface="Arial Black" pitchFamily="34" charset="0"/>
-              </a:defRPr>
-            </a:lvl3pPr>
-            <a:lvl4pPr algn="l" rtl="0" eaLnBrk="1" fontAlgn="base" hangingPunct="1">
-              <a:lnSpc>
-                <a:spcPct val="85000"/>
-              </a:lnSpc>
-              <a:spcBef>
-                <a:spcPct val="0"/>
-              </a:spcBef>
-              <a:spcAft>
-                <a:spcPct val="0"/>
-              </a:spcAft>
-              <a:defRPr sz="3000">
-                <a:solidFill>
-                  <a:srgbClr val="006C3A"/>
-                </a:solidFill>
-                <a:latin typeface="Arial Black" pitchFamily="34" charset="0"/>
-              </a:defRPr>
-            </a:lvl4pPr>
-            <a:lvl5pPr algn="l" rtl="0" eaLnBrk="1" fontAlgn="base" hangingPunct="1">
-              <a:lnSpc>
-                <a:spcPct val="85000"/>
-              </a:lnSpc>
-              <a:spcBef>
-                <a:spcPct val="0"/>
-              </a:spcBef>
-              <a:spcAft>
-                <a:spcPct val="0"/>
-              </a:spcAft>
-              <a:defRPr sz="3000">
-                <a:solidFill>
-                  <a:srgbClr val="006C3A"/>
-                </a:solidFill>
-                <a:latin typeface="Arial Black" pitchFamily="34" charset="0"/>
-              </a:defRPr>
-            </a:lvl5pPr>
-            <a:lvl6pPr marL="457200" algn="l" rtl="0" eaLnBrk="1" fontAlgn="base" hangingPunct="1">
-              <a:lnSpc>
-                <a:spcPct val="85000"/>
-              </a:lnSpc>
-              <a:spcBef>
-                <a:spcPct val="0"/>
-              </a:spcBef>
-              <a:spcAft>
-                <a:spcPct val="0"/>
-              </a:spcAft>
-              <a:defRPr sz="3000">
-                <a:solidFill>
-                  <a:srgbClr val="006C3A"/>
-                </a:solidFill>
-                <a:latin typeface="Arial Black" pitchFamily="34" charset="0"/>
-              </a:defRPr>
-            </a:lvl6pPr>
-            <a:lvl7pPr marL="914400" algn="l" rtl="0" eaLnBrk="1" fontAlgn="base" hangingPunct="1">
-              <a:lnSpc>
-                <a:spcPct val="85000"/>
-              </a:lnSpc>
-              <a:spcBef>
-                <a:spcPct val="0"/>
-              </a:spcBef>
-              <a:spcAft>
-                <a:spcPct val="0"/>
-              </a:spcAft>
-              <a:defRPr sz="3000">
-                <a:solidFill>
-                  <a:srgbClr val="006C3A"/>
-                </a:solidFill>
-                <a:latin typeface="Arial Black" pitchFamily="34" charset="0"/>
-              </a:defRPr>
-            </a:lvl7pPr>
-            <a:lvl8pPr marL="1371600" algn="l" rtl="0" eaLnBrk="1" fontAlgn="base" hangingPunct="1">
-              <a:lnSpc>
-                <a:spcPct val="85000"/>
-              </a:lnSpc>
-              <a:spcBef>
-                <a:spcPct val="0"/>
-              </a:spcBef>
-              <a:spcAft>
-                <a:spcPct val="0"/>
-              </a:spcAft>
-              <a:defRPr sz="3000">
-                <a:solidFill>
-                  <a:srgbClr val="006C3A"/>
-                </a:solidFill>
-                <a:latin typeface="Arial Black" pitchFamily="34" charset="0"/>
-              </a:defRPr>
-            </a:lvl8pPr>
-            <a:lvl9pPr marL="1828800" algn="l" rtl="0" eaLnBrk="1" fontAlgn="base" hangingPunct="1">
-              <a:lnSpc>
-                <a:spcPct val="85000"/>
-              </a:lnSpc>
-              <a:spcBef>
-                <a:spcPct val="0"/>
-              </a:spcBef>
-              <a:spcAft>
-                <a:spcPct val="0"/>
-              </a:spcAft>
-              <a:defRPr sz="3000">
-                <a:solidFill>
-                  <a:srgbClr val="006C3A"/>
-                </a:solidFill>
-                <a:latin typeface="Arial Black" pitchFamily="34" charset="0"/>
-              </a:defRPr>
-            </a:lvl9pPr>
-          </a:lstStyle>
-          <a:p>
-            <a:r>
-              <a:rPr lang="en-US" sz="4000"/>
-              <a:t>Example: Architecting Multiphysics PDEs</a:t>
-            </a:r>
-            <a:endParaRPr lang="en-US" sz="4000" dirty="0"/>
-          </a:p>
-        </p:txBody>
-      </p:sp>
-    </p:spTree>
-    <p:extLst>
-      <p:ext uri="{BB962C8B-B14F-4D97-AF65-F5344CB8AC3E}">
-        <p14:creationId xmlns:p14="http://schemas.microsoft.com/office/powerpoint/2010/main" val="4134806287"/>
-      </p:ext>
-    </p:extLst>
-  </p:cSld>
-  <p:clrMapOvr>
-    <a:masterClrMapping/>
-  </p:clrMapOvr>
-</p:sld>
-</file>
-
-<file path=ppt/slides/slide28.xml><?xml version="1.0" encoding="utf-8"?>
-<p:sld xmlns:a="http://schemas.openxmlformats.org/drawingml/2006/main" xmlns:r="http://schemas.openxmlformats.org/officeDocument/2006/relationships" xmlns:p="http://schemas.openxmlformats.org/presentationml/2006/main">
-  <p:cSld>
-    <p:spTree>
-      <p:nvGrpSpPr>
-        <p:cNvPr id="1" name=""/>
-        <p:cNvGrpSpPr/>
-        <p:nvPr/>
-      </p:nvGrpSpPr>
-      <p:grpSpPr>
-        <a:xfrm>
-          <a:off x="0" y="0"/>
-          <a:ext cx="0" cy="0"/>
-          <a:chOff x="0" y="0"/>
-          <a:chExt cx="0" cy="0"/>
-        </a:xfrm>
-      </p:grpSpPr>
-      <p:sp>
-        <p:nvSpPr>
-          <p:cNvPr id="51203" name="Title 1"/>
-          <p:cNvSpPr>
-            <a:spLocks noGrp="1"/>
-          </p:cNvSpPr>
-          <p:nvPr>
-            <p:ph type="title"/>
-          </p:nvPr>
-        </p:nvSpPr>
-        <p:spPr>
-          <a:xfrm>
-            <a:off x="1067268" y="220141"/>
-            <a:ext cx="7772400" cy="674688"/>
-          </a:xfrm>
-        </p:spPr>
-        <p:txBody>
-          <a:bodyPr>
-            <a:noAutofit/>
-          </a:bodyPr>
-          <a:lstStyle/>
-          <a:p>
-            <a:r>
-              <a:rPr lang="en-US" sz="4000" dirty="0"/>
-              <a:t>Other Considerations</a:t>
-            </a:r>
-          </a:p>
-        </p:txBody>
-      </p:sp>
-      <p:sp>
-        <p:nvSpPr>
-          <p:cNvPr id="51202" name="Content Placeholder 3"/>
-          <p:cNvSpPr>
-            <a:spLocks noGrp="1"/>
-          </p:cNvSpPr>
-          <p:nvPr>
-            <p:ph sz="half" idx="1"/>
-          </p:nvPr>
-        </p:nvSpPr>
-        <p:spPr>
-          <a:xfrm>
-            <a:off x="693175" y="1047135"/>
-            <a:ext cx="10146890" cy="3936736"/>
-          </a:xfrm>
-        </p:spPr>
-        <p:txBody>
-          <a:bodyPr>
-            <a:normAutofit fontScale="92500"/>
-          </a:bodyPr>
-          <a:lstStyle/>
-          <a:p>
-            <a:r>
-              <a:rPr lang="en-US" dirty="0"/>
-              <a:t>Leverage existing software</a:t>
-            </a:r>
-          </a:p>
-          <a:p>
-            <a:pPr lvl="1"/>
-            <a:r>
-              <a:rPr lang="en-US" dirty="0"/>
-              <a:t>Libraries may have better solvers </a:t>
-            </a:r>
-          </a:p>
-          <a:p>
-            <a:pPr lvl="2"/>
-            <a:r>
-              <a:rPr lang="en-US" dirty="0"/>
-              <a:t>Off-load expertise and maintenance</a:t>
-            </a:r>
-          </a:p>
-          <a:p>
-            <a:pPr lvl="1"/>
-            <a:r>
-              <a:rPr lang="en-US" dirty="0"/>
-              <a:t>Examine the interoperability constraints</a:t>
-            </a:r>
-          </a:p>
-          <a:p>
-            <a:pPr lvl="2"/>
-            <a:r>
-              <a:rPr lang="en-US" dirty="0"/>
-              <a:t>Many times the cost is justified even if there is more data movement</a:t>
-            </a:r>
-          </a:p>
-          <a:p>
-            <a:r>
-              <a:rPr lang="en-US" dirty="0"/>
-              <a:t>More available packages are attempting to achieve interoperability</a:t>
-            </a:r>
-          </a:p>
-          <a:p>
-            <a:pPr lvl="1"/>
-            <a:r>
-              <a:rPr lang="en-US" dirty="0"/>
-              <a:t>See if a combination meets your requirements</a:t>
-            </a:r>
-          </a:p>
-          <a:p>
-            <a:r>
-              <a:rPr lang="en-US" dirty="0"/>
-              <a:t>May be worthwhile to let the library dictate data layout if the corresponding operations dominate</a:t>
-            </a:r>
-          </a:p>
-        </p:txBody>
-      </p:sp>
-      <p:sp>
-        <p:nvSpPr>
-          <p:cNvPr id="2" name="Rectangle 1"/>
-          <p:cNvSpPr/>
-          <p:nvPr/>
-        </p:nvSpPr>
-        <p:spPr>
-          <a:xfrm>
-            <a:off x="693174" y="4983871"/>
-            <a:ext cx="10146891" cy="826994"/>
-          </a:xfrm>
-          <a:prstGeom prst="rect">
-            <a:avLst/>
-          </a:prstGeom>
-          <a:solidFill>
-            <a:schemeClr val="tx2">
-              <a:lumMod val="60000"/>
-              <a:lumOff val="40000"/>
-            </a:schemeClr>
-          </a:solidFill>
-        </p:spPr>
-        <p:style>
-          <a:lnRef idx="1">
-            <a:schemeClr val="accent1"/>
-          </a:lnRef>
-          <a:fillRef idx="3">
-            <a:schemeClr val="accent1"/>
-          </a:fillRef>
-          <a:effectRef idx="2">
-            <a:schemeClr val="accent1"/>
-          </a:effectRef>
-          <a:fontRef idx="minor">
-            <a:schemeClr val="lt1"/>
-          </a:fontRef>
-        </p:style>
-        <p:txBody>
-          <a:bodyPr rtlCol="0" anchor="ctr"/>
-          <a:lstStyle/>
-          <a:p>
-            <a:pPr algn="ctr"/>
-            <a:r>
-              <a:rPr lang="en-US" sz="3200" dirty="0">
-                <a:solidFill>
-                  <a:schemeClr val="tx1"/>
-                </a:solidFill>
-              </a:rPr>
-              <a:t>Institute a rigorous verification regime at the outset</a:t>
-            </a:r>
-          </a:p>
-        </p:txBody>
-      </p:sp>
-    </p:spTree>
-    <p:extLst>
-      <p:ext uri="{BB962C8B-B14F-4D97-AF65-F5344CB8AC3E}">
-        <p14:creationId xmlns:p14="http://schemas.microsoft.com/office/powerpoint/2010/main" val="435531034"/>
-      </p:ext>
-    </p:extLst>
-  </p:cSld>
-  <p:clrMapOvr>
-    <a:masterClrMapping/>
-  </p:clrMapOvr>
-  <p:transition/>
-  <p:timing>
-    <p:tnLst>
-      <p:par>
-        <p:cTn id="1" dur="indefinite" restart="never" nodeType="tmRoot">
-          <p:childTnLst>
-            <p:seq concurrent="1" nextAc="seek">
-              <p:cTn id="2" dur="indefinite" nodeType="mainSeq">
-                <p:childTnLst>
-                  <p:par>
-                    <p:cTn id="3" fill="hold">
-                      <p:stCondLst>
-                        <p:cond delay="indefinite"/>
-                      </p:stCondLst>
-                      <p:childTnLst>
-                        <p:par>
-                          <p:cTn id="4" fill="hold">
-                            <p:stCondLst>
-                              <p:cond delay="0"/>
-                            </p:stCondLst>
-                            <p:childTnLst>
-                              <p:par>
-                                <p:cTn id="5" presetID="1" presetClass="entr" presetSubtype="0" fill="hold" grpId="0" nodeType="clickEffect">
-                                  <p:stCondLst>
-                                    <p:cond delay="0"/>
-                                  </p:stCondLst>
-                                  <p:childTnLst>
-                                    <p:set>
-                                      <p:cBhvr>
-                                        <p:cTn id="6" dur="1" fill="hold">
-                                          <p:stCondLst>
-                                            <p:cond delay="0"/>
-                                          </p:stCondLst>
-                                        </p:cTn>
-                                        <p:tgtEl>
-                                          <p:spTgt spid="2"/>
-                                        </p:tgtEl>
-                                        <p:attrNameLst>
-                                          <p:attrName>style.visibility</p:attrName>
-                                        </p:attrNameLst>
-                                      </p:cBhvr>
-                                      <p:to>
-                                        <p:strVal val="visible"/>
-                                      </p:to>
-                                    </p:set>
-                                  </p:childTnLst>
-                                </p:cTn>
-                              </p:par>
-                            </p:childTnLst>
-                          </p:cTn>
-                        </p:par>
-                      </p:childTnLst>
-                    </p:cTn>
-                  </p:par>
-                </p:childTnLst>
-              </p:cTn>
-              <p:prevCondLst>
-                <p:cond evt="onPrev" delay="0">
-                  <p:tgtEl>
-                    <p:sldTgt/>
-                  </p:tgtEl>
-                </p:cond>
-              </p:prevCondLst>
-              <p:nextCondLst>
-                <p:cond evt="onNext" delay="0">
-                  <p:tgtEl>
-                    <p:sldTgt/>
-                  </p:tgtEl>
-                </p:cond>
-              </p:nextCondLst>
-            </p:seq>
-          </p:childTnLst>
-        </p:cTn>
-      </p:par>
-    </p:tnLst>
-    <p:bldLst>
-      <p:bldP spid="2" grpId="0" animBg="1"/>
-    </p:bldLst>
-  </p:timing>
-</p:sld>
-</file>
-
-<file path=ppt/slides/slide29.xml><?xml version="1.0" encoding="utf-8"?>
 <p:sld xmlns:a="http://schemas.openxmlformats.org/drawingml/2006/main" xmlns:r="http://schemas.openxmlformats.org/officeDocument/2006/relationships" xmlns:p="http://schemas.openxmlformats.org/presentationml/2006/main">
   <p:cSld>
     <p:spTree>
@@ -22922,12 +15930,12 @@
   </p:clrMapOvr>
   <mc:AlternateContent xmlns:mc="http://schemas.openxmlformats.org/markup-compatibility/2006" xmlns:p14="http://schemas.microsoft.com/office/powerpoint/2010/main">
     <mc:Choice Requires="p14">
-      <p:transition p14:dur="250">
+      <p:transition p14:dur="250" advTm="161866">
         <p:fade/>
       </p:transition>
     </mc:Choice>
     <mc:Fallback xmlns="">
-      <p:transition>
+      <p:transition advTm="161866">
         <p:fade/>
       </p:transition>
     </mc:Fallback>
@@ -23130,6 +16138,14 @@
   <p:clrMapOvr>
     <a:masterClrMapping/>
   </p:clrMapOvr>
+  <mc:AlternateContent xmlns:mc="http://schemas.openxmlformats.org/markup-compatibility/2006" xmlns:p14="http://schemas.microsoft.com/office/powerpoint/2010/main">
+    <mc:Choice Requires="p14">
+      <p:transition spd="slow" p14:dur="2000" advTm="35673"/>
+    </mc:Choice>
+    <mc:Fallback xmlns="">
+      <p:transition spd="slow" advTm="35673"/>
+    </mc:Fallback>
+  </mc:AlternateContent>
 </p:sld>
 </file>
 
@@ -23386,6 +16402,14 @@
   <p:clrMapOvr>
     <a:masterClrMapping/>
   </p:clrMapOvr>
+  <mc:AlternateContent xmlns:mc="http://schemas.openxmlformats.org/markup-compatibility/2006" xmlns:p14="http://schemas.microsoft.com/office/powerpoint/2010/main">
+    <mc:Choice Requires="p14">
+      <p:transition spd="slow" p14:dur="2000" advTm="3724"/>
+    </mc:Choice>
+    <mc:Fallback xmlns="">
+      <p:transition spd="slow" advTm="3724"/>
+    </mc:Fallback>
+  </mc:AlternateContent>
 </p:sld>
 </file>
 
@@ -23768,6 +16792,14 @@
   <p:clrMapOvr>
     <a:masterClrMapping/>
   </p:clrMapOvr>
+  <mc:AlternateContent xmlns:mc="http://schemas.openxmlformats.org/markup-compatibility/2006" xmlns:p14="http://schemas.microsoft.com/office/powerpoint/2010/main">
+    <mc:Choice Requires="p14">
+      <p:transition spd="slow" p14:dur="2000" advTm="28285"/>
+    </mc:Choice>
+    <mc:Fallback xmlns="">
+      <p:transition spd="slow" advTm="28285"/>
+    </mc:Fallback>
+  </mc:AlternateContent>
 </p:sld>
 </file>
 
@@ -24208,6 +17240,14 @@
   <p:clrMapOvr>
     <a:masterClrMapping/>
   </p:clrMapOvr>
+  <mc:AlternateContent xmlns:mc="http://schemas.openxmlformats.org/markup-compatibility/2006" xmlns:p14="http://schemas.microsoft.com/office/powerpoint/2010/main">
+    <mc:Choice Requires="p14">
+      <p:transition spd="slow" p14:dur="2000" advTm="61942"/>
+    </mc:Choice>
+    <mc:Fallback xmlns="">
+      <p:transition spd="slow" advTm="61942"/>
+    </mc:Fallback>
+  </mc:AlternateContent>
 </p:sld>
 </file>
 
@@ -24392,6 +17432,14 @@
   <p:clrMapOvr>
     <a:masterClrMapping/>
   </p:clrMapOvr>
+  <mc:AlternateContent xmlns:mc="http://schemas.openxmlformats.org/markup-compatibility/2006" xmlns:p14="http://schemas.microsoft.com/office/powerpoint/2010/main">
+    <mc:Choice Requires="p14">
+      <p:transition spd="slow" p14:dur="2000" advTm="28822"/>
+    </mc:Choice>
+    <mc:Fallback xmlns="">
+      <p:transition spd="slow" advTm="28822"/>
+    </mc:Fallback>
+  </mc:AlternateContent>
 </p:sld>
 </file>
 
@@ -24645,6 +17693,14 @@
   <p:clrMapOvr>
     <a:masterClrMapping/>
   </p:clrMapOvr>
+  <mc:AlternateContent xmlns:mc="http://schemas.openxmlformats.org/markup-compatibility/2006" xmlns:p14="http://schemas.microsoft.com/office/powerpoint/2010/main">
+    <mc:Choice Requires="p14">
+      <p:transition spd="slow" p14:dur="2000" advTm="59186"/>
+    </mc:Choice>
+    <mc:Fallback xmlns="">
+      <p:transition spd="slow" advTm="59186"/>
+    </mc:Fallback>
+  </mc:AlternateContent>
 </p:sld>
 </file>
 
@@ -25024,7 +18080,21 @@
   <p:clrMapOvr>
     <a:masterClrMapping/>
   </p:clrMapOvr>
+  <mc:AlternateContent xmlns:mc="http://schemas.openxmlformats.org/markup-compatibility/2006" xmlns:p14="http://schemas.microsoft.com/office/powerpoint/2010/main">
+    <mc:Choice Requires="p14">
+      <p:transition spd="slow" p14:dur="2000" advTm="20378"/>
+    </mc:Choice>
+    <mc:Fallback xmlns="">
+      <p:transition spd="slow" advTm="20378"/>
+    </mc:Fallback>
+  </mc:AlternateContent>
 </p:sld>
+</file>
+
+<file path=ppt/tags/tag1.xml><?xml version="1.0" encoding="utf-8"?>
+<p:tagLst xmlns:a="http://schemas.openxmlformats.org/drawingml/2006/main" xmlns:r="http://schemas.openxmlformats.org/officeDocument/2006/relationships" xmlns:p="http://schemas.openxmlformats.org/presentationml/2006/main">
+  <p:tag name="TIMING" val="|174.3"/>
+</p:tagLst>
 </file>
 
 <file path=ppt/theme/theme1.xml><?xml version="1.0" encoding="utf-8"?>
@@ -25940,18 +19010,18 @@
 </file>
 
 <file path=customXml/item1.xml><?xml version="1.0" encoding="utf-8"?>
-<p:properties xmlns:p="http://schemas.microsoft.com/office/2006/metadata/properties" xmlns:xsi="http://www.w3.org/2001/XMLSchema-instance" xmlns:pc="http://schemas.microsoft.com/office/infopath/2007/PartnerControls">
-  <documentManagement/>
-</p:properties>
-</file>
-
-<file path=customXml/item2.xml><?xml version="1.0" encoding="utf-8"?>
 <?mso-contentType ?>
 <FormTemplates xmlns="http://schemas.microsoft.com/sharepoint/v3/contenttype/forms">
   <Display>DocumentLibraryForm</Display>
   <Edit>DocumentLibraryForm</Edit>
   <New>DocumentLibraryForm</New>
 </FormTemplates>
+</file>
+
+<file path=customXml/item2.xml><?xml version="1.0" encoding="utf-8"?>
+<p:properties xmlns:p="http://schemas.microsoft.com/office/2006/metadata/properties" xmlns:xsi="http://www.w3.org/2001/XMLSchema-instance" xmlns:pc="http://schemas.microsoft.com/office/infopath/2007/PartnerControls">
+  <documentManagement/>
+</p:properties>
 </file>
 
 <file path=customXml/item3.xml><?xml version="1.0" encoding="utf-8"?>
@@ -26004,6 +19074,14 @@
 </file>
 
 <file path=customXml/itemProps1.xml><?xml version="1.0" encoding="utf-8"?>
+<ds:datastoreItem xmlns:ds="http://schemas.openxmlformats.org/officeDocument/2006/customXml" ds:itemID="{19E20559-B232-4371-8690-E3D8007EDB82}">
+  <ds:schemaRefs>
+    <ds:schemaRef ds:uri="http://schemas.microsoft.com/sharepoint/v3/contenttype/forms"/>
+  </ds:schemaRefs>
+</ds:datastoreItem>
+</file>
+
+<file path=customXml/itemProps2.xml><?xml version="1.0" encoding="utf-8"?>
 <ds:datastoreItem xmlns:ds="http://schemas.openxmlformats.org/officeDocument/2006/customXml" ds:itemID="{A50EC660-24D0-43A0-AE5E-E274115E726B}">
   <ds:schemaRefs>
     <ds:schemaRef ds:uri="http://purl.org/dc/terms/"/>
@@ -26014,14 +19092,6 @@
     <ds:schemaRef ds:uri="http://www.w3.org/XML/1998/namespace"/>
     <ds:schemaRef ds:uri="http://purl.org/dc/dcmitype/"/>
     <ds:schemaRef ds:uri="http://schemas.microsoft.com/office/infopath/2007/PartnerControls"/>
-  </ds:schemaRefs>
-</ds:datastoreItem>
-</file>
-
-<file path=customXml/itemProps2.xml><?xml version="1.0" encoding="utf-8"?>
-<ds:datastoreItem xmlns:ds="http://schemas.openxmlformats.org/officeDocument/2006/customXml" ds:itemID="{19E20559-B232-4371-8690-E3D8007EDB82}">
-  <ds:schemaRefs>
-    <ds:schemaRef ds:uri="http://schemas.microsoft.com/sharepoint/v3/contenttype/forms"/>
   </ds:schemaRefs>
 </ds:datastoreItem>
 </file>
